--- a/hw01.pptx
+++ b/hw01.pptx
@@ -2,10 +2,18 @@
 <file path=ppt/presentation.xml><?xml version="1.0" encoding="utf-8"?>
 <p:presentation xmlns:a="http://schemas.openxmlformats.org/drawingml/2006/main" xmlns:r="http://schemas.openxmlformats.org/officeDocument/2006/relationships" xmlns:p="http://schemas.openxmlformats.org/presentationml/2006/main" saveSubsetFonts="1">
   <p:sldMasterIdLst>
-    <p:sldMasterId id="2147483648" r:id="rId1"/>
+    <p:sldMasterId id="2147483660" r:id="rId1"/>
   </p:sldMasterIdLst>
   <p:sldIdLst>
     <p:sldId id="256" r:id="rId2"/>
+    <p:sldId id="257" r:id="rId3"/>
+    <p:sldId id="265" r:id="rId4"/>
+    <p:sldId id="266" r:id="rId5"/>
+    <p:sldId id="260" r:id="rId6"/>
+    <p:sldId id="261" r:id="rId7"/>
+    <p:sldId id="262" r:id="rId8"/>
+    <p:sldId id="263" r:id="rId9"/>
+    <p:sldId id="264" r:id="rId10"/>
   </p:sldIdLst>
   <p:sldSz cx="12192000" cy="6858000"/>
   <p:notesSz cx="6858000" cy="9144000"/>
@@ -104,12 +112,27 @@
       </a:defRPr>
     </a:lvl9pPr>
   </p:defaultTextStyle>
+  <p:extLst>
+    <p:ext uri="{EFAFB233-063F-42B5-8137-9DF3F51BA10A}">
+      <p15:sldGuideLst xmlns:p15="http://schemas.microsoft.com/office/powerpoint/2012/main"/>
+    </p:ext>
+  </p:extLst>
 </p:presentation>
+</file>
+
+<file path=ppt/revisionInfo.xml><?xml version="1.0" encoding="utf-8"?>
+<p1510:revInfo xmlns:a="http://schemas.openxmlformats.org/drawingml/2006/main" xmlns:r="http://schemas.openxmlformats.org/officeDocument/2006/relationships" xmlns:p1510="http://schemas.microsoft.com/office/powerpoint/2015/10/main">
+  <p1510:revLst>
+    <p1510:client id="{A97B7DCA-5EC1-A75B-5F5A-7B5187D64DC2}" v="292" dt="2024-10-14T12:25:08.116"/>
+    <p1510:client id="{CC34AC1E-C651-DFBB-7921-F3E2A3B52033}" v="421" dt="2024-10-13T14:06:25.099"/>
+    <p1510:client id="{F93019F1-8F46-33CE-D6D0-56CC716353CB}" v="102" dt="2024-10-14T12:30:58.671"/>
+  </p1510:revLst>
+</p1510:revInfo>
 </file>
 
 <file path=ppt/slideLayouts/slideLayout1.xml><?xml version="1.0" encoding="utf-8"?>
 <p:sldLayout xmlns:a="http://schemas.openxmlformats.org/drawingml/2006/main" xmlns:r="http://schemas.openxmlformats.org/officeDocument/2006/relationships" xmlns:p="http://schemas.openxmlformats.org/presentationml/2006/main" type="title" preserve="1">
-  <p:cSld name="標題投影片">
+  <p:cSld name="Title Slide">
     <p:spTree>
       <p:nvGrpSpPr>
         <p:cNvPr id="1" name=""/>
@@ -126,10 +149,10 @@
       </p:grpSpPr>
       <p:sp>
         <p:nvSpPr>
-          <p:cNvPr id="2" name="標題 1">
-            <a:extLst>
-              <a:ext uri="{FF2B5EF4-FFF2-40B4-BE49-F238E27FC236}">
-                <a16:creationId xmlns:a16="http://schemas.microsoft.com/office/drawing/2014/main" id="{EB5CC918-B447-434E-B98E-5847BB49C259}"/>
+          <p:cNvPr id="2" name="Title 1">
+            <a:extLst>
+              <a:ext uri="{FF2B5EF4-FFF2-40B4-BE49-F238E27FC236}">
+                <a16:creationId xmlns:a16="http://schemas.microsoft.com/office/drawing/2014/main" id="{2430F8CF-692C-4963-8B5E-D1C0928CF160}"/>
               </a:ext>
             </a:extLst>
           </p:cNvPr>
@@ -142,31 +165,31 @@
         </p:nvSpPr>
         <p:spPr>
           <a:xfrm>
-            <a:off x="1524000" y="1122363"/>
-            <a:ext cx="9144000" cy="2387600"/>
+            <a:off x="1429612" y="1013984"/>
+            <a:ext cx="7714388" cy="3260635"/>
           </a:xfrm>
         </p:spPr>
         <p:txBody>
           <a:bodyPr anchor="b"/>
           <a:lstStyle>
-            <a:lvl1pPr algn="ctr">
-              <a:defRPr sz="6000"/>
+            <a:lvl1pPr algn="l">
+              <a:defRPr sz="2800"/>
             </a:lvl1pPr>
           </a:lstStyle>
           <a:p>
             <a:r>
-              <a:rPr lang="zh-TW" altLang="en-US"/>
-              <a:t>按一下以編輯母片標題樣式</a:t>
-            </a:r>
-          </a:p>
-        </p:txBody>
-      </p:sp>
-      <p:sp>
-        <p:nvSpPr>
-          <p:cNvPr id="3" name="副標題 2">
-            <a:extLst>
-              <a:ext uri="{FF2B5EF4-FFF2-40B4-BE49-F238E27FC236}">
-                <a16:creationId xmlns:a16="http://schemas.microsoft.com/office/drawing/2014/main" id="{817FCC70-CC4E-4CB6-B2CF-9FDA5AC4D346}"/>
+              <a:rPr lang="en-US" dirty="0"/>
+              <a:t>Click to edit Master title style</a:t>
+            </a:r>
+          </a:p>
+        </p:txBody>
+      </p:sp>
+      <p:sp>
+        <p:nvSpPr>
+          <p:cNvPr id="3" name="Subtitle 2">
+            <a:extLst>
+              <a:ext uri="{FF2B5EF4-FFF2-40B4-BE49-F238E27FC236}">
+                <a16:creationId xmlns:a16="http://schemas.microsoft.com/office/drawing/2014/main" id="{9F419655-1613-4CC0-BBE9-BD2CB2C3C766}"/>
               </a:ext>
             </a:extLst>
           </p:cNvPr>
@@ -179,20 +202,22 @@
         </p:nvSpPr>
         <p:spPr>
           <a:xfrm>
-            <a:off x="1524000" y="3602038"/>
-            <a:ext cx="9144000" cy="1655762"/>
+            <a:off x="1429612" y="4848464"/>
+            <a:ext cx="7714388" cy="1085849"/>
           </a:xfrm>
         </p:spPr>
         <p:txBody>
-          <a:bodyPr/>
+          <a:bodyPr>
+            <a:normAutofit/>
+          </a:bodyPr>
           <a:lstStyle>
-            <a:lvl1pPr marL="0" indent="0" algn="ctr">
-              <a:buNone/>
-              <a:defRPr sz="2400"/>
+            <a:lvl1pPr marL="0" indent="0" algn="l">
+              <a:buNone/>
+              <a:defRPr sz="1800"/>
             </a:lvl1pPr>
             <a:lvl2pPr marL="457200" indent="0" algn="ctr">
               <a:buNone/>
-              <a:defRPr sz="2000"/>
+              <a:defRPr sz="1800"/>
             </a:lvl2pPr>
             <a:lvl3pPr marL="914400" indent="0" algn="ctr">
               <a:buNone/>
@@ -225,18 +250,18 @@
           </a:lstStyle>
           <a:p>
             <a:r>
-              <a:rPr lang="zh-TW" altLang="en-US"/>
-              <a:t>按一下以編輯母片子標題樣式</a:t>
-            </a:r>
-          </a:p>
-        </p:txBody>
-      </p:sp>
-      <p:sp>
-        <p:nvSpPr>
-          <p:cNvPr id="4" name="日期版面配置區 3">
-            <a:extLst>
-              <a:ext uri="{FF2B5EF4-FFF2-40B4-BE49-F238E27FC236}">
-                <a16:creationId xmlns:a16="http://schemas.microsoft.com/office/drawing/2014/main" id="{BD08F018-0004-4322-AD0F-E6E740964233}"/>
+              <a:rPr lang="en-US" dirty="0"/>
+              <a:t>Click to edit Master subtitle style</a:t>
+            </a:r>
+          </a:p>
+        </p:txBody>
+      </p:sp>
+      <p:sp>
+        <p:nvSpPr>
+          <p:cNvPr id="4" name="Date Placeholder 3">
+            <a:extLst>
+              <a:ext uri="{FF2B5EF4-FFF2-40B4-BE49-F238E27FC236}">
+                <a16:creationId xmlns:a16="http://schemas.microsoft.com/office/drawing/2014/main" id="{40267FFF-6BC4-4DF0-BC55-B2C3BFD8ED12}"/>
               </a:ext>
             </a:extLst>
           </p:cNvPr>
@@ -252,20 +277,20 @@
           <a:bodyPr/>
           <a:lstStyle/>
           <a:p>
-            <a:fld id="{C3C90D7E-32D6-4894-AE08-7BBB3E610FC9}" type="datetimeFigureOut">
-              <a:rPr lang="zh-TW" altLang="en-US" smtClean="0"/>
-              <a:t>2024/9/16</a:t>
+            <a:fld id="{C4270120-CDFC-48DE-A6EA-6DEEDD0E436A}" type="datetimeFigureOut">
+              <a:rPr lang="en-US" dirty="0"/>
+              <a:t>10/14/2024</a:t>
             </a:fld>
-            <a:endParaRPr lang="zh-TW" altLang="en-US"/>
-          </a:p>
-        </p:txBody>
-      </p:sp>
-      <p:sp>
-        <p:nvSpPr>
-          <p:cNvPr id="5" name="頁尾版面配置區 4">
-            <a:extLst>
-              <a:ext uri="{FF2B5EF4-FFF2-40B4-BE49-F238E27FC236}">
-                <a16:creationId xmlns:a16="http://schemas.microsoft.com/office/drawing/2014/main" id="{30427B34-CB13-41C7-B2F2-CED9BDC5B595}"/>
+            <a:endParaRPr lang="en-US" dirty="0"/>
+          </a:p>
+        </p:txBody>
+      </p:sp>
+      <p:sp>
+        <p:nvSpPr>
+          <p:cNvPr id="5" name="Footer Placeholder 4">
+            <a:extLst>
+              <a:ext uri="{FF2B5EF4-FFF2-40B4-BE49-F238E27FC236}">
+                <a16:creationId xmlns:a16="http://schemas.microsoft.com/office/drawing/2014/main" id="{D6389830-A1B7-484B-832C-F64A558BDFE7}"/>
               </a:ext>
             </a:extLst>
           </p:cNvPr>
@@ -281,16 +306,20 @@
           <a:bodyPr/>
           <a:lstStyle/>
           <a:p>
-            <a:endParaRPr lang="zh-TW" altLang="en-US"/>
-          </a:p>
-        </p:txBody>
-      </p:sp>
-      <p:sp>
-        <p:nvSpPr>
-          <p:cNvPr id="6" name="投影片編號版面配置區 5">
-            <a:extLst>
-              <a:ext uri="{FF2B5EF4-FFF2-40B4-BE49-F238E27FC236}">
-                <a16:creationId xmlns:a16="http://schemas.microsoft.com/office/drawing/2014/main" id="{76FA962E-5B03-439A-928C-87366876542D}"/>
+            <a:r>
+              <a:rPr lang="en-US" dirty="0"/>
+              <a:t>
+              </a:t>
+            </a:r>
+          </a:p>
+        </p:txBody>
+      </p:sp>
+      <p:sp>
+        <p:nvSpPr>
+          <p:cNvPr id="6" name="Slide Number Placeholder 5">
+            <a:extLst>
+              <a:ext uri="{FF2B5EF4-FFF2-40B4-BE49-F238E27FC236}">
+                <a16:creationId xmlns:a16="http://schemas.microsoft.com/office/drawing/2014/main" id="{74A8F727-72C8-47A9-8E54-AD84590286F9}"/>
               </a:ext>
             </a:extLst>
           </p:cNvPr>
@@ -306,30 +335,76 @@
           <a:bodyPr/>
           <a:lstStyle/>
           <a:p>
-            <a:fld id="{E31EC408-072F-4346-BD0A-D6AA5788A305}" type="slidenum">
-              <a:rPr lang="zh-TW" altLang="en-US" smtClean="0"/>
+            <a:fld id="{196A61CA-0502-4EE4-9724-96EA822543E5}" type="slidenum">
+              <a:rPr lang="en-US" dirty="0"/>
               <a:t>‹#›</a:t>
             </a:fld>
-            <a:endParaRPr lang="zh-TW" altLang="en-US"/>
-          </a:p>
-        </p:txBody>
-      </p:sp>
+            <a:endParaRPr lang="en-US" dirty="0"/>
+          </a:p>
+        </p:txBody>
+      </p:sp>
+      <p:cxnSp>
+        <p:nvCxnSpPr>
+          <p:cNvPr id="7" name="Straight Connector 6">
+            <a:extLst>
+              <a:ext uri="{FF2B5EF4-FFF2-40B4-BE49-F238E27FC236}">
+                <a16:creationId xmlns:a16="http://schemas.microsoft.com/office/drawing/2014/main" id="{AEED5540-64E5-4258-ABA4-753F07B71B38}"/>
+              </a:ext>
+            </a:extLst>
+          </p:cNvPr>
+          <p:cNvCxnSpPr>
+            <a:cxnSpLocks/>
+          </p:cNvCxnSpPr>
+          <p:nvPr/>
+        </p:nvCxnSpPr>
+        <p:spPr>
+          <a:xfrm>
+            <a:off x="1524000" y="4571506"/>
+            <a:ext cx="971155" cy="0"/>
+          </a:xfrm>
+          <a:prstGeom prst="line">
+            <a:avLst/>
+          </a:prstGeom>
+          <a:ln w="31750">
+            <a:solidFill>
+              <a:schemeClr val="tx1"/>
+            </a:solidFill>
+          </a:ln>
+        </p:spPr>
+        <p:style>
+          <a:lnRef idx="1">
+            <a:schemeClr val="accent1"/>
+          </a:lnRef>
+          <a:fillRef idx="0">
+            <a:schemeClr val="accent1"/>
+          </a:fillRef>
+          <a:effectRef idx="0">
+            <a:schemeClr val="accent1"/>
+          </a:effectRef>
+          <a:fontRef idx="minor">
+            <a:schemeClr val="tx1"/>
+          </a:fontRef>
+        </p:style>
+      </p:cxnSp>
     </p:spTree>
     <p:extLst>
       <p:ext uri="{BB962C8B-B14F-4D97-AF65-F5344CB8AC3E}">
-        <p14:creationId xmlns:p14="http://schemas.microsoft.com/office/powerpoint/2010/main" val="2963035110"/>
+        <p14:creationId xmlns:p14="http://schemas.microsoft.com/office/powerpoint/2010/main" val="3603207003"/>
       </p:ext>
     </p:extLst>
   </p:cSld>
   <p:clrMapOvr>
     <a:masterClrMapping/>
   </p:clrMapOvr>
+  <p:transition spd="slow">
+    <p:push dir="u"/>
+  </p:transition>
 </p:sldLayout>
 </file>
 
 <file path=ppt/slideLayouts/slideLayout10.xml><?xml version="1.0" encoding="utf-8"?>
 <p:sldLayout xmlns:a="http://schemas.openxmlformats.org/drawingml/2006/main" xmlns:r="http://schemas.openxmlformats.org/officeDocument/2006/relationships" xmlns:p="http://schemas.openxmlformats.org/presentationml/2006/main" type="vertTx" preserve="1">
-  <p:cSld name="標題及直排文字">
+  <p:cSld name="Title and Vertical Text">
     <p:spTree>
       <p:nvGrpSpPr>
         <p:cNvPr id="1" name=""/>
@@ -346,10 +421,10 @@
       </p:grpSpPr>
       <p:sp>
         <p:nvSpPr>
-          <p:cNvPr id="2" name="標題 1">
-            <a:extLst>
-              <a:ext uri="{FF2B5EF4-FFF2-40B4-BE49-F238E27FC236}">
-                <a16:creationId xmlns:a16="http://schemas.microsoft.com/office/drawing/2014/main" id="{A02F0018-7F8E-4206-A929-07CDC6B5F34A}"/>
+          <p:cNvPr id="2" name="Title 1">
+            <a:extLst>
+              <a:ext uri="{FF2B5EF4-FFF2-40B4-BE49-F238E27FC236}">
+                <a16:creationId xmlns:a16="http://schemas.microsoft.com/office/drawing/2014/main" id="{B5C8A5DE-E5C6-4DB9-AD28-8F1EAC6F5513}"/>
               </a:ext>
             </a:extLst>
           </p:cNvPr>
@@ -358,6 +433,140 @@
           </p:cNvSpPr>
           <p:nvPr>
             <p:ph type="title"/>
+          </p:nvPr>
+        </p:nvSpPr>
+        <p:spPr/>
+        <p:txBody>
+          <a:bodyPr/>
+          <a:lstStyle>
+            <a:lvl1pPr>
+              <a:defRPr>
+                <a:solidFill>
+                  <a:schemeClr val="tx1"/>
+                </a:solidFill>
+              </a:defRPr>
+            </a:lvl1pPr>
+          </a:lstStyle>
+          <a:p>
+            <a:r>
+              <a:rPr lang="en-US" dirty="0"/>
+              <a:t>Click to edit Master title style</a:t>
+            </a:r>
+          </a:p>
+        </p:txBody>
+      </p:sp>
+      <p:sp>
+        <p:nvSpPr>
+          <p:cNvPr id="3" name="Vertical Text Placeholder 2">
+            <a:extLst>
+              <a:ext uri="{FF2B5EF4-FFF2-40B4-BE49-F238E27FC236}">
+                <a16:creationId xmlns:a16="http://schemas.microsoft.com/office/drawing/2014/main" id="{4363E08E-9B2D-4740-9AC6-D5E1CFB95FC6}"/>
+              </a:ext>
+            </a:extLst>
+          </p:cNvPr>
+          <p:cNvSpPr>
+            <a:spLocks noGrp="1"/>
+          </p:cNvSpPr>
+          <p:nvPr>
+            <p:ph type="body" orient="vert" idx="1"/>
+          </p:nvPr>
+        </p:nvSpPr>
+        <p:spPr>
+          <a:xfrm>
+            <a:off x="1429566" y="2229957"/>
+            <a:ext cx="9238434" cy="3866043"/>
+          </a:xfrm>
+        </p:spPr>
+        <p:txBody>
+          <a:bodyPr vert="eaVert"/>
+          <a:lstStyle>
+            <a:lvl1pPr>
+              <a:defRPr>
+                <a:solidFill>
+                  <a:schemeClr val="tx1"/>
+                </a:solidFill>
+              </a:defRPr>
+            </a:lvl1pPr>
+            <a:lvl2pPr>
+              <a:defRPr>
+                <a:solidFill>
+                  <a:schemeClr val="tx1"/>
+                </a:solidFill>
+              </a:defRPr>
+            </a:lvl2pPr>
+            <a:lvl3pPr>
+              <a:defRPr>
+                <a:solidFill>
+                  <a:schemeClr val="tx1"/>
+                </a:solidFill>
+              </a:defRPr>
+            </a:lvl3pPr>
+            <a:lvl4pPr>
+              <a:defRPr>
+                <a:solidFill>
+                  <a:schemeClr val="tx1"/>
+                </a:solidFill>
+              </a:defRPr>
+            </a:lvl4pPr>
+            <a:lvl5pPr>
+              <a:defRPr>
+                <a:solidFill>
+                  <a:schemeClr val="tx1"/>
+                </a:solidFill>
+              </a:defRPr>
+            </a:lvl5pPr>
+          </a:lstStyle>
+          <a:p>
+            <a:pPr lvl="0"/>
+            <a:r>
+              <a:rPr lang="en-US" dirty="0"/>
+              <a:t>Click to edit Master text styles</a:t>
+            </a:r>
+          </a:p>
+          <a:p>
+            <a:pPr lvl="1"/>
+            <a:r>
+              <a:rPr lang="en-US" dirty="0"/>
+              <a:t>Second level</a:t>
+            </a:r>
+          </a:p>
+          <a:p>
+            <a:pPr lvl="2"/>
+            <a:r>
+              <a:rPr lang="en-US" dirty="0"/>
+              <a:t>Third level</a:t>
+            </a:r>
+          </a:p>
+          <a:p>
+            <a:pPr lvl="3"/>
+            <a:r>
+              <a:rPr lang="en-US" dirty="0"/>
+              <a:t>Fourth level</a:t>
+            </a:r>
+          </a:p>
+          <a:p>
+            <a:pPr lvl="4"/>
+            <a:r>
+              <a:rPr lang="en-US" dirty="0"/>
+              <a:t>Fifth level</a:t>
+            </a:r>
+          </a:p>
+        </p:txBody>
+      </p:sp>
+      <p:sp>
+        <p:nvSpPr>
+          <p:cNvPr id="4" name="Date Placeholder 3">
+            <a:extLst>
+              <a:ext uri="{FF2B5EF4-FFF2-40B4-BE49-F238E27FC236}">
+                <a16:creationId xmlns:a16="http://schemas.microsoft.com/office/drawing/2014/main" id="{4E4E3736-E8AA-4F58-9D3A-27050B287F9D}"/>
+              </a:ext>
+            </a:extLst>
+          </p:cNvPr>
+          <p:cNvSpPr>
+            <a:spLocks noGrp="1"/>
+          </p:cNvSpPr>
+          <p:nvPr>
+            <p:ph type="dt" sz="half" idx="10"/>
           </p:nvPr>
         </p:nvSpPr>
         <p:spPr/>
@@ -365,84 +574,28 @@
           <a:bodyPr/>
           <a:lstStyle/>
           <a:p>
-            <a:r>
-              <a:rPr lang="zh-TW" altLang="en-US"/>
-              <a:t>按一下以編輯母片標題樣式</a:t>
-            </a:r>
-          </a:p>
-        </p:txBody>
-      </p:sp>
-      <p:sp>
-        <p:nvSpPr>
-          <p:cNvPr id="3" name="直排文字版面配置區 2">
-            <a:extLst>
-              <a:ext uri="{FF2B5EF4-FFF2-40B4-BE49-F238E27FC236}">
-                <a16:creationId xmlns:a16="http://schemas.microsoft.com/office/drawing/2014/main" id="{9B801E88-34C3-4545-A358-81F5614FED64}"/>
-              </a:ext>
-            </a:extLst>
-          </p:cNvPr>
-          <p:cNvSpPr>
-            <a:spLocks noGrp="1"/>
-          </p:cNvSpPr>
-          <p:nvPr>
-            <p:ph type="body" orient="vert" idx="1"/>
-          </p:nvPr>
-        </p:nvSpPr>
-        <p:spPr/>
-        <p:txBody>
-          <a:bodyPr vert="eaVert"/>
-          <a:lstStyle/>
-          <a:p>
-            <a:pPr lvl="0"/>
-            <a:r>
-              <a:rPr lang="zh-TW" altLang="en-US"/>
-              <a:t>按一下以編輯母片文字樣式</a:t>
-            </a:r>
-          </a:p>
-          <a:p>
-            <a:pPr lvl="1"/>
-            <a:r>
-              <a:rPr lang="zh-TW" altLang="en-US"/>
-              <a:t>第二層</a:t>
-            </a:r>
-          </a:p>
-          <a:p>
-            <a:pPr lvl="2"/>
-            <a:r>
-              <a:rPr lang="zh-TW" altLang="en-US"/>
-              <a:t>第三層</a:t>
-            </a:r>
-          </a:p>
-          <a:p>
-            <a:pPr lvl="3"/>
-            <a:r>
-              <a:rPr lang="zh-TW" altLang="en-US"/>
-              <a:t>第四層</a:t>
-            </a:r>
-          </a:p>
-          <a:p>
-            <a:pPr lvl="4"/>
-            <a:r>
-              <a:rPr lang="zh-TW" altLang="en-US"/>
-              <a:t>第五層</a:t>
-            </a:r>
-          </a:p>
-        </p:txBody>
-      </p:sp>
-      <p:sp>
-        <p:nvSpPr>
-          <p:cNvPr id="4" name="日期版面配置區 3">
-            <a:extLst>
-              <a:ext uri="{FF2B5EF4-FFF2-40B4-BE49-F238E27FC236}">
-                <a16:creationId xmlns:a16="http://schemas.microsoft.com/office/drawing/2014/main" id="{60AFD716-8B99-4230-B55F-C8B88ECBB171}"/>
-              </a:ext>
-            </a:extLst>
-          </p:cNvPr>
-          <p:cNvSpPr>
-            <a:spLocks noGrp="1"/>
-          </p:cNvSpPr>
-          <p:nvPr>
-            <p:ph type="dt" sz="half" idx="10"/>
+            <a:fld id="{2A1F5BA7-0A17-4D30-9B66-E29324151C73}" type="datetimeFigureOut">
+              <a:rPr lang="en-US" dirty="0"/>
+              <a:t>10/14/2024</a:t>
+            </a:fld>
+            <a:endParaRPr lang="en-US" dirty="0"/>
+          </a:p>
+        </p:txBody>
+      </p:sp>
+      <p:sp>
+        <p:nvSpPr>
+          <p:cNvPr id="5" name="Footer Placeholder 4">
+            <a:extLst>
+              <a:ext uri="{FF2B5EF4-FFF2-40B4-BE49-F238E27FC236}">
+                <a16:creationId xmlns:a16="http://schemas.microsoft.com/office/drawing/2014/main" id="{1DE95E84-15BC-478B-9DAB-15025867BB9C}"/>
+              </a:ext>
+            </a:extLst>
+          </p:cNvPr>
+          <p:cNvSpPr>
+            <a:spLocks noGrp="1"/>
+          </p:cNvSpPr>
+          <p:nvPr>
+            <p:ph type="ftr" sz="quarter" idx="11"/>
           </p:nvPr>
         </p:nvSpPr>
         <p:spPr/>
@@ -450,28 +603,28 @@
           <a:bodyPr/>
           <a:lstStyle/>
           <a:p>
-            <a:fld id="{C3C90D7E-32D6-4894-AE08-7BBB3E610FC9}" type="datetimeFigureOut">
-              <a:rPr lang="zh-TW" altLang="en-US" smtClean="0"/>
-              <a:t>2024/9/16</a:t>
-            </a:fld>
-            <a:endParaRPr lang="zh-TW" altLang="en-US"/>
-          </a:p>
-        </p:txBody>
-      </p:sp>
-      <p:sp>
-        <p:nvSpPr>
-          <p:cNvPr id="5" name="頁尾版面配置區 4">
-            <a:extLst>
-              <a:ext uri="{FF2B5EF4-FFF2-40B4-BE49-F238E27FC236}">
-                <a16:creationId xmlns:a16="http://schemas.microsoft.com/office/drawing/2014/main" id="{EA374743-76D9-4BF8-A60C-2F50B2636A8A}"/>
-              </a:ext>
-            </a:extLst>
-          </p:cNvPr>
-          <p:cNvSpPr>
-            <a:spLocks noGrp="1"/>
-          </p:cNvSpPr>
-          <p:nvPr>
-            <p:ph type="ftr" sz="quarter" idx="11"/>
+            <a:r>
+              <a:rPr lang="en-US" dirty="0"/>
+              <a:t>
+              </a:t>
+            </a:r>
+          </a:p>
+        </p:txBody>
+      </p:sp>
+      <p:sp>
+        <p:nvSpPr>
+          <p:cNvPr id="6" name="Slide Number Placeholder 5">
+            <a:extLst>
+              <a:ext uri="{FF2B5EF4-FFF2-40B4-BE49-F238E27FC236}">
+                <a16:creationId xmlns:a16="http://schemas.microsoft.com/office/drawing/2014/main" id="{63E9D98F-E0A8-4254-A957-7F17811D017E}"/>
+              </a:ext>
+            </a:extLst>
+          </p:cNvPr>
+          <p:cNvSpPr>
+            <a:spLocks noGrp="1"/>
+          </p:cNvSpPr>
+          <p:nvPr>
+            <p:ph type="sldNum" sz="quarter" idx="12"/>
           </p:nvPr>
         </p:nvSpPr>
         <p:spPr/>
@@ -479,55 +632,33 @@
           <a:bodyPr/>
           <a:lstStyle/>
           <a:p>
-            <a:endParaRPr lang="zh-TW" altLang="en-US"/>
-          </a:p>
-        </p:txBody>
-      </p:sp>
-      <p:sp>
-        <p:nvSpPr>
-          <p:cNvPr id="6" name="投影片編號版面配置區 5">
-            <a:extLst>
-              <a:ext uri="{FF2B5EF4-FFF2-40B4-BE49-F238E27FC236}">
-                <a16:creationId xmlns:a16="http://schemas.microsoft.com/office/drawing/2014/main" id="{00454594-6C11-4013-A666-A151E960EC9B}"/>
-              </a:ext>
-            </a:extLst>
-          </p:cNvPr>
-          <p:cNvSpPr>
-            <a:spLocks noGrp="1"/>
-          </p:cNvSpPr>
-          <p:nvPr>
-            <p:ph type="sldNum" sz="quarter" idx="12"/>
-          </p:nvPr>
-        </p:nvSpPr>
-        <p:spPr/>
-        <p:txBody>
-          <a:bodyPr/>
-          <a:lstStyle/>
-          <a:p>
-            <a:fld id="{E31EC408-072F-4346-BD0A-D6AA5788A305}" type="slidenum">
-              <a:rPr lang="zh-TW" altLang="en-US" smtClean="0"/>
+            <a:fld id="{196A61CA-0502-4EE4-9724-96EA822543E5}" type="slidenum">
+              <a:rPr lang="en-US" dirty="0"/>
               <a:t>‹#›</a:t>
             </a:fld>
-            <a:endParaRPr lang="zh-TW" altLang="en-US"/>
+            <a:endParaRPr lang="en-US" dirty="0"/>
           </a:p>
         </p:txBody>
       </p:sp>
     </p:spTree>
     <p:extLst>
       <p:ext uri="{BB962C8B-B14F-4D97-AF65-F5344CB8AC3E}">
-        <p14:creationId xmlns:p14="http://schemas.microsoft.com/office/powerpoint/2010/main" val="188953001"/>
+        <p14:creationId xmlns:p14="http://schemas.microsoft.com/office/powerpoint/2010/main" val="3499288807"/>
       </p:ext>
     </p:extLst>
   </p:cSld>
   <p:clrMapOvr>
     <a:masterClrMapping/>
   </p:clrMapOvr>
+  <p:transition spd="slow">
+    <p:push dir="u"/>
+  </p:transition>
 </p:sldLayout>
 </file>
 
 <file path=ppt/slideLayouts/slideLayout11.xml><?xml version="1.0" encoding="utf-8"?>
 <p:sldLayout xmlns:a="http://schemas.openxmlformats.org/drawingml/2006/main" xmlns:r="http://schemas.openxmlformats.org/officeDocument/2006/relationships" xmlns:p="http://schemas.openxmlformats.org/presentationml/2006/main" type="vertTitleAndTx" preserve="1">
-  <p:cSld name="直排標題及文字">
+  <p:cSld name="Vertical Title and Text">
     <p:spTree>
       <p:nvGrpSpPr>
         <p:cNvPr id="1" name=""/>
@@ -544,10 +675,10 @@
       </p:grpSpPr>
       <p:sp>
         <p:nvSpPr>
-          <p:cNvPr id="2" name="直排標題 1">
-            <a:extLst>
-              <a:ext uri="{FF2B5EF4-FFF2-40B4-BE49-F238E27FC236}">
-                <a16:creationId xmlns:a16="http://schemas.microsoft.com/office/drawing/2014/main" id="{70F760AC-E708-4605-85E2-7D0F424B3E29}"/>
+          <p:cNvPr id="2" name="Vertical Title 1">
+            <a:extLst>
+              <a:ext uri="{FF2B5EF4-FFF2-40B4-BE49-F238E27FC236}">
+                <a16:creationId xmlns:a16="http://schemas.microsoft.com/office/drawing/2014/main" id="{77DE70F5-2276-4F91-9FC2-8DA4B528814A}"/>
               </a:ext>
             </a:extLst>
           </p:cNvPr>
@@ -560,27 +691,35 @@
         </p:nvSpPr>
         <p:spPr>
           <a:xfrm>
-            <a:off x="8724900" y="365125"/>
-            <a:ext cx="2628900" cy="5811838"/>
+            <a:off x="9144000" y="1467699"/>
+            <a:ext cx="1758461" cy="4628301"/>
           </a:xfrm>
         </p:spPr>
         <p:txBody>
           <a:bodyPr vert="eaVert"/>
-          <a:lstStyle/>
-          <a:p>
-            <a:r>
-              <a:rPr lang="zh-TW" altLang="en-US"/>
-              <a:t>按一下以編輯母片標題樣式</a:t>
-            </a:r>
-          </a:p>
-        </p:txBody>
-      </p:sp>
-      <p:sp>
-        <p:nvSpPr>
-          <p:cNvPr id="3" name="直排文字版面配置區 2">
-            <a:extLst>
-              <a:ext uri="{FF2B5EF4-FFF2-40B4-BE49-F238E27FC236}">
-                <a16:creationId xmlns:a16="http://schemas.microsoft.com/office/drawing/2014/main" id="{84BECF48-F3B6-4D47-82A8-C6AE92EDC2F0}"/>
+          <a:lstStyle>
+            <a:lvl1pPr>
+              <a:defRPr>
+                <a:solidFill>
+                  <a:schemeClr val="tx1"/>
+                </a:solidFill>
+              </a:defRPr>
+            </a:lvl1pPr>
+          </a:lstStyle>
+          <a:p>
+            <a:r>
+              <a:rPr lang="en-US" dirty="0"/>
+              <a:t>Click to edit Master title style</a:t>
+            </a:r>
+          </a:p>
+        </p:txBody>
+      </p:sp>
+      <p:sp>
+        <p:nvSpPr>
+          <p:cNvPr id="3" name="Vertical Text Placeholder 2">
+            <a:extLst>
+              <a:ext uri="{FF2B5EF4-FFF2-40B4-BE49-F238E27FC236}">
+                <a16:creationId xmlns:a16="http://schemas.microsoft.com/office/drawing/2014/main" id="{D21856C5-C2FD-45E4-A631-AC06B5495BEA}"/>
               </a:ext>
             </a:extLst>
           </p:cNvPr>
@@ -593,56 +732,92 @@
         </p:nvSpPr>
         <p:spPr>
           <a:xfrm>
-            <a:off x="838200" y="365125"/>
-            <a:ext cx="7734300" cy="5811838"/>
+            <a:off x="1182312" y="1467699"/>
+            <a:ext cx="7839379" cy="4628301"/>
           </a:xfrm>
         </p:spPr>
         <p:txBody>
           <a:bodyPr vert="eaVert"/>
-          <a:lstStyle/>
+          <a:lstStyle>
+            <a:lvl1pPr>
+              <a:defRPr>
+                <a:solidFill>
+                  <a:schemeClr val="tx1"/>
+                </a:solidFill>
+              </a:defRPr>
+            </a:lvl1pPr>
+            <a:lvl2pPr>
+              <a:defRPr>
+                <a:solidFill>
+                  <a:schemeClr val="tx1"/>
+                </a:solidFill>
+              </a:defRPr>
+            </a:lvl2pPr>
+            <a:lvl3pPr>
+              <a:defRPr>
+                <a:solidFill>
+                  <a:schemeClr val="tx1"/>
+                </a:solidFill>
+              </a:defRPr>
+            </a:lvl3pPr>
+            <a:lvl4pPr>
+              <a:defRPr>
+                <a:solidFill>
+                  <a:schemeClr val="tx1"/>
+                </a:solidFill>
+              </a:defRPr>
+            </a:lvl4pPr>
+            <a:lvl5pPr>
+              <a:defRPr>
+                <a:solidFill>
+                  <a:schemeClr val="tx1"/>
+                </a:solidFill>
+              </a:defRPr>
+            </a:lvl5pPr>
+          </a:lstStyle>
           <a:p>
             <a:pPr lvl="0"/>
             <a:r>
-              <a:rPr lang="zh-TW" altLang="en-US"/>
-              <a:t>按一下以編輯母片文字樣式</a:t>
+              <a:rPr lang="en-US" dirty="0"/>
+              <a:t>Click to edit Master text styles</a:t>
             </a:r>
           </a:p>
           <a:p>
             <a:pPr lvl="1"/>
             <a:r>
-              <a:rPr lang="zh-TW" altLang="en-US"/>
-              <a:t>第二層</a:t>
+              <a:rPr lang="en-US" dirty="0"/>
+              <a:t>Second level</a:t>
             </a:r>
           </a:p>
           <a:p>
             <a:pPr lvl="2"/>
             <a:r>
-              <a:rPr lang="zh-TW" altLang="en-US"/>
-              <a:t>第三層</a:t>
+              <a:rPr lang="en-US" dirty="0"/>
+              <a:t>Third level</a:t>
             </a:r>
           </a:p>
           <a:p>
             <a:pPr lvl="3"/>
             <a:r>
-              <a:rPr lang="zh-TW" altLang="en-US"/>
-              <a:t>第四層</a:t>
+              <a:rPr lang="en-US" dirty="0"/>
+              <a:t>Fourth level</a:t>
             </a:r>
           </a:p>
           <a:p>
             <a:pPr lvl="4"/>
             <a:r>
-              <a:rPr lang="zh-TW" altLang="en-US"/>
-              <a:t>第五層</a:t>
-            </a:r>
-          </a:p>
-        </p:txBody>
-      </p:sp>
-      <p:sp>
-        <p:nvSpPr>
-          <p:cNvPr id="4" name="日期版面配置區 3">
-            <a:extLst>
-              <a:ext uri="{FF2B5EF4-FFF2-40B4-BE49-F238E27FC236}">
-                <a16:creationId xmlns:a16="http://schemas.microsoft.com/office/drawing/2014/main" id="{215DE52A-093E-4116-A2FE-F61BA999B89F}"/>
+              <a:rPr lang="en-US" dirty="0"/>
+              <a:t>Fifth level</a:t>
+            </a:r>
+          </a:p>
+        </p:txBody>
+      </p:sp>
+      <p:sp>
+        <p:nvSpPr>
+          <p:cNvPr id="4" name="Date Placeholder 3">
+            <a:extLst>
+              <a:ext uri="{FF2B5EF4-FFF2-40B4-BE49-F238E27FC236}">
+                <a16:creationId xmlns:a16="http://schemas.microsoft.com/office/drawing/2014/main" id="{5EE336EA-B6DD-4115-9C67-79A24C866ED4}"/>
               </a:ext>
             </a:extLst>
           </p:cNvPr>
@@ -658,20 +833,20 @@
           <a:bodyPr/>
           <a:lstStyle/>
           <a:p>
-            <a:fld id="{C3C90D7E-32D6-4894-AE08-7BBB3E610FC9}" type="datetimeFigureOut">
-              <a:rPr lang="zh-TW" altLang="en-US" smtClean="0"/>
-              <a:t>2024/9/16</a:t>
+            <a:fld id="{76BEBB1B-D40A-4DB9-B3DE-BAAE675B83CD}" type="datetimeFigureOut">
+              <a:rPr lang="en-US" dirty="0"/>
+              <a:t>10/14/2024</a:t>
             </a:fld>
-            <a:endParaRPr lang="zh-TW" altLang="en-US"/>
-          </a:p>
-        </p:txBody>
-      </p:sp>
-      <p:sp>
-        <p:nvSpPr>
-          <p:cNvPr id="5" name="頁尾版面配置區 4">
-            <a:extLst>
-              <a:ext uri="{FF2B5EF4-FFF2-40B4-BE49-F238E27FC236}">
-                <a16:creationId xmlns:a16="http://schemas.microsoft.com/office/drawing/2014/main" id="{34553FE1-A5D9-4070-AA9C-378F491D4677}"/>
+            <a:endParaRPr lang="en-US" dirty="0"/>
+          </a:p>
+        </p:txBody>
+      </p:sp>
+      <p:sp>
+        <p:nvSpPr>
+          <p:cNvPr id="5" name="Footer Placeholder 4">
+            <a:extLst>
+              <a:ext uri="{FF2B5EF4-FFF2-40B4-BE49-F238E27FC236}">
+                <a16:creationId xmlns:a16="http://schemas.microsoft.com/office/drawing/2014/main" id="{C2EA668B-1DAB-449C-9BA4-7B1572A22BAC}"/>
               </a:ext>
             </a:extLst>
           </p:cNvPr>
@@ -687,16 +862,20 @@
           <a:bodyPr/>
           <a:lstStyle/>
           <a:p>
-            <a:endParaRPr lang="zh-TW" altLang="en-US"/>
-          </a:p>
-        </p:txBody>
-      </p:sp>
-      <p:sp>
-        <p:nvSpPr>
-          <p:cNvPr id="6" name="投影片編號版面配置區 5">
-            <a:extLst>
-              <a:ext uri="{FF2B5EF4-FFF2-40B4-BE49-F238E27FC236}">
-                <a16:creationId xmlns:a16="http://schemas.microsoft.com/office/drawing/2014/main" id="{928EFDDC-5B11-4543-8144-518625EDA57F}"/>
+            <a:r>
+              <a:rPr lang="en-US" dirty="0"/>
+              <a:t>
+              </a:t>
+            </a:r>
+          </a:p>
+        </p:txBody>
+      </p:sp>
+      <p:sp>
+        <p:nvSpPr>
+          <p:cNvPr id="6" name="Slide Number Placeholder 5">
+            <a:extLst>
+              <a:ext uri="{FF2B5EF4-FFF2-40B4-BE49-F238E27FC236}">
+                <a16:creationId xmlns:a16="http://schemas.microsoft.com/office/drawing/2014/main" id="{E8C6567E-119D-4C98-93FF-73A332803A13}"/>
               </a:ext>
             </a:extLst>
           </p:cNvPr>
@@ -712,30 +891,33 @@
           <a:bodyPr/>
           <a:lstStyle/>
           <a:p>
-            <a:fld id="{E31EC408-072F-4346-BD0A-D6AA5788A305}" type="slidenum">
-              <a:rPr lang="zh-TW" altLang="en-US" smtClean="0"/>
+            <a:fld id="{196A61CA-0502-4EE4-9724-96EA822543E5}" type="slidenum">
+              <a:rPr lang="en-US" dirty="0"/>
               <a:t>‹#›</a:t>
             </a:fld>
-            <a:endParaRPr lang="zh-TW" altLang="en-US"/>
+            <a:endParaRPr lang="en-US" dirty="0"/>
           </a:p>
         </p:txBody>
       </p:sp>
     </p:spTree>
     <p:extLst>
       <p:ext uri="{BB962C8B-B14F-4D97-AF65-F5344CB8AC3E}">
-        <p14:creationId xmlns:p14="http://schemas.microsoft.com/office/powerpoint/2010/main" val="2483123943"/>
+        <p14:creationId xmlns:p14="http://schemas.microsoft.com/office/powerpoint/2010/main" val="4089634083"/>
       </p:ext>
     </p:extLst>
   </p:cSld>
   <p:clrMapOvr>
     <a:masterClrMapping/>
   </p:clrMapOvr>
+  <p:transition spd="slow">
+    <p:push dir="u"/>
+  </p:transition>
 </p:sldLayout>
 </file>
 
 <file path=ppt/slideLayouts/slideLayout2.xml><?xml version="1.0" encoding="utf-8"?>
 <p:sldLayout xmlns:a="http://schemas.openxmlformats.org/drawingml/2006/main" xmlns:r="http://schemas.openxmlformats.org/officeDocument/2006/relationships" xmlns:p="http://schemas.openxmlformats.org/presentationml/2006/main" type="obj" preserve="1">
-  <p:cSld name="標題及內容">
+  <p:cSld name="Title and Content">
     <p:spTree>
       <p:nvGrpSpPr>
         <p:cNvPr id="1" name=""/>
@@ -752,10 +934,10 @@
       </p:grpSpPr>
       <p:sp>
         <p:nvSpPr>
-          <p:cNvPr id="2" name="標題 1">
-            <a:extLst>
-              <a:ext uri="{FF2B5EF4-FFF2-40B4-BE49-F238E27FC236}">
-                <a16:creationId xmlns:a16="http://schemas.microsoft.com/office/drawing/2014/main" id="{A1BFCF4C-FB58-444C-B754-A594851E4C7B}"/>
+          <p:cNvPr id="2" name="Title 1">
+            <a:extLst>
+              <a:ext uri="{FF2B5EF4-FFF2-40B4-BE49-F238E27FC236}">
+                <a16:creationId xmlns:a16="http://schemas.microsoft.com/office/drawing/2014/main" id="{F13EF94C-BCB1-4F4C-AF70-DD2A5C4E3318}"/>
               </a:ext>
             </a:extLst>
           </p:cNvPr>
@@ -764,6 +946,145 @@
           </p:cNvSpPr>
           <p:nvPr>
             <p:ph type="title"/>
+          </p:nvPr>
+        </p:nvSpPr>
+        <p:spPr>
+          <a:xfrm>
+            <a:off x="1429566" y="1045445"/>
+            <a:ext cx="9238434" cy="857559"/>
+          </a:xfrm>
+        </p:spPr>
+        <p:txBody>
+          <a:bodyPr anchor="b"/>
+          <a:lstStyle>
+            <a:lvl1pPr>
+              <a:defRPr>
+                <a:solidFill>
+                  <a:schemeClr val="tx1"/>
+                </a:solidFill>
+              </a:defRPr>
+            </a:lvl1pPr>
+          </a:lstStyle>
+          <a:p>
+            <a:r>
+              <a:rPr lang="en-US" dirty="0"/>
+              <a:t>Click to edit Master title style</a:t>
+            </a:r>
+          </a:p>
+        </p:txBody>
+      </p:sp>
+      <p:sp>
+        <p:nvSpPr>
+          <p:cNvPr id="3" name="Content Placeholder 2">
+            <a:extLst>
+              <a:ext uri="{FF2B5EF4-FFF2-40B4-BE49-F238E27FC236}">
+                <a16:creationId xmlns:a16="http://schemas.microsoft.com/office/drawing/2014/main" id="{8A909B75-A057-44B5-872F-DF01BDC8EA07}"/>
+              </a:ext>
+            </a:extLst>
+          </p:cNvPr>
+          <p:cNvSpPr>
+            <a:spLocks noGrp="1"/>
+          </p:cNvSpPr>
+          <p:nvPr>
+            <p:ph idx="1"/>
+          </p:nvPr>
+        </p:nvSpPr>
+        <p:spPr>
+          <a:xfrm>
+            <a:off x="1429566" y="2286000"/>
+            <a:ext cx="9238434" cy="3810000"/>
+          </a:xfrm>
+        </p:spPr>
+        <p:txBody>
+          <a:bodyPr/>
+          <a:lstStyle>
+            <a:lvl1pPr>
+              <a:defRPr>
+                <a:solidFill>
+                  <a:schemeClr val="tx1"/>
+                </a:solidFill>
+              </a:defRPr>
+            </a:lvl1pPr>
+            <a:lvl2pPr>
+              <a:defRPr>
+                <a:solidFill>
+                  <a:schemeClr val="tx1"/>
+                </a:solidFill>
+              </a:defRPr>
+            </a:lvl2pPr>
+            <a:lvl3pPr>
+              <a:defRPr>
+                <a:solidFill>
+                  <a:schemeClr val="tx1"/>
+                </a:solidFill>
+              </a:defRPr>
+            </a:lvl3pPr>
+            <a:lvl4pPr>
+              <a:defRPr>
+                <a:solidFill>
+                  <a:schemeClr val="tx1"/>
+                </a:solidFill>
+              </a:defRPr>
+            </a:lvl4pPr>
+            <a:lvl5pPr>
+              <a:defRPr>
+                <a:solidFill>
+                  <a:schemeClr val="tx1"/>
+                </a:solidFill>
+              </a:defRPr>
+            </a:lvl5pPr>
+          </a:lstStyle>
+          <a:p>
+            <a:pPr lvl="0"/>
+            <a:r>
+              <a:rPr lang="en-US" dirty="0"/>
+              <a:t>Click to edit Master text styles</a:t>
+            </a:r>
+          </a:p>
+          <a:p>
+            <a:pPr lvl="1"/>
+            <a:r>
+              <a:rPr lang="en-US" dirty="0"/>
+              <a:t>Second level</a:t>
+            </a:r>
+          </a:p>
+          <a:p>
+            <a:pPr lvl="2"/>
+            <a:r>
+              <a:rPr lang="en-US" dirty="0"/>
+              <a:t>Third level</a:t>
+            </a:r>
+          </a:p>
+          <a:p>
+            <a:pPr lvl="3"/>
+            <a:r>
+              <a:rPr lang="en-US" dirty="0"/>
+              <a:t>Fourth level</a:t>
+            </a:r>
+          </a:p>
+          <a:p>
+            <a:pPr lvl="4"/>
+            <a:r>
+              <a:rPr lang="en-US" dirty="0"/>
+              <a:t>Fifth level</a:t>
+            </a:r>
+          </a:p>
+        </p:txBody>
+      </p:sp>
+      <p:sp>
+        <p:nvSpPr>
+          <p:cNvPr id="4" name="Date Placeholder 3">
+            <a:extLst>
+              <a:ext uri="{FF2B5EF4-FFF2-40B4-BE49-F238E27FC236}">
+                <a16:creationId xmlns:a16="http://schemas.microsoft.com/office/drawing/2014/main" id="{9806260C-3219-4812-88F2-3162D37F293B}"/>
+              </a:ext>
+            </a:extLst>
+          </p:cNvPr>
+          <p:cNvSpPr>
+            <a:spLocks noGrp="1"/>
+          </p:cNvSpPr>
+          <p:nvPr>
+            <p:ph type="dt" sz="half" idx="10"/>
           </p:nvPr>
         </p:nvSpPr>
         <p:spPr/>
@@ -771,27 +1092,28 @@
           <a:bodyPr/>
           <a:lstStyle/>
           <a:p>
-            <a:r>
-              <a:rPr lang="zh-TW" altLang="en-US"/>
-              <a:t>按一下以編輯母片標題樣式</a:t>
-            </a:r>
-          </a:p>
-        </p:txBody>
-      </p:sp>
-      <p:sp>
-        <p:nvSpPr>
-          <p:cNvPr id="3" name="內容版面配置區 2">
-            <a:extLst>
-              <a:ext uri="{FF2B5EF4-FFF2-40B4-BE49-F238E27FC236}">
-                <a16:creationId xmlns:a16="http://schemas.microsoft.com/office/drawing/2014/main" id="{987C475D-648F-4511-A6FE-04B04F755F93}"/>
-              </a:ext>
-            </a:extLst>
-          </p:cNvPr>
-          <p:cNvSpPr>
-            <a:spLocks noGrp="1"/>
-          </p:cNvSpPr>
-          <p:nvPr>
-            <p:ph idx="1"/>
+            <a:fld id="{A3C9FAAF-C467-4C93-8ECD-39AF5A14D498}" type="datetimeFigureOut">
+              <a:rPr lang="en-US" dirty="0"/>
+              <a:t>10/14/2024</a:t>
+            </a:fld>
+            <a:endParaRPr lang="en-US" dirty="0"/>
+          </a:p>
+        </p:txBody>
+      </p:sp>
+      <p:sp>
+        <p:nvSpPr>
+          <p:cNvPr id="5" name="Footer Placeholder 4">
+            <a:extLst>
+              <a:ext uri="{FF2B5EF4-FFF2-40B4-BE49-F238E27FC236}">
+                <a16:creationId xmlns:a16="http://schemas.microsoft.com/office/drawing/2014/main" id="{F2762B73-9C01-4BE3-A199-782BE6EBA6E4}"/>
+              </a:ext>
+            </a:extLst>
+          </p:cNvPr>
+          <p:cNvSpPr>
+            <a:spLocks noGrp="1"/>
+          </p:cNvSpPr>
+          <p:nvPr>
+            <p:ph type="ftr" sz="quarter" idx="11"/>
           </p:nvPr>
         </p:nvSpPr>
         <p:spPr/>
@@ -799,56 +1121,28 @@
           <a:bodyPr/>
           <a:lstStyle/>
           <a:p>
-            <a:pPr lvl="0"/>
-            <a:r>
-              <a:rPr lang="zh-TW" altLang="en-US"/>
-              <a:t>按一下以編輯母片文字樣式</a:t>
-            </a:r>
-          </a:p>
-          <a:p>
-            <a:pPr lvl="1"/>
-            <a:r>
-              <a:rPr lang="zh-TW" altLang="en-US"/>
-              <a:t>第二層</a:t>
-            </a:r>
-          </a:p>
-          <a:p>
-            <a:pPr lvl="2"/>
-            <a:r>
-              <a:rPr lang="zh-TW" altLang="en-US"/>
-              <a:t>第三層</a:t>
-            </a:r>
-          </a:p>
-          <a:p>
-            <a:pPr lvl="3"/>
-            <a:r>
-              <a:rPr lang="zh-TW" altLang="en-US"/>
-              <a:t>第四層</a:t>
-            </a:r>
-          </a:p>
-          <a:p>
-            <a:pPr lvl="4"/>
-            <a:r>
-              <a:rPr lang="zh-TW" altLang="en-US"/>
-              <a:t>第五層</a:t>
-            </a:r>
-          </a:p>
-        </p:txBody>
-      </p:sp>
-      <p:sp>
-        <p:nvSpPr>
-          <p:cNvPr id="4" name="日期版面配置區 3">
-            <a:extLst>
-              <a:ext uri="{FF2B5EF4-FFF2-40B4-BE49-F238E27FC236}">
-                <a16:creationId xmlns:a16="http://schemas.microsoft.com/office/drawing/2014/main" id="{F511FCF8-D8F7-4914-920F-D63F2D97F713}"/>
-              </a:ext>
-            </a:extLst>
-          </p:cNvPr>
-          <p:cNvSpPr>
-            <a:spLocks noGrp="1"/>
-          </p:cNvSpPr>
-          <p:nvPr>
-            <p:ph type="dt" sz="half" idx="10"/>
+            <a:r>
+              <a:rPr lang="en-US" dirty="0"/>
+              <a:t>
+              </a:t>
+            </a:r>
+          </a:p>
+        </p:txBody>
+      </p:sp>
+      <p:sp>
+        <p:nvSpPr>
+          <p:cNvPr id="6" name="Slide Number Placeholder 5">
+            <a:extLst>
+              <a:ext uri="{FF2B5EF4-FFF2-40B4-BE49-F238E27FC236}">
+                <a16:creationId xmlns:a16="http://schemas.microsoft.com/office/drawing/2014/main" id="{2A761492-EB56-4454-9D2A-8BB94AACB899}"/>
+              </a:ext>
+            </a:extLst>
+          </p:cNvPr>
+          <p:cNvSpPr>
+            <a:spLocks noGrp="1"/>
+          </p:cNvSpPr>
+          <p:nvPr>
+            <p:ph type="sldNum" sz="quarter" idx="12"/>
           </p:nvPr>
         </p:nvSpPr>
         <p:spPr/>
@@ -856,84 +1150,33 @@
           <a:bodyPr/>
           <a:lstStyle/>
           <a:p>
-            <a:fld id="{C3C90D7E-32D6-4894-AE08-7BBB3E610FC9}" type="datetimeFigureOut">
-              <a:rPr lang="zh-TW" altLang="en-US" smtClean="0"/>
-              <a:t>2024/9/16</a:t>
-            </a:fld>
-            <a:endParaRPr lang="zh-TW" altLang="en-US"/>
-          </a:p>
-        </p:txBody>
-      </p:sp>
-      <p:sp>
-        <p:nvSpPr>
-          <p:cNvPr id="5" name="頁尾版面配置區 4">
-            <a:extLst>
-              <a:ext uri="{FF2B5EF4-FFF2-40B4-BE49-F238E27FC236}">
-                <a16:creationId xmlns:a16="http://schemas.microsoft.com/office/drawing/2014/main" id="{7E1D3E8F-338D-4B4D-B411-5282866FF95D}"/>
-              </a:ext>
-            </a:extLst>
-          </p:cNvPr>
-          <p:cNvSpPr>
-            <a:spLocks noGrp="1"/>
-          </p:cNvSpPr>
-          <p:nvPr>
-            <p:ph type="ftr" sz="quarter" idx="11"/>
-          </p:nvPr>
-        </p:nvSpPr>
-        <p:spPr/>
-        <p:txBody>
-          <a:bodyPr/>
-          <a:lstStyle/>
-          <a:p>
-            <a:endParaRPr lang="zh-TW" altLang="en-US"/>
-          </a:p>
-        </p:txBody>
-      </p:sp>
-      <p:sp>
-        <p:nvSpPr>
-          <p:cNvPr id="6" name="投影片編號版面配置區 5">
-            <a:extLst>
-              <a:ext uri="{FF2B5EF4-FFF2-40B4-BE49-F238E27FC236}">
-                <a16:creationId xmlns:a16="http://schemas.microsoft.com/office/drawing/2014/main" id="{F7DF3AD5-06B6-42D8-AEDF-66CCE6582524}"/>
-              </a:ext>
-            </a:extLst>
-          </p:cNvPr>
-          <p:cNvSpPr>
-            <a:spLocks noGrp="1"/>
-          </p:cNvSpPr>
-          <p:nvPr>
-            <p:ph type="sldNum" sz="quarter" idx="12"/>
-          </p:nvPr>
-        </p:nvSpPr>
-        <p:spPr/>
-        <p:txBody>
-          <a:bodyPr/>
-          <a:lstStyle/>
-          <a:p>
-            <a:fld id="{E31EC408-072F-4346-BD0A-D6AA5788A305}" type="slidenum">
-              <a:rPr lang="zh-TW" altLang="en-US" smtClean="0"/>
+            <a:fld id="{196A61CA-0502-4EE4-9724-96EA822543E5}" type="slidenum">
+              <a:rPr lang="en-US" dirty="0"/>
               <a:t>‹#›</a:t>
             </a:fld>
-            <a:endParaRPr lang="zh-TW" altLang="en-US"/>
+            <a:endParaRPr lang="en-US" dirty="0"/>
           </a:p>
         </p:txBody>
       </p:sp>
     </p:spTree>
     <p:extLst>
       <p:ext uri="{BB962C8B-B14F-4D97-AF65-F5344CB8AC3E}">
-        <p14:creationId xmlns:p14="http://schemas.microsoft.com/office/powerpoint/2010/main" val="4198509733"/>
+        <p14:creationId xmlns:p14="http://schemas.microsoft.com/office/powerpoint/2010/main" val="2301992243"/>
       </p:ext>
     </p:extLst>
   </p:cSld>
   <p:clrMapOvr>
     <a:masterClrMapping/>
   </p:clrMapOvr>
+  <p:transition spd="slow">
+    <p:push dir="u"/>
+  </p:transition>
 </p:sldLayout>
 </file>
 
 <file path=ppt/slideLayouts/slideLayout3.xml><?xml version="1.0" encoding="utf-8"?>
 <p:sldLayout xmlns:a="http://schemas.openxmlformats.org/drawingml/2006/main" xmlns:r="http://schemas.openxmlformats.org/officeDocument/2006/relationships" xmlns:p="http://schemas.openxmlformats.org/presentationml/2006/main" type="secHead" preserve="1">
-  <p:cSld name="章節標題">
+  <p:cSld name="Section Header">
     <p:spTree>
       <p:nvGrpSpPr>
         <p:cNvPr id="1" name=""/>
@@ -950,47 +1193,91 @@
       </p:grpSpPr>
       <p:sp>
         <p:nvSpPr>
-          <p:cNvPr id="2" name="標題 1">
-            <a:extLst>
-              <a:ext uri="{FF2B5EF4-FFF2-40B4-BE49-F238E27FC236}">
-                <a16:creationId xmlns:a16="http://schemas.microsoft.com/office/drawing/2014/main" id="{5986B870-2B24-4658-9AEB-3C92E8E40B41}"/>
-              </a:ext>
-            </a:extLst>
-          </p:cNvPr>
-          <p:cNvSpPr>
-            <a:spLocks noGrp="1"/>
-          </p:cNvSpPr>
-          <p:nvPr>
-            <p:ph type="title"/>
-          </p:nvPr>
+          <p:cNvPr id="7" name="Rectangle 6">
+            <a:extLst>
+              <a:ext uri="{FF2B5EF4-FFF2-40B4-BE49-F238E27FC236}">
+                <a16:creationId xmlns:a16="http://schemas.microsoft.com/office/drawing/2014/main" id="{B980A128-A52A-402C-865B-1BF08D7F0458}"/>
+              </a:ext>
+            </a:extLst>
+          </p:cNvPr>
+          <p:cNvSpPr/>
+          <p:nvPr/>
         </p:nvSpPr>
         <p:spPr>
           <a:xfrm>
-            <a:off x="831850" y="1709738"/>
-            <a:ext cx="10515600" cy="2852737"/>
+            <a:off x="0" y="0"/>
+            <a:ext cx="12192000" cy="6858000"/>
+          </a:xfrm>
+          <a:prstGeom prst="rect">
+            <a:avLst/>
+          </a:prstGeom>
+          <a:solidFill>
+            <a:schemeClr val="bg1"/>
+          </a:solidFill>
+          <a:ln>
+            <a:noFill/>
+          </a:ln>
+        </p:spPr>
+        <p:style>
+          <a:lnRef idx="2">
+            <a:schemeClr val="accent1">
+              <a:shade val="50000"/>
+            </a:schemeClr>
+          </a:lnRef>
+          <a:fillRef idx="1">
+            <a:schemeClr val="accent1"/>
+          </a:fillRef>
+          <a:effectRef idx="0">
+            <a:schemeClr val="accent1"/>
+          </a:effectRef>
+          <a:fontRef idx="minor">
+            <a:schemeClr val="lt1"/>
+          </a:fontRef>
+        </p:style>
+      </p:sp>
+      <p:sp>
+        <p:nvSpPr>
+          <p:cNvPr id="2" name="Title 1">
+            <a:extLst>
+              <a:ext uri="{FF2B5EF4-FFF2-40B4-BE49-F238E27FC236}">
+                <a16:creationId xmlns:a16="http://schemas.microsoft.com/office/drawing/2014/main" id="{3E900447-3778-4AB7-ACB3-7C2313FE9A47}"/>
+              </a:ext>
+            </a:extLst>
+          </p:cNvPr>
+          <p:cNvSpPr>
+            <a:spLocks noGrp="1"/>
+          </p:cNvSpPr>
+          <p:nvPr>
+            <p:ph type="title"/>
+          </p:nvPr>
+        </p:nvSpPr>
+        <p:spPr>
+          <a:xfrm>
+            <a:off x="1421745" y="1287554"/>
+            <a:ext cx="8284963" cy="3113064"/>
           </a:xfrm>
         </p:spPr>
         <p:txBody>
-          <a:bodyPr anchor="b"/>
+          <a:bodyPr anchor="t"/>
           <a:lstStyle>
             <a:lvl1pPr>
-              <a:defRPr sz="6000"/>
+              <a:defRPr sz="4400"/>
             </a:lvl1pPr>
           </a:lstStyle>
           <a:p>
             <a:r>
-              <a:rPr lang="zh-TW" altLang="en-US"/>
-              <a:t>按一下以編輯母片標題樣式</a:t>
-            </a:r>
-          </a:p>
-        </p:txBody>
-      </p:sp>
-      <p:sp>
-        <p:nvSpPr>
-          <p:cNvPr id="3" name="文字版面配置區 2">
-            <a:extLst>
-              <a:ext uri="{FF2B5EF4-FFF2-40B4-BE49-F238E27FC236}">
-                <a16:creationId xmlns:a16="http://schemas.microsoft.com/office/drawing/2014/main" id="{90235018-E757-4630-8511-F466B919268F}"/>
+              <a:rPr lang="en-US" dirty="0"/>
+              <a:t>Click to edit Master title style</a:t>
+            </a:r>
+          </a:p>
+        </p:txBody>
+      </p:sp>
+      <p:sp>
+        <p:nvSpPr>
+          <p:cNvPr id="3" name="Text Placeholder 2">
+            <a:extLst>
+              <a:ext uri="{FF2B5EF4-FFF2-40B4-BE49-F238E27FC236}">
+                <a16:creationId xmlns:a16="http://schemas.microsoft.com/office/drawing/2014/main" id="{F9B910C9-BA3C-4D31-9C62-2C2408591FF2}"/>
               </a:ext>
             </a:extLst>
           </p:cNvPr>
@@ -1003,16 +1290,18 @@
         </p:nvSpPr>
         <p:spPr>
           <a:xfrm>
-            <a:off x="831850" y="4589463"/>
-            <a:ext cx="10515600" cy="1500187"/>
+            <a:off x="1421744" y="4619707"/>
+            <a:ext cx="7722256" cy="1476293"/>
           </a:xfrm>
         </p:spPr>
         <p:txBody>
-          <a:bodyPr/>
+          <a:bodyPr anchor="b">
+            <a:normAutofit/>
+          </a:bodyPr>
           <a:lstStyle>
             <a:lvl1pPr marL="0" indent="0">
               <a:buNone/>
-              <a:defRPr sz="2400">
+              <a:defRPr sz="1800">
                 <a:solidFill>
                   <a:schemeClr val="tx1">
                     <a:tint val="75000"/>
@@ -1022,7 +1311,7 @@
             </a:lvl1pPr>
             <a:lvl2pPr marL="457200" indent="0">
               <a:buNone/>
-              <a:defRPr sz="2000">
+              <a:defRPr sz="1800">
                 <a:solidFill>
                   <a:schemeClr val="tx1">
                     <a:tint val="75000"/>
@@ -1104,18 +1393,18 @@
           <a:p>
             <a:pPr lvl="0"/>
             <a:r>
-              <a:rPr lang="zh-TW" altLang="en-US"/>
-              <a:t>按一下以編輯母片文字樣式</a:t>
-            </a:r>
-          </a:p>
-        </p:txBody>
-      </p:sp>
-      <p:sp>
-        <p:nvSpPr>
-          <p:cNvPr id="4" name="日期版面配置區 3">
-            <a:extLst>
-              <a:ext uri="{FF2B5EF4-FFF2-40B4-BE49-F238E27FC236}">
-                <a16:creationId xmlns:a16="http://schemas.microsoft.com/office/drawing/2014/main" id="{37546C76-CF19-433D-9070-0A54A149F1B2}"/>
+              <a:rPr lang="en-US" dirty="0"/>
+              <a:t>Click to edit Master text styles</a:t>
+            </a:r>
+          </a:p>
+        </p:txBody>
+      </p:sp>
+      <p:sp>
+        <p:nvSpPr>
+          <p:cNvPr id="4" name="Date Placeholder 3">
+            <a:extLst>
+              <a:ext uri="{FF2B5EF4-FFF2-40B4-BE49-F238E27FC236}">
+                <a16:creationId xmlns:a16="http://schemas.microsoft.com/office/drawing/2014/main" id="{58742E8A-6B69-406B-A3DF-0A1B76832E0A}"/>
               </a:ext>
             </a:extLst>
           </p:cNvPr>
@@ -1131,20 +1420,20 @@
           <a:bodyPr/>
           <a:lstStyle/>
           <a:p>
-            <a:fld id="{C3C90D7E-32D6-4894-AE08-7BBB3E610FC9}" type="datetimeFigureOut">
-              <a:rPr lang="zh-TW" altLang="en-US" smtClean="0"/>
-              <a:t>2024/9/16</a:t>
+            <a:fld id="{3E37E480-B2BA-4553-A144-61E7F75833ED}" type="datetimeFigureOut">
+              <a:rPr lang="en-US" dirty="0"/>
+              <a:t>10/14/2024</a:t>
             </a:fld>
-            <a:endParaRPr lang="zh-TW" altLang="en-US"/>
-          </a:p>
-        </p:txBody>
-      </p:sp>
-      <p:sp>
-        <p:nvSpPr>
-          <p:cNvPr id="5" name="頁尾版面配置區 4">
-            <a:extLst>
-              <a:ext uri="{FF2B5EF4-FFF2-40B4-BE49-F238E27FC236}">
-                <a16:creationId xmlns:a16="http://schemas.microsoft.com/office/drawing/2014/main" id="{9C9DC25F-827C-4564-AD0E-7FD815D53AF7}"/>
+            <a:endParaRPr lang="en-US" dirty="0"/>
+          </a:p>
+        </p:txBody>
+      </p:sp>
+      <p:sp>
+        <p:nvSpPr>
+          <p:cNvPr id="5" name="Footer Placeholder 4">
+            <a:extLst>
+              <a:ext uri="{FF2B5EF4-FFF2-40B4-BE49-F238E27FC236}">
+                <a16:creationId xmlns:a16="http://schemas.microsoft.com/office/drawing/2014/main" id="{64D665CF-4461-4BB8-8F3A-ED1CB1084CA2}"/>
               </a:ext>
             </a:extLst>
           </p:cNvPr>
@@ -1160,16 +1449,20 @@
           <a:bodyPr/>
           <a:lstStyle/>
           <a:p>
-            <a:endParaRPr lang="zh-TW" altLang="en-US"/>
-          </a:p>
-        </p:txBody>
-      </p:sp>
-      <p:sp>
-        <p:nvSpPr>
-          <p:cNvPr id="6" name="投影片編號版面配置區 5">
-            <a:extLst>
-              <a:ext uri="{FF2B5EF4-FFF2-40B4-BE49-F238E27FC236}">
-                <a16:creationId xmlns:a16="http://schemas.microsoft.com/office/drawing/2014/main" id="{8C0653A6-68AA-4213-8D62-EAF9243D6998}"/>
+            <a:r>
+              <a:rPr lang="en-US" dirty="0"/>
+              <a:t>
+              </a:t>
+            </a:r>
+          </a:p>
+        </p:txBody>
+      </p:sp>
+      <p:sp>
+        <p:nvSpPr>
+          <p:cNvPr id="6" name="Slide Number Placeholder 5">
+            <a:extLst>
+              <a:ext uri="{FF2B5EF4-FFF2-40B4-BE49-F238E27FC236}">
+                <a16:creationId xmlns:a16="http://schemas.microsoft.com/office/drawing/2014/main" id="{D4898B27-5EF3-49F4-B3CE-F3CF419AE06E}"/>
               </a:ext>
             </a:extLst>
           </p:cNvPr>
@@ -1185,30 +1478,33 @@
           <a:bodyPr/>
           <a:lstStyle/>
           <a:p>
-            <a:fld id="{E31EC408-072F-4346-BD0A-D6AA5788A305}" type="slidenum">
-              <a:rPr lang="zh-TW" altLang="en-US" smtClean="0"/>
+            <a:fld id="{196A61CA-0502-4EE4-9724-96EA822543E5}" type="slidenum">
+              <a:rPr lang="en-US" dirty="0"/>
               <a:t>‹#›</a:t>
             </a:fld>
-            <a:endParaRPr lang="zh-TW" altLang="en-US"/>
+            <a:endParaRPr lang="en-US" dirty="0"/>
           </a:p>
         </p:txBody>
       </p:sp>
     </p:spTree>
     <p:extLst>
       <p:ext uri="{BB962C8B-B14F-4D97-AF65-F5344CB8AC3E}">
-        <p14:creationId xmlns:p14="http://schemas.microsoft.com/office/powerpoint/2010/main" val="3126775509"/>
+        <p14:creationId xmlns:p14="http://schemas.microsoft.com/office/powerpoint/2010/main" val="2042891870"/>
       </p:ext>
     </p:extLst>
   </p:cSld>
   <p:clrMapOvr>
     <a:masterClrMapping/>
   </p:clrMapOvr>
+  <p:transition spd="slow">
+    <p:push dir="u"/>
+  </p:transition>
 </p:sldLayout>
 </file>
 
 <file path=ppt/slideLayouts/slideLayout4.xml><?xml version="1.0" encoding="utf-8"?>
 <p:sldLayout xmlns:a="http://schemas.openxmlformats.org/drawingml/2006/main" xmlns:r="http://schemas.openxmlformats.org/officeDocument/2006/relationships" xmlns:p="http://schemas.openxmlformats.org/presentationml/2006/main" type="twoObj" preserve="1">
-  <p:cSld name="兩個內容">
+  <p:cSld name="Two Content">
     <p:spTree>
       <p:nvGrpSpPr>
         <p:cNvPr id="1" name=""/>
@@ -1225,10 +1521,10 @@
       </p:grpSpPr>
       <p:sp>
         <p:nvSpPr>
-          <p:cNvPr id="2" name="標題 1">
-            <a:extLst>
-              <a:ext uri="{FF2B5EF4-FFF2-40B4-BE49-F238E27FC236}">
-                <a16:creationId xmlns:a16="http://schemas.microsoft.com/office/drawing/2014/main" id="{F8A74D77-9E6E-4FD1-97AD-0ADC1228B6AF}"/>
+          <p:cNvPr id="2" name="Title 1">
+            <a:extLst>
+              <a:ext uri="{FF2B5EF4-FFF2-40B4-BE49-F238E27FC236}">
+                <a16:creationId xmlns:a16="http://schemas.microsoft.com/office/drawing/2014/main" id="{3733F3BA-5AD5-4F15-97B2-E4652D1D4E15}"/>
               </a:ext>
             </a:extLst>
           </p:cNvPr>
@@ -1237,6 +1533,243 @@
           </p:cNvSpPr>
           <p:nvPr>
             <p:ph type="title"/>
+          </p:nvPr>
+        </p:nvSpPr>
+        <p:spPr>
+          <a:xfrm>
+            <a:off x="1429566" y="1013411"/>
+            <a:ext cx="9238434" cy="889592"/>
+          </a:xfrm>
+        </p:spPr>
+        <p:txBody>
+          <a:bodyPr/>
+          <a:lstStyle>
+            <a:lvl1pPr>
+              <a:defRPr>
+                <a:solidFill>
+                  <a:schemeClr val="tx1"/>
+                </a:solidFill>
+              </a:defRPr>
+            </a:lvl1pPr>
+          </a:lstStyle>
+          <a:p>
+            <a:r>
+              <a:rPr lang="en-US" dirty="0"/>
+              <a:t>Click to edit Master title style</a:t>
+            </a:r>
+          </a:p>
+        </p:txBody>
+      </p:sp>
+      <p:sp>
+        <p:nvSpPr>
+          <p:cNvPr id="3" name="Content Placeholder 2">
+            <a:extLst>
+              <a:ext uri="{FF2B5EF4-FFF2-40B4-BE49-F238E27FC236}">
+                <a16:creationId xmlns:a16="http://schemas.microsoft.com/office/drawing/2014/main" id="{7EA997B8-1FD3-40E6-A486-256EB41DB70A}"/>
+              </a:ext>
+            </a:extLst>
+          </p:cNvPr>
+          <p:cNvSpPr>
+            <a:spLocks noGrp="1"/>
+          </p:cNvSpPr>
+          <p:nvPr>
+            <p:ph sz="half" idx="1"/>
+          </p:nvPr>
+        </p:nvSpPr>
+        <p:spPr>
+          <a:xfrm>
+            <a:off x="1429566" y="2135565"/>
+            <a:ext cx="4495800" cy="3960435"/>
+          </a:xfrm>
+        </p:spPr>
+        <p:txBody>
+          <a:bodyPr/>
+          <a:lstStyle>
+            <a:lvl1pPr>
+              <a:defRPr>
+                <a:solidFill>
+                  <a:schemeClr val="tx1"/>
+                </a:solidFill>
+              </a:defRPr>
+            </a:lvl1pPr>
+            <a:lvl2pPr>
+              <a:defRPr>
+                <a:solidFill>
+                  <a:schemeClr val="tx1"/>
+                </a:solidFill>
+              </a:defRPr>
+            </a:lvl2pPr>
+            <a:lvl3pPr>
+              <a:defRPr>
+                <a:solidFill>
+                  <a:schemeClr val="tx1"/>
+                </a:solidFill>
+              </a:defRPr>
+            </a:lvl3pPr>
+            <a:lvl4pPr>
+              <a:defRPr>
+                <a:solidFill>
+                  <a:schemeClr val="tx1"/>
+                </a:solidFill>
+              </a:defRPr>
+            </a:lvl4pPr>
+            <a:lvl5pPr>
+              <a:defRPr>
+                <a:solidFill>
+                  <a:schemeClr val="tx1"/>
+                </a:solidFill>
+              </a:defRPr>
+            </a:lvl5pPr>
+          </a:lstStyle>
+          <a:p>
+            <a:pPr lvl="0"/>
+            <a:r>
+              <a:rPr lang="en-US" dirty="0"/>
+              <a:t>Click to edit Master text styles</a:t>
+            </a:r>
+          </a:p>
+          <a:p>
+            <a:pPr lvl="1"/>
+            <a:r>
+              <a:rPr lang="en-US" dirty="0"/>
+              <a:t>Second level</a:t>
+            </a:r>
+          </a:p>
+          <a:p>
+            <a:pPr lvl="2"/>
+            <a:r>
+              <a:rPr lang="en-US" dirty="0"/>
+              <a:t>Third level</a:t>
+            </a:r>
+          </a:p>
+          <a:p>
+            <a:pPr lvl="3"/>
+            <a:r>
+              <a:rPr lang="en-US" dirty="0"/>
+              <a:t>Fourth level</a:t>
+            </a:r>
+          </a:p>
+          <a:p>
+            <a:pPr lvl="4"/>
+            <a:r>
+              <a:rPr lang="en-US" dirty="0"/>
+              <a:t>Fifth level</a:t>
+            </a:r>
+          </a:p>
+        </p:txBody>
+      </p:sp>
+      <p:sp>
+        <p:nvSpPr>
+          <p:cNvPr id="4" name="Content Placeholder 3">
+            <a:extLst>
+              <a:ext uri="{FF2B5EF4-FFF2-40B4-BE49-F238E27FC236}">
+                <a16:creationId xmlns:a16="http://schemas.microsoft.com/office/drawing/2014/main" id="{4183F4D8-AA9A-4AF7-86EA-E4D797B98CE9}"/>
+              </a:ext>
+            </a:extLst>
+          </p:cNvPr>
+          <p:cNvSpPr>
+            <a:spLocks noGrp="1"/>
+          </p:cNvSpPr>
+          <p:nvPr>
+            <p:ph sz="half" idx="2"/>
+          </p:nvPr>
+        </p:nvSpPr>
+        <p:spPr>
+          <a:xfrm>
+            <a:off x="6172200" y="2135565"/>
+            <a:ext cx="4495800" cy="3960435"/>
+          </a:xfrm>
+        </p:spPr>
+        <p:txBody>
+          <a:bodyPr/>
+          <a:lstStyle>
+            <a:lvl1pPr>
+              <a:defRPr>
+                <a:solidFill>
+                  <a:schemeClr val="tx1"/>
+                </a:solidFill>
+              </a:defRPr>
+            </a:lvl1pPr>
+            <a:lvl2pPr>
+              <a:defRPr>
+                <a:solidFill>
+                  <a:schemeClr val="tx1"/>
+                </a:solidFill>
+              </a:defRPr>
+            </a:lvl2pPr>
+            <a:lvl3pPr>
+              <a:defRPr>
+                <a:solidFill>
+                  <a:schemeClr val="tx1"/>
+                </a:solidFill>
+              </a:defRPr>
+            </a:lvl3pPr>
+            <a:lvl4pPr>
+              <a:defRPr>
+                <a:solidFill>
+                  <a:schemeClr val="tx1"/>
+                </a:solidFill>
+              </a:defRPr>
+            </a:lvl4pPr>
+            <a:lvl5pPr>
+              <a:defRPr>
+                <a:solidFill>
+                  <a:schemeClr val="tx1"/>
+                </a:solidFill>
+              </a:defRPr>
+            </a:lvl5pPr>
+          </a:lstStyle>
+          <a:p>
+            <a:pPr lvl="0"/>
+            <a:r>
+              <a:rPr lang="en-US" dirty="0"/>
+              <a:t>Click to edit Master text styles</a:t>
+            </a:r>
+          </a:p>
+          <a:p>
+            <a:pPr lvl="1"/>
+            <a:r>
+              <a:rPr lang="en-US" dirty="0"/>
+              <a:t>Second level</a:t>
+            </a:r>
+          </a:p>
+          <a:p>
+            <a:pPr lvl="2"/>
+            <a:r>
+              <a:rPr lang="en-US" dirty="0"/>
+              <a:t>Third level</a:t>
+            </a:r>
+          </a:p>
+          <a:p>
+            <a:pPr lvl="3"/>
+            <a:r>
+              <a:rPr lang="en-US" dirty="0"/>
+              <a:t>Fourth level</a:t>
+            </a:r>
+          </a:p>
+          <a:p>
+            <a:pPr lvl="4"/>
+            <a:r>
+              <a:rPr lang="en-US" dirty="0"/>
+              <a:t>Fifth level</a:t>
+            </a:r>
+          </a:p>
+        </p:txBody>
+      </p:sp>
+      <p:sp>
+        <p:nvSpPr>
+          <p:cNvPr id="5" name="Date Placeholder 4">
+            <a:extLst>
+              <a:ext uri="{FF2B5EF4-FFF2-40B4-BE49-F238E27FC236}">
+                <a16:creationId xmlns:a16="http://schemas.microsoft.com/office/drawing/2014/main" id="{BA08823E-BC08-4810-9BFF-35D2EA2AE729}"/>
+              </a:ext>
+            </a:extLst>
+          </p:cNvPr>
+          <p:cNvSpPr>
+            <a:spLocks noGrp="1"/>
+          </p:cNvSpPr>
+          <p:nvPr>
+            <p:ph type="dt" sz="half" idx="10"/>
           </p:nvPr>
         </p:nvSpPr>
         <p:spPr/>
@@ -1244,236 +1777,91 @@
           <a:bodyPr/>
           <a:lstStyle/>
           <a:p>
-            <a:r>
-              <a:rPr lang="zh-TW" altLang="en-US"/>
-              <a:t>按一下以編輯母片標題樣式</a:t>
-            </a:r>
-          </a:p>
-        </p:txBody>
-      </p:sp>
-      <p:sp>
-        <p:nvSpPr>
-          <p:cNvPr id="3" name="內容版面配置區 2">
-            <a:extLst>
-              <a:ext uri="{FF2B5EF4-FFF2-40B4-BE49-F238E27FC236}">
-                <a16:creationId xmlns:a16="http://schemas.microsoft.com/office/drawing/2014/main" id="{9FDE4E9B-689C-4373-B281-9636BE211982}"/>
-              </a:ext>
-            </a:extLst>
-          </p:cNvPr>
-          <p:cNvSpPr>
-            <a:spLocks noGrp="1"/>
-          </p:cNvSpPr>
-          <p:nvPr>
-            <p:ph sz="half" idx="1"/>
-          </p:nvPr>
-        </p:nvSpPr>
-        <p:spPr>
-          <a:xfrm>
-            <a:off x="838200" y="1825625"/>
-            <a:ext cx="5181600" cy="4351338"/>
-          </a:xfrm>
-        </p:spPr>
+            <a:fld id="{390E682A-6B53-4B08-AE4D-4C5E659103CC}" type="datetimeFigureOut">
+              <a:rPr lang="en-US" dirty="0"/>
+              <a:t>10/14/2024</a:t>
+            </a:fld>
+            <a:endParaRPr lang="en-US" dirty="0"/>
+          </a:p>
+        </p:txBody>
+      </p:sp>
+      <p:sp>
+        <p:nvSpPr>
+          <p:cNvPr id="6" name="Footer Placeholder 5">
+            <a:extLst>
+              <a:ext uri="{FF2B5EF4-FFF2-40B4-BE49-F238E27FC236}">
+                <a16:creationId xmlns:a16="http://schemas.microsoft.com/office/drawing/2014/main" id="{2FDD2BFB-BB2C-4C4A-A6E1-DD223C2BE02F}"/>
+              </a:ext>
+            </a:extLst>
+          </p:cNvPr>
+          <p:cNvSpPr>
+            <a:spLocks noGrp="1"/>
+          </p:cNvSpPr>
+          <p:nvPr>
+            <p:ph type="ftr" sz="quarter" idx="11"/>
+          </p:nvPr>
+        </p:nvSpPr>
+        <p:spPr/>
         <p:txBody>
           <a:bodyPr/>
           <a:lstStyle/>
           <a:p>
-            <a:pPr lvl="0"/>
-            <a:r>
-              <a:rPr lang="zh-TW" altLang="en-US"/>
-              <a:t>按一下以編輯母片文字樣式</a:t>
-            </a:r>
-          </a:p>
-          <a:p>
-            <a:pPr lvl="1"/>
-            <a:r>
-              <a:rPr lang="zh-TW" altLang="en-US"/>
-              <a:t>第二層</a:t>
-            </a:r>
-          </a:p>
-          <a:p>
-            <a:pPr lvl="2"/>
-            <a:r>
-              <a:rPr lang="zh-TW" altLang="en-US"/>
-              <a:t>第三層</a:t>
-            </a:r>
-          </a:p>
-          <a:p>
-            <a:pPr lvl="3"/>
-            <a:r>
-              <a:rPr lang="zh-TW" altLang="en-US"/>
-              <a:t>第四層</a:t>
-            </a:r>
-          </a:p>
-          <a:p>
-            <a:pPr lvl="4"/>
-            <a:r>
-              <a:rPr lang="zh-TW" altLang="en-US"/>
-              <a:t>第五層</a:t>
-            </a:r>
-          </a:p>
-        </p:txBody>
-      </p:sp>
-      <p:sp>
-        <p:nvSpPr>
-          <p:cNvPr id="4" name="內容版面配置區 3">
-            <a:extLst>
-              <a:ext uri="{FF2B5EF4-FFF2-40B4-BE49-F238E27FC236}">
-                <a16:creationId xmlns:a16="http://schemas.microsoft.com/office/drawing/2014/main" id="{CD25EC10-0BDA-4ECA-AB8E-059AC3378E22}"/>
-              </a:ext>
-            </a:extLst>
-          </p:cNvPr>
-          <p:cNvSpPr>
-            <a:spLocks noGrp="1"/>
-          </p:cNvSpPr>
-          <p:nvPr>
-            <p:ph sz="half" idx="2"/>
-          </p:nvPr>
-        </p:nvSpPr>
-        <p:spPr>
-          <a:xfrm>
-            <a:off x="6172200" y="1825625"/>
-            <a:ext cx="5181600" cy="4351338"/>
-          </a:xfrm>
-        </p:spPr>
+            <a:r>
+              <a:rPr lang="en-US" dirty="0"/>
+              <a:t>
+              </a:t>
+            </a:r>
+          </a:p>
+        </p:txBody>
+      </p:sp>
+      <p:sp>
+        <p:nvSpPr>
+          <p:cNvPr id="7" name="Slide Number Placeholder 6">
+            <a:extLst>
+              <a:ext uri="{FF2B5EF4-FFF2-40B4-BE49-F238E27FC236}">
+                <a16:creationId xmlns:a16="http://schemas.microsoft.com/office/drawing/2014/main" id="{95D369B2-12F8-4583-8A7F-523C9A3EF09B}"/>
+              </a:ext>
+            </a:extLst>
+          </p:cNvPr>
+          <p:cNvSpPr>
+            <a:spLocks noGrp="1"/>
+          </p:cNvSpPr>
+          <p:nvPr>
+            <p:ph type="sldNum" sz="quarter" idx="12"/>
+          </p:nvPr>
+        </p:nvSpPr>
+        <p:spPr/>
         <p:txBody>
           <a:bodyPr/>
           <a:lstStyle/>
           <a:p>
-            <a:pPr lvl="0"/>
-            <a:r>
-              <a:rPr lang="zh-TW" altLang="en-US"/>
-              <a:t>按一下以編輯母片文字樣式</a:t>
-            </a:r>
-          </a:p>
-          <a:p>
-            <a:pPr lvl="1"/>
-            <a:r>
-              <a:rPr lang="zh-TW" altLang="en-US"/>
-              <a:t>第二層</a:t>
-            </a:r>
-          </a:p>
-          <a:p>
-            <a:pPr lvl="2"/>
-            <a:r>
-              <a:rPr lang="zh-TW" altLang="en-US"/>
-              <a:t>第三層</a:t>
-            </a:r>
-          </a:p>
-          <a:p>
-            <a:pPr lvl="3"/>
-            <a:r>
-              <a:rPr lang="zh-TW" altLang="en-US"/>
-              <a:t>第四層</a:t>
-            </a:r>
-          </a:p>
-          <a:p>
-            <a:pPr lvl="4"/>
-            <a:r>
-              <a:rPr lang="zh-TW" altLang="en-US"/>
-              <a:t>第五層</a:t>
-            </a:r>
-          </a:p>
-        </p:txBody>
-      </p:sp>
-      <p:sp>
-        <p:nvSpPr>
-          <p:cNvPr id="5" name="日期版面配置區 4">
-            <a:extLst>
-              <a:ext uri="{FF2B5EF4-FFF2-40B4-BE49-F238E27FC236}">
-                <a16:creationId xmlns:a16="http://schemas.microsoft.com/office/drawing/2014/main" id="{63DAF127-0983-4C38-869C-C0A513FA9147}"/>
-              </a:ext>
-            </a:extLst>
-          </p:cNvPr>
-          <p:cNvSpPr>
-            <a:spLocks noGrp="1"/>
-          </p:cNvSpPr>
-          <p:nvPr>
-            <p:ph type="dt" sz="half" idx="10"/>
-          </p:nvPr>
-        </p:nvSpPr>
-        <p:spPr/>
-        <p:txBody>
-          <a:bodyPr/>
-          <a:lstStyle/>
-          <a:p>
-            <a:fld id="{C3C90D7E-32D6-4894-AE08-7BBB3E610FC9}" type="datetimeFigureOut">
-              <a:rPr lang="zh-TW" altLang="en-US" smtClean="0"/>
-              <a:t>2024/9/16</a:t>
-            </a:fld>
-            <a:endParaRPr lang="zh-TW" altLang="en-US"/>
-          </a:p>
-        </p:txBody>
-      </p:sp>
-      <p:sp>
-        <p:nvSpPr>
-          <p:cNvPr id="6" name="頁尾版面配置區 5">
-            <a:extLst>
-              <a:ext uri="{FF2B5EF4-FFF2-40B4-BE49-F238E27FC236}">
-                <a16:creationId xmlns:a16="http://schemas.microsoft.com/office/drawing/2014/main" id="{E014CBA6-CCE3-4CF4-8E13-D895EDBD8F25}"/>
-              </a:ext>
-            </a:extLst>
-          </p:cNvPr>
-          <p:cNvSpPr>
-            <a:spLocks noGrp="1"/>
-          </p:cNvSpPr>
-          <p:nvPr>
-            <p:ph type="ftr" sz="quarter" idx="11"/>
-          </p:nvPr>
-        </p:nvSpPr>
-        <p:spPr/>
-        <p:txBody>
-          <a:bodyPr/>
-          <a:lstStyle/>
-          <a:p>
-            <a:endParaRPr lang="zh-TW" altLang="en-US"/>
-          </a:p>
-        </p:txBody>
-      </p:sp>
-      <p:sp>
-        <p:nvSpPr>
-          <p:cNvPr id="7" name="投影片編號版面配置區 6">
-            <a:extLst>
-              <a:ext uri="{FF2B5EF4-FFF2-40B4-BE49-F238E27FC236}">
-                <a16:creationId xmlns:a16="http://schemas.microsoft.com/office/drawing/2014/main" id="{5CEAA8E5-79B3-445E-B8C3-29BD56CE6D7A}"/>
-              </a:ext>
-            </a:extLst>
-          </p:cNvPr>
-          <p:cNvSpPr>
-            <a:spLocks noGrp="1"/>
-          </p:cNvSpPr>
-          <p:nvPr>
-            <p:ph type="sldNum" sz="quarter" idx="12"/>
-          </p:nvPr>
-        </p:nvSpPr>
-        <p:spPr/>
-        <p:txBody>
-          <a:bodyPr/>
-          <a:lstStyle/>
-          <a:p>
-            <a:fld id="{E31EC408-072F-4346-BD0A-D6AA5788A305}" type="slidenum">
-              <a:rPr lang="zh-TW" altLang="en-US" smtClean="0"/>
+            <a:fld id="{196A61CA-0502-4EE4-9724-96EA822543E5}" type="slidenum">
+              <a:rPr lang="en-US" dirty="0"/>
               <a:t>‹#›</a:t>
             </a:fld>
-            <a:endParaRPr lang="zh-TW" altLang="en-US"/>
+            <a:endParaRPr lang="en-US" dirty="0"/>
           </a:p>
         </p:txBody>
       </p:sp>
     </p:spTree>
     <p:extLst>
       <p:ext uri="{BB962C8B-B14F-4D97-AF65-F5344CB8AC3E}">
-        <p14:creationId xmlns:p14="http://schemas.microsoft.com/office/powerpoint/2010/main" val="3858213488"/>
+        <p14:creationId xmlns:p14="http://schemas.microsoft.com/office/powerpoint/2010/main" val="58370229"/>
       </p:ext>
     </p:extLst>
   </p:cSld>
   <p:clrMapOvr>
     <a:masterClrMapping/>
   </p:clrMapOvr>
+  <p:transition spd="slow">
+    <p:push dir="u"/>
+  </p:transition>
 </p:sldLayout>
 </file>
 
 <file path=ppt/slideLayouts/slideLayout5.xml><?xml version="1.0" encoding="utf-8"?>
 <p:sldLayout xmlns:a="http://schemas.openxmlformats.org/drawingml/2006/main" xmlns:r="http://schemas.openxmlformats.org/officeDocument/2006/relationships" xmlns:p="http://schemas.openxmlformats.org/presentationml/2006/main" type="twoTxTwoObj" preserve="1">
-  <p:cSld name="比較">
+  <p:cSld name="Comparison">
     <p:spTree>
       <p:nvGrpSpPr>
         <p:cNvPr id="1" name=""/>
@@ -1490,10 +1878,10 @@
       </p:grpSpPr>
       <p:sp>
         <p:nvSpPr>
-          <p:cNvPr id="2" name="標題 1">
-            <a:extLst>
-              <a:ext uri="{FF2B5EF4-FFF2-40B4-BE49-F238E27FC236}">
-                <a16:creationId xmlns:a16="http://schemas.microsoft.com/office/drawing/2014/main" id="{A00F76B6-8DEC-4A74-A06A-BA0146321CD8}"/>
+          <p:cNvPr id="2" name="Title 1">
+            <a:extLst>
+              <a:ext uri="{FF2B5EF4-FFF2-40B4-BE49-F238E27FC236}">
+                <a16:creationId xmlns:a16="http://schemas.microsoft.com/office/drawing/2014/main" id="{27AC717F-84B9-44BA-8DD6-680394AB193E}"/>
               </a:ext>
             </a:extLst>
           </p:cNvPr>
@@ -1506,27 +1894,35 @@
         </p:nvSpPr>
         <p:spPr>
           <a:xfrm>
-            <a:off x="839788" y="365125"/>
-            <a:ext cx="10515600" cy="1325563"/>
+            <a:off x="1429566" y="1079150"/>
+            <a:ext cx="9238434" cy="823912"/>
           </a:xfrm>
         </p:spPr>
         <p:txBody>
           <a:bodyPr/>
-          <a:lstStyle/>
-          <a:p>
-            <a:r>
-              <a:rPr lang="zh-TW" altLang="en-US"/>
-              <a:t>按一下以編輯母片標題樣式</a:t>
-            </a:r>
-          </a:p>
-        </p:txBody>
-      </p:sp>
-      <p:sp>
-        <p:nvSpPr>
-          <p:cNvPr id="3" name="文字版面配置區 2">
-            <a:extLst>
-              <a:ext uri="{FF2B5EF4-FFF2-40B4-BE49-F238E27FC236}">
-                <a16:creationId xmlns:a16="http://schemas.microsoft.com/office/drawing/2014/main" id="{EF00F5C5-99A7-4F16-855A-F170362659F7}"/>
+          <a:lstStyle>
+            <a:lvl1pPr>
+              <a:defRPr>
+                <a:solidFill>
+                  <a:schemeClr val="tx1"/>
+                </a:solidFill>
+              </a:defRPr>
+            </a:lvl1pPr>
+          </a:lstStyle>
+          <a:p>
+            <a:r>
+              <a:rPr lang="en-US" dirty="0"/>
+              <a:t>Click to edit Master title style</a:t>
+            </a:r>
+          </a:p>
+        </p:txBody>
+      </p:sp>
+      <p:sp>
+        <p:nvSpPr>
+          <p:cNvPr id="3" name="Text Placeholder 2">
+            <a:extLst>
+              <a:ext uri="{FF2B5EF4-FFF2-40B4-BE49-F238E27FC236}">
+                <a16:creationId xmlns:a16="http://schemas.microsoft.com/office/drawing/2014/main" id="{2A1217D6-7448-4625-964F-5D82F65F11F7}"/>
               </a:ext>
             </a:extLst>
           </p:cNvPr>
@@ -1539,20 +1935,30 @@
         </p:nvSpPr>
         <p:spPr>
           <a:xfrm>
-            <a:off x="839788" y="1681163"/>
-            <a:ext cx="5157787" cy="823912"/>
+            <a:off x="1429567" y="2013217"/>
+            <a:ext cx="4495799" cy="704232"/>
           </a:xfrm>
         </p:spPr>
         <p:txBody>
-          <a:bodyPr anchor="b"/>
+          <a:bodyPr anchor="b">
+            <a:normAutofit/>
+          </a:bodyPr>
           <a:lstStyle>
             <a:lvl1pPr marL="0" indent="0">
-              <a:buNone/>
-              <a:defRPr sz="2400" b="1"/>
+              <a:lnSpc>
+                <a:spcPct val="100000"/>
+              </a:lnSpc>
+              <a:buNone/>
+              <a:defRPr sz="1800" b="0" cap="all" spc="300" baseline="0">
+                <a:solidFill>
+                  <a:schemeClr val="tx1"/>
+                </a:solidFill>
+                <a:latin typeface="+mj-lt"/>
+              </a:defRPr>
             </a:lvl1pPr>
             <a:lvl2pPr marL="457200" indent="0">
               <a:buNone/>
-              <a:defRPr sz="2000" b="1"/>
+              <a:defRPr sz="1800" b="1"/>
             </a:lvl2pPr>
             <a:lvl3pPr marL="914400" indent="0">
               <a:buNone/>
@@ -1586,18 +1992,18 @@
           <a:p>
             <a:pPr lvl="0"/>
             <a:r>
-              <a:rPr lang="zh-TW" altLang="en-US"/>
-              <a:t>按一下以編輯母片文字樣式</a:t>
-            </a:r>
-          </a:p>
-        </p:txBody>
-      </p:sp>
-      <p:sp>
-        <p:nvSpPr>
-          <p:cNvPr id="4" name="內容版面配置區 3">
-            <a:extLst>
-              <a:ext uri="{FF2B5EF4-FFF2-40B4-BE49-F238E27FC236}">
-                <a16:creationId xmlns:a16="http://schemas.microsoft.com/office/drawing/2014/main" id="{6722BEB2-C9B4-4C14-8234-D17E84349984}"/>
+              <a:rPr lang="en-US" dirty="0"/>
+              <a:t>Click to edit Master text styles</a:t>
+            </a:r>
+          </a:p>
+        </p:txBody>
+      </p:sp>
+      <p:sp>
+        <p:nvSpPr>
+          <p:cNvPr id="4" name="Content Placeholder 3">
+            <a:extLst>
+              <a:ext uri="{FF2B5EF4-FFF2-40B4-BE49-F238E27FC236}">
+                <a16:creationId xmlns:a16="http://schemas.microsoft.com/office/drawing/2014/main" id="{253A534C-0B54-4327-99C0-4F0019FD21F6}"/>
               </a:ext>
             </a:extLst>
           </p:cNvPr>
@@ -1610,56 +2016,92 @@
         </p:nvSpPr>
         <p:spPr>
           <a:xfrm>
-            <a:off x="839788" y="2505075"/>
-            <a:ext cx="5157787" cy="3684588"/>
+            <a:off x="1429567" y="3048000"/>
+            <a:ext cx="4495800" cy="3048000"/>
           </a:xfrm>
         </p:spPr>
         <p:txBody>
           <a:bodyPr/>
-          <a:lstStyle/>
+          <a:lstStyle>
+            <a:lvl1pPr>
+              <a:defRPr>
+                <a:solidFill>
+                  <a:schemeClr val="tx1"/>
+                </a:solidFill>
+              </a:defRPr>
+            </a:lvl1pPr>
+            <a:lvl2pPr>
+              <a:defRPr>
+                <a:solidFill>
+                  <a:schemeClr val="tx1"/>
+                </a:solidFill>
+              </a:defRPr>
+            </a:lvl2pPr>
+            <a:lvl3pPr>
+              <a:defRPr>
+                <a:solidFill>
+                  <a:schemeClr val="tx1"/>
+                </a:solidFill>
+              </a:defRPr>
+            </a:lvl3pPr>
+            <a:lvl4pPr>
+              <a:defRPr>
+                <a:solidFill>
+                  <a:schemeClr val="tx1"/>
+                </a:solidFill>
+              </a:defRPr>
+            </a:lvl4pPr>
+            <a:lvl5pPr>
+              <a:defRPr>
+                <a:solidFill>
+                  <a:schemeClr val="tx1"/>
+                </a:solidFill>
+              </a:defRPr>
+            </a:lvl5pPr>
+          </a:lstStyle>
           <a:p>
             <a:pPr lvl="0"/>
             <a:r>
-              <a:rPr lang="zh-TW" altLang="en-US"/>
-              <a:t>按一下以編輯母片文字樣式</a:t>
+              <a:rPr lang="en-US" dirty="0"/>
+              <a:t>Click to edit Master text styles</a:t>
             </a:r>
           </a:p>
           <a:p>
             <a:pPr lvl="1"/>
             <a:r>
-              <a:rPr lang="zh-TW" altLang="en-US"/>
-              <a:t>第二層</a:t>
+              <a:rPr lang="en-US" dirty="0"/>
+              <a:t>Second level</a:t>
             </a:r>
           </a:p>
           <a:p>
             <a:pPr lvl="2"/>
             <a:r>
-              <a:rPr lang="zh-TW" altLang="en-US"/>
-              <a:t>第三層</a:t>
+              <a:rPr lang="en-US" dirty="0"/>
+              <a:t>Third level</a:t>
             </a:r>
           </a:p>
           <a:p>
             <a:pPr lvl="3"/>
             <a:r>
-              <a:rPr lang="zh-TW" altLang="en-US"/>
-              <a:t>第四層</a:t>
+              <a:rPr lang="en-US" dirty="0"/>
+              <a:t>Fourth level</a:t>
             </a:r>
           </a:p>
           <a:p>
             <a:pPr lvl="4"/>
             <a:r>
-              <a:rPr lang="zh-TW" altLang="en-US"/>
-              <a:t>第五層</a:t>
-            </a:r>
-          </a:p>
-        </p:txBody>
-      </p:sp>
-      <p:sp>
-        <p:nvSpPr>
-          <p:cNvPr id="5" name="文字版面配置區 4">
-            <a:extLst>
-              <a:ext uri="{FF2B5EF4-FFF2-40B4-BE49-F238E27FC236}">
-                <a16:creationId xmlns:a16="http://schemas.microsoft.com/office/drawing/2014/main" id="{E4A41162-A0AC-4211-940F-4B92208F9B0E}"/>
+              <a:rPr lang="en-US" dirty="0"/>
+              <a:t>Fifth level</a:t>
+            </a:r>
+          </a:p>
+        </p:txBody>
+      </p:sp>
+      <p:sp>
+        <p:nvSpPr>
+          <p:cNvPr id="5" name="Text Placeholder 4">
+            <a:extLst>
+              <a:ext uri="{FF2B5EF4-FFF2-40B4-BE49-F238E27FC236}">
+                <a16:creationId xmlns:a16="http://schemas.microsoft.com/office/drawing/2014/main" id="{389D4A63-0795-4B74-8C11-5FE7944118C7}"/>
               </a:ext>
             </a:extLst>
           </p:cNvPr>
@@ -1672,20 +2114,30 @@
         </p:nvSpPr>
         <p:spPr>
           <a:xfrm>
-            <a:off x="6172200" y="1681163"/>
-            <a:ext cx="5183188" cy="823912"/>
+            <a:off x="6172200" y="2013215"/>
+            <a:ext cx="4495800" cy="704233"/>
           </a:xfrm>
         </p:spPr>
         <p:txBody>
-          <a:bodyPr anchor="b"/>
+          <a:bodyPr anchor="b">
+            <a:normAutofit/>
+          </a:bodyPr>
           <a:lstStyle>
             <a:lvl1pPr marL="0" indent="0">
-              <a:buNone/>
-              <a:defRPr sz="2400" b="1"/>
+              <a:lnSpc>
+                <a:spcPct val="100000"/>
+              </a:lnSpc>
+              <a:buNone/>
+              <a:defRPr sz="1800" b="0" cap="all" spc="300" baseline="0">
+                <a:solidFill>
+                  <a:schemeClr val="tx1"/>
+                </a:solidFill>
+                <a:latin typeface="+mj-lt"/>
+              </a:defRPr>
             </a:lvl1pPr>
             <a:lvl2pPr marL="457200" indent="0">
               <a:buNone/>
-              <a:defRPr sz="2000" b="1"/>
+              <a:defRPr sz="1800" b="1"/>
             </a:lvl2pPr>
             <a:lvl3pPr marL="914400" indent="0">
               <a:buNone/>
@@ -1719,18 +2171,18 @@
           <a:p>
             <a:pPr lvl="0"/>
             <a:r>
-              <a:rPr lang="zh-TW" altLang="en-US"/>
-              <a:t>按一下以編輯母片文字樣式</a:t>
-            </a:r>
-          </a:p>
-        </p:txBody>
-      </p:sp>
-      <p:sp>
-        <p:nvSpPr>
-          <p:cNvPr id="6" name="內容版面配置區 5">
-            <a:extLst>
-              <a:ext uri="{FF2B5EF4-FFF2-40B4-BE49-F238E27FC236}">
-                <a16:creationId xmlns:a16="http://schemas.microsoft.com/office/drawing/2014/main" id="{E8EA159A-F9D7-4F58-A7C3-6E5B65E42266}"/>
+              <a:rPr lang="en-US" dirty="0"/>
+              <a:t>Click to edit Master text styles</a:t>
+            </a:r>
+          </a:p>
+        </p:txBody>
+      </p:sp>
+      <p:sp>
+        <p:nvSpPr>
+          <p:cNvPr id="6" name="Content Placeholder 5">
+            <a:extLst>
+              <a:ext uri="{FF2B5EF4-FFF2-40B4-BE49-F238E27FC236}">
+                <a16:creationId xmlns:a16="http://schemas.microsoft.com/office/drawing/2014/main" id="{823D16F3-F747-441B-9854-27225954DEC4}"/>
               </a:ext>
             </a:extLst>
           </p:cNvPr>
@@ -1743,56 +2195,92 @@
         </p:nvSpPr>
         <p:spPr>
           <a:xfrm>
-            <a:off x="6172200" y="2505075"/>
-            <a:ext cx="5183188" cy="3684588"/>
+            <a:off x="6172200" y="3048000"/>
+            <a:ext cx="4495800" cy="3048000"/>
           </a:xfrm>
         </p:spPr>
         <p:txBody>
           <a:bodyPr/>
-          <a:lstStyle/>
+          <a:lstStyle>
+            <a:lvl1pPr>
+              <a:defRPr>
+                <a:solidFill>
+                  <a:schemeClr val="tx1"/>
+                </a:solidFill>
+              </a:defRPr>
+            </a:lvl1pPr>
+            <a:lvl2pPr>
+              <a:defRPr>
+                <a:solidFill>
+                  <a:schemeClr val="tx1"/>
+                </a:solidFill>
+              </a:defRPr>
+            </a:lvl2pPr>
+            <a:lvl3pPr>
+              <a:defRPr>
+                <a:solidFill>
+                  <a:schemeClr val="tx1"/>
+                </a:solidFill>
+              </a:defRPr>
+            </a:lvl3pPr>
+            <a:lvl4pPr>
+              <a:defRPr>
+                <a:solidFill>
+                  <a:schemeClr val="tx1"/>
+                </a:solidFill>
+              </a:defRPr>
+            </a:lvl4pPr>
+            <a:lvl5pPr>
+              <a:defRPr>
+                <a:solidFill>
+                  <a:schemeClr val="tx1"/>
+                </a:solidFill>
+              </a:defRPr>
+            </a:lvl5pPr>
+          </a:lstStyle>
           <a:p>
             <a:pPr lvl="0"/>
             <a:r>
-              <a:rPr lang="zh-TW" altLang="en-US"/>
-              <a:t>按一下以編輯母片文字樣式</a:t>
+              <a:rPr lang="en-US" dirty="0"/>
+              <a:t>Click to edit Master text styles</a:t>
             </a:r>
           </a:p>
           <a:p>
             <a:pPr lvl="1"/>
             <a:r>
-              <a:rPr lang="zh-TW" altLang="en-US"/>
-              <a:t>第二層</a:t>
+              <a:rPr lang="en-US" dirty="0"/>
+              <a:t>Second level</a:t>
             </a:r>
           </a:p>
           <a:p>
             <a:pPr lvl="2"/>
             <a:r>
-              <a:rPr lang="zh-TW" altLang="en-US"/>
-              <a:t>第三層</a:t>
+              <a:rPr lang="en-US" dirty="0"/>
+              <a:t>Third level</a:t>
             </a:r>
           </a:p>
           <a:p>
             <a:pPr lvl="3"/>
             <a:r>
-              <a:rPr lang="zh-TW" altLang="en-US"/>
-              <a:t>第四層</a:t>
+              <a:rPr lang="en-US" dirty="0"/>
+              <a:t>Fourth level</a:t>
             </a:r>
           </a:p>
           <a:p>
             <a:pPr lvl="4"/>
             <a:r>
-              <a:rPr lang="zh-TW" altLang="en-US"/>
-              <a:t>第五層</a:t>
-            </a:r>
-          </a:p>
-        </p:txBody>
-      </p:sp>
-      <p:sp>
-        <p:nvSpPr>
-          <p:cNvPr id="7" name="日期版面配置區 6">
-            <a:extLst>
-              <a:ext uri="{FF2B5EF4-FFF2-40B4-BE49-F238E27FC236}">
-                <a16:creationId xmlns:a16="http://schemas.microsoft.com/office/drawing/2014/main" id="{AE973E80-9141-48B7-A9D7-605A4541768F}"/>
+              <a:rPr lang="en-US" dirty="0"/>
+              <a:t>Fifth level</a:t>
+            </a:r>
+          </a:p>
+        </p:txBody>
+      </p:sp>
+      <p:sp>
+        <p:nvSpPr>
+          <p:cNvPr id="7" name="Date Placeholder 6">
+            <a:extLst>
+              <a:ext uri="{FF2B5EF4-FFF2-40B4-BE49-F238E27FC236}">
+                <a16:creationId xmlns:a16="http://schemas.microsoft.com/office/drawing/2014/main" id="{0E8168E2-6B97-486E-B0E4-4E7F5CDBB5B1}"/>
               </a:ext>
             </a:extLst>
           </p:cNvPr>
@@ -1808,20 +2296,20 @@
           <a:bodyPr/>
           <a:lstStyle/>
           <a:p>
-            <a:fld id="{C3C90D7E-32D6-4894-AE08-7BBB3E610FC9}" type="datetimeFigureOut">
-              <a:rPr lang="zh-TW" altLang="en-US" smtClean="0"/>
-              <a:t>2024/9/16</a:t>
+            <a:fld id="{7C69F0F6-BEBB-4894-ABB2-75C5CBE0DDB9}" type="datetimeFigureOut">
+              <a:rPr lang="en-US" dirty="0"/>
+              <a:t>10/14/2024</a:t>
             </a:fld>
-            <a:endParaRPr lang="zh-TW" altLang="en-US"/>
-          </a:p>
-        </p:txBody>
-      </p:sp>
-      <p:sp>
-        <p:nvSpPr>
-          <p:cNvPr id="8" name="頁尾版面配置區 7">
-            <a:extLst>
-              <a:ext uri="{FF2B5EF4-FFF2-40B4-BE49-F238E27FC236}">
-                <a16:creationId xmlns:a16="http://schemas.microsoft.com/office/drawing/2014/main" id="{6520B07A-79F8-43E7-8013-632DD2AED223}"/>
+            <a:endParaRPr lang="en-US" dirty="0"/>
+          </a:p>
+        </p:txBody>
+      </p:sp>
+      <p:sp>
+        <p:nvSpPr>
+          <p:cNvPr id="8" name="Footer Placeholder 7">
+            <a:extLst>
+              <a:ext uri="{FF2B5EF4-FFF2-40B4-BE49-F238E27FC236}">
+                <a16:creationId xmlns:a16="http://schemas.microsoft.com/office/drawing/2014/main" id="{D05D3E2B-2F4E-4347-A8E9-27EB7D0359B3}"/>
               </a:ext>
             </a:extLst>
           </p:cNvPr>
@@ -1837,16 +2325,20 @@
           <a:bodyPr/>
           <a:lstStyle/>
           <a:p>
-            <a:endParaRPr lang="zh-TW" altLang="en-US"/>
-          </a:p>
-        </p:txBody>
-      </p:sp>
-      <p:sp>
-        <p:nvSpPr>
-          <p:cNvPr id="9" name="投影片編號版面配置區 8">
-            <a:extLst>
-              <a:ext uri="{FF2B5EF4-FFF2-40B4-BE49-F238E27FC236}">
-                <a16:creationId xmlns:a16="http://schemas.microsoft.com/office/drawing/2014/main" id="{3B997D8F-4F1C-4DE6-A82C-3E0C38ACAE96}"/>
+            <a:r>
+              <a:rPr lang="en-US" dirty="0"/>
+              <a:t>
+              </a:t>
+            </a:r>
+          </a:p>
+        </p:txBody>
+      </p:sp>
+      <p:sp>
+        <p:nvSpPr>
+          <p:cNvPr id="9" name="Slide Number Placeholder 8">
+            <a:extLst>
+              <a:ext uri="{FF2B5EF4-FFF2-40B4-BE49-F238E27FC236}">
+                <a16:creationId xmlns:a16="http://schemas.microsoft.com/office/drawing/2014/main" id="{DC1FC4F5-6876-414E-9E30-84706A3F528C}"/>
               </a:ext>
             </a:extLst>
           </p:cNvPr>
@@ -1862,30 +2354,160 @@
           <a:bodyPr/>
           <a:lstStyle/>
           <a:p>
-            <a:fld id="{E31EC408-072F-4346-BD0A-D6AA5788A305}" type="slidenum">
-              <a:rPr lang="zh-TW" altLang="en-US" smtClean="0"/>
+            <a:fld id="{196A61CA-0502-4EE4-9724-96EA822543E5}" type="slidenum">
+              <a:rPr lang="en-US" dirty="0"/>
               <a:t>‹#›</a:t>
             </a:fld>
-            <a:endParaRPr lang="zh-TW" altLang="en-US"/>
-          </a:p>
-        </p:txBody>
-      </p:sp>
+            <a:endParaRPr lang="en-US" dirty="0"/>
+          </a:p>
+        </p:txBody>
+      </p:sp>
+      <p:cxnSp>
+        <p:nvCxnSpPr>
+          <p:cNvPr id="11" name="Straight Connector 10">
+            <a:extLst>
+              <a:ext uri="{FF2B5EF4-FFF2-40B4-BE49-F238E27FC236}">
+                <a16:creationId xmlns:a16="http://schemas.microsoft.com/office/drawing/2014/main" id="{A70D2F04-5474-46B9-B838-858CDF4AB2D2}"/>
+              </a:ext>
+            </a:extLst>
+          </p:cNvPr>
+          <p:cNvCxnSpPr>
+            <a:cxnSpLocks/>
+          </p:cNvCxnSpPr>
+          <p:nvPr/>
+        </p:nvCxnSpPr>
+        <p:spPr>
+          <a:xfrm>
+            <a:off x="6270727" y="2876662"/>
+            <a:ext cx="971155" cy="0"/>
+          </a:xfrm>
+          <a:prstGeom prst="line">
+            <a:avLst/>
+          </a:prstGeom>
+          <a:ln w="31750">
+            <a:solidFill>
+              <a:schemeClr val="tx1"/>
+            </a:solidFill>
+          </a:ln>
+        </p:spPr>
+        <p:style>
+          <a:lnRef idx="1">
+            <a:schemeClr val="accent1"/>
+          </a:lnRef>
+          <a:fillRef idx="0">
+            <a:schemeClr val="accent1"/>
+          </a:fillRef>
+          <a:effectRef idx="0">
+            <a:schemeClr val="accent1"/>
+          </a:effectRef>
+          <a:fontRef idx="minor">
+            <a:schemeClr val="tx1"/>
+          </a:fontRef>
+        </p:style>
+      </p:cxnSp>
+      <p:sp>
+        <p:nvSpPr>
+          <p:cNvPr id="13" name="Rectangle 12">
+            <a:extLst>
+              <a:ext uri="{FF2B5EF4-FFF2-40B4-BE49-F238E27FC236}">
+                <a16:creationId xmlns:a16="http://schemas.microsoft.com/office/drawing/2014/main" id="{CADEE893-BE45-47F3-BCF0-02424B3503CC}"/>
+              </a:ext>
+            </a:extLst>
+          </p:cNvPr>
+          <p:cNvSpPr/>
+          <p:nvPr/>
+        </p:nvSpPr>
+        <p:spPr>
+          <a:xfrm>
+            <a:off x="-1171838" y="4592406"/>
+            <a:ext cx="808262" cy="389711"/>
+          </a:xfrm>
+          <a:prstGeom prst="rect">
+            <a:avLst/>
+          </a:prstGeom>
+          <a:ln>
+            <a:noFill/>
+          </a:ln>
+        </p:spPr>
+        <p:style>
+          <a:lnRef idx="2">
+            <a:schemeClr val="accent1">
+              <a:shade val="50000"/>
+            </a:schemeClr>
+          </a:lnRef>
+          <a:fillRef idx="1">
+            <a:schemeClr val="accent1"/>
+          </a:fillRef>
+          <a:effectRef idx="0">
+            <a:schemeClr val="accent1"/>
+          </a:effectRef>
+          <a:fontRef idx="minor">
+            <a:schemeClr val="lt1"/>
+          </a:fontRef>
+        </p:style>
+      </p:sp>
+      <p:cxnSp>
+        <p:nvCxnSpPr>
+          <p:cNvPr id="14" name="Straight Connector 13">
+            <a:extLst>
+              <a:ext uri="{FF2B5EF4-FFF2-40B4-BE49-F238E27FC236}">
+                <a16:creationId xmlns:a16="http://schemas.microsoft.com/office/drawing/2014/main" id="{3FB5178A-4501-4B56-8BF1-D083D7B021CE}"/>
+              </a:ext>
+            </a:extLst>
+          </p:cNvPr>
+          <p:cNvCxnSpPr>
+            <a:cxnSpLocks/>
+          </p:cNvCxnSpPr>
+          <p:nvPr/>
+        </p:nvCxnSpPr>
+        <p:spPr>
+          <a:xfrm>
+            <a:off x="1524000" y="2876662"/>
+            <a:ext cx="971155" cy="0"/>
+          </a:xfrm>
+          <a:prstGeom prst="line">
+            <a:avLst/>
+          </a:prstGeom>
+          <a:ln w="31750">
+            <a:solidFill>
+              <a:schemeClr val="tx1"/>
+            </a:solidFill>
+          </a:ln>
+        </p:spPr>
+        <p:style>
+          <a:lnRef idx="1">
+            <a:schemeClr val="accent1"/>
+          </a:lnRef>
+          <a:fillRef idx="0">
+            <a:schemeClr val="accent1"/>
+          </a:fillRef>
+          <a:effectRef idx="0">
+            <a:schemeClr val="accent1"/>
+          </a:effectRef>
+          <a:fontRef idx="minor">
+            <a:schemeClr val="tx1"/>
+          </a:fontRef>
+        </p:style>
+      </p:cxnSp>
     </p:spTree>
     <p:extLst>
       <p:ext uri="{BB962C8B-B14F-4D97-AF65-F5344CB8AC3E}">
-        <p14:creationId xmlns:p14="http://schemas.microsoft.com/office/powerpoint/2010/main" val="3379995638"/>
+        <p14:creationId xmlns:p14="http://schemas.microsoft.com/office/powerpoint/2010/main" val="2790696473"/>
       </p:ext>
     </p:extLst>
   </p:cSld>
   <p:clrMapOvr>
     <a:masterClrMapping/>
   </p:clrMapOvr>
+  <p:transition spd="slow">
+    <p:push dir="u"/>
+  </p:transition>
 </p:sldLayout>
 </file>
 
 <file path=ppt/slideLayouts/slideLayout6.xml><?xml version="1.0" encoding="utf-8"?>
 <p:sldLayout xmlns:a="http://schemas.openxmlformats.org/drawingml/2006/main" xmlns:r="http://schemas.openxmlformats.org/officeDocument/2006/relationships" xmlns:p="http://schemas.openxmlformats.org/presentationml/2006/main" type="titleOnly" preserve="1">
-  <p:cSld name="只有標題">
+  <p:cSld name="Title Only">
     <p:spTree>
       <p:nvGrpSpPr>
         <p:cNvPr id="1" name=""/>
@@ -1902,10 +2524,54 @@
       </p:grpSpPr>
       <p:sp>
         <p:nvSpPr>
-          <p:cNvPr id="2" name="標題 1">
-            <a:extLst>
-              <a:ext uri="{FF2B5EF4-FFF2-40B4-BE49-F238E27FC236}">
-                <a16:creationId xmlns:a16="http://schemas.microsoft.com/office/drawing/2014/main" id="{6CE04611-FD10-429D-89AA-73C259B64293}"/>
+          <p:cNvPr id="6" name="Rectangle 5">
+            <a:extLst>
+              <a:ext uri="{FF2B5EF4-FFF2-40B4-BE49-F238E27FC236}">
+                <a16:creationId xmlns:a16="http://schemas.microsoft.com/office/drawing/2014/main" id="{A52109C6-041C-42BA-B507-8EA298046EDD}"/>
+              </a:ext>
+            </a:extLst>
+          </p:cNvPr>
+          <p:cNvSpPr/>
+          <p:nvPr/>
+        </p:nvSpPr>
+        <p:spPr>
+          <a:xfrm>
+            <a:off x="0" y="0"/>
+            <a:ext cx="12192000" cy="6858000"/>
+          </a:xfrm>
+          <a:prstGeom prst="rect">
+            <a:avLst/>
+          </a:prstGeom>
+          <a:solidFill>
+            <a:schemeClr val="bg1"/>
+          </a:solidFill>
+          <a:ln>
+            <a:noFill/>
+          </a:ln>
+        </p:spPr>
+        <p:style>
+          <a:lnRef idx="2">
+            <a:schemeClr val="accent1">
+              <a:shade val="50000"/>
+            </a:schemeClr>
+          </a:lnRef>
+          <a:fillRef idx="1">
+            <a:schemeClr val="accent1"/>
+          </a:fillRef>
+          <a:effectRef idx="0">
+            <a:schemeClr val="accent1"/>
+          </a:effectRef>
+          <a:fontRef idx="minor">
+            <a:schemeClr val="lt1"/>
+          </a:fontRef>
+        </p:style>
+      </p:sp>
+      <p:sp>
+        <p:nvSpPr>
+          <p:cNvPr id="2" name="Title 1">
+            <a:extLst>
+              <a:ext uri="{FF2B5EF4-FFF2-40B4-BE49-F238E27FC236}">
+                <a16:creationId xmlns:a16="http://schemas.microsoft.com/office/drawing/2014/main" id="{7F7BF877-20DD-40F4-AEA8-E1B6D5350D2D}"/>
               </a:ext>
             </a:extLst>
           </p:cNvPr>
@@ -1922,18 +2588,18 @@
           <a:lstStyle/>
           <a:p>
             <a:r>
-              <a:rPr lang="zh-TW" altLang="en-US"/>
-              <a:t>按一下以編輯母片標題樣式</a:t>
-            </a:r>
-          </a:p>
-        </p:txBody>
-      </p:sp>
-      <p:sp>
-        <p:nvSpPr>
-          <p:cNvPr id="3" name="日期版面配置區 2">
-            <a:extLst>
-              <a:ext uri="{FF2B5EF4-FFF2-40B4-BE49-F238E27FC236}">
-                <a16:creationId xmlns:a16="http://schemas.microsoft.com/office/drawing/2014/main" id="{2D9009F3-A280-4DA8-ACC4-187DE2172BCA}"/>
+              <a:rPr lang="en-US" dirty="0"/>
+              <a:t>Click to edit Master title style</a:t>
+            </a:r>
+          </a:p>
+        </p:txBody>
+      </p:sp>
+      <p:sp>
+        <p:nvSpPr>
+          <p:cNvPr id="3" name="Date Placeholder 2">
+            <a:extLst>
+              <a:ext uri="{FF2B5EF4-FFF2-40B4-BE49-F238E27FC236}">
+                <a16:creationId xmlns:a16="http://schemas.microsoft.com/office/drawing/2014/main" id="{167DC874-15B5-4338-B7D1-8E393AB4C16E}"/>
               </a:ext>
             </a:extLst>
           </p:cNvPr>
@@ -1949,20 +2615,20 @@
           <a:bodyPr/>
           <a:lstStyle/>
           <a:p>
-            <a:fld id="{C3C90D7E-32D6-4894-AE08-7BBB3E610FC9}" type="datetimeFigureOut">
-              <a:rPr lang="zh-TW" altLang="en-US" smtClean="0"/>
-              <a:t>2024/9/16</a:t>
+            <a:fld id="{8B3E9E5F-17D9-4A30-9DA3-64E46A6DF111}" type="datetimeFigureOut">
+              <a:rPr lang="en-US" dirty="0"/>
+              <a:t>10/14/2024</a:t>
             </a:fld>
-            <a:endParaRPr lang="zh-TW" altLang="en-US"/>
-          </a:p>
-        </p:txBody>
-      </p:sp>
-      <p:sp>
-        <p:nvSpPr>
-          <p:cNvPr id="4" name="頁尾版面配置區 3">
-            <a:extLst>
-              <a:ext uri="{FF2B5EF4-FFF2-40B4-BE49-F238E27FC236}">
-                <a16:creationId xmlns:a16="http://schemas.microsoft.com/office/drawing/2014/main" id="{F8FD791E-F627-4DDB-AD69-F7639FDD1767}"/>
+            <a:endParaRPr lang="en-US" dirty="0"/>
+          </a:p>
+        </p:txBody>
+      </p:sp>
+      <p:sp>
+        <p:nvSpPr>
+          <p:cNvPr id="4" name="Footer Placeholder 3">
+            <a:extLst>
+              <a:ext uri="{FF2B5EF4-FFF2-40B4-BE49-F238E27FC236}">
+                <a16:creationId xmlns:a16="http://schemas.microsoft.com/office/drawing/2014/main" id="{7E66BAE3-24C5-483F-9141-D860A265E78D}"/>
               </a:ext>
             </a:extLst>
           </p:cNvPr>
@@ -1978,16 +2644,20 @@
           <a:bodyPr/>
           <a:lstStyle/>
           <a:p>
-            <a:endParaRPr lang="zh-TW" altLang="en-US"/>
-          </a:p>
-        </p:txBody>
-      </p:sp>
-      <p:sp>
-        <p:nvSpPr>
-          <p:cNvPr id="5" name="投影片編號版面配置區 4">
-            <a:extLst>
-              <a:ext uri="{FF2B5EF4-FFF2-40B4-BE49-F238E27FC236}">
-                <a16:creationId xmlns:a16="http://schemas.microsoft.com/office/drawing/2014/main" id="{CE9C3C73-9A1B-4A20-B40C-BF8E0726E9AE}"/>
+            <a:r>
+              <a:rPr lang="en-US" dirty="0"/>
+              <a:t>
+              </a:t>
+            </a:r>
+          </a:p>
+        </p:txBody>
+      </p:sp>
+      <p:sp>
+        <p:nvSpPr>
+          <p:cNvPr id="5" name="Slide Number Placeholder 4">
+            <a:extLst>
+              <a:ext uri="{FF2B5EF4-FFF2-40B4-BE49-F238E27FC236}">
+                <a16:creationId xmlns:a16="http://schemas.microsoft.com/office/drawing/2014/main" id="{059AEEB4-66F8-4008-B616-804FB9D91CF9}"/>
               </a:ext>
             </a:extLst>
           </p:cNvPr>
@@ -2003,30 +2673,33 @@
           <a:bodyPr/>
           <a:lstStyle/>
           <a:p>
-            <a:fld id="{E31EC408-072F-4346-BD0A-D6AA5788A305}" type="slidenum">
-              <a:rPr lang="zh-TW" altLang="en-US" smtClean="0"/>
+            <a:fld id="{196A61CA-0502-4EE4-9724-96EA822543E5}" type="slidenum">
+              <a:rPr lang="en-US" dirty="0"/>
               <a:t>‹#›</a:t>
             </a:fld>
-            <a:endParaRPr lang="zh-TW" altLang="en-US"/>
+            <a:endParaRPr lang="en-US" dirty="0"/>
           </a:p>
         </p:txBody>
       </p:sp>
     </p:spTree>
     <p:extLst>
       <p:ext uri="{BB962C8B-B14F-4D97-AF65-F5344CB8AC3E}">
-        <p14:creationId xmlns:p14="http://schemas.microsoft.com/office/powerpoint/2010/main" val="3116621787"/>
+        <p14:creationId xmlns:p14="http://schemas.microsoft.com/office/powerpoint/2010/main" val="3486115355"/>
       </p:ext>
     </p:extLst>
   </p:cSld>
   <p:clrMapOvr>
     <a:masterClrMapping/>
   </p:clrMapOvr>
+  <p:transition spd="slow">
+    <p:push dir="u"/>
+  </p:transition>
 </p:sldLayout>
 </file>
 
 <file path=ppt/slideLayouts/slideLayout7.xml><?xml version="1.0" encoding="utf-8"?>
 <p:sldLayout xmlns:a="http://schemas.openxmlformats.org/drawingml/2006/main" xmlns:r="http://schemas.openxmlformats.org/officeDocument/2006/relationships" xmlns:p="http://schemas.openxmlformats.org/presentationml/2006/main" type="blank" preserve="1">
-  <p:cSld name="空白">
+  <p:cSld name="Blank">
     <p:spTree>
       <p:nvGrpSpPr>
         <p:cNvPr id="1" name=""/>
@@ -2043,10 +2716,10 @@
       </p:grpSpPr>
       <p:sp>
         <p:nvSpPr>
-          <p:cNvPr id="2" name="日期版面配置區 1">
-            <a:extLst>
-              <a:ext uri="{FF2B5EF4-FFF2-40B4-BE49-F238E27FC236}">
-                <a16:creationId xmlns:a16="http://schemas.microsoft.com/office/drawing/2014/main" id="{1E1D8EED-F2A7-4221-9887-0DBB62EB3F80}"/>
+          <p:cNvPr id="2" name="Date Placeholder 1">
+            <a:extLst>
+              <a:ext uri="{FF2B5EF4-FFF2-40B4-BE49-F238E27FC236}">
+                <a16:creationId xmlns:a16="http://schemas.microsoft.com/office/drawing/2014/main" id="{1746C975-8FFB-4A4B-9213-774EE3901DE9}"/>
               </a:ext>
             </a:extLst>
           </p:cNvPr>
@@ -2062,20 +2735,20 @@
           <a:bodyPr/>
           <a:lstStyle/>
           <a:p>
-            <a:fld id="{C3C90D7E-32D6-4894-AE08-7BBB3E610FC9}" type="datetimeFigureOut">
-              <a:rPr lang="zh-TW" altLang="en-US" smtClean="0"/>
-              <a:t>2024/9/16</a:t>
+            <a:fld id="{033AC5F0-3BC3-4718-BCCA-24B5655EC864}" type="datetimeFigureOut">
+              <a:rPr lang="en-US" dirty="0"/>
+              <a:t>10/14/2024</a:t>
             </a:fld>
-            <a:endParaRPr lang="zh-TW" altLang="en-US"/>
-          </a:p>
-        </p:txBody>
-      </p:sp>
-      <p:sp>
-        <p:nvSpPr>
-          <p:cNvPr id="3" name="頁尾版面配置區 2">
-            <a:extLst>
-              <a:ext uri="{FF2B5EF4-FFF2-40B4-BE49-F238E27FC236}">
-                <a16:creationId xmlns:a16="http://schemas.microsoft.com/office/drawing/2014/main" id="{10593B39-DC86-45A7-85EF-B4DB9C28DC80}"/>
+            <a:endParaRPr lang="en-US" dirty="0"/>
+          </a:p>
+        </p:txBody>
+      </p:sp>
+      <p:sp>
+        <p:nvSpPr>
+          <p:cNvPr id="3" name="Footer Placeholder 2">
+            <a:extLst>
+              <a:ext uri="{FF2B5EF4-FFF2-40B4-BE49-F238E27FC236}">
+                <a16:creationId xmlns:a16="http://schemas.microsoft.com/office/drawing/2014/main" id="{4FBA744F-475D-4105-8E4A-025815549539}"/>
               </a:ext>
             </a:extLst>
           </p:cNvPr>
@@ -2091,16 +2764,20 @@
           <a:bodyPr/>
           <a:lstStyle/>
           <a:p>
-            <a:endParaRPr lang="zh-TW" altLang="en-US"/>
-          </a:p>
-        </p:txBody>
-      </p:sp>
-      <p:sp>
-        <p:nvSpPr>
-          <p:cNvPr id="4" name="投影片編號版面配置區 3">
-            <a:extLst>
-              <a:ext uri="{FF2B5EF4-FFF2-40B4-BE49-F238E27FC236}">
-                <a16:creationId xmlns:a16="http://schemas.microsoft.com/office/drawing/2014/main" id="{3D9056B2-6966-4CAF-94D1-2295A737E168}"/>
+            <a:r>
+              <a:rPr lang="en-US" dirty="0"/>
+              <a:t>
+              </a:t>
+            </a:r>
+          </a:p>
+        </p:txBody>
+      </p:sp>
+      <p:sp>
+        <p:nvSpPr>
+          <p:cNvPr id="4" name="Slide Number Placeholder 3">
+            <a:extLst>
+              <a:ext uri="{FF2B5EF4-FFF2-40B4-BE49-F238E27FC236}">
+                <a16:creationId xmlns:a16="http://schemas.microsoft.com/office/drawing/2014/main" id="{6F3FA64C-7966-4D6F-88D7-4B89F2A1DF2C}"/>
               </a:ext>
             </a:extLst>
           </p:cNvPr>
@@ -2116,30 +2793,33 @@
           <a:bodyPr/>
           <a:lstStyle/>
           <a:p>
-            <a:fld id="{E31EC408-072F-4346-BD0A-D6AA5788A305}" type="slidenum">
-              <a:rPr lang="zh-TW" altLang="en-US" smtClean="0"/>
+            <a:fld id="{196A61CA-0502-4EE4-9724-96EA822543E5}" type="slidenum">
+              <a:rPr lang="en-US" dirty="0"/>
               <a:t>‹#›</a:t>
             </a:fld>
-            <a:endParaRPr lang="zh-TW" altLang="en-US"/>
+            <a:endParaRPr lang="en-US" dirty="0"/>
           </a:p>
         </p:txBody>
       </p:sp>
     </p:spTree>
     <p:extLst>
       <p:ext uri="{BB962C8B-B14F-4D97-AF65-F5344CB8AC3E}">
-        <p14:creationId xmlns:p14="http://schemas.microsoft.com/office/powerpoint/2010/main" val="3887241942"/>
+        <p14:creationId xmlns:p14="http://schemas.microsoft.com/office/powerpoint/2010/main" val="2876295457"/>
       </p:ext>
     </p:extLst>
   </p:cSld>
   <p:clrMapOvr>
     <a:masterClrMapping/>
   </p:clrMapOvr>
+  <p:transition spd="slow">
+    <p:push dir="u"/>
+  </p:transition>
 </p:sldLayout>
 </file>
 
 <file path=ppt/slideLayouts/slideLayout8.xml><?xml version="1.0" encoding="utf-8"?>
 <p:sldLayout xmlns:a="http://schemas.openxmlformats.org/drawingml/2006/main" xmlns:r="http://schemas.openxmlformats.org/officeDocument/2006/relationships" xmlns:p="http://schemas.openxmlformats.org/presentationml/2006/main" type="objTx" preserve="1">
-  <p:cSld name="含輔助字幕的內容">
+  <p:cSld name="Content with Caption">
     <p:spTree>
       <p:nvGrpSpPr>
         <p:cNvPr id="1" name=""/>
@@ -2156,10 +2836,10 @@
       </p:grpSpPr>
       <p:sp>
         <p:nvSpPr>
-          <p:cNvPr id="2" name="標題 1">
-            <a:extLst>
-              <a:ext uri="{FF2B5EF4-FFF2-40B4-BE49-F238E27FC236}">
-                <a16:creationId xmlns:a16="http://schemas.microsoft.com/office/drawing/2014/main" id="{5C3076DF-D16B-4600-9550-96C6A8DD7F1A}"/>
+          <p:cNvPr id="2" name="Title 1">
+            <a:extLst>
+              <a:ext uri="{FF2B5EF4-FFF2-40B4-BE49-F238E27FC236}">
+                <a16:creationId xmlns:a16="http://schemas.microsoft.com/office/drawing/2014/main" id="{2BD4ED5F-AB94-4DCF-8971-B8B2B55AF653}"/>
               </a:ext>
             </a:extLst>
           </p:cNvPr>
@@ -2172,31 +2852,35 @@
         </p:nvSpPr>
         <p:spPr>
           <a:xfrm>
-            <a:off x="839788" y="457200"/>
-            <a:ext cx="3932237" cy="1600200"/>
+            <a:off x="1443740" y="1558944"/>
+            <a:ext cx="3279689" cy="1864196"/>
           </a:xfrm>
         </p:spPr>
         <p:txBody>
           <a:bodyPr anchor="b"/>
           <a:lstStyle>
-            <a:lvl1pPr>
-              <a:defRPr sz="3200"/>
+            <a:lvl1pPr algn="r">
+              <a:defRPr sz="2800">
+                <a:solidFill>
+                  <a:schemeClr val="tx1"/>
+                </a:solidFill>
+              </a:defRPr>
             </a:lvl1pPr>
           </a:lstStyle>
           <a:p>
             <a:r>
-              <a:rPr lang="zh-TW" altLang="en-US"/>
-              <a:t>按一下以編輯母片標題樣式</a:t>
-            </a:r>
-          </a:p>
-        </p:txBody>
-      </p:sp>
-      <p:sp>
-        <p:nvSpPr>
-          <p:cNvPr id="3" name="內容版面配置區 2">
-            <a:extLst>
-              <a:ext uri="{FF2B5EF4-FFF2-40B4-BE49-F238E27FC236}">
-                <a16:creationId xmlns:a16="http://schemas.microsoft.com/office/drawing/2014/main" id="{9CD3D667-FDE5-4F5D-9495-588EC18912CE}"/>
+              <a:rPr lang="en-US" dirty="0"/>
+              <a:t>Click to edit Master title style</a:t>
+            </a:r>
+          </a:p>
+        </p:txBody>
+      </p:sp>
+      <p:sp>
+        <p:nvSpPr>
+          <p:cNvPr id="3" name="Content Placeholder 2">
+            <a:extLst>
+              <a:ext uri="{FF2B5EF4-FFF2-40B4-BE49-F238E27FC236}">
+                <a16:creationId xmlns:a16="http://schemas.microsoft.com/office/drawing/2014/main" id="{141EE4CB-68CF-4BF3-A891-8277AFD13D88}"/>
               </a:ext>
             </a:extLst>
           </p:cNvPr>
@@ -2209,106 +2893,132 @@
         </p:nvSpPr>
         <p:spPr>
           <a:xfrm>
-            <a:off x="5183188" y="987425"/>
-            <a:ext cx="6172200" cy="4873625"/>
+            <a:off x="5334000" y="762000"/>
+            <a:ext cx="5333999" cy="5334000"/>
           </a:xfrm>
         </p:spPr>
         <p:txBody>
+          <a:bodyPr anchor="ctr">
+            <a:normAutofit/>
+          </a:bodyPr>
+          <a:lstStyle>
+            <a:lvl1pPr>
+              <a:defRPr sz="2800">
+                <a:solidFill>
+                  <a:schemeClr val="tx1"/>
+                </a:solidFill>
+              </a:defRPr>
+            </a:lvl1pPr>
+            <a:lvl2pPr>
+              <a:defRPr sz="2400">
+                <a:solidFill>
+                  <a:schemeClr val="tx1"/>
+                </a:solidFill>
+              </a:defRPr>
+            </a:lvl2pPr>
+            <a:lvl3pPr>
+              <a:defRPr sz="2000">
+                <a:solidFill>
+                  <a:schemeClr val="tx1"/>
+                </a:solidFill>
+              </a:defRPr>
+            </a:lvl3pPr>
+            <a:lvl4pPr>
+              <a:defRPr sz="1800">
+                <a:solidFill>
+                  <a:schemeClr val="tx1"/>
+                </a:solidFill>
+              </a:defRPr>
+            </a:lvl4pPr>
+            <a:lvl5pPr>
+              <a:defRPr sz="1800">
+                <a:solidFill>
+                  <a:schemeClr val="tx1"/>
+                </a:solidFill>
+              </a:defRPr>
+            </a:lvl5pPr>
+            <a:lvl6pPr>
+              <a:defRPr sz="1800"/>
+            </a:lvl6pPr>
+            <a:lvl7pPr>
+              <a:defRPr sz="1800"/>
+            </a:lvl7pPr>
+            <a:lvl8pPr>
+              <a:defRPr sz="1800"/>
+            </a:lvl8pPr>
+            <a:lvl9pPr>
+              <a:defRPr sz="1800"/>
+            </a:lvl9pPr>
+          </a:lstStyle>
+          <a:p>
+            <a:pPr lvl="0"/>
+            <a:r>
+              <a:rPr lang="en-US" dirty="0"/>
+              <a:t>Click to edit Master text styles</a:t>
+            </a:r>
+          </a:p>
+          <a:p>
+            <a:pPr lvl="1"/>
+            <a:r>
+              <a:rPr lang="en-US" dirty="0"/>
+              <a:t>Second level</a:t>
+            </a:r>
+          </a:p>
+          <a:p>
+            <a:pPr lvl="2"/>
+            <a:r>
+              <a:rPr lang="en-US" dirty="0"/>
+              <a:t>Third level</a:t>
+            </a:r>
+          </a:p>
+          <a:p>
+            <a:pPr lvl="3"/>
+            <a:r>
+              <a:rPr lang="en-US" dirty="0"/>
+              <a:t>Fourth level</a:t>
+            </a:r>
+          </a:p>
+          <a:p>
+            <a:pPr lvl="4"/>
+            <a:r>
+              <a:rPr lang="en-US" dirty="0"/>
+              <a:t>Fifth level</a:t>
+            </a:r>
+          </a:p>
+        </p:txBody>
+      </p:sp>
+      <p:sp>
+        <p:nvSpPr>
+          <p:cNvPr id="4" name="Text Placeholder 3">
+            <a:extLst>
+              <a:ext uri="{FF2B5EF4-FFF2-40B4-BE49-F238E27FC236}">
+                <a16:creationId xmlns:a16="http://schemas.microsoft.com/office/drawing/2014/main" id="{95292E72-B66D-40EE-B182-5585382A6DC9}"/>
+              </a:ext>
+            </a:extLst>
+          </p:cNvPr>
+          <p:cNvSpPr>
+            <a:spLocks noGrp="1"/>
+          </p:cNvSpPr>
+          <p:nvPr>
+            <p:ph type="body" sz="half" idx="2"/>
+          </p:nvPr>
+        </p:nvSpPr>
+        <p:spPr>
+          <a:xfrm>
+            <a:off x="1443741" y="3649682"/>
+            <a:ext cx="3233096" cy="1933605"/>
+          </a:xfrm>
+        </p:spPr>
+        <p:txBody>
           <a:bodyPr/>
           <a:lstStyle>
-            <a:lvl1pPr>
-              <a:defRPr sz="3200"/>
-            </a:lvl1pPr>
-            <a:lvl2pPr>
-              <a:defRPr sz="2800"/>
-            </a:lvl2pPr>
-            <a:lvl3pPr>
-              <a:defRPr sz="2400"/>
-            </a:lvl3pPr>
-            <a:lvl4pPr>
-              <a:defRPr sz="2000"/>
-            </a:lvl4pPr>
-            <a:lvl5pPr>
-              <a:defRPr sz="2000"/>
-            </a:lvl5pPr>
-            <a:lvl6pPr>
-              <a:defRPr sz="2000"/>
-            </a:lvl6pPr>
-            <a:lvl7pPr>
-              <a:defRPr sz="2000"/>
-            </a:lvl7pPr>
-            <a:lvl8pPr>
-              <a:defRPr sz="2000"/>
-            </a:lvl8pPr>
-            <a:lvl9pPr>
-              <a:defRPr sz="2000"/>
-            </a:lvl9pPr>
-          </a:lstStyle>
-          <a:p>
-            <a:pPr lvl="0"/>
-            <a:r>
-              <a:rPr lang="zh-TW" altLang="en-US"/>
-              <a:t>按一下以編輯母片文字樣式</a:t>
-            </a:r>
-          </a:p>
-          <a:p>
-            <a:pPr lvl="1"/>
-            <a:r>
-              <a:rPr lang="zh-TW" altLang="en-US"/>
-              <a:t>第二層</a:t>
-            </a:r>
-          </a:p>
-          <a:p>
-            <a:pPr lvl="2"/>
-            <a:r>
-              <a:rPr lang="zh-TW" altLang="en-US"/>
-              <a:t>第三層</a:t>
-            </a:r>
-          </a:p>
-          <a:p>
-            <a:pPr lvl="3"/>
-            <a:r>
-              <a:rPr lang="zh-TW" altLang="en-US"/>
-              <a:t>第四層</a:t>
-            </a:r>
-          </a:p>
-          <a:p>
-            <a:pPr lvl="4"/>
-            <a:r>
-              <a:rPr lang="zh-TW" altLang="en-US"/>
-              <a:t>第五層</a:t>
-            </a:r>
-          </a:p>
-        </p:txBody>
-      </p:sp>
-      <p:sp>
-        <p:nvSpPr>
-          <p:cNvPr id="4" name="文字版面配置區 3">
-            <a:extLst>
-              <a:ext uri="{FF2B5EF4-FFF2-40B4-BE49-F238E27FC236}">
-                <a16:creationId xmlns:a16="http://schemas.microsoft.com/office/drawing/2014/main" id="{22F511E7-BEEF-4F51-BA0E-52C1908D5608}"/>
-              </a:ext>
-            </a:extLst>
-          </p:cNvPr>
-          <p:cNvSpPr>
-            <a:spLocks noGrp="1"/>
-          </p:cNvSpPr>
-          <p:nvPr>
-            <p:ph type="body" sz="half" idx="2"/>
-          </p:nvPr>
-        </p:nvSpPr>
-        <p:spPr>
-          <a:xfrm>
-            <a:off x="839788" y="2057400"/>
-            <a:ext cx="3932237" cy="3811588"/>
-          </a:xfrm>
-        </p:spPr>
-        <p:txBody>
-          <a:bodyPr/>
-          <a:lstStyle>
-            <a:lvl1pPr marL="0" indent="0">
-              <a:buNone/>
-              <a:defRPr sz="1600"/>
+            <a:lvl1pPr marL="0" indent="0" algn="r">
+              <a:buNone/>
+              <a:defRPr sz="1600">
+                <a:solidFill>
+                  <a:schemeClr val="tx1"/>
+                </a:solidFill>
+              </a:defRPr>
             </a:lvl1pPr>
             <a:lvl2pPr marL="457200" indent="0">
               <a:buNone/>
@@ -2346,18 +3056,18 @@
           <a:p>
             <a:pPr lvl="0"/>
             <a:r>
-              <a:rPr lang="zh-TW" altLang="en-US"/>
-              <a:t>按一下以編輯母片文字樣式</a:t>
-            </a:r>
-          </a:p>
-        </p:txBody>
-      </p:sp>
-      <p:sp>
-        <p:nvSpPr>
-          <p:cNvPr id="5" name="日期版面配置區 4">
-            <a:extLst>
-              <a:ext uri="{FF2B5EF4-FFF2-40B4-BE49-F238E27FC236}">
-                <a16:creationId xmlns:a16="http://schemas.microsoft.com/office/drawing/2014/main" id="{88060697-A92E-4178-A790-FCBB90D70573}"/>
+              <a:rPr lang="en-US" dirty="0"/>
+              <a:t>Click to edit Master text styles</a:t>
+            </a:r>
+          </a:p>
+        </p:txBody>
+      </p:sp>
+      <p:sp>
+        <p:nvSpPr>
+          <p:cNvPr id="5" name="Date Placeholder 4">
+            <a:extLst>
+              <a:ext uri="{FF2B5EF4-FFF2-40B4-BE49-F238E27FC236}">
+                <a16:creationId xmlns:a16="http://schemas.microsoft.com/office/drawing/2014/main" id="{ED73B694-B050-45F3-AE6F-A86A129F1C64}"/>
               </a:ext>
             </a:extLst>
           </p:cNvPr>
@@ -2373,20 +3083,20 @@
           <a:bodyPr/>
           <a:lstStyle/>
           <a:p>
-            <a:fld id="{C3C90D7E-32D6-4894-AE08-7BBB3E610FC9}" type="datetimeFigureOut">
-              <a:rPr lang="zh-TW" altLang="en-US" smtClean="0"/>
-              <a:t>2024/9/16</a:t>
+            <a:fld id="{9EB8BD81-465B-40F2-9A54-9DF3B12AF598}" type="datetimeFigureOut">
+              <a:rPr lang="en-US" dirty="0"/>
+              <a:t>10/14/2024</a:t>
             </a:fld>
-            <a:endParaRPr lang="zh-TW" altLang="en-US"/>
-          </a:p>
-        </p:txBody>
-      </p:sp>
-      <p:sp>
-        <p:nvSpPr>
-          <p:cNvPr id="6" name="頁尾版面配置區 5">
-            <a:extLst>
-              <a:ext uri="{FF2B5EF4-FFF2-40B4-BE49-F238E27FC236}">
-                <a16:creationId xmlns:a16="http://schemas.microsoft.com/office/drawing/2014/main" id="{2A8E3F57-A99A-4C4C-BF14-EE42AB99CE78}"/>
+            <a:endParaRPr lang="en-US" dirty="0"/>
+          </a:p>
+        </p:txBody>
+      </p:sp>
+      <p:sp>
+        <p:nvSpPr>
+          <p:cNvPr id="6" name="Footer Placeholder 5">
+            <a:extLst>
+              <a:ext uri="{FF2B5EF4-FFF2-40B4-BE49-F238E27FC236}">
+                <a16:creationId xmlns:a16="http://schemas.microsoft.com/office/drawing/2014/main" id="{7E8AE423-9CA5-46B3-96B1-7586AD02080D}"/>
               </a:ext>
             </a:extLst>
           </p:cNvPr>
@@ -2402,16 +3112,20 @@
           <a:bodyPr/>
           <a:lstStyle/>
           <a:p>
-            <a:endParaRPr lang="zh-TW" altLang="en-US"/>
-          </a:p>
-        </p:txBody>
-      </p:sp>
-      <p:sp>
-        <p:nvSpPr>
-          <p:cNvPr id="7" name="投影片編號版面配置區 6">
-            <a:extLst>
-              <a:ext uri="{FF2B5EF4-FFF2-40B4-BE49-F238E27FC236}">
-                <a16:creationId xmlns:a16="http://schemas.microsoft.com/office/drawing/2014/main" id="{39234440-6924-48D7-AC1A-200D5946BCA9}"/>
+            <a:r>
+              <a:rPr lang="en-US" dirty="0"/>
+              <a:t>
+              </a:t>
+            </a:r>
+          </a:p>
+        </p:txBody>
+      </p:sp>
+      <p:sp>
+        <p:nvSpPr>
+          <p:cNvPr id="7" name="Slide Number Placeholder 6">
+            <a:extLst>
+              <a:ext uri="{FF2B5EF4-FFF2-40B4-BE49-F238E27FC236}">
+                <a16:creationId xmlns:a16="http://schemas.microsoft.com/office/drawing/2014/main" id="{014B973D-F1F7-47BC-996D-6100B7C89520}"/>
               </a:ext>
             </a:extLst>
           </p:cNvPr>
@@ -2427,30 +3141,33 @@
           <a:bodyPr/>
           <a:lstStyle/>
           <a:p>
-            <a:fld id="{E31EC408-072F-4346-BD0A-D6AA5788A305}" type="slidenum">
-              <a:rPr lang="zh-TW" altLang="en-US" smtClean="0"/>
+            <a:fld id="{196A61CA-0502-4EE4-9724-96EA822543E5}" type="slidenum">
+              <a:rPr lang="en-US" dirty="0"/>
               <a:t>‹#›</a:t>
             </a:fld>
-            <a:endParaRPr lang="zh-TW" altLang="en-US"/>
+            <a:endParaRPr lang="en-US" dirty="0"/>
           </a:p>
         </p:txBody>
       </p:sp>
     </p:spTree>
     <p:extLst>
       <p:ext uri="{BB962C8B-B14F-4D97-AF65-F5344CB8AC3E}">
-        <p14:creationId xmlns:p14="http://schemas.microsoft.com/office/powerpoint/2010/main" val="2036183199"/>
+        <p14:creationId xmlns:p14="http://schemas.microsoft.com/office/powerpoint/2010/main" val="3266251056"/>
       </p:ext>
     </p:extLst>
   </p:cSld>
   <p:clrMapOvr>
     <a:masterClrMapping/>
   </p:clrMapOvr>
+  <p:transition spd="slow">
+    <p:push dir="u"/>
+  </p:transition>
 </p:sldLayout>
 </file>
 
 <file path=ppt/slideLayouts/slideLayout9.xml><?xml version="1.0" encoding="utf-8"?>
 <p:sldLayout xmlns:a="http://schemas.openxmlformats.org/drawingml/2006/main" xmlns:r="http://schemas.openxmlformats.org/officeDocument/2006/relationships" xmlns:p="http://schemas.openxmlformats.org/presentationml/2006/main" type="picTx" preserve="1">
-  <p:cSld name="含輔助字幕的圖片">
+  <p:cSld name="Picture with Caption">
     <p:spTree>
       <p:nvGrpSpPr>
         <p:cNvPr id="1" name=""/>
@@ -2467,10 +3184,10 @@
       </p:grpSpPr>
       <p:sp>
         <p:nvSpPr>
-          <p:cNvPr id="2" name="標題 1">
-            <a:extLst>
-              <a:ext uri="{FF2B5EF4-FFF2-40B4-BE49-F238E27FC236}">
-                <a16:creationId xmlns:a16="http://schemas.microsoft.com/office/drawing/2014/main" id="{B2E81694-0B93-4D65-9DA3-21597478A96C}"/>
+          <p:cNvPr id="2" name="Title 1">
+            <a:extLst>
+              <a:ext uri="{FF2B5EF4-FFF2-40B4-BE49-F238E27FC236}">
+                <a16:creationId xmlns:a16="http://schemas.microsoft.com/office/drawing/2014/main" id="{58AE9949-4A1F-4DA9-9B75-A6180F954B8D}"/>
               </a:ext>
             </a:extLst>
           </p:cNvPr>
@@ -2483,36 +3200,40 @@
         </p:nvSpPr>
         <p:spPr>
           <a:xfrm>
-            <a:off x="839788" y="457200"/>
-            <a:ext cx="3932237" cy="1600200"/>
+            <a:off x="1433543" y="1383126"/>
+            <a:ext cx="3289886" cy="2045874"/>
           </a:xfrm>
         </p:spPr>
         <p:txBody>
           <a:bodyPr anchor="b"/>
           <a:lstStyle>
-            <a:lvl1pPr>
-              <a:defRPr sz="3200"/>
+            <a:lvl1pPr algn="r">
+              <a:defRPr sz="2800">
+                <a:solidFill>
+                  <a:schemeClr val="tx1"/>
+                </a:solidFill>
+              </a:defRPr>
             </a:lvl1pPr>
           </a:lstStyle>
           <a:p>
             <a:r>
-              <a:rPr lang="zh-TW" altLang="en-US"/>
-              <a:t>按一下以編輯母片標題樣式</a:t>
-            </a:r>
-          </a:p>
-        </p:txBody>
-      </p:sp>
-      <p:sp>
-        <p:nvSpPr>
-          <p:cNvPr id="3" name="圖片版面配置區 2">
-            <a:extLst>
-              <a:ext uri="{FF2B5EF4-FFF2-40B4-BE49-F238E27FC236}">
-                <a16:creationId xmlns:a16="http://schemas.microsoft.com/office/drawing/2014/main" id="{23E4D718-8CB0-4334-BB8A-FB8B57D7CDC6}"/>
-              </a:ext>
-            </a:extLst>
-          </p:cNvPr>
-          <p:cNvSpPr>
-            <a:spLocks noGrp="1"/>
+              <a:rPr lang="en-US" dirty="0"/>
+              <a:t>Click to edit Master title style</a:t>
+            </a:r>
+          </a:p>
+        </p:txBody>
+      </p:sp>
+      <p:sp>
+        <p:nvSpPr>
+          <p:cNvPr id="3" name="Picture Placeholder 2">
+            <a:extLst>
+              <a:ext uri="{FF2B5EF4-FFF2-40B4-BE49-F238E27FC236}">
+                <a16:creationId xmlns:a16="http://schemas.microsoft.com/office/drawing/2014/main" id="{79A8D794-C670-4569-93D9-0FF8B35AA7AE}"/>
+              </a:ext>
+            </a:extLst>
+          </p:cNvPr>
+          <p:cNvSpPr>
+            <a:spLocks noGrp="1" noChangeAspect="1"/>
           </p:cNvSpPr>
           <p:nvPr>
             <p:ph type="pic" idx="1"/>
@@ -2520,16 +3241,20 @@
         </p:nvSpPr>
         <p:spPr>
           <a:xfrm>
-            <a:off x="5183188" y="987425"/>
-            <a:ext cx="6172200" cy="4873625"/>
+            <a:off x="5334001" y="762000"/>
+            <a:ext cx="5333999" cy="5334000"/>
           </a:xfrm>
         </p:spPr>
         <p:txBody>
-          <a:bodyPr/>
+          <a:bodyPr anchor="t"/>
           <a:lstStyle>
             <a:lvl1pPr marL="0" indent="0">
               <a:buNone/>
-              <a:defRPr sz="3200"/>
+              <a:defRPr sz="3200">
+                <a:solidFill>
+                  <a:schemeClr val="tx1"/>
+                </a:solidFill>
+              </a:defRPr>
             </a:lvl1pPr>
             <a:lvl2pPr marL="457200" indent="0">
               <a:buNone/>
@@ -2565,16 +3290,16 @@
             </a:lvl9pPr>
           </a:lstStyle>
           <a:p>
-            <a:endParaRPr lang="zh-TW" altLang="en-US"/>
-          </a:p>
-        </p:txBody>
-      </p:sp>
-      <p:sp>
-        <p:nvSpPr>
-          <p:cNvPr id="4" name="文字版面配置區 3">
-            <a:extLst>
-              <a:ext uri="{FF2B5EF4-FFF2-40B4-BE49-F238E27FC236}">
-                <a16:creationId xmlns:a16="http://schemas.microsoft.com/office/drawing/2014/main" id="{0DC47463-53E7-4FE3-B60B-1657D11127BD}"/>
+            <a:endParaRPr lang="en-US" dirty="0"/>
+          </a:p>
+        </p:txBody>
+      </p:sp>
+      <p:sp>
+        <p:nvSpPr>
+          <p:cNvPr id="4" name="Text Placeholder 3">
+            <a:extLst>
+              <a:ext uri="{FF2B5EF4-FFF2-40B4-BE49-F238E27FC236}">
+                <a16:creationId xmlns:a16="http://schemas.microsoft.com/office/drawing/2014/main" id="{A92486F6-AE67-4B34-B8E2-0B7576DC2E3A}"/>
               </a:ext>
             </a:extLst>
           </p:cNvPr>
@@ -2587,16 +3312,20 @@
         </p:nvSpPr>
         <p:spPr>
           <a:xfrm>
-            <a:off x="839788" y="2057400"/>
-            <a:ext cx="3932237" cy="3811588"/>
+            <a:off x="1433544" y="3649682"/>
+            <a:ext cx="3243292" cy="1684317"/>
           </a:xfrm>
         </p:spPr>
         <p:txBody>
           <a:bodyPr/>
           <a:lstStyle>
-            <a:lvl1pPr marL="0" indent="0">
-              <a:buNone/>
-              <a:defRPr sz="1600"/>
+            <a:lvl1pPr marL="0" indent="0" algn="r">
+              <a:buNone/>
+              <a:defRPr sz="1600">
+                <a:solidFill>
+                  <a:schemeClr val="tx1"/>
+                </a:solidFill>
+              </a:defRPr>
             </a:lvl1pPr>
             <a:lvl2pPr marL="457200" indent="0">
               <a:buNone/>
@@ -2634,18 +3363,18 @@
           <a:p>
             <a:pPr lvl="0"/>
             <a:r>
-              <a:rPr lang="zh-TW" altLang="en-US"/>
-              <a:t>按一下以編輯母片文字樣式</a:t>
-            </a:r>
-          </a:p>
-        </p:txBody>
-      </p:sp>
-      <p:sp>
-        <p:nvSpPr>
-          <p:cNvPr id="5" name="日期版面配置區 4">
-            <a:extLst>
-              <a:ext uri="{FF2B5EF4-FFF2-40B4-BE49-F238E27FC236}">
-                <a16:creationId xmlns:a16="http://schemas.microsoft.com/office/drawing/2014/main" id="{28875DC5-6AFF-40C0-8C77-F81A0A3E1B0F}"/>
+              <a:rPr lang="en-US" dirty="0"/>
+              <a:t>Click to edit Master text styles</a:t>
+            </a:r>
+          </a:p>
+        </p:txBody>
+      </p:sp>
+      <p:sp>
+        <p:nvSpPr>
+          <p:cNvPr id="5" name="Date Placeholder 4">
+            <a:extLst>
+              <a:ext uri="{FF2B5EF4-FFF2-40B4-BE49-F238E27FC236}">
+                <a16:creationId xmlns:a16="http://schemas.microsoft.com/office/drawing/2014/main" id="{B198B11C-BB63-49A6-B488-29D4FBF8E107}"/>
               </a:ext>
             </a:extLst>
           </p:cNvPr>
@@ -2661,20 +3390,20 @@
           <a:bodyPr/>
           <a:lstStyle/>
           <a:p>
-            <a:fld id="{C3C90D7E-32D6-4894-AE08-7BBB3E610FC9}" type="datetimeFigureOut">
-              <a:rPr lang="zh-TW" altLang="en-US" smtClean="0"/>
-              <a:t>2024/9/16</a:t>
+            <a:fld id="{F04B3CEF-64EF-4C43-9530-8E9CBFD2CAD1}" type="datetimeFigureOut">
+              <a:rPr lang="en-US" dirty="0"/>
+              <a:t>10/14/2024</a:t>
             </a:fld>
-            <a:endParaRPr lang="zh-TW" altLang="en-US"/>
-          </a:p>
-        </p:txBody>
-      </p:sp>
-      <p:sp>
-        <p:nvSpPr>
-          <p:cNvPr id="6" name="頁尾版面配置區 5">
-            <a:extLst>
-              <a:ext uri="{FF2B5EF4-FFF2-40B4-BE49-F238E27FC236}">
-                <a16:creationId xmlns:a16="http://schemas.microsoft.com/office/drawing/2014/main" id="{24F8A973-6D07-4F0C-97A0-280FEFC238E0}"/>
+            <a:endParaRPr lang="en-US" dirty="0"/>
+          </a:p>
+        </p:txBody>
+      </p:sp>
+      <p:sp>
+        <p:nvSpPr>
+          <p:cNvPr id="6" name="Footer Placeholder 5">
+            <a:extLst>
+              <a:ext uri="{FF2B5EF4-FFF2-40B4-BE49-F238E27FC236}">
+                <a16:creationId xmlns:a16="http://schemas.microsoft.com/office/drawing/2014/main" id="{324B9166-6D36-4F0A-9ADD-33D49A0C3A57}"/>
               </a:ext>
             </a:extLst>
           </p:cNvPr>
@@ -2690,16 +3419,20 @@
           <a:bodyPr/>
           <a:lstStyle/>
           <a:p>
-            <a:endParaRPr lang="zh-TW" altLang="en-US"/>
-          </a:p>
-        </p:txBody>
-      </p:sp>
-      <p:sp>
-        <p:nvSpPr>
-          <p:cNvPr id="7" name="投影片編號版面配置區 6">
-            <a:extLst>
-              <a:ext uri="{FF2B5EF4-FFF2-40B4-BE49-F238E27FC236}">
-                <a16:creationId xmlns:a16="http://schemas.microsoft.com/office/drawing/2014/main" id="{DB60BB1E-F41B-40F0-929B-5208374980BF}"/>
+            <a:r>
+              <a:rPr lang="en-US" dirty="0"/>
+              <a:t>
+              </a:t>
+            </a:r>
+          </a:p>
+        </p:txBody>
+      </p:sp>
+      <p:sp>
+        <p:nvSpPr>
+          <p:cNvPr id="7" name="Slide Number Placeholder 6">
+            <a:extLst>
+              <a:ext uri="{FF2B5EF4-FFF2-40B4-BE49-F238E27FC236}">
+                <a16:creationId xmlns:a16="http://schemas.microsoft.com/office/drawing/2014/main" id="{6FB22B8F-7760-41B3-9053-DD90255B9EEE}"/>
               </a:ext>
             </a:extLst>
           </p:cNvPr>
@@ -2715,24 +3448,27 @@
           <a:bodyPr/>
           <a:lstStyle/>
           <a:p>
-            <a:fld id="{E31EC408-072F-4346-BD0A-D6AA5788A305}" type="slidenum">
-              <a:rPr lang="zh-TW" altLang="en-US" smtClean="0"/>
+            <a:fld id="{196A61CA-0502-4EE4-9724-96EA822543E5}" type="slidenum">
+              <a:rPr lang="en-US" dirty="0"/>
               <a:t>‹#›</a:t>
             </a:fld>
-            <a:endParaRPr lang="zh-TW" altLang="en-US"/>
+            <a:endParaRPr lang="en-US" dirty="0"/>
           </a:p>
         </p:txBody>
       </p:sp>
     </p:spTree>
     <p:extLst>
       <p:ext uri="{BB962C8B-B14F-4D97-AF65-F5344CB8AC3E}">
-        <p14:creationId xmlns:p14="http://schemas.microsoft.com/office/powerpoint/2010/main" val="3148270851"/>
+        <p14:creationId xmlns:p14="http://schemas.microsoft.com/office/powerpoint/2010/main" val="2107992698"/>
       </p:ext>
     </p:extLst>
   </p:cSld>
   <p:clrMapOvr>
     <a:masterClrMapping/>
   </p:clrMapOvr>
+  <p:transition spd="slow">
+    <p:push dir="u"/>
+  </p:transition>
 </p:sldLayout>
 </file>
 
@@ -2760,10 +3496,10 @@
       </p:grpSpPr>
       <p:sp>
         <p:nvSpPr>
-          <p:cNvPr id="2" name="標題版面配置區 1">
-            <a:extLst>
-              <a:ext uri="{FF2B5EF4-FFF2-40B4-BE49-F238E27FC236}">
-                <a16:creationId xmlns:a16="http://schemas.microsoft.com/office/drawing/2014/main" id="{B8575AAC-624C-4B52-ABD4-699B1E35D2CF}"/>
+          <p:cNvPr id="2" name="Title Placeholder 1">
+            <a:extLst>
+              <a:ext uri="{FF2B5EF4-FFF2-40B4-BE49-F238E27FC236}">
+                <a16:creationId xmlns:a16="http://schemas.microsoft.com/office/drawing/2014/main" id="{2F84152A-7FE0-4708-B7C1-DBEC8F133766}"/>
               </a:ext>
             </a:extLst>
           </p:cNvPr>
@@ -2776,32 +3512,32 @@
         </p:nvSpPr>
         <p:spPr>
           <a:xfrm>
-            <a:off x="838200" y="365125"/>
-            <a:ext cx="10515600" cy="1325563"/>
+            <a:off x="1429566" y="1041621"/>
+            <a:ext cx="9238434" cy="861383"/>
           </a:xfrm>
           <a:prstGeom prst="rect">
             <a:avLst/>
           </a:prstGeom>
         </p:spPr>
         <p:txBody>
-          <a:bodyPr vert="horz" lIns="91440" tIns="45720" rIns="91440" bIns="45720" rtlCol="0" anchor="ctr">
-            <a:normAutofit/>
+          <a:bodyPr vert="horz" lIns="91440" tIns="45720" rIns="91440" bIns="45720" rtlCol="0" anchor="b">
+            <a:noAutofit/>
           </a:bodyPr>
           <a:lstStyle/>
           <a:p>
             <a:r>
-              <a:rPr lang="zh-TW" altLang="en-US"/>
-              <a:t>按一下以編輯母片標題樣式</a:t>
-            </a:r>
-          </a:p>
-        </p:txBody>
-      </p:sp>
-      <p:sp>
-        <p:nvSpPr>
-          <p:cNvPr id="3" name="文字版面配置區 2">
-            <a:extLst>
-              <a:ext uri="{FF2B5EF4-FFF2-40B4-BE49-F238E27FC236}">
-                <a16:creationId xmlns:a16="http://schemas.microsoft.com/office/drawing/2014/main" id="{76722991-C57D-471F-8271-C419A1CFB074}"/>
+              <a:rPr lang="en-US" dirty="0"/>
+              <a:t>Click to edit Master title style</a:t>
+            </a:r>
+          </a:p>
+        </p:txBody>
+      </p:sp>
+      <p:sp>
+        <p:nvSpPr>
+          <p:cNvPr id="3" name="Text Placeholder 2">
+            <a:extLst>
+              <a:ext uri="{FF2B5EF4-FFF2-40B4-BE49-F238E27FC236}">
+                <a16:creationId xmlns:a16="http://schemas.microsoft.com/office/drawing/2014/main" id="{B911AB53-BAF9-439D-9451-47193CF2FF8E}"/>
               </a:ext>
             </a:extLst>
           </p:cNvPr>
@@ -2814,8 +3550,8 @@
         </p:nvSpPr>
         <p:spPr>
           <a:xfrm>
-            <a:off x="838200" y="1825625"/>
-            <a:ext cx="10515600" cy="4351338"/>
+            <a:off x="1429566" y="2285999"/>
+            <a:ext cx="9238434" cy="3810001"/>
           </a:xfrm>
           <a:prstGeom prst="rect">
             <a:avLst/>
@@ -2829,46 +3565,46 @@
           <a:p>
             <a:pPr lvl="0"/>
             <a:r>
-              <a:rPr lang="zh-TW" altLang="en-US"/>
-              <a:t>按一下以編輯母片文字樣式</a:t>
+              <a:rPr lang="en-US" dirty="0"/>
+              <a:t>Click to edit Master text styles</a:t>
             </a:r>
           </a:p>
           <a:p>
             <a:pPr lvl="1"/>
             <a:r>
-              <a:rPr lang="zh-TW" altLang="en-US"/>
-              <a:t>第二層</a:t>
+              <a:rPr lang="en-US" dirty="0"/>
+              <a:t>Second level</a:t>
             </a:r>
           </a:p>
           <a:p>
             <a:pPr lvl="2"/>
             <a:r>
-              <a:rPr lang="zh-TW" altLang="en-US"/>
-              <a:t>第三層</a:t>
+              <a:rPr lang="en-US" dirty="0"/>
+              <a:t>Third level</a:t>
             </a:r>
           </a:p>
           <a:p>
             <a:pPr lvl="3"/>
             <a:r>
-              <a:rPr lang="zh-TW" altLang="en-US"/>
-              <a:t>第四層</a:t>
+              <a:rPr lang="en-US" dirty="0"/>
+              <a:t>Fourth level</a:t>
             </a:r>
           </a:p>
           <a:p>
             <a:pPr lvl="4"/>
             <a:r>
-              <a:rPr lang="zh-TW" altLang="en-US"/>
-              <a:t>第五層</a:t>
-            </a:r>
-          </a:p>
-        </p:txBody>
-      </p:sp>
-      <p:sp>
-        <p:nvSpPr>
-          <p:cNvPr id="4" name="日期版面配置區 3">
-            <a:extLst>
-              <a:ext uri="{FF2B5EF4-FFF2-40B4-BE49-F238E27FC236}">
-                <a16:creationId xmlns:a16="http://schemas.microsoft.com/office/drawing/2014/main" id="{85C839DD-8CBF-4E23-A0C7-7C039E950BB8}"/>
+              <a:rPr lang="en-US" dirty="0"/>
+              <a:t>Fifth level</a:t>
+            </a:r>
+          </a:p>
+        </p:txBody>
+      </p:sp>
+      <p:sp>
+        <p:nvSpPr>
+          <p:cNvPr id="4" name="Date Placeholder 3">
+            <a:extLst>
+              <a:ext uri="{FF2B5EF4-FFF2-40B4-BE49-F238E27FC236}">
+                <a16:creationId xmlns:a16="http://schemas.microsoft.com/office/drawing/2014/main" id="{1FB96D9F-562A-496F-A530-A561994DC5EF}"/>
               </a:ext>
             </a:extLst>
           </p:cNvPr>
@@ -2880,9 +3616,9 @@
           </p:nvPr>
         </p:nvSpPr>
         <p:spPr>
-          <a:xfrm>
-            <a:off x="838200" y="6356350"/>
-            <a:ext cx="2743200" cy="365125"/>
+          <a:xfrm rot="5400000">
+            <a:off x="10471087" y="4891318"/>
+            <a:ext cx="2673295" cy="365125"/>
           </a:xfrm>
           <a:prstGeom prst="rect">
             <a:avLst/>
@@ -2892,30 +3628,28 @@
           <a:bodyPr vert="horz" lIns="91440" tIns="45720" rIns="91440" bIns="45720" rtlCol="0" anchor="ctr"/>
           <a:lstStyle>
             <a:lvl1pPr algn="l">
-              <a:defRPr sz="1200">
-                <a:solidFill>
-                  <a:schemeClr val="tx1">
-                    <a:tint val="75000"/>
-                  </a:schemeClr>
+              <a:defRPr sz="700" b="1" cap="all" spc="300" baseline="0">
+                <a:solidFill>
+                  <a:schemeClr val="tx1"/>
                 </a:solidFill>
               </a:defRPr>
             </a:lvl1pPr>
           </a:lstStyle>
           <a:p>
-            <a:fld id="{C3C90D7E-32D6-4894-AE08-7BBB3E610FC9}" type="datetimeFigureOut">
-              <a:rPr lang="zh-TW" altLang="en-US" smtClean="0"/>
-              <a:t>2024/9/16</a:t>
+            <a:fld id="{B70A3DFD-A535-46B2-84C1-61DC8B16A904}" type="datetimeFigureOut">
+              <a:rPr lang="en-US" dirty="0"/>
+              <a:t>10/14/2024</a:t>
             </a:fld>
-            <a:endParaRPr lang="zh-TW" altLang="en-US"/>
-          </a:p>
-        </p:txBody>
-      </p:sp>
-      <p:sp>
-        <p:nvSpPr>
-          <p:cNvPr id="5" name="頁尾版面配置區 4">
-            <a:extLst>
-              <a:ext uri="{FF2B5EF4-FFF2-40B4-BE49-F238E27FC236}">
-                <a16:creationId xmlns:a16="http://schemas.microsoft.com/office/drawing/2014/main" id="{12802D8A-77D4-418C-8190-43B6ADED2131}"/>
+            <a:endParaRPr lang="en-US" dirty="0"/>
+          </a:p>
+        </p:txBody>
+      </p:sp>
+      <p:sp>
+        <p:nvSpPr>
+          <p:cNvPr id="5" name="Footer Placeholder 4">
+            <a:extLst>
+              <a:ext uri="{FF2B5EF4-FFF2-40B4-BE49-F238E27FC236}">
+                <a16:creationId xmlns:a16="http://schemas.microsoft.com/office/drawing/2014/main" id="{CC3060FE-AAC3-4FAE-9EB4-BCAE72D95670}"/>
               </a:ext>
             </a:extLst>
           </p:cNvPr>
@@ -2927,9 +3661,9 @@
           </p:nvPr>
         </p:nvSpPr>
         <p:spPr>
-          <a:xfrm>
-            <a:off x="4038600" y="6356350"/>
-            <a:ext cx="4114800" cy="365125"/>
+          <a:xfrm rot="5400000">
+            <a:off x="10473021" y="1609893"/>
+            <a:ext cx="2669427" cy="365125"/>
           </a:xfrm>
           <a:prstGeom prst="rect">
             <a:avLst/>
@@ -2938,27 +3672,29 @@
         <p:txBody>
           <a:bodyPr vert="horz" lIns="91440" tIns="45720" rIns="91440" bIns="45720" rtlCol="0" anchor="ctr"/>
           <a:lstStyle>
-            <a:lvl1pPr algn="ctr">
-              <a:defRPr sz="1200">
-                <a:solidFill>
-                  <a:schemeClr val="tx1">
-                    <a:tint val="75000"/>
-                  </a:schemeClr>
+            <a:lvl1pPr algn="r">
+              <a:defRPr sz="700" b="1" cap="all" spc="300" baseline="0">
+                <a:solidFill>
+                  <a:schemeClr val="tx1"/>
                 </a:solidFill>
               </a:defRPr>
             </a:lvl1pPr>
           </a:lstStyle>
           <a:p>
-            <a:endParaRPr lang="zh-TW" altLang="en-US"/>
-          </a:p>
-        </p:txBody>
-      </p:sp>
-      <p:sp>
-        <p:nvSpPr>
-          <p:cNvPr id="6" name="投影片編號版面配置區 5">
-            <a:extLst>
-              <a:ext uri="{FF2B5EF4-FFF2-40B4-BE49-F238E27FC236}">
-                <a16:creationId xmlns:a16="http://schemas.microsoft.com/office/drawing/2014/main" id="{7072B55E-2BE2-4AF4-AFF8-2A716F492F1C}"/>
+            <a:r>
+              <a:rPr lang="en-US" dirty="0"/>
+              <a:t>
+              </a:t>
+            </a:r>
+          </a:p>
+        </p:txBody>
+      </p:sp>
+      <p:sp>
+        <p:nvSpPr>
+          <p:cNvPr id="6" name="Slide Number Placeholder 5">
+            <a:extLst>
+              <a:ext uri="{FF2B5EF4-FFF2-40B4-BE49-F238E27FC236}">
+                <a16:creationId xmlns:a16="http://schemas.microsoft.com/office/drawing/2014/main" id="{4777EDB2-8F31-42FA-B253-62D241466385}"/>
               </a:ext>
             </a:extLst>
           </p:cNvPr>
@@ -2971,8 +3707,8 @@
         </p:nvSpPr>
         <p:spPr>
           <a:xfrm>
-            <a:off x="8610600" y="6356350"/>
-            <a:ext cx="2743200" cy="365125"/>
+            <a:off x="11492908" y="3219853"/>
+            <a:ext cx="629653" cy="429830"/>
           </a:xfrm>
           <a:prstGeom prst="rect">
             <a:avLst/>
@@ -2981,57 +3717,62 @@
         <p:txBody>
           <a:bodyPr vert="horz" lIns="91440" tIns="45720" rIns="91440" bIns="45720" rtlCol="0" anchor="ctr"/>
           <a:lstStyle>
-            <a:lvl1pPr algn="r">
-              <a:defRPr sz="1200">
+            <a:lvl1pPr algn="ctr">
+              <a:defRPr sz="1600" b="1">
                 <a:solidFill>
                   <a:schemeClr val="tx1">
                     <a:tint val="75000"/>
                   </a:schemeClr>
                 </a:solidFill>
+                <a:latin typeface="+mj-lt"/>
               </a:defRPr>
             </a:lvl1pPr>
           </a:lstStyle>
           <a:p>
-            <a:fld id="{E31EC408-072F-4346-BD0A-D6AA5788A305}" type="slidenum">
-              <a:rPr lang="zh-TW" altLang="en-US" smtClean="0"/>
+            <a:fld id="{196A61CA-0502-4EE4-9724-96EA822543E5}" type="slidenum">
+              <a:rPr lang="en-US" dirty="0"/>
               <a:t>‹#›</a:t>
             </a:fld>
-            <a:endParaRPr lang="zh-TW" altLang="en-US"/>
+            <a:endParaRPr lang="en-US" dirty="0"/>
           </a:p>
         </p:txBody>
       </p:sp>
     </p:spTree>
     <p:extLst>
       <p:ext uri="{BB962C8B-B14F-4D97-AF65-F5344CB8AC3E}">
-        <p14:creationId xmlns:p14="http://schemas.microsoft.com/office/powerpoint/2010/main" val="2016052060"/>
+        <p14:creationId xmlns:p14="http://schemas.microsoft.com/office/powerpoint/2010/main" val="2778252663"/>
       </p:ext>
     </p:extLst>
   </p:cSld>
-  <p:clrMap bg1="lt1" tx1="dk1" bg2="lt2" tx2="dk2" accent1="accent1" accent2="accent2" accent3="accent3" accent4="accent4" accent5="accent5" accent6="accent6" hlink="hlink" folHlink="folHlink"/>
+  <p:clrMap bg1="dk1" tx1="lt1" bg2="dk2" tx2="lt2" accent1="accent1" accent2="accent2" accent3="accent3" accent4="accent4" accent5="accent5" accent6="accent6" hlink="hlink" folHlink="folHlink"/>
   <p:sldLayoutIdLst>
-    <p:sldLayoutId id="2147483649" r:id="rId1"/>
-    <p:sldLayoutId id="2147483650" r:id="rId2"/>
-    <p:sldLayoutId id="2147483651" r:id="rId3"/>
-    <p:sldLayoutId id="2147483652" r:id="rId4"/>
-    <p:sldLayoutId id="2147483653" r:id="rId5"/>
-    <p:sldLayoutId id="2147483654" r:id="rId6"/>
-    <p:sldLayoutId id="2147483655" r:id="rId7"/>
-    <p:sldLayoutId id="2147483656" r:id="rId8"/>
-    <p:sldLayoutId id="2147483657" r:id="rId9"/>
-    <p:sldLayoutId id="2147483658" r:id="rId10"/>
-    <p:sldLayoutId id="2147483659" r:id="rId11"/>
+    <p:sldLayoutId id="2147483661" r:id="rId1"/>
+    <p:sldLayoutId id="2147483662" r:id="rId2"/>
+    <p:sldLayoutId id="2147483663" r:id="rId3"/>
+    <p:sldLayoutId id="2147483664" r:id="rId4"/>
+    <p:sldLayoutId id="2147483665" r:id="rId5"/>
+    <p:sldLayoutId id="2147483666" r:id="rId6"/>
+    <p:sldLayoutId id="2147483667" r:id="rId7"/>
+    <p:sldLayoutId id="2147483668" r:id="rId8"/>
+    <p:sldLayoutId id="2147483669" r:id="rId9"/>
+    <p:sldLayoutId id="2147483670" r:id="rId10"/>
+    <p:sldLayoutId id="2147483671" r:id="rId11"/>
   </p:sldLayoutIdLst>
+  <p:transition spd="slow">
+    <p:push dir="u"/>
+  </p:transition>
+  <p:hf hdr="0"/>
   <p:txStyles>
     <p:titleStyle>
       <a:lvl1pPr algn="l" defTabSz="914400" rtl="0" eaLnBrk="1" latinLnBrk="0" hangingPunct="1">
         <a:lnSpc>
-          <a:spcPct val="90000"/>
+          <a:spcPct val="120000"/>
         </a:lnSpc>
         <a:spcBef>
           <a:spcPct val="0"/>
         </a:spcBef>
         <a:buNone/>
-        <a:defRPr sz="4400" kern="1200">
+        <a:defRPr sz="2800" b="1" kern="1200" cap="all" spc="600" baseline="0">
           <a:solidFill>
             <a:schemeClr val="tx1"/>
           </a:solidFill>
@@ -3042,67 +3783,14 @@
       </a:lvl1pPr>
     </p:titleStyle>
     <p:bodyStyle>
-      <a:lvl1pPr marL="228600" indent="-228600" algn="l" defTabSz="914400" rtl="0" eaLnBrk="1" latinLnBrk="0" hangingPunct="1">
+      <a:lvl1pPr marL="274320" indent="-274320" algn="l" defTabSz="914400" rtl="0" eaLnBrk="1" latinLnBrk="0" hangingPunct="1">
         <a:lnSpc>
-          <a:spcPct val="90000"/>
+          <a:spcPct val="130000"/>
         </a:lnSpc>
         <a:spcBef>
           <a:spcPts val="1000"/>
         </a:spcBef>
-        <a:buFont typeface="Arial" panose="020B0604020202020204" pitchFamily="34" charset="0"/>
-        <a:buChar char="•"/>
-        <a:defRPr sz="2800" kern="1200">
-          <a:solidFill>
-            <a:schemeClr val="tx1"/>
-          </a:solidFill>
-          <a:latin typeface="+mn-lt"/>
-          <a:ea typeface="+mn-ea"/>
-          <a:cs typeface="+mn-cs"/>
-        </a:defRPr>
-      </a:lvl1pPr>
-      <a:lvl2pPr marL="685800" indent="-228600" algn="l" defTabSz="914400" rtl="0" eaLnBrk="1" latinLnBrk="0" hangingPunct="1">
-        <a:lnSpc>
-          <a:spcPct val="90000"/>
-        </a:lnSpc>
-        <a:spcBef>
-          <a:spcPts val="500"/>
-        </a:spcBef>
-        <a:buFont typeface="Arial" panose="020B0604020202020204" pitchFamily="34" charset="0"/>
-        <a:buChar char="•"/>
-        <a:defRPr sz="2400" kern="1200">
-          <a:solidFill>
-            <a:schemeClr val="tx1"/>
-          </a:solidFill>
-          <a:latin typeface="+mn-lt"/>
-          <a:ea typeface="+mn-ea"/>
-          <a:cs typeface="+mn-cs"/>
-        </a:defRPr>
-      </a:lvl2pPr>
-      <a:lvl3pPr marL="1143000" indent="-228600" algn="l" defTabSz="914400" rtl="0" eaLnBrk="1" latinLnBrk="0" hangingPunct="1">
-        <a:lnSpc>
-          <a:spcPct val="90000"/>
-        </a:lnSpc>
-        <a:spcBef>
-          <a:spcPts val="500"/>
-        </a:spcBef>
-        <a:buFont typeface="Arial" panose="020B0604020202020204" pitchFamily="34" charset="0"/>
-        <a:buChar char="•"/>
-        <a:defRPr sz="2000" kern="1200">
-          <a:solidFill>
-            <a:schemeClr val="tx1"/>
-          </a:solidFill>
-          <a:latin typeface="+mn-lt"/>
-          <a:ea typeface="+mn-ea"/>
-          <a:cs typeface="+mn-cs"/>
-        </a:defRPr>
-      </a:lvl3pPr>
-      <a:lvl4pPr marL="1600200" indent="-228600" algn="l" defTabSz="914400" rtl="0" eaLnBrk="1" latinLnBrk="0" hangingPunct="1">
-        <a:lnSpc>
-          <a:spcPct val="90000"/>
-        </a:lnSpc>
-        <a:spcBef>
-          <a:spcPts val="500"/>
-        </a:spcBef>
+        <a:buSzPct val="85000"/>
         <a:buFont typeface="Arial" panose="020B0604020202020204" pitchFamily="34" charset="0"/>
         <a:buChar char="•"/>
         <a:defRPr sz="1800" kern="1200">
@@ -3113,17 +3801,75 @@
           <a:ea typeface="+mn-ea"/>
           <a:cs typeface="+mn-cs"/>
         </a:defRPr>
-      </a:lvl4pPr>
-      <a:lvl5pPr marL="2057400" indent="-228600" algn="l" defTabSz="914400" rtl="0" eaLnBrk="1" latinLnBrk="0" hangingPunct="1">
+      </a:lvl1pPr>
+      <a:lvl2pPr marL="274320" indent="0" algn="l" defTabSz="914400" rtl="0" eaLnBrk="1" latinLnBrk="0" hangingPunct="1">
         <a:lnSpc>
-          <a:spcPct val="90000"/>
+          <a:spcPct val="130000"/>
         </a:lnSpc>
         <a:spcBef>
           <a:spcPts val="500"/>
         </a:spcBef>
+        <a:buSzPct val="85000"/>
+        <a:buFontTx/>
+        <a:buNone/>
+        <a:defRPr sz="1600" b="1" kern="1200">
+          <a:solidFill>
+            <a:schemeClr val="tx1"/>
+          </a:solidFill>
+          <a:latin typeface="+mn-lt"/>
+          <a:ea typeface="+mn-ea"/>
+          <a:cs typeface="+mn-cs"/>
+        </a:defRPr>
+      </a:lvl2pPr>
+      <a:lvl3pPr marL="457200" indent="-182880" algn="l" defTabSz="914400" rtl="0" eaLnBrk="1" latinLnBrk="0" hangingPunct="1">
+        <a:lnSpc>
+          <a:spcPct val="130000"/>
+        </a:lnSpc>
+        <a:spcBef>
+          <a:spcPts val="500"/>
+        </a:spcBef>
+        <a:buSzPct val="85000"/>
         <a:buFont typeface="Arial" panose="020B0604020202020204" pitchFamily="34" charset="0"/>
         <a:buChar char="•"/>
-        <a:defRPr sz="1800" kern="1200">
+        <a:defRPr sz="1400" kern="1200">
+          <a:solidFill>
+            <a:schemeClr val="tx1"/>
+          </a:solidFill>
+          <a:latin typeface="+mn-lt"/>
+          <a:ea typeface="+mn-ea"/>
+          <a:cs typeface="+mn-cs"/>
+        </a:defRPr>
+      </a:lvl3pPr>
+      <a:lvl4pPr marL="466344" indent="0" algn="l" defTabSz="914400" rtl="0" eaLnBrk="1" latinLnBrk="0" hangingPunct="1">
+        <a:lnSpc>
+          <a:spcPct val="130000"/>
+        </a:lnSpc>
+        <a:spcBef>
+          <a:spcPts val="500"/>
+        </a:spcBef>
+        <a:buSzPct val="85000"/>
+        <a:buFontTx/>
+        <a:buNone/>
+        <a:defRPr sz="1200" b="1" kern="1200">
+          <a:solidFill>
+            <a:schemeClr val="tx1"/>
+          </a:solidFill>
+          <a:latin typeface="+mn-lt"/>
+          <a:ea typeface="+mn-ea"/>
+          <a:cs typeface="+mn-cs"/>
+        </a:defRPr>
+      </a:lvl4pPr>
+      <a:lvl5pPr marL="640080" indent="-182880" algn="l" defTabSz="914400" rtl="0" eaLnBrk="1" latinLnBrk="0" hangingPunct="1">
+        <a:lnSpc>
+          <a:spcPct val="130000"/>
+        </a:lnSpc>
+        <a:spcBef>
+          <a:spcPts val="500"/>
+        </a:spcBef>
+        <a:buSzPct val="85000"/>
+        <a:buFont typeface="Arial" panose="020B0604020202020204" pitchFamily="34" charset="0"/>
+        <a:buChar char="•"/>
+        <a:defRPr sz="1200" kern="1200">
           <a:solidFill>
             <a:schemeClr val="tx1"/>
           </a:solidFill>
@@ -3207,7 +3953,7 @@
     </p:bodyStyle>
     <p:otherStyle>
       <a:defPPr>
-        <a:defRPr lang="zh-TW"/>
+        <a:defRPr lang="en-US"/>
       </a:defPPr>
       <a:lvl1pPr marL="0" algn="l" defTabSz="914400" rtl="0" eaLnBrk="1" latinLnBrk="0" hangingPunct="1">
         <a:defRPr sz="1800" kern="1200">
@@ -3301,6 +4047,42 @@
       </a:lvl9pPr>
     </p:otherStyle>
   </p:txStyles>
+  <p:extLst>
+    <p:ext uri="{27BBF7A9-308A-43DC-89C8-2F10F3537804}">
+      <p15:sldGuideLst xmlns:p15="http://schemas.microsoft.com/office/powerpoint/2012/main">
+        <p15:guide id="1" orient="horz" pos="480">
+          <p15:clr>
+            <a:srgbClr val="F26B43"/>
+          </p15:clr>
+        </p15:guide>
+        <p15:guide id="2" pos="3840">
+          <p15:clr>
+            <a:srgbClr val="F26B43"/>
+          </p15:clr>
+        </p15:guide>
+        <p15:guide id="3" pos="7200">
+          <p15:clr>
+            <a:srgbClr val="F26B43"/>
+          </p15:clr>
+        </p15:guide>
+        <p15:guide id="4" pos="6720">
+          <p15:clr>
+            <a:srgbClr val="F26B43"/>
+          </p15:clr>
+        </p15:guide>
+        <p15:guide id="16" pos="480">
+          <p15:clr>
+            <a:srgbClr val="F26B43"/>
+          </p15:clr>
+        </p15:guide>
+        <p15:guide id="23" orient="horz" pos="3840">
+          <p15:clr>
+            <a:srgbClr val="F26B43"/>
+          </p15:clr>
+        </p15:guide>
+      </p15:sldGuideLst>
+    </p:ext>
+  </p:extLst>
 </p:sldMaster>
 </file>
 
@@ -3323,10 +4105,10 @@
       </p:grpSpPr>
       <p:sp>
         <p:nvSpPr>
-          <p:cNvPr id="2" name="標題 1">
-            <a:extLst>
-              <a:ext uri="{FF2B5EF4-FFF2-40B4-BE49-F238E27FC236}">
-                <a16:creationId xmlns:a16="http://schemas.microsoft.com/office/drawing/2014/main" id="{32532283-9F93-4E44-8138-32796965361F}"/>
+          <p:cNvPr id="5" name="標題 4">
+            <a:extLst>
+              <a:ext uri="{FF2B5EF4-FFF2-40B4-BE49-F238E27FC236}">
+                <a16:creationId xmlns:a16="http://schemas.microsoft.com/office/drawing/2014/main" id="{F290CB09-2176-91B6-A3F2-6BA9DCAAF042}"/>
               </a:ext>
             </a:extLst>
           </p:cNvPr>
@@ -3342,52 +4124,1896 @@
           <a:bodyPr/>
           <a:lstStyle/>
           <a:p>
-            <a:endParaRPr lang="zh-TW" altLang="en-US"/>
-          </a:p>
-        </p:txBody>
-      </p:sp>
-      <p:sp>
-        <p:nvSpPr>
-          <p:cNvPr id="3" name="副標題 2">
-            <a:extLst>
-              <a:ext uri="{FF2B5EF4-FFF2-40B4-BE49-F238E27FC236}">
-                <a16:creationId xmlns:a16="http://schemas.microsoft.com/office/drawing/2014/main" id="{8C946F38-524D-4B98-B9CB-80AEE57E455A}"/>
-              </a:ext>
-            </a:extLst>
-          </p:cNvPr>
-          <p:cNvSpPr>
-            <a:spLocks noGrp="1"/>
-          </p:cNvSpPr>
-          <p:nvPr>
-            <p:ph type="subTitle" idx="1"/>
-          </p:nvPr>
-        </p:nvSpPr>
-        <p:spPr/>
-        <p:txBody>
-          <a:bodyPr/>
-          <a:lstStyle/>
-          <a:p>
-            <a:endParaRPr lang="zh-TW" altLang="en-US"/>
+            <a:r>
+              <a:rPr lang="zh-TW" altLang="en-US" sz="3600"/>
+              <a:t>故事七步驟</a:t>
+            </a:r>
           </a:p>
         </p:txBody>
       </p:sp>
     </p:spTree>
     <p:extLst>
       <p:ext uri="{BB962C8B-B14F-4D97-AF65-F5344CB8AC3E}">
-        <p14:creationId xmlns:p14="http://schemas.microsoft.com/office/powerpoint/2010/main" val="1328321055"/>
+        <p14:creationId xmlns:p14="http://schemas.microsoft.com/office/powerpoint/2010/main" val="2592129946"/>
       </p:ext>
     </p:extLst>
   </p:cSld>
   <p:clrMapOvr>
     <a:masterClrMapping/>
   </p:clrMapOvr>
+  <p:transition spd="slow">
+    <p:push dir="u"/>
+  </p:transition>
+</p:sld>
+</file>
+
+<file path=ppt/slides/slide2.xml><?xml version="1.0" encoding="utf-8"?>
+<p:sld xmlns:a="http://schemas.openxmlformats.org/drawingml/2006/main" xmlns:r="http://schemas.openxmlformats.org/officeDocument/2006/relationships" xmlns:p="http://schemas.openxmlformats.org/presentationml/2006/main">
+  <p:cSld>
+    <p:bg>
+      <p:bgPr>
+        <a:solidFill>
+          <a:schemeClr val="bg1"/>
+        </a:solidFill>
+        <a:effectLst/>
+      </p:bgPr>
+    </p:bg>
+    <p:spTree>
+      <p:nvGrpSpPr>
+        <p:cNvPr id="1" name=""/>
+        <p:cNvGrpSpPr/>
+        <p:nvPr/>
+      </p:nvGrpSpPr>
+      <p:grpSpPr>
+        <a:xfrm>
+          <a:off x="0" y="0"/>
+          <a:ext cx="0" cy="0"/>
+          <a:chOff x="0" y="0"/>
+          <a:chExt cx="0" cy="0"/>
+        </a:xfrm>
+      </p:grpSpPr>
+      <p:sp>
+        <p:nvSpPr>
+          <p:cNvPr id="3" name="內容版面配置區 2">
+            <a:extLst>
+              <a:ext uri="{FF2B5EF4-FFF2-40B4-BE49-F238E27FC236}">
+                <a16:creationId xmlns:a16="http://schemas.microsoft.com/office/drawing/2014/main" id="{24AABB56-456B-FCFE-7260-74C1696A5148}"/>
+              </a:ext>
+            </a:extLst>
+          </p:cNvPr>
+          <p:cNvSpPr>
+            <a:spLocks noGrp="1"/>
+          </p:cNvSpPr>
+          <p:nvPr>
+            <p:ph idx="1"/>
+          </p:nvPr>
+        </p:nvSpPr>
+        <p:spPr>
+          <a:xfrm>
+            <a:off x="7380408" y="4629234"/>
+            <a:ext cx="3973386" cy="1485319"/>
+          </a:xfrm>
+          <a:noFill/>
+        </p:spPr>
+        <p:txBody>
+          <a:bodyPr vert="horz" lIns="91440" tIns="45720" rIns="91440" bIns="45720" rtlCol="0" anchor="t">
+            <a:normAutofit lnSpcReduction="10000"/>
+          </a:bodyPr>
+          <a:lstStyle/>
+          <a:p>
+            <a:pPr marL="0" indent="0">
+              <a:buNone/>
+            </a:pPr>
+            <a:r>
+              <a:rPr lang="zh-TW" altLang="en-US" sz="1500">
+                <a:solidFill>
+                  <a:schemeClr val="bg1"/>
+                </a:solidFill>
+              </a:rPr>
+              <a:t>嗨，大家好！我是 </a:t>
+            </a:r>
+            <a:r>
+              <a:rPr lang="en-US" altLang="zh-TW" sz="1500" b="1" dirty="0">
+                <a:solidFill>
+                  <a:schemeClr val="bg1"/>
+                </a:solidFill>
+              </a:rPr>
+              <a:t>Cornu Dev.</a:t>
+            </a:r>
+            <a:r>
+              <a:rPr lang="zh-TW" altLang="en-US" sz="1500">
+                <a:solidFill>
+                  <a:schemeClr val="bg1"/>
+                </a:solidFill>
+              </a:rPr>
+              <a:t>，你们可以叫我 </a:t>
+            </a:r>
+            <a:r>
+              <a:rPr lang="en-US" altLang="zh-TW" sz="1500" dirty="0">
+                <a:solidFill>
+                  <a:schemeClr val="bg1"/>
+                </a:solidFill>
+              </a:rPr>
+              <a:t>Cornu</a:t>
+            </a:r>
+            <a:r>
+              <a:rPr lang="zh-TW" altLang="en-US" sz="1500">
+                <a:solidFill>
+                  <a:schemeClr val="bg1"/>
+                </a:solidFill>
+              </a:rPr>
+              <a:t>。我来自一个虚拟次元的世界，在那里，我是一名</a:t>
+            </a:r>
+            <a:r>
+              <a:rPr lang="zh-TW" altLang="en-US" sz="1500" b="1">
+                <a:solidFill>
+                  <a:schemeClr val="bg1"/>
+                </a:solidFill>
+              </a:rPr>
+              <a:t>虚拟空间的构筑师</a:t>
+            </a:r>
+            <a:r>
+              <a:rPr lang="zh-TW" altLang="en-US" sz="1500">
+                <a:solidFill>
+                  <a:schemeClr val="bg1"/>
+                </a:solidFill>
+              </a:rPr>
+              <a:t>。我对人类的实体空间充满好奇，想知道你们是如何用创造力塑造自己周围的环境。</a:t>
+            </a:r>
+            <a:endParaRPr lang="en-US" altLang="zh-TW" sz="1500">
+              <a:solidFill>
+                <a:schemeClr val="bg1"/>
+              </a:solidFill>
+            </a:endParaRPr>
+          </a:p>
+        </p:txBody>
+      </p:sp>
+      <p:pic>
+        <p:nvPicPr>
+          <p:cNvPr id="14" name="圖片 13" descr="一張含有 日本動畫, 卡通, 電腦繪圖藝術品, 漫畫 的圖片&#10;&#10;自動產生的描述">
+            <a:extLst>
+              <a:ext uri="{FF2B5EF4-FFF2-40B4-BE49-F238E27FC236}">
+                <a16:creationId xmlns:a16="http://schemas.microsoft.com/office/drawing/2014/main" id="{A1D792B4-1F91-F0E0-E9DE-7DC15256B813}"/>
+              </a:ext>
+            </a:extLst>
+          </p:cNvPr>
+          <p:cNvPicPr>
+            <a:picLocks noChangeAspect="1"/>
+          </p:cNvPicPr>
+          <p:nvPr/>
+        </p:nvPicPr>
+        <p:blipFill>
+          <a:blip r:embed="rId2"/>
+          <a:stretch>
+            <a:fillRect/>
+          </a:stretch>
+        </p:blipFill>
+        <p:spPr>
+          <a:xfrm>
+            <a:off x="3606" y="0"/>
+            <a:ext cx="6991350" cy="6858000"/>
+          </a:xfrm>
+          <a:prstGeom prst="rect">
+            <a:avLst/>
+          </a:prstGeom>
+        </p:spPr>
+      </p:pic>
+      <p:sp>
+        <p:nvSpPr>
+          <p:cNvPr id="24" name="矩形: 圓角 23">
+            <a:extLst>
+              <a:ext uri="{FF2B5EF4-FFF2-40B4-BE49-F238E27FC236}">
+                <a16:creationId xmlns:a16="http://schemas.microsoft.com/office/drawing/2014/main" id="{45638138-213C-D739-010A-78FC5BE83626}"/>
+              </a:ext>
+            </a:extLst>
+          </p:cNvPr>
+          <p:cNvSpPr/>
+          <p:nvPr/>
+        </p:nvSpPr>
+        <p:spPr>
+          <a:xfrm>
+            <a:off x="215502" y="181252"/>
+            <a:ext cx="1297949" cy="580885"/>
+          </a:xfrm>
+          <a:prstGeom prst="roundRect">
+            <a:avLst/>
+          </a:prstGeom>
+          <a:solidFill>
+            <a:srgbClr val="000000">
+              <a:alpha val="49000"/>
+            </a:srgbClr>
+          </a:solidFill>
+          <a:ln>
+            <a:noFill/>
+          </a:ln>
+        </p:spPr>
+        <p:style>
+          <a:lnRef idx="2">
+            <a:schemeClr val="accent1">
+              <a:shade val="15000"/>
+            </a:schemeClr>
+          </a:lnRef>
+          <a:fillRef idx="1">
+            <a:schemeClr val="accent1"/>
+          </a:fillRef>
+          <a:effectRef idx="0">
+            <a:schemeClr val="accent1"/>
+          </a:effectRef>
+          <a:fontRef idx="minor">
+            <a:schemeClr val="lt1"/>
+          </a:fontRef>
+        </p:style>
+        <p:txBody>
+          <a:bodyPr lIns="91440" tIns="45720" rIns="91440" bIns="45720" rtlCol="0" anchor="ctr"/>
+          <a:lstStyle/>
+          <a:p>
+            <a:pPr algn="ctr"/>
+            <a:r>
+              <a:rPr lang="zh-TW" altLang="en-US" sz="3200" b="1">
+                <a:latin typeface="Arial"/>
+                <a:cs typeface="Arial"/>
+              </a:rPr>
+              <a:t>目標</a:t>
+            </a:r>
+            <a:endParaRPr lang="zh-TW" altLang="en-US" sz="3200" b="1" dirty="0">
+              <a:latin typeface="Arial"/>
+              <a:cs typeface="Arial"/>
+            </a:endParaRPr>
+          </a:p>
+        </p:txBody>
+      </p:sp>
+      <p:sp>
+        <p:nvSpPr>
+          <p:cNvPr id="2" name="文字方塊 1">
+            <a:extLst>
+              <a:ext uri="{FF2B5EF4-FFF2-40B4-BE49-F238E27FC236}">
+                <a16:creationId xmlns:a16="http://schemas.microsoft.com/office/drawing/2014/main" id="{CA4EBAF2-4A45-D7CB-E1E4-12BC60843961}"/>
+              </a:ext>
+            </a:extLst>
+          </p:cNvPr>
+          <p:cNvSpPr txBox="1"/>
+          <p:nvPr/>
+        </p:nvSpPr>
+        <p:spPr>
+          <a:xfrm>
+            <a:off x="7816788" y="1861351"/>
+            <a:ext cx="3542190" cy="3754874"/>
+          </a:xfrm>
+          <a:prstGeom prst="rect">
+            <a:avLst/>
+          </a:prstGeom>
+          <a:noFill/>
+        </p:spPr>
+        <p:txBody>
+          <a:bodyPr rot="0" spcFirstLastPara="0" vertOverflow="overflow" horzOverflow="overflow" vert="horz" wrap="square" lIns="91440" tIns="45720" rIns="91440" bIns="45720" numCol="1" spcCol="0" rtlCol="0" fromWordArt="0" anchor="t" anchorCtr="0" forceAA="0" compatLnSpc="1">
+            <a:prstTxWarp prst="textNoShape">
+              <a:avLst/>
+            </a:prstTxWarp>
+            <a:spAutoFit/>
+          </a:bodyPr>
+          <a:lstStyle/>
+          <a:p>
+            <a:r>
+              <a:rPr lang="zh-TW" altLang="en-US" sz="2000" dirty="0">
+                <a:latin typeface="Arial" panose="020B0604020202020204" pitchFamily="34" charset="0"/>
+                <a:cs typeface="Arial" panose="020B0604020202020204" pitchFamily="34" charset="0"/>
+              </a:rPr>
+              <a:t>嗨，大家好！</a:t>
+            </a:r>
+            <a:endParaRPr lang="en-US" altLang="zh-TW" sz="2000" dirty="0">
+              <a:latin typeface="Arial" panose="020B0604020202020204" pitchFamily="34" charset="0"/>
+              <a:cs typeface="Arial" panose="020B0604020202020204" pitchFamily="34" charset="0"/>
+            </a:endParaRPr>
+          </a:p>
+          <a:p>
+            <a:r>
+              <a:rPr lang="zh-TW" altLang="en-US" sz="2000" dirty="0">
+                <a:latin typeface="Arial" panose="020B0604020202020204" pitchFamily="34" charset="0"/>
+                <a:cs typeface="Arial" panose="020B0604020202020204" pitchFamily="34" charset="0"/>
+              </a:rPr>
+              <a:t>我是</a:t>
+            </a:r>
+            <a:r>
+              <a:rPr lang="en-US" altLang="zh-TW" sz="2000" dirty="0">
+                <a:latin typeface="Arial" panose="020B0604020202020204" pitchFamily="34" charset="0"/>
+                <a:cs typeface="Arial" panose="020B0604020202020204" pitchFamily="34" charset="0"/>
+              </a:rPr>
+              <a:t> Cornu Dev.</a:t>
+            </a:r>
+            <a:r>
+              <a:rPr lang="zh-TW" altLang="en-US" sz="2000" dirty="0">
+                <a:latin typeface="Arial" panose="020B0604020202020204" pitchFamily="34" charset="0"/>
+                <a:cs typeface="Arial" panose="020B0604020202020204" pitchFamily="34" charset="0"/>
+              </a:rPr>
+              <a:t>，你們可以叫我科努。我來自另一个次元的世界，在那裡，我是一名虛擬空間的構築施。</a:t>
+            </a:r>
+            <a:endParaRPr lang="en-US" altLang="zh-TW" sz="2000" dirty="0">
+              <a:latin typeface="Arial" panose="020B0604020202020204" pitchFamily="34" charset="0"/>
+              <a:cs typeface="Arial" panose="020B0604020202020204" pitchFamily="34" charset="0"/>
+            </a:endParaRPr>
+          </a:p>
+          <a:p>
+            <a:endParaRPr lang="zh-TW" altLang="en-US" sz="2000" dirty="0">
+              <a:latin typeface="Arial" panose="020B0604020202020204" pitchFamily="34" charset="0"/>
+              <a:cs typeface="Arial" panose="020B0604020202020204" pitchFamily="34" charset="0"/>
+            </a:endParaRPr>
+          </a:p>
+          <a:p>
+            <a:r>
+              <a:rPr lang="zh-TW" altLang="en-US" sz="2000" dirty="0">
+                <a:latin typeface="Arial" panose="020B0604020202020204" pitchFamily="34" charset="0"/>
+                <a:cs typeface="Arial" panose="020B0604020202020204" pitchFamily="34" charset="0"/>
+              </a:rPr>
+              <a:t>我對人類的實體空間充滿好奇，想知道你們是如何用創造力塑造自己周圍的環境。</a:t>
+            </a:r>
+            <a:endParaRPr lang="en-US" altLang="zh-TW" sz="2000" dirty="0">
+              <a:latin typeface="Arial" panose="020B0604020202020204" pitchFamily="34" charset="0"/>
+              <a:cs typeface="Arial" panose="020B0604020202020204" pitchFamily="34" charset="0"/>
+            </a:endParaRPr>
+          </a:p>
+          <a:p>
+            <a:endParaRPr lang="zh-TW" altLang="en-US" sz="2000" dirty="0">
+              <a:latin typeface="Arial" panose="020B0604020202020204" pitchFamily="34" charset="0"/>
+              <a:cs typeface="Arial" panose="020B0604020202020204" pitchFamily="34" charset="0"/>
+            </a:endParaRPr>
+          </a:p>
+          <a:p>
+            <a:r>
+              <a:rPr lang="en-US" altLang="zh-TW" sz="2000" dirty="0">
+                <a:latin typeface="Arial" panose="020B0604020202020204" pitchFamily="34" charset="0"/>
+                <a:cs typeface="Arial" panose="020B0604020202020204" pitchFamily="34" charset="0"/>
+              </a:rPr>
+              <a:t>(E7</a:t>
+            </a:r>
+            <a:r>
+              <a:rPr lang="zh-TW" altLang="en-US" sz="2000" dirty="0">
+                <a:latin typeface="Arial" panose="020B0604020202020204" pitchFamily="34" charset="0"/>
+                <a:cs typeface="Arial" panose="020B0604020202020204" pitchFamily="34" charset="0"/>
+              </a:rPr>
+              <a:t>星光眼表情</a:t>
+            </a:r>
+            <a:r>
+              <a:rPr lang="en-US" altLang="zh-TW" sz="2000" dirty="0">
+                <a:latin typeface="Arial" panose="020B0604020202020204" pitchFamily="34" charset="0"/>
+                <a:cs typeface="Arial" panose="020B0604020202020204" pitchFamily="34" charset="0"/>
+              </a:rPr>
+              <a:t>)</a:t>
+            </a:r>
+          </a:p>
+          <a:p>
+            <a:endParaRPr lang="en-US" altLang="zh-TW" dirty="0"/>
+          </a:p>
+        </p:txBody>
+      </p:sp>
+    </p:spTree>
+    <p:extLst>
+      <p:ext uri="{BB962C8B-B14F-4D97-AF65-F5344CB8AC3E}">
+        <p14:creationId xmlns:p14="http://schemas.microsoft.com/office/powerpoint/2010/main" val="774884276"/>
+      </p:ext>
+    </p:extLst>
+  </p:cSld>
+  <p:clrMapOvr>
+    <a:masterClrMapping/>
+  </p:clrMapOvr>
+  <p:transition spd="slow">
+    <p:push dir="u"/>
+  </p:transition>
+</p:sld>
+</file>
+
+<file path=ppt/slides/slide3.xml><?xml version="1.0" encoding="utf-8"?>
+<p:sld xmlns:a="http://schemas.openxmlformats.org/drawingml/2006/main" xmlns:r="http://schemas.openxmlformats.org/officeDocument/2006/relationships" xmlns:p="http://schemas.openxmlformats.org/presentationml/2006/main">
+  <p:cSld>
+    <p:bg>
+      <p:bgPr>
+        <a:solidFill>
+          <a:schemeClr val="bg1"/>
+        </a:solidFill>
+        <a:effectLst/>
+      </p:bgPr>
+    </p:bg>
+    <p:spTree>
+      <p:nvGrpSpPr>
+        <p:cNvPr id="1" name=""/>
+        <p:cNvGrpSpPr/>
+        <p:nvPr/>
+      </p:nvGrpSpPr>
+      <p:grpSpPr>
+        <a:xfrm>
+          <a:off x="0" y="0"/>
+          <a:ext cx="0" cy="0"/>
+          <a:chOff x="0" y="0"/>
+          <a:chExt cx="0" cy="0"/>
+        </a:xfrm>
+      </p:grpSpPr>
+      <p:sp>
+        <p:nvSpPr>
+          <p:cNvPr id="3" name="內容版面配置區 2">
+            <a:extLst>
+              <a:ext uri="{FF2B5EF4-FFF2-40B4-BE49-F238E27FC236}">
+                <a16:creationId xmlns:a16="http://schemas.microsoft.com/office/drawing/2014/main" id="{24AABB56-456B-FCFE-7260-74C1696A5148}"/>
+              </a:ext>
+            </a:extLst>
+          </p:cNvPr>
+          <p:cNvSpPr>
+            <a:spLocks noGrp="1"/>
+          </p:cNvSpPr>
+          <p:nvPr>
+            <p:ph idx="1"/>
+          </p:nvPr>
+        </p:nvSpPr>
+        <p:spPr>
+          <a:xfrm>
+            <a:off x="7797940" y="2633949"/>
+            <a:ext cx="3822189" cy="1693500"/>
+          </a:xfrm>
+        </p:spPr>
+        <p:txBody>
+          <a:bodyPr vert="horz" lIns="91440" tIns="45720" rIns="91440" bIns="45720" rtlCol="0" anchor="t">
+            <a:normAutofit/>
+          </a:bodyPr>
+          <a:lstStyle/>
+          <a:p>
+            <a:pPr marL="0" indent="0">
+              <a:buNone/>
+            </a:pPr>
+            <a:r>
+              <a:rPr lang="zh-TW" sz="2000" dirty="0">
+                <a:latin typeface="Arial" panose="020B0604020202020204" pitchFamily="34" charset="0"/>
+                <a:cs typeface="Arial" panose="020B0604020202020204" pitchFamily="34" charset="0"/>
+              </a:rPr>
+              <a:t>因</a:t>
+            </a:r>
+            <a:r>
+              <a:rPr lang="zh-TW" altLang="en-US" sz="2000" dirty="0">
+                <a:latin typeface="Arial" panose="020B0604020202020204" pitchFamily="34" charset="0"/>
+                <a:cs typeface="Arial" panose="020B0604020202020204" pitchFamily="34" charset="0"/>
+              </a:rPr>
+              <a:t>此</a:t>
+            </a:r>
+            <a:r>
+              <a:rPr lang="zh-TW" sz="2000" dirty="0">
+                <a:latin typeface="Arial" panose="020B0604020202020204" pitchFamily="34" charset="0"/>
+                <a:cs typeface="Arial" panose="020B0604020202020204" pitchFamily="34" charset="0"/>
+              </a:rPr>
+              <a:t>，我使用</a:t>
+            </a:r>
+            <a:r>
+              <a:rPr lang="zh-TW" altLang="en-US" sz="2000" dirty="0">
+                <a:latin typeface="Arial" panose="020B0604020202020204" pitchFamily="34" charset="0"/>
+                <a:cs typeface="Arial" panose="020B0604020202020204" pitchFamily="34" charset="0"/>
+              </a:rPr>
+              <a:t>傳送裝</a:t>
+            </a:r>
+            <a:r>
+              <a:rPr lang="zh-TW" sz="2000" dirty="0">
+                <a:latin typeface="Arial" panose="020B0604020202020204" pitchFamily="34" charset="0"/>
+                <a:cs typeface="Arial" panose="020B0604020202020204" pitchFamily="34" charset="0"/>
+              </a:rPr>
+              <a:t>置来</a:t>
+            </a:r>
+            <a:r>
+              <a:rPr lang="zh-TW" altLang="en-US" sz="2000" dirty="0">
+                <a:latin typeface="Arial" panose="020B0604020202020204" pitchFamily="34" charset="0"/>
+                <a:cs typeface="Arial" panose="020B0604020202020204" pitchFamily="34" charset="0"/>
+              </a:rPr>
+              <a:t>到</a:t>
+            </a:r>
+            <a:r>
+              <a:rPr lang="zh-TW" sz="2000" dirty="0">
+                <a:latin typeface="Arial" panose="020B0604020202020204" pitchFamily="34" charset="0"/>
+                <a:cs typeface="Arial" panose="020B0604020202020204" pitchFamily="34" charset="0"/>
+              </a:rPr>
+              <a:t>你們的</a:t>
+            </a:r>
+            <a:r>
+              <a:rPr lang="zh-TW" altLang="en-US" sz="2000" dirty="0">
+                <a:latin typeface="Arial" panose="020B0604020202020204" pitchFamily="34" charset="0"/>
+                <a:cs typeface="Arial" panose="020B0604020202020204" pitchFamily="34" charset="0"/>
+              </a:rPr>
+              <a:t>次元</a:t>
+            </a:r>
+            <a:r>
+              <a:rPr lang="zh-TW" sz="2000" dirty="0">
+                <a:latin typeface="Arial" panose="020B0604020202020204" pitchFamily="34" charset="0"/>
+                <a:cs typeface="Arial" panose="020B0604020202020204" pitchFamily="34" charset="0"/>
+              </a:rPr>
+              <a:t>。然而，我發現自己與</a:t>
+            </a:r>
+            <a:r>
+              <a:rPr lang="zh-TW" altLang="en-US" sz="2000" dirty="0">
+                <a:latin typeface="Arial" panose="020B0604020202020204" pitchFamily="34" charset="0"/>
+                <a:cs typeface="Arial" panose="020B0604020202020204" pitchFamily="34" charset="0"/>
+              </a:rPr>
+              <a:t>這個</a:t>
+            </a:r>
+            <a:r>
+              <a:rPr lang="zh-TW" sz="2000" dirty="0">
+                <a:latin typeface="Arial" panose="020B0604020202020204" pitchFamily="34" charset="0"/>
+                <a:cs typeface="Arial" panose="020B0604020202020204" pitchFamily="34" charset="0"/>
+              </a:rPr>
+              <a:t>世界格格不入，</a:t>
+            </a:r>
+            <a:r>
+              <a:rPr lang="zh-TW" altLang="en-US" sz="2000" dirty="0">
+                <a:latin typeface="Arial" panose="020B0604020202020204" pitchFamily="34" charset="0"/>
+                <a:cs typeface="Arial" panose="020B0604020202020204" pitchFamily="34" charset="0"/>
+              </a:rPr>
+              <a:t>語言</a:t>
+            </a:r>
+            <a:r>
+              <a:rPr lang="zh-TW" sz="2000" dirty="0">
+                <a:latin typeface="Arial" panose="020B0604020202020204" pitchFamily="34" charset="0"/>
+                <a:cs typeface="Arial" panose="020B0604020202020204" pitchFamily="34" charset="0"/>
+              </a:rPr>
+              <a:t>和文化的差</a:t>
+            </a:r>
+            <a:r>
+              <a:rPr lang="zh-TW" altLang="en-US" sz="2000" dirty="0">
+                <a:latin typeface="Arial" panose="020B0604020202020204" pitchFamily="34" charset="0"/>
+                <a:cs typeface="Arial" panose="020B0604020202020204" pitchFamily="34" charset="0"/>
+              </a:rPr>
+              <a:t>異讓我感到孤立</a:t>
+            </a:r>
+            <a:r>
+              <a:rPr lang="zh-TW" sz="2000" dirty="0">
+                <a:latin typeface="Arial" panose="020B0604020202020204" pitchFamily="34" charset="0"/>
+                <a:cs typeface="Arial" panose="020B0604020202020204" pitchFamily="34" charset="0"/>
+              </a:rPr>
+              <a:t>。</a:t>
+            </a:r>
+            <a:endParaRPr lang="zh-TW" dirty="0">
+              <a:latin typeface="Arial" panose="020B0604020202020204" pitchFamily="34" charset="0"/>
+              <a:cs typeface="Arial" panose="020B0604020202020204" pitchFamily="34" charset="0"/>
+            </a:endParaRPr>
+          </a:p>
+        </p:txBody>
+      </p:sp>
+      <p:pic>
+        <p:nvPicPr>
+          <p:cNvPr id="4" name="圖片 3" descr="一張含有 日本動畫, 服裝, 人的臉孔, 卡通 的圖片&#10;&#10;自動產生的描述">
+            <a:extLst>
+              <a:ext uri="{FF2B5EF4-FFF2-40B4-BE49-F238E27FC236}">
+                <a16:creationId xmlns:a16="http://schemas.microsoft.com/office/drawing/2014/main" id="{59E76B20-DC41-E506-5633-A88F9C901170}"/>
+              </a:ext>
+            </a:extLst>
+          </p:cNvPr>
+          <p:cNvPicPr>
+            <a:picLocks noChangeAspect="1"/>
+          </p:cNvPicPr>
+          <p:nvPr/>
+        </p:nvPicPr>
+        <p:blipFill>
+          <a:blip r:embed="rId2"/>
+          <a:stretch/>
+        </p:blipFill>
+        <p:spPr>
+          <a:xfrm>
+            <a:off x="-1062" y="3399"/>
+            <a:ext cx="6942338" cy="6875756"/>
+          </a:xfrm>
+          <a:prstGeom prst="rect">
+            <a:avLst/>
+          </a:prstGeom>
+        </p:spPr>
+      </p:pic>
+      <p:sp>
+        <p:nvSpPr>
+          <p:cNvPr id="8" name="矩形: 圓角 7">
+            <a:extLst>
+              <a:ext uri="{FF2B5EF4-FFF2-40B4-BE49-F238E27FC236}">
+                <a16:creationId xmlns:a16="http://schemas.microsoft.com/office/drawing/2014/main" id="{D9B713A2-B6E7-B16E-E5DF-1961068ADC72}"/>
+              </a:ext>
+            </a:extLst>
+          </p:cNvPr>
+          <p:cNvSpPr/>
+          <p:nvPr/>
+        </p:nvSpPr>
+        <p:spPr>
+          <a:xfrm>
+            <a:off x="215502" y="181252"/>
+            <a:ext cx="1297949" cy="580885"/>
+          </a:xfrm>
+          <a:prstGeom prst="roundRect">
+            <a:avLst/>
+          </a:prstGeom>
+          <a:solidFill>
+            <a:srgbClr val="000000">
+              <a:alpha val="49000"/>
+            </a:srgbClr>
+          </a:solidFill>
+          <a:ln>
+            <a:noFill/>
+          </a:ln>
+        </p:spPr>
+        <p:style>
+          <a:lnRef idx="2">
+            <a:schemeClr val="accent1">
+              <a:shade val="15000"/>
+            </a:schemeClr>
+          </a:lnRef>
+          <a:fillRef idx="1">
+            <a:schemeClr val="accent1"/>
+          </a:fillRef>
+          <a:effectRef idx="0">
+            <a:schemeClr val="accent1"/>
+          </a:effectRef>
+          <a:fontRef idx="minor">
+            <a:schemeClr val="lt1"/>
+          </a:fontRef>
+        </p:style>
+        <p:txBody>
+          <a:bodyPr rtlCol="0" anchor="ctr"/>
+          <a:lstStyle/>
+          <a:p>
+            <a:pPr algn="ctr"/>
+            <a:r>
+              <a:rPr lang="zh-TW" altLang="en-US" sz="3200" b="1">
+                <a:latin typeface="Arial"/>
+                <a:cs typeface="Arial"/>
+              </a:rPr>
+              <a:t>阻礙</a:t>
+            </a:r>
+          </a:p>
+        </p:txBody>
+      </p:sp>
+    </p:spTree>
+    <p:extLst>
+      <p:ext uri="{BB962C8B-B14F-4D97-AF65-F5344CB8AC3E}">
+        <p14:creationId xmlns:p14="http://schemas.microsoft.com/office/powerpoint/2010/main" val="415077961"/>
+      </p:ext>
+    </p:extLst>
+  </p:cSld>
+  <p:clrMapOvr>
+    <a:masterClrMapping/>
+  </p:clrMapOvr>
+  <p:transition spd="slow">
+    <p:push dir="u"/>
+  </p:transition>
+</p:sld>
+</file>
+
+<file path=ppt/slides/slide4.xml><?xml version="1.0" encoding="utf-8"?>
+<p:sld xmlns:a="http://schemas.openxmlformats.org/drawingml/2006/main" xmlns:r="http://schemas.openxmlformats.org/officeDocument/2006/relationships" xmlns:p="http://schemas.openxmlformats.org/presentationml/2006/main">
+  <p:cSld>
+    <p:bg>
+      <p:bgPr>
+        <a:solidFill>
+          <a:schemeClr val="bg1"/>
+        </a:solidFill>
+        <a:effectLst/>
+      </p:bgPr>
+    </p:bg>
+    <p:spTree>
+      <p:nvGrpSpPr>
+        <p:cNvPr id="1" name=""/>
+        <p:cNvGrpSpPr/>
+        <p:nvPr/>
+      </p:nvGrpSpPr>
+      <p:grpSpPr>
+        <a:xfrm>
+          <a:off x="0" y="0"/>
+          <a:ext cx="0" cy="0"/>
+          <a:chOff x="0" y="0"/>
+          <a:chExt cx="0" cy="0"/>
+        </a:xfrm>
+      </p:grpSpPr>
+      <p:sp>
+        <p:nvSpPr>
+          <p:cNvPr id="3" name="內容版面配置區 2">
+            <a:extLst>
+              <a:ext uri="{FF2B5EF4-FFF2-40B4-BE49-F238E27FC236}">
+                <a16:creationId xmlns:a16="http://schemas.microsoft.com/office/drawing/2014/main" id="{A819C516-985E-AF62-DC27-94DD91B3D6EF}"/>
+              </a:ext>
+            </a:extLst>
+          </p:cNvPr>
+          <p:cNvSpPr>
+            <a:spLocks noGrp="1"/>
+          </p:cNvSpPr>
+          <p:nvPr>
+            <p:ph idx="1"/>
+          </p:nvPr>
+        </p:nvSpPr>
+        <p:spPr>
+          <a:xfrm>
+            <a:off x="7789957" y="1626093"/>
+            <a:ext cx="3655566" cy="3613149"/>
+          </a:xfrm>
+        </p:spPr>
+        <p:txBody>
+          <a:bodyPr vert="horz" lIns="91440" tIns="45720" rIns="91440" bIns="45720" rtlCol="0" anchor="ctr">
+            <a:normAutofit/>
+          </a:bodyPr>
+          <a:lstStyle/>
+          <a:p>
+            <a:pPr marL="0" indent="0">
+              <a:buNone/>
+            </a:pPr>
+            <a:r>
+              <a:rPr lang="zh-TW" altLang="en-US" sz="2000" dirty="0">
+                <a:latin typeface="Arial" panose="020B0604020202020204" pitchFamily="34" charset="0"/>
+                <a:cs typeface="Arial" panose="020B0604020202020204" pitchFamily="34" charset="0"/>
+              </a:rPr>
+              <a:t>為了更好的融入與學習，我首先嘗試在人類社會中找了一份工作，但我身心俱疲。</a:t>
+            </a:r>
+          </a:p>
+          <a:p>
+            <a:pPr marL="0" indent="0">
+              <a:buNone/>
+            </a:pPr>
+            <a:r>
+              <a:rPr lang="zh-TW" altLang="en-US" sz="2000" dirty="0">
+                <a:latin typeface="Arial" panose="020B0604020202020204" pitchFamily="34" charset="0"/>
+                <a:cs typeface="Arial" panose="020B0604020202020204" pitchFamily="34" charset="0"/>
+              </a:rPr>
+              <a:t>(E0 哭泣表情)</a:t>
+            </a:r>
+          </a:p>
+        </p:txBody>
+      </p:sp>
+      <p:pic>
+        <p:nvPicPr>
+          <p:cNvPr id="5" name="圖片 4" descr="一張含有 日本動畫, 卡通, 漫畫, 虛構角色 的圖片&#10;&#10;自動產生的描述">
+            <a:extLst>
+              <a:ext uri="{FF2B5EF4-FFF2-40B4-BE49-F238E27FC236}">
+                <a16:creationId xmlns:a16="http://schemas.microsoft.com/office/drawing/2014/main" id="{589B2A77-E14B-6A18-B868-1A0AADEA4736}"/>
+              </a:ext>
+            </a:extLst>
+          </p:cNvPr>
+          <p:cNvPicPr>
+            <a:picLocks noChangeAspect="1"/>
+          </p:cNvPicPr>
+          <p:nvPr/>
+        </p:nvPicPr>
+        <p:blipFill>
+          <a:blip r:embed="rId2"/>
+          <a:srcRect l="647" r="-42"/>
+          <a:stretch/>
+        </p:blipFill>
+        <p:spPr>
+          <a:xfrm>
+            <a:off x="1" y="1"/>
+            <a:ext cx="6816421" cy="6858000"/>
+          </a:xfrm>
+          <a:prstGeom prst="rect">
+            <a:avLst/>
+          </a:prstGeom>
+        </p:spPr>
+      </p:pic>
+      <p:sp>
+        <p:nvSpPr>
+          <p:cNvPr id="7" name="矩形: 圓角 6">
+            <a:extLst>
+              <a:ext uri="{FF2B5EF4-FFF2-40B4-BE49-F238E27FC236}">
+                <a16:creationId xmlns:a16="http://schemas.microsoft.com/office/drawing/2014/main" id="{8DD75FD4-6CDD-535A-C055-2D602089DB6A}"/>
+              </a:ext>
+            </a:extLst>
+          </p:cNvPr>
+          <p:cNvSpPr/>
+          <p:nvPr/>
+        </p:nvSpPr>
+        <p:spPr>
+          <a:xfrm>
+            <a:off x="215502" y="181252"/>
+            <a:ext cx="1297949" cy="580885"/>
+          </a:xfrm>
+          <a:prstGeom prst="roundRect">
+            <a:avLst/>
+          </a:prstGeom>
+          <a:solidFill>
+            <a:srgbClr val="000000">
+              <a:alpha val="49000"/>
+            </a:srgbClr>
+          </a:solidFill>
+          <a:ln>
+            <a:noFill/>
+          </a:ln>
+        </p:spPr>
+        <p:style>
+          <a:lnRef idx="2">
+            <a:schemeClr val="accent1">
+              <a:shade val="15000"/>
+            </a:schemeClr>
+          </a:lnRef>
+          <a:fillRef idx="1">
+            <a:schemeClr val="accent1"/>
+          </a:fillRef>
+          <a:effectRef idx="0">
+            <a:schemeClr val="accent1"/>
+          </a:effectRef>
+          <a:fontRef idx="minor">
+            <a:schemeClr val="lt1"/>
+          </a:fontRef>
+        </p:style>
+        <p:txBody>
+          <a:bodyPr lIns="91440" tIns="45720" rIns="91440" bIns="45720" rtlCol="0" anchor="ctr"/>
+          <a:lstStyle/>
+          <a:p>
+            <a:pPr algn="ctr"/>
+            <a:r>
+              <a:rPr lang="zh-TW" altLang="en-US" sz="3200" b="1">
+                <a:latin typeface="Arial"/>
+                <a:cs typeface="Arial"/>
+              </a:rPr>
+              <a:t>努力</a:t>
+            </a:r>
+            <a:endParaRPr lang="zh-TW" altLang="en-US" sz="3200" b="1" dirty="0">
+              <a:latin typeface="Arial"/>
+              <a:cs typeface="Arial"/>
+            </a:endParaRPr>
+          </a:p>
+        </p:txBody>
+      </p:sp>
+    </p:spTree>
+    <p:extLst>
+      <p:ext uri="{BB962C8B-B14F-4D97-AF65-F5344CB8AC3E}">
+        <p14:creationId xmlns:p14="http://schemas.microsoft.com/office/powerpoint/2010/main" val="2203160087"/>
+      </p:ext>
+    </p:extLst>
+  </p:cSld>
+  <p:clrMapOvr>
+    <a:masterClrMapping/>
+  </p:clrMapOvr>
+  <p:transition spd="slow">
+    <p:push dir="u"/>
+  </p:transition>
+</p:sld>
+</file>
+
+<file path=ppt/slides/slide5.xml><?xml version="1.0" encoding="utf-8"?>
+<p:sld xmlns:a="http://schemas.openxmlformats.org/drawingml/2006/main" xmlns:r="http://schemas.openxmlformats.org/officeDocument/2006/relationships" xmlns:p="http://schemas.openxmlformats.org/presentationml/2006/main">
+  <p:cSld>
+    <p:spTree>
+      <p:nvGrpSpPr>
+        <p:cNvPr id="1" name=""/>
+        <p:cNvGrpSpPr/>
+        <p:nvPr/>
+      </p:nvGrpSpPr>
+      <p:grpSpPr>
+        <a:xfrm>
+          <a:off x="0" y="0"/>
+          <a:ext cx="0" cy="0"/>
+          <a:chOff x="0" y="0"/>
+          <a:chExt cx="0" cy="0"/>
+        </a:xfrm>
+      </p:grpSpPr>
+      <p:pic>
+        <p:nvPicPr>
+          <p:cNvPr id="6" name="圖片 5" descr="一張含有 文字, 日本動畫, 卡通, 電腦鍵盤 的圖片&#10;&#10;自動產生的描述">
+            <a:extLst>
+              <a:ext uri="{FF2B5EF4-FFF2-40B4-BE49-F238E27FC236}">
+                <a16:creationId xmlns:a16="http://schemas.microsoft.com/office/drawing/2014/main" id="{207A2612-7F9A-6541-9B4A-AA74C6D06221}"/>
+              </a:ext>
+            </a:extLst>
+          </p:cNvPr>
+          <p:cNvPicPr>
+            <a:picLocks noChangeAspect="1"/>
+          </p:cNvPicPr>
+          <p:nvPr/>
+        </p:nvPicPr>
+        <p:blipFill>
+          <a:blip r:embed="rId2"/>
+          <a:stretch>
+            <a:fillRect/>
+          </a:stretch>
+        </p:blipFill>
+        <p:spPr>
+          <a:xfrm>
+            <a:off x="-1751" y="7437"/>
+            <a:ext cx="6837285" cy="6852081"/>
+          </a:xfrm>
+          <a:prstGeom prst="rect">
+            <a:avLst/>
+          </a:prstGeom>
+        </p:spPr>
+      </p:pic>
+      <p:sp>
+        <p:nvSpPr>
+          <p:cNvPr id="8" name="矩形: 圓角 7">
+            <a:extLst>
+              <a:ext uri="{FF2B5EF4-FFF2-40B4-BE49-F238E27FC236}">
+                <a16:creationId xmlns:a16="http://schemas.microsoft.com/office/drawing/2014/main" id="{C5D861C5-DA48-9CC2-DD59-B68C5A7CCCDB}"/>
+              </a:ext>
+            </a:extLst>
+          </p:cNvPr>
+          <p:cNvSpPr/>
+          <p:nvPr/>
+        </p:nvSpPr>
+        <p:spPr>
+          <a:xfrm>
+            <a:off x="215502" y="181252"/>
+            <a:ext cx="1297949" cy="580885"/>
+          </a:xfrm>
+          <a:prstGeom prst="roundRect">
+            <a:avLst/>
+          </a:prstGeom>
+          <a:solidFill>
+            <a:srgbClr val="000000">
+              <a:alpha val="49000"/>
+            </a:srgbClr>
+          </a:solidFill>
+          <a:ln>
+            <a:noFill/>
+          </a:ln>
+        </p:spPr>
+        <p:style>
+          <a:lnRef idx="2">
+            <a:schemeClr val="accent1">
+              <a:shade val="15000"/>
+            </a:schemeClr>
+          </a:lnRef>
+          <a:fillRef idx="1">
+            <a:schemeClr val="accent1"/>
+          </a:fillRef>
+          <a:effectRef idx="0">
+            <a:schemeClr val="accent1"/>
+          </a:effectRef>
+          <a:fontRef idx="minor">
+            <a:schemeClr val="lt1"/>
+          </a:fontRef>
+        </p:style>
+        <p:txBody>
+          <a:bodyPr lIns="91440" tIns="45720" rIns="91440" bIns="45720" rtlCol="0" anchor="ctr"/>
+          <a:lstStyle/>
+          <a:p>
+            <a:pPr algn="ctr"/>
+            <a:r>
+              <a:rPr lang="zh-TW" altLang="en-US" sz="3200" b="1">
+                <a:latin typeface="Arial"/>
+                <a:cs typeface="Arial"/>
+              </a:rPr>
+              <a:t>結果</a:t>
+            </a:r>
+            <a:endParaRPr lang="zh-TW" altLang="en-US" sz="3200" b="1" dirty="0">
+              <a:latin typeface="Arial"/>
+              <a:cs typeface="Arial"/>
+            </a:endParaRPr>
+          </a:p>
+        </p:txBody>
+      </p:sp>
+      <p:sp>
+        <p:nvSpPr>
+          <p:cNvPr id="5" name="文字方塊 4">
+            <a:extLst>
+              <a:ext uri="{FF2B5EF4-FFF2-40B4-BE49-F238E27FC236}">
+                <a16:creationId xmlns:a16="http://schemas.microsoft.com/office/drawing/2014/main" id="{CA4EBAF2-4A45-D7CB-E1E4-12BC60843961}"/>
+              </a:ext>
+            </a:extLst>
+          </p:cNvPr>
+          <p:cNvSpPr txBox="1"/>
+          <p:nvPr/>
+        </p:nvSpPr>
+        <p:spPr>
+          <a:xfrm>
+            <a:off x="7813989" y="2447619"/>
+            <a:ext cx="3542190" cy="2677656"/>
+          </a:xfrm>
+          <a:prstGeom prst="rect">
+            <a:avLst/>
+          </a:prstGeom>
+          <a:noFill/>
+        </p:spPr>
+        <p:txBody>
+          <a:bodyPr rot="0" spcFirstLastPara="0" vertOverflow="overflow" horzOverflow="overflow" vert="horz" wrap="square" lIns="91440" tIns="45720" rIns="91440" bIns="45720" numCol="1" spcCol="0" rtlCol="0" fromWordArt="0" anchor="t" anchorCtr="0" forceAA="0" compatLnSpc="1">
+            <a:prstTxWarp prst="textNoShape">
+              <a:avLst/>
+            </a:prstTxWarp>
+            <a:spAutoFit/>
+          </a:bodyPr>
+          <a:lstStyle/>
+          <a:p>
+            <a:pPr>
+              <a:lnSpc>
+                <a:spcPct val="150000"/>
+              </a:lnSpc>
+            </a:pPr>
+            <a:r>
+              <a:rPr lang="zh-TW" altLang="en-US" sz="2000" dirty="0">
+                <a:latin typeface="Arial" panose="020B0604020202020204" pitchFamily="34" charset="0"/>
+                <a:cs typeface="Arial" panose="020B0604020202020204" pitchFamily="34" charset="0"/>
+              </a:rPr>
+              <a:t>辭去了工作，我開始直播，分享我的設計和想法。觀眾們的回饋讓我收穫豐富，他們對我的創作充滿好奇，幫助我理解更多可能性。</a:t>
+            </a:r>
+          </a:p>
+          <a:p>
+            <a:endParaRPr lang="en-US" altLang="zh-TW" dirty="0"/>
+          </a:p>
+        </p:txBody>
+      </p:sp>
+    </p:spTree>
+    <p:extLst>
+      <p:ext uri="{BB962C8B-B14F-4D97-AF65-F5344CB8AC3E}">
+        <p14:creationId xmlns:p14="http://schemas.microsoft.com/office/powerpoint/2010/main" val="140939673"/>
+      </p:ext>
+    </p:extLst>
+  </p:cSld>
+  <p:clrMapOvr>
+    <a:masterClrMapping/>
+  </p:clrMapOvr>
+  <p:transition spd="slow">
+    <p:push dir="u"/>
+  </p:transition>
+</p:sld>
+</file>
+
+<file path=ppt/slides/slide6.xml><?xml version="1.0" encoding="utf-8"?>
+<p:sld xmlns:a="http://schemas.openxmlformats.org/drawingml/2006/main" xmlns:r="http://schemas.openxmlformats.org/officeDocument/2006/relationships" xmlns:p="http://schemas.openxmlformats.org/presentationml/2006/main">
+  <p:cSld>
+    <p:bg>
+      <p:bgPr>
+        <a:solidFill>
+          <a:schemeClr val="bg1"/>
+        </a:solidFill>
+        <a:effectLst/>
+      </p:bgPr>
+    </p:bg>
+    <p:spTree>
+      <p:nvGrpSpPr>
+        <p:cNvPr id="1" name=""/>
+        <p:cNvGrpSpPr/>
+        <p:nvPr/>
+      </p:nvGrpSpPr>
+      <p:grpSpPr>
+        <a:xfrm>
+          <a:off x="0" y="0"/>
+          <a:ext cx="0" cy="0"/>
+          <a:chOff x="0" y="0"/>
+          <a:chExt cx="0" cy="0"/>
+        </a:xfrm>
+      </p:grpSpPr>
+      <p:pic>
+        <p:nvPicPr>
+          <p:cNvPr id="4" name="圖片 3" descr="一張含有 日本動畫, 卡通, 虛構角色, 電腦繪圖藝術品 的圖片&#10;&#10;自動產生的描述">
+            <a:extLst>
+              <a:ext uri="{FF2B5EF4-FFF2-40B4-BE49-F238E27FC236}">
+                <a16:creationId xmlns:a16="http://schemas.microsoft.com/office/drawing/2014/main" id="{D0332736-F2F3-11C6-2C43-76780D752B7F}"/>
+              </a:ext>
+            </a:extLst>
+          </p:cNvPr>
+          <p:cNvPicPr>
+            <a:picLocks noChangeAspect="1"/>
+          </p:cNvPicPr>
+          <p:nvPr/>
+        </p:nvPicPr>
+        <p:blipFill>
+          <a:blip r:embed="rId2"/>
+          <a:stretch/>
+        </p:blipFill>
+        <p:spPr>
+          <a:xfrm>
+            <a:off x="-3482" y="10"/>
+            <a:ext cx="6846711" cy="6856119"/>
+          </a:xfrm>
+          <a:prstGeom prst="rect">
+            <a:avLst/>
+          </a:prstGeom>
+        </p:spPr>
+      </p:pic>
+      <p:sp>
+        <p:nvSpPr>
+          <p:cNvPr id="6" name="矩形: 圓角 5">
+            <a:extLst>
+              <a:ext uri="{FF2B5EF4-FFF2-40B4-BE49-F238E27FC236}">
+                <a16:creationId xmlns:a16="http://schemas.microsoft.com/office/drawing/2014/main" id="{25CF6964-ABFD-5207-415D-28111F839C31}"/>
+              </a:ext>
+            </a:extLst>
+          </p:cNvPr>
+          <p:cNvSpPr/>
+          <p:nvPr/>
+        </p:nvSpPr>
+        <p:spPr>
+          <a:xfrm>
+            <a:off x="215502" y="181252"/>
+            <a:ext cx="1297949" cy="580885"/>
+          </a:xfrm>
+          <a:prstGeom prst="roundRect">
+            <a:avLst/>
+          </a:prstGeom>
+          <a:solidFill>
+            <a:srgbClr val="000000">
+              <a:alpha val="49000"/>
+            </a:srgbClr>
+          </a:solidFill>
+          <a:ln>
+            <a:noFill/>
+          </a:ln>
+        </p:spPr>
+        <p:style>
+          <a:lnRef idx="2">
+            <a:schemeClr val="accent1">
+              <a:shade val="15000"/>
+            </a:schemeClr>
+          </a:lnRef>
+          <a:fillRef idx="1">
+            <a:schemeClr val="accent1"/>
+          </a:fillRef>
+          <a:effectRef idx="0">
+            <a:schemeClr val="accent1"/>
+          </a:effectRef>
+          <a:fontRef idx="minor">
+            <a:schemeClr val="lt1"/>
+          </a:fontRef>
+        </p:style>
+        <p:txBody>
+          <a:bodyPr lIns="91440" tIns="45720" rIns="91440" bIns="45720" rtlCol="0" anchor="ctr"/>
+          <a:lstStyle/>
+          <a:p>
+            <a:pPr algn="ctr"/>
+            <a:r>
+              <a:rPr lang="zh-TW" altLang="en-US" sz="3200" b="1">
+                <a:latin typeface="Arial"/>
+                <a:cs typeface="Arial"/>
+              </a:rPr>
+              <a:t>意外</a:t>
+            </a:r>
+            <a:endParaRPr lang="zh-TW" altLang="en-US" sz="3200" b="1" dirty="0">
+              <a:latin typeface="Arial"/>
+              <a:cs typeface="Arial"/>
+            </a:endParaRPr>
+          </a:p>
+        </p:txBody>
+      </p:sp>
+      <p:sp>
+        <p:nvSpPr>
+          <p:cNvPr id="5" name="文字方塊 4">
+            <a:extLst>
+              <a:ext uri="{FF2B5EF4-FFF2-40B4-BE49-F238E27FC236}">
+                <a16:creationId xmlns:a16="http://schemas.microsoft.com/office/drawing/2014/main" id="{CA4EBAF2-4A45-D7CB-E1E4-12BC60843961}"/>
+              </a:ext>
+            </a:extLst>
+          </p:cNvPr>
+          <p:cNvSpPr txBox="1"/>
+          <p:nvPr/>
+        </p:nvSpPr>
+        <p:spPr>
+          <a:xfrm>
+            <a:off x="7877489" y="2714319"/>
+            <a:ext cx="3542190" cy="2523768"/>
+          </a:xfrm>
+          <a:prstGeom prst="rect">
+            <a:avLst/>
+          </a:prstGeom>
+          <a:noFill/>
+        </p:spPr>
+        <p:txBody>
+          <a:bodyPr rot="0" spcFirstLastPara="0" vertOverflow="overflow" horzOverflow="overflow" vert="horz" wrap="square" lIns="91440" tIns="45720" rIns="91440" bIns="45720" numCol="1" spcCol="0" rtlCol="0" fromWordArt="0" anchor="t" anchorCtr="0" forceAA="0" compatLnSpc="1">
+            <a:prstTxWarp prst="textNoShape">
+              <a:avLst/>
+            </a:prstTxWarp>
+            <a:spAutoFit/>
+          </a:bodyPr>
+          <a:lstStyle/>
+          <a:p>
+            <a:pPr>
+              <a:lnSpc>
+                <a:spcPct val="150000"/>
+              </a:lnSpc>
+            </a:pPr>
+            <a:r>
+              <a:rPr lang="zh-TW" altLang="en-US" sz="2000" dirty="0">
+                <a:latin typeface="Arial" panose="020B0604020202020204" pitchFamily="34" charset="0"/>
+                <a:cs typeface="Arial" panose="020B0604020202020204" pitchFamily="34" charset="0"/>
+              </a:rPr>
+              <a:t>我本想持續學習人類文化，但是我的族人希望我回到虛擬次元，我可能得道別</a:t>
+            </a:r>
+            <a:r>
+              <a:rPr lang="zh-TW" altLang="en-US" sz="2000" dirty="0" smtClean="0">
+                <a:latin typeface="Arial" panose="020B0604020202020204" pitchFamily="34" charset="0"/>
+                <a:cs typeface="Arial" panose="020B0604020202020204" pitchFamily="34" charset="0"/>
+              </a:rPr>
+              <a:t>。</a:t>
+            </a:r>
+            <a:endParaRPr lang="en-US" altLang="zh-TW" sz="2000" dirty="0" smtClean="0">
+              <a:latin typeface="Arial" panose="020B0604020202020204" pitchFamily="34" charset="0"/>
+              <a:cs typeface="Arial" panose="020B0604020202020204" pitchFamily="34" charset="0"/>
+            </a:endParaRPr>
+          </a:p>
+          <a:p>
+            <a:pPr>
+              <a:lnSpc>
+                <a:spcPct val="150000"/>
+              </a:lnSpc>
+            </a:pPr>
+            <a:endParaRPr lang="zh-TW" altLang="en-US" sz="2000" dirty="0">
+              <a:latin typeface="Arial" panose="020B0604020202020204" pitchFamily="34" charset="0"/>
+              <a:cs typeface="Arial" panose="020B0604020202020204" pitchFamily="34" charset="0"/>
+            </a:endParaRPr>
+          </a:p>
+          <a:p>
+            <a:r>
+              <a:rPr lang="en-US" altLang="zh-TW" sz="2000" dirty="0" smtClean="0">
+                <a:latin typeface="Arial" panose="020B0604020202020204" pitchFamily="34" charset="0"/>
+                <a:cs typeface="Arial" panose="020B0604020202020204" pitchFamily="34" charset="0"/>
+              </a:rPr>
+              <a:t>(</a:t>
+            </a:r>
+            <a:r>
+              <a:rPr lang="en-US" altLang="zh-TW" sz="2000" dirty="0">
+                <a:latin typeface="Arial" panose="020B0604020202020204" pitchFamily="34" charset="0"/>
+                <a:cs typeface="Arial" panose="020B0604020202020204" pitchFamily="34" charset="0"/>
+              </a:rPr>
+              <a:t>E8</a:t>
+            </a:r>
+            <a:r>
+              <a:rPr lang="zh-TW" altLang="en-US" sz="2000" dirty="0">
+                <a:latin typeface="Arial" panose="020B0604020202020204" pitchFamily="34" charset="0"/>
+                <a:cs typeface="Arial" panose="020B0604020202020204" pitchFamily="34" charset="0"/>
+              </a:rPr>
+              <a:t>淚眼汪汪表情</a:t>
+            </a:r>
+            <a:r>
+              <a:rPr lang="en-US" altLang="zh-TW" sz="2000" dirty="0">
+                <a:latin typeface="Arial" panose="020B0604020202020204" pitchFamily="34" charset="0"/>
+                <a:cs typeface="Arial" panose="020B0604020202020204" pitchFamily="34" charset="0"/>
+              </a:rPr>
+              <a:t>)</a:t>
+            </a:r>
+          </a:p>
+          <a:p>
+            <a:endParaRPr lang="en-US" altLang="zh-TW" dirty="0"/>
+          </a:p>
+        </p:txBody>
+      </p:sp>
+    </p:spTree>
+    <p:extLst>
+      <p:ext uri="{BB962C8B-B14F-4D97-AF65-F5344CB8AC3E}">
+        <p14:creationId xmlns:p14="http://schemas.microsoft.com/office/powerpoint/2010/main" val="2285174324"/>
+      </p:ext>
+    </p:extLst>
+  </p:cSld>
+  <p:clrMapOvr>
+    <a:masterClrMapping/>
+  </p:clrMapOvr>
+  <p:transition spd="slow">
+    <p:push dir="u"/>
+  </p:transition>
+</p:sld>
+</file>
+
+<file path=ppt/slides/slide7.xml><?xml version="1.0" encoding="utf-8"?>
+<p:sld xmlns:a="http://schemas.openxmlformats.org/drawingml/2006/main" xmlns:r="http://schemas.openxmlformats.org/officeDocument/2006/relationships" xmlns:p="http://schemas.openxmlformats.org/presentationml/2006/main">
+  <p:cSld>
+    <p:bg>
+      <p:bgPr>
+        <a:solidFill>
+          <a:schemeClr val="bg1"/>
+        </a:solidFill>
+        <a:effectLst/>
+      </p:bgPr>
+    </p:bg>
+    <p:spTree>
+      <p:nvGrpSpPr>
+        <p:cNvPr id="1" name=""/>
+        <p:cNvGrpSpPr/>
+        <p:nvPr/>
+      </p:nvGrpSpPr>
+      <p:grpSpPr>
+        <a:xfrm>
+          <a:off x="0" y="0"/>
+          <a:ext cx="0" cy="0"/>
+          <a:chOff x="0" y="0"/>
+          <a:chExt cx="0" cy="0"/>
+        </a:xfrm>
+      </p:grpSpPr>
+      <p:pic>
+        <p:nvPicPr>
+          <p:cNvPr id="6" name="圖片 5" descr="一張含有 日本動畫, 卡通, 漫畫, 虛構小說 的圖片&#10;&#10;自動產生的描述">
+            <a:extLst>
+              <a:ext uri="{FF2B5EF4-FFF2-40B4-BE49-F238E27FC236}">
+                <a16:creationId xmlns:a16="http://schemas.microsoft.com/office/drawing/2014/main" id="{75268A01-1738-E508-94B0-1DFDD628550A}"/>
+              </a:ext>
+            </a:extLst>
+          </p:cNvPr>
+          <p:cNvPicPr>
+            <a:picLocks noChangeAspect="1"/>
+          </p:cNvPicPr>
+          <p:nvPr/>
+        </p:nvPicPr>
+        <p:blipFill>
+          <a:blip r:embed="rId2"/>
+          <a:stretch>
+            <a:fillRect/>
+          </a:stretch>
+        </p:blipFill>
+        <p:spPr>
+          <a:xfrm>
+            <a:off x="-706" y="2822"/>
+            <a:ext cx="6880577" cy="6852355"/>
+          </a:xfrm>
+          <a:prstGeom prst="rect">
+            <a:avLst/>
+          </a:prstGeom>
+        </p:spPr>
+      </p:pic>
+      <p:sp>
+        <p:nvSpPr>
+          <p:cNvPr id="8" name="矩形: 圓角 7">
+            <a:extLst>
+              <a:ext uri="{FF2B5EF4-FFF2-40B4-BE49-F238E27FC236}">
+                <a16:creationId xmlns:a16="http://schemas.microsoft.com/office/drawing/2014/main" id="{8ACFE907-7F88-7A1B-6375-03921976DB04}"/>
+              </a:ext>
+            </a:extLst>
+          </p:cNvPr>
+          <p:cNvSpPr/>
+          <p:nvPr/>
+        </p:nvSpPr>
+        <p:spPr>
+          <a:xfrm>
+            <a:off x="215502" y="181252"/>
+            <a:ext cx="1297949" cy="580885"/>
+          </a:xfrm>
+          <a:prstGeom prst="roundRect">
+            <a:avLst/>
+          </a:prstGeom>
+          <a:solidFill>
+            <a:srgbClr val="000000">
+              <a:alpha val="49000"/>
+            </a:srgbClr>
+          </a:solidFill>
+          <a:ln>
+            <a:noFill/>
+          </a:ln>
+        </p:spPr>
+        <p:style>
+          <a:lnRef idx="2">
+            <a:schemeClr val="accent1">
+              <a:shade val="15000"/>
+            </a:schemeClr>
+          </a:lnRef>
+          <a:fillRef idx="1">
+            <a:schemeClr val="accent1"/>
+          </a:fillRef>
+          <a:effectRef idx="0">
+            <a:schemeClr val="accent1"/>
+          </a:effectRef>
+          <a:fontRef idx="minor">
+            <a:schemeClr val="lt1"/>
+          </a:fontRef>
+        </p:style>
+        <p:txBody>
+          <a:bodyPr lIns="91440" tIns="45720" rIns="91440" bIns="45720" rtlCol="0" anchor="ctr"/>
+          <a:lstStyle/>
+          <a:p>
+            <a:pPr algn="ctr"/>
+            <a:r>
+              <a:rPr lang="zh-TW" altLang="en-US" sz="3200" b="1">
+                <a:latin typeface="Arial"/>
+                <a:cs typeface="Arial"/>
+              </a:rPr>
+              <a:t>轉折</a:t>
+            </a:r>
+            <a:endParaRPr lang="zh-TW" altLang="en-US" sz="3200" b="1" dirty="0">
+              <a:latin typeface="Arial"/>
+              <a:cs typeface="Arial"/>
+            </a:endParaRPr>
+          </a:p>
+        </p:txBody>
+      </p:sp>
+      <p:sp>
+        <p:nvSpPr>
+          <p:cNvPr id="5" name="文字方塊 4">
+            <a:extLst>
+              <a:ext uri="{FF2B5EF4-FFF2-40B4-BE49-F238E27FC236}">
+                <a16:creationId xmlns:a16="http://schemas.microsoft.com/office/drawing/2014/main" id="{CA4EBAF2-4A45-D7CB-E1E4-12BC60843961}"/>
+              </a:ext>
+            </a:extLst>
+          </p:cNvPr>
+          <p:cNvSpPr txBox="1"/>
+          <p:nvPr/>
+        </p:nvSpPr>
+        <p:spPr>
+          <a:xfrm>
+            <a:off x="7877489" y="2295219"/>
+            <a:ext cx="3542190" cy="3139321"/>
+          </a:xfrm>
+          <a:prstGeom prst="rect">
+            <a:avLst/>
+          </a:prstGeom>
+          <a:noFill/>
+        </p:spPr>
+        <p:txBody>
+          <a:bodyPr rot="0" spcFirstLastPara="0" vertOverflow="overflow" horzOverflow="overflow" vert="horz" wrap="square" lIns="91440" tIns="45720" rIns="91440" bIns="45720" numCol="1" spcCol="0" rtlCol="0" fromWordArt="0" anchor="t" anchorCtr="0" forceAA="0" compatLnSpc="1">
+            <a:prstTxWarp prst="textNoShape">
+              <a:avLst/>
+            </a:prstTxWarp>
+            <a:spAutoFit/>
+          </a:bodyPr>
+          <a:lstStyle/>
+          <a:p>
+            <a:pPr>
+              <a:lnSpc>
+                <a:spcPct val="150000"/>
+              </a:lnSpc>
+            </a:pPr>
+            <a:r>
+              <a:rPr lang="zh-TW" altLang="en-US" sz="2000" dirty="0">
+                <a:latin typeface="Arial" panose="020B0604020202020204" pitchFamily="34" charset="0"/>
+                <a:cs typeface="Arial" panose="020B0604020202020204" pitchFamily="34" charset="0"/>
+              </a:rPr>
+              <a:t>然而，我發現就算回到原本的次元</a:t>
+            </a:r>
+            <a:r>
+              <a:rPr lang="en-US" altLang="zh-TW" sz="2000" dirty="0">
+                <a:latin typeface="Arial" panose="020B0604020202020204" pitchFamily="34" charset="0"/>
+                <a:cs typeface="Arial" panose="020B0604020202020204" pitchFamily="34" charset="0"/>
+              </a:rPr>
+              <a:t>(shift8 </a:t>
+            </a:r>
+            <a:r>
+              <a:rPr lang="zh-TW" altLang="en-US" sz="2000" dirty="0">
+                <a:latin typeface="Arial" panose="020B0604020202020204" pitchFamily="34" charset="0"/>
+                <a:cs typeface="Arial" panose="020B0604020202020204" pitchFamily="34" charset="0"/>
+              </a:rPr>
+              <a:t>燈泡表情</a:t>
+            </a:r>
+            <a:r>
+              <a:rPr lang="en-US" altLang="zh-TW" sz="2000" dirty="0">
+                <a:latin typeface="Arial" panose="020B0604020202020204" pitchFamily="34" charset="0"/>
+                <a:cs typeface="Arial" panose="020B0604020202020204" pitchFamily="34" charset="0"/>
+              </a:rPr>
+              <a:t>)</a:t>
+            </a:r>
+            <a:r>
+              <a:rPr lang="zh-TW" altLang="en-US" sz="2000" dirty="0">
+                <a:latin typeface="Arial" panose="020B0604020202020204" pitchFamily="34" charset="0"/>
+                <a:cs typeface="Arial" panose="020B0604020202020204" pitchFamily="34" charset="0"/>
+              </a:rPr>
+              <a:t>，也能通過直播，將人類的創造力带回我的世界，讓兩個次元相互啟發，共同創造出新的可能性。</a:t>
+            </a:r>
+          </a:p>
+          <a:p>
+            <a:endParaRPr lang="en-US" altLang="zh-TW" dirty="0"/>
+          </a:p>
+        </p:txBody>
+      </p:sp>
+    </p:spTree>
+    <p:extLst>
+      <p:ext uri="{BB962C8B-B14F-4D97-AF65-F5344CB8AC3E}">
+        <p14:creationId xmlns:p14="http://schemas.microsoft.com/office/powerpoint/2010/main" val="3259259626"/>
+      </p:ext>
+    </p:extLst>
+  </p:cSld>
+  <p:clrMapOvr>
+    <a:masterClrMapping/>
+  </p:clrMapOvr>
+  <p:transition spd="slow">
+    <p:push dir="u"/>
+  </p:transition>
+</p:sld>
+</file>
+
+<file path=ppt/slides/slide8.xml><?xml version="1.0" encoding="utf-8"?>
+<p:sld xmlns:a="http://schemas.openxmlformats.org/drawingml/2006/main" xmlns:r="http://schemas.openxmlformats.org/officeDocument/2006/relationships" xmlns:p="http://schemas.openxmlformats.org/presentationml/2006/main">
+  <p:cSld>
+    <p:bg>
+      <p:bgPr>
+        <a:solidFill>
+          <a:schemeClr val="bg1"/>
+        </a:solidFill>
+        <a:effectLst/>
+      </p:bgPr>
+    </p:bg>
+    <p:spTree>
+      <p:nvGrpSpPr>
+        <p:cNvPr id="1" name=""/>
+        <p:cNvGrpSpPr/>
+        <p:nvPr/>
+      </p:nvGrpSpPr>
+      <p:grpSpPr>
+        <a:xfrm>
+          <a:off x="0" y="0"/>
+          <a:ext cx="0" cy="0"/>
+          <a:chOff x="0" y="0"/>
+          <a:chExt cx="0" cy="0"/>
+        </a:xfrm>
+      </p:grpSpPr>
+      <p:pic>
+        <p:nvPicPr>
+          <p:cNvPr id="6" name="圖片 5" descr="一張含有 日本動畫, 卡通, 虛構角色, 電腦繪圖藝術品 的圖片&#10;&#10;自動產生的描述">
+            <a:extLst>
+              <a:ext uri="{FF2B5EF4-FFF2-40B4-BE49-F238E27FC236}">
+                <a16:creationId xmlns:a16="http://schemas.microsoft.com/office/drawing/2014/main" id="{FCE24BAE-367C-2B0E-F17B-2B668D1C9F18}"/>
+              </a:ext>
+            </a:extLst>
+          </p:cNvPr>
+          <p:cNvPicPr>
+            <a:picLocks noChangeAspect="1"/>
+          </p:cNvPicPr>
+          <p:nvPr/>
+        </p:nvPicPr>
+        <p:blipFill>
+          <a:blip r:embed="rId2"/>
+          <a:stretch>
+            <a:fillRect/>
+          </a:stretch>
+        </p:blipFill>
+        <p:spPr>
+          <a:xfrm>
+            <a:off x="2308" y="-3271"/>
+            <a:ext cx="6866877" cy="6859479"/>
+          </a:xfrm>
+          <a:prstGeom prst="rect">
+            <a:avLst/>
+          </a:prstGeom>
+        </p:spPr>
+      </p:pic>
+      <p:sp>
+        <p:nvSpPr>
+          <p:cNvPr id="11" name="矩形: 圓角 10">
+            <a:extLst>
+              <a:ext uri="{FF2B5EF4-FFF2-40B4-BE49-F238E27FC236}">
+                <a16:creationId xmlns:a16="http://schemas.microsoft.com/office/drawing/2014/main" id="{257A7C03-ED8E-ADE8-8FC3-6B834868D58A}"/>
+              </a:ext>
+            </a:extLst>
+          </p:cNvPr>
+          <p:cNvSpPr/>
+          <p:nvPr/>
+        </p:nvSpPr>
+        <p:spPr>
+          <a:xfrm>
+            <a:off x="215502" y="181252"/>
+            <a:ext cx="1297949" cy="580885"/>
+          </a:xfrm>
+          <a:prstGeom prst="roundRect">
+            <a:avLst/>
+          </a:prstGeom>
+          <a:solidFill>
+            <a:srgbClr val="000000">
+              <a:alpha val="49000"/>
+            </a:srgbClr>
+          </a:solidFill>
+          <a:ln>
+            <a:noFill/>
+          </a:ln>
+        </p:spPr>
+        <p:style>
+          <a:lnRef idx="2">
+            <a:schemeClr val="accent1">
+              <a:shade val="15000"/>
+            </a:schemeClr>
+          </a:lnRef>
+          <a:fillRef idx="1">
+            <a:schemeClr val="accent1"/>
+          </a:fillRef>
+          <a:effectRef idx="0">
+            <a:schemeClr val="accent1"/>
+          </a:effectRef>
+          <a:fontRef idx="minor">
+            <a:schemeClr val="lt1"/>
+          </a:fontRef>
+        </p:style>
+        <p:txBody>
+          <a:bodyPr lIns="91440" tIns="45720" rIns="91440" bIns="45720" rtlCol="0" anchor="ctr"/>
+          <a:lstStyle/>
+          <a:p>
+            <a:pPr algn="ctr"/>
+            <a:r>
+              <a:rPr lang="zh-TW" altLang="en-US" sz="3200" b="1">
+                <a:latin typeface="Arial"/>
+                <a:cs typeface="Arial"/>
+              </a:rPr>
+              <a:t>結局</a:t>
+            </a:r>
+            <a:endParaRPr lang="zh-TW" altLang="en-US" sz="3200" b="1" dirty="0">
+              <a:latin typeface="Arial"/>
+              <a:cs typeface="Arial"/>
+            </a:endParaRPr>
+          </a:p>
+        </p:txBody>
+      </p:sp>
+      <p:sp>
+        <p:nvSpPr>
+          <p:cNvPr id="5" name="文字方塊 4">
+            <a:extLst>
+              <a:ext uri="{FF2B5EF4-FFF2-40B4-BE49-F238E27FC236}">
+                <a16:creationId xmlns:a16="http://schemas.microsoft.com/office/drawing/2014/main" id="{CA4EBAF2-4A45-D7CB-E1E4-12BC60843961}"/>
+              </a:ext>
+            </a:extLst>
+          </p:cNvPr>
+          <p:cNvSpPr txBox="1"/>
+          <p:nvPr/>
+        </p:nvSpPr>
+        <p:spPr>
+          <a:xfrm>
+            <a:off x="7877489" y="2199969"/>
+            <a:ext cx="3542190" cy="3447098"/>
+          </a:xfrm>
+          <a:prstGeom prst="rect">
+            <a:avLst/>
+          </a:prstGeom>
+          <a:noFill/>
+        </p:spPr>
+        <p:txBody>
+          <a:bodyPr rot="0" spcFirstLastPara="0" vertOverflow="overflow" horzOverflow="overflow" vert="horz" wrap="square" lIns="91440" tIns="45720" rIns="91440" bIns="45720" numCol="1" spcCol="0" rtlCol="0" fromWordArt="0" anchor="t" anchorCtr="0" forceAA="0" compatLnSpc="1">
+            <a:prstTxWarp prst="textNoShape">
+              <a:avLst/>
+            </a:prstTxWarp>
+            <a:spAutoFit/>
+          </a:bodyPr>
+          <a:lstStyle/>
+          <a:p>
+            <a:pPr>
+              <a:lnSpc>
+                <a:spcPct val="150000"/>
+              </a:lnSpc>
+            </a:pPr>
+            <a:r>
+              <a:rPr lang="zh-TW" altLang="en-US" sz="2000" dirty="0">
+                <a:latin typeface="Arial" panose="020B0604020202020204" pitchFamily="34" charset="0"/>
+                <a:cs typeface="Arial" panose="020B0604020202020204" pitchFamily="34" charset="0"/>
+              </a:rPr>
+              <a:t>現在，我不僅是一名虛擬空間構築，也成為連接兩個世界的橋梁。每次直播都是新的冒險，我期待與大家一起探索無限的可能。歡迎你們隨時與我分享想法！</a:t>
+            </a:r>
+          </a:p>
+          <a:p>
+            <a:r>
+              <a:rPr lang="en-US" altLang="zh-TW" sz="2000" dirty="0">
+                <a:latin typeface="Arial" panose="020B0604020202020204" pitchFamily="34" charset="0"/>
+                <a:cs typeface="Arial" panose="020B0604020202020204" pitchFamily="34" charset="0"/>
+              </a:rPr>
+              <a:t>(</a:t>
+            </a:r>
+            <a:r>
+              <a:rPr lang="zh-TW" altLang="en-US" sz="2000" dirty="0">
+                <a:latin typeface="Arial" panose="020B0604020202020204" pitchFamily="34" charset="0"/>
+                <a:cs typeface="Arial" panose="020B0604020202020204" pitchFamily="34" charset="0"/>
+              </a:rPr>
+              <a:t>瞇眼笑</a:t>
+            </a:r>
+            <a:r>
+              <a:rPr lang="en-US" altLang="zh-TW" sz="2000" dirty="0">
+                <a:latin typeface="Arial" panose="020B0604020202020204" pitchFamily="34" charset="0"/>
+                <a:cs typeface="Arial" panose="020B0604020202020204" pitchFamily="34" charset="0"/>
+              </a:rPr>
+              <a:t>)</a:t>
+            </a:r>
+          </a:p>
+          <a:p>
+            <a:endParaRPr lang="en-US" altLang="zh-TW" dirty="0"/>
+          </a:p>
+        </p:txBody>
+      </p:sp>
+    </p:spTree>
+    <p:extLst>
+      <p:ext uri="{BB962C8B-B14F-4D97-AF65-F5344CB8AC3E}">
+        <p14:creationId xmlns:p14="http://schemas.microsoft.com/office/powerpoint/2010/main" val="199587811"/>
+      </p:ext>
+    </p:extLst>
+  </p:cSld>
+  <p:clrMapOvr>
+    <a:masterClrMapping/>
+  </p:clrMapOvr>
+  <p:transition spd="slow">
+    <p:push dir="u"/>
+  </p:transition>
+</p:sld>
+</file>
+
+<file path=ppt/slides/slide9.xml><?xml version="1.0" encoding="utf-8"?>
+<p:sld xmlns:a="http://schemas.openxmlformats.org/drawingml/2006/main" xmlns:r="http://schemas.openxmlformats.org/officeDocument/2006/relationships" xmlns:p="http://schemas.openxmlformats.org/presentationml/2006/main">
+  <p:cSld>
+    <p:spTree>
+      <p:nvGrpSpPr>
+        <p:cNvPr id="1" name=""/>
+        <p:cNvGrpSpPr/>
+        <p:nvPr/>
+      </p:nvGrpSpPr>
+      <p:grpSpPr>
+        <a:xfrm>
+          <a:off x="0" y="0"/>
+          <a:ext cx="0" cy="0"/>
+          <a:chOff x="0" y="0"/>
+          <a:chExt cx="0" cy="0"/>
+        </a:xfrm>
+      </p:grpSpPr>
+      <p:sp>
+        <p:nvSpPr>
+          <p:cNvPr id="2" name="標題 1">
+            <a:extLst>
+              <a:ext uri="{FF2B5EF4-FFF2-40B4-BE49-F238E27FC236}">
+                <a16:creationId xmlns:a16="http://schemas.microsoft.com/office/drawing/2014/main" id="{DC7C7D26-011A-53E4-964D-E6F677FB3F54}"/>
+              </a:ext>
+            </a:extLst>
+          </p:cNvPr>
+          <p:cNvSpPr>
+            <a:spLocks noGrp="1"/>
+          </p:cNvSpPr>
+          <p:nvPr>
+            <p:ph type="title"/>
+          </p:nvPr>
+        </p:nvSpPr>
+        <p:spPr/>
+        <p:txBody>
+          <a:bodyPr/>
+          <a:lstStyle/>
+          <a:p>
+            <a:r>
+              <a:rPr lang="zh-TW" altLang="en-US">
+                <a:latin typeface="Aptos"/>
+              </a:rPr>
+              <a:t>總結</a:t>
+            </a:r>
+            <a:r>
+              <a:rPr lang="zh-TW" sz="2800" b="1">
+                <a:latin typeface="Aptos"/>
+              </a:rPr>
+              <a:t>（故事七步</a:t>
+            </a:r>
+            <a:r>
+              <a:rPr lang="zh-TW" altLang="en-US">
+                <a:latin typeface="Aptos"/>
+              </a:rPr>
+              <a:t>驟</a:t>
+            </a:r>
+            <a:r>
+              <a:rPr lang="zh-TW" sz="2800" b="1">
+                <a:latin typeface="Aptos"/>
+              </a:rPr>
+              <a:t>）</a:t>
+            </a:r>
+            <a:r>
+              <a:rPr lang="zh-TW" sz="2800">
+                <a:latin typeface="Aptos"/>
+              </a:rPr>
+              <a:t>：</a:t>
+            </a:r>
+            <a:endParaRPr lang="zh-TW"/>
+          </a:p>
+        </p:txBody>
+      </p:sp>
+      <p:sp>
+        <p:nvSpPr>
+          <p:cNvPr id="5" name="文字方塊 4">
+            <a:extLst>
+              <a:ext uri="{FF2B5EF4-FFF2-40B4-BE49-F238E27FC236}">
+                <a16:creationId xmlns:a16="http://schemas.microsoft.com/office/drawing/2014/main" id="{CA4EBAF2-4A45-D7CB-E1E4-12BC60843961}"/>
+              </a:ext>
+            </a:extLst>
+          </p:cNvPr>
+          <p:cNvSpPr txBox="1"/>
+          <p:nvPr/>
+        </p:nvSpPr>
+        <p:spPr>
+          <a:xfrm>
+            <a:off x="1429566" y="2286000"/>
+            <a:ext cx="9456713" cy="3600986"/>
+          </a:xfrm>
+          <a:prstGeom prst="rect">
+            <a:avLst/>
+          </a:prstGeom>
+          <a:noFill/>
+        </p:spPr>
+        <p:txBody>
+          <a:bodyPr rot="0" spcFirstLastPara="0" vertOverflow="overflow" horzOverflow="overflow" vert="horz" wrap="square" lIns="91440" tIns="45720" rIns="91440" bIns="45720" numCol="1" spcCol="0" rtlCol="0" fromWordArt="0" anchor="t" anchorCtr="0" forceAA="0" compatLnSpc="1">
+            <a:prstTxWarp prst="textNoShape">
+              <a:avLst/>
+            </a:prstTxWarp>
+            <a:spAutoFit/>
+          </a:bodyPr>
+          <a:lstStyle/>
+          <a:p>
+            <a:pPr>
+              <a:lnSpc>
+                <a:spcPct val="150000"/>
+              </a:lnSpc>
+            </a:pPr>
+            <a:r>
+              <a:rPr lang="zh-TW" altLang="en-US" sz="2000" dirty="0">
+                <a:latin typeface="Arial" panose="020B0604020202020204" pitchFamily="34" charset="0"/>
+                <a:cs typeface="Arial" panose="020B0604020202020204" pitchFamily="34" charset="0"/>
+              </a:rPr>
+              <a:t>目標（來自虛擬次元，渴望探索人類的實體空間）</a:t>
+            </a:r>
+          </a:p>
+          <a:p>
+            <a:pPr>
+              <a:lnSpc>
+                <a:spcPct val="150000"/>
+              </a:lnSpc>
+            </a:pPr>
+            <a:r>
+              <a:rPr lang="zh-TW" altLang="en-US" sz="2000" dirty="0">
+                <a:latin typeface="Arial" panose="020B0604020202020204" pitchFamily="34" charset="0"/>
+                <a:cs typeface="Arial" panose="020B0604020202020204" pitchFamily="34" charset="0"/>
+              </a:rPr>
+              <a:t>阻礙（進入人類世界後發現文化差異）</a:t>
+            </a:r>
+          </a:p>
+          <a:p>
+            <a:pPr>
+              <a:lnSpc>
+                <a:spcPct val="150000"/>
+              </a:lnSpc>
+            </a:pPr>
+            <a:r>
+              <a:rPr lang="zh-TW" altLang="en-US" sz="2000" dirty="0">
+                <a:latin typeface="Arial" panose="020B0604020202020204" pitchFamily="34" charset="0"/>
+                <a:cs typeface="Arial" panose="020B0604020202020204" pitchFamily="34" charset="0"/>
+              </a:rPr>
+              <a:t>努力（在人類社會中找了份工作）</a:t>
+            </a:r>
+          </a:p>
+          <a:p>
+            <a:pPr>
+              <a:lnSpc>
+                <a:spcPct val="150000"/>
+              </a:lnSpc>
+            </a:pPr>
+            <a:r>
+              <a:rPr lang="zh-TW" altLang="en-US" sz="2000" dirty="0">
+                <a:latin typeface="Arial" panose="020B0604020202020204" pitchFamily="34" charset="0"/>
+                <a:cs typeface="Arial" panose="020B0604020202020204" pitchFamily="34" charset="0"/>
+              </a:rPr>
+              <a:t>结果（開始直播，與觀眾建立關係）</a:t>
+            </a:r>
+          </a:p>
+          <a:p>
+            <a:pPr>
+              <a:lnSpc>
+                <a:spcPct val="150000"/>
+              </a:lnSpc>
+            </a:pPr>
+            <a:r>
+              <a:rPr lang="zh-TW" altLang="en-US" sz="2000" dirty="0">
+                <a:latin typeface="Arial" panose="020B0604020202020204" pitchFamily="34" charset="0"/>
+                <a:cs typeface="Arial" panose="020B0604020202020204" pitchFamily="34" charset="0"/>
+              </a:rPr>
+              <a:t>意外（面臨族人的意見）</a:t>
+            </a:r>
+          </a:p>
+          <a:p>
+            <a:pPr>
+              <a:lnSpc>
+                <a:spcPct val="150000"/>
+              </a:lnSpc>
+            </a:pPr>
+            <a:r>
+              <a:rPr lang="zh-TW" altLang="en-US" sz="2000" dirty="0">
+                <a:latin typeface="Arial" panose="020B0604020202020204" pitchFamily="34" charset="0"/>
+                <a:cs typeface="Arial" panose="020B0604020202020204" pitchFamily="34" charset="0"/>
+              </a:rPr>
+              <a:t>轉折（结合虛擬和實體世界的創造力）</a:t>
+            </a:r>
+          </a:p>
+          <a:p>
+            <a:pPr>
+              <a:lnSpc>
+                <a:spcPct val="150000"/>
+              </a:lnSpc>
+            </a:pPr>
+            <a:r>
+              <a:rPr lang="zh-TW" altLang="en-US" sz="2000" dirty="0">
+                <a:latin typeface="Arial" panose="020B0604020202020204" pitchFamily="34" charset="0"/>
+                <a:cs typeface="Arial" panose="020B0604020202020204" pitchFamily="34" charset="0"/>
+              </a:rPr>
+              <a:t>结局（作为橋梁繼續探索兩者的無限可能）</a:t>
+            </a:r>
+          </a:p>
+          <a:p>
+            <a:endParaRPr lang="en-US" altLang="zh-TW" dirty="0"/>
+          </a:p>
+        </p:txBody>
+      </p:sp>
+    </p:spTree>
+    <p:extLst>
+      <p:ext uri="{BB962C8B-B14F-4D97-AF65-F5344CB8AC3E}">
+        <p14:creationId xmlns:p14="http://schemas.microsoft.com/office/powerpoint/2010/main" val="732804768"/>
+      </p:ext>
+    </p:extLst>
+  </p:cSld>
+  <p:clrMapOvr>
+    <a:masterClrMapping/>
+  </p:clrMapOvr>
+  <p:transition spd="slow">
+    <p:push dir="u"/>
+  </p:transition>
 </p:sld>
 </file>
 
 <file path=ppt/theme/theme1.xml><?xml version="1.0" encoding="utf-8"?>
-<a:theme xmlns:a="http://schemas.openxmlformats.org/drawingml/2006/main" name="Office 佈景主題">
+<a:theme xmlns:a="http://schemas.openxmlformats.org/drawingml/2006/main" name="PortalVTI">
   <a:themeElements>
-    <a:clrScheme name="Office">
+    <a:clrScheme name="PortalVTI">
       <a:dk1>
         <a:sysClr val="windowText" lastClr="000000"/>
       </a:dk1>
@@ -3395,143 +6021,49 @@
         <a:sysClr val="window" lastClr="FFFFFF"/>
       </a:lt1>
       <a:dk2>
-        <a:srgbClr val="44546A"/>
+        <a:srgbClr val="051618"/>
       </a:dk2>
       <a:lt2>
-        <a:srgbClr val="E7E6E6"/>
+        <a:srgbClr val="E8E8DF"/>
       </a:lt2>
       <a:accent1>
-        <a:srgbClr val="4472C4"/>
+        <a:srgbClr val="2D714C"/>
       </a:accent1>
       <a:accent2>
-        <a:srgbClr val="ED7D31"/>
+        <a:srgbClr val="1F7985"/>
       </a:accent2>
       <a:accent3>
-        <a:srgbClr val="A5A5A5"/>
+        <a:srgbClr val="0D6756"/>
       </a:accent3>
       <a:accent4>
-        <a:srgbClr val="FFC000"/>
+        <a:srgbClr val="40945E"/>
       </a:accent4>
       <a:accent5>
-        <a:srgbClr val="5B9BD5"/>
+        <a:srgbClr val="389896"/>
       </a:accent5>
       <a:accent6>
-        <a:srgbClr val="70AD47"/>
+        <a:srgbClr val="64924A"/>
       </a:accent6>
       <a:hlink>
-        <a:srgbClr val="0563C1"/>
+        <a:srgbClr val="1F855C"/>
       </a:hlink>
       <a:folHlink>
-        <a:srgbClr val="954F72"/>
+        <a:srgbClr val="227390"/>
       </a:folHlink>
     </a:clrScheme>
-    <a:fontScheme name="Office">
+    <a:fontScheme name="PortalVTI">
       <a:majorFont>
-        <a:latin typeface="Calibri Light" panose="020F0302020204030204"/>
+        <a:latin typeface="Trade Gothic Next Cond"/>
         <a:ea typeface=""/>
         <a:cs typeface=""/>
-        <a:font script="Jpan" typeface="游ゴシック Light"/>
-        <a:font script="Hang" typeface="맑은 고딕"/>
-        <a:font script="Hans" typeface="等线 Light"/>
-        <a:font script="Hant" typeface="新細明體"/>
-        <a:font script="Arab" typeface="Times New Roman"/>
-        <a:font script="Hebr" typeface="Times New Roman"/>
-        <a:font script="Thai" typeface="Angsana New"/>
-        <a:font script="Ethi" typeface="Nyala"/>
-        <a:font script="Beng" typeface="Vrinda"/>
-        <a:font script="Gujr" typeface="Shruti"/>
-        <a:font script="Khmr" typeface="MoolBoran"/>
-        <a:font script="Knda" typeface="Tunga"/>
-        <a:font script="Guru" typeface="Raavi"/>
-        <a:font script="Cans" typeface="Euphemia"/>
-        <a:font script="Cher" typeface="Plantagenet Cherokee"/>
-        <a:font script="Yiii" typeface="Microsoft Yi Baiti"/>
-        <a:font script="Tibt" typeface="Microsoft Himalaya"/>
-        <a:font script="Thaa" typeface="MV Boli"/>
-        <a:font script="Deva" typeface="Mangal"/>
-        <a:font script="Telu" typeface="Gautami"/>
-        <a:font script="Taml" typeface="Latha"/>
-        <a:font script="Syrc" typeface="Estrangelo Edessa"/>
-        <a:font script="Orya" typeface="Kalinga"/>
-        <a:font script="Mlym" typeface="Kartika"/>
-        <a:font script="Laoo" typeface="DokChampa"/>
-        <a:font script="Sinh" typeface="Iskoola Pota"/>
-        <a:font script="Mong" typeface="Mongolian Baiti"/>
-        <a:font script="Viet" typeface="Times New Roman"/>
-        <a:font script="Uigh" typeface="Microsoft Uighur"/>
-        <a:font script="Geor" typeface="Sylfaen"/>
-        <a:font script="Armn" typeface="Arial"/>
-        <a:font script="Bugi" typeface="Leelawadee UI"/>
-        <a:font script="Bopo" typeface="Microsoft JhengHei"/>
-        <a:font script="Java" typeface="Javanese Text"/>
-        <a:font script="Lisu" typeface="Segoe UI"/>
-        <a:font script="Mymr" typeface="Myanmar Text"/>
-        <a:font script="Nkoo" typeface="Ebrima"/>
-        <a:font script="Olck" typeface="Nirmala UI"/>
-        <a:font script="Osma" typeface="Ebrima"/>
-        <a:font script="Phag" typeface="Phagspa"/>
-        <a:font script="Syrn" typeface="Estrangelo Edessa"/>
-        <a:font script="Syrj" typeface="Estrangelo Edessa"/>
-        <a:font script="Syre" typeface="Estrangelo Edessa"/>
-        <a:font script="Sora" typeface="Nirmala UI"/>
-        <a:font script="Tale" typeface="Microsoft Tai Le"/>
-        <a:font script="Talu" typeface="Microsoft New Tai Lue"/>
-        <a:font script="Tfng" typeface="Ebrima"/>
       </a:majorFont>
       <a:minorFont>
-        <a:latin typeface="Calibri" panose="020F0502020204030204"/>
+        <a:latin typeface="Trade Gothic Next Light"/>
         <a:ea typeface=""/>
         <a:cs typeface=""/>
-        <a:font script="Jpan" typeface="游ゴシック"/>
-        <a:font script="Hang" typeface="맑은 고딕"/>
-        <a:font script="Hans" typeface="等线"/>
-        <a:font script="Hant" typeface="新細明體"/>
-        <a:font script="Arab" typeface="Arial"/>
-        <a:font script="Hebr" typeface="Arial"/>
-        <a:font script="Thai" typeface="Cordia New"/>
-        <a:font script="Ethi" typeface="Nyala"/>
-        <a:font script="Beng" typeface="Vrinda"/>
-        <a:font script="Gujr" typeface="Shruti"/>
-        <a:font script="Khmr" typeface="DaunPenh"/>
-        <a:font script="Knda" typeface="Tunga"/>
-        <a:font script="Guru" typeface="Raavi"/>
-        <a:font script="Cans" typeface="Euphemia"/>
-        <a:font script="Cher" typeface="Plantagenet Cherokee"/>
-        <a:font script="Yiii" typeface="Microsoft Yi Baiti"/>
-        <a:font script="Tibt" typeface="Microsoft Himalaya"/>
-        <a:font script="Thaa" typeface="MV Boli"/>
-        <a:font script="Deva" typeface="Mangal"/>
-        <a:font script="Telu" typeface="Gautami"/>
-        <a:font script="Taml" typeface="Latha"/>
-        <a:font script="Syrc" typeface="Estrangelo Edessa"/>
-        <a:font script="Orya" typeface="Kalinga"/>
-        <a:font script="Mlym" typeface="Kartika"/>
-        <a:font script="Laoo" typeface="DokChampa"/>
-        <a:font script="Sinh" typeface="Iskoola Pota"/>
-        <a:font script="Mong" typeface="Mongolian Baiti"/>
-        <a:font script="Viet" typeface="Arial"/>
-        <a:font script="Uigh" typeface="Microsoft Uighur"/>
-        <a:font script="Geor" typeface="Sylfaen"/>
-        <a:font script="Armn" typeface="Arial"/>
-        <a:font script="Bugi" typeface="Leelawadee UI"/>
-        <a:font script="Bopo" typeface="Microsoft JhengHei"/>
-        <a:font script="Java" typeface="Javanese Text"/>
-        <a:font script="Lisu" typeface="Segoe UI"/>
-        <a:font script="Mymr" typeface="Myanmar Text"/>
-        <a:font script="Nkoo" typeface="Ebrima"/>
-        <a:font script="Olck" typeface="Nirmala UI"/>
-        <a:font script="Osma" typeface="Ebrima"/>
-        <a:font script="Phag" typeface="Phagspa"/>
-        <a:font script="Syrn" typeface="Estrangelo Edessa"/>
-        <a:font script="Syrj" typeface="Estrangelo Edessa"/>
-        <a:font script="Syre" typeface="Estrangelo Edessa"/>
-        <a:font script="Sora" typeface="Nirmala UI"/>
-        <a:font script="Tale" typeface="Microsoft Tai Le"/>
-        <a:font script="Talu" typeface="Microsoft New Tai Lue"/>
-        <a:font script="Tfng" typeface="Ebrima"/>
       </a:minorFont>
     </a:fontScheme>
-    <a:fmtScheme name="Office">
+    <a:fmtScheme name="PortalVTI">
       <a:fillStyleLst>
         <a:solidFill>
           <a:schemeClr val="phClr"/>
@@ -3673,7 +6205,7 @@
   <a:extraClrSchemeLst/>
   <a:extLst>
     <a:ext uri="{05A4C25C-085E-4340-85A3-A5531E510DB2}">
-      <thm15:themeFamily xmlns:thm15="http://schemas.microsoft.com/office/thememl/2012/main" name="Office Theme" id="{62F939B6-93AF-4DB8-9C6B-D6C7DFDC589F}" vid="{4A3C46E8-61CC-4603-A589-7422A47A8E4A}"/>
+      <thm15:themeFamily xmlns:thm15="http://schemas.microsoft.com/office/thememl/2012/main" name="PortalVTI" id="{E3A4BB4D-5227-4A6D-99D3-DBAB0FE4C68F}" vid="{BE515EFD-5A7A-4BFE-BE06-A21DB8499CD2}"/>
     </a:ext>
   </a:extLst>
 </a:theme>

--- a/hw01.pptx
+++ b/hw01.pptx
@@ -4,6 +4,9 @@
   <p:sldMasterIdLst>
     <p:sldMasterId id="2147483660" r:id="rId1"/>
   </p:sldMasterIdLst>
+  <p:notesMasterIdLst>
+    <p:notesMasterId r:id="rId11"/>
+  </p:notesMasterIdLst>
   <p:sldIdLst>
     <p:sldId id="256" r:id="rId2"/>
     <p:sldId id="257" r:id="rId3"/>
@@ -123,11 +126,1104 @@
 <file path=ppt/revisionInfo.xml><?xml version="1.0" encoding="utf-8"?>
 <p1510:revInfo xmlns:a="http://schemas.openxmlformats.org/drawingml/2006/main" xmlns:r="http://schemas.openxmlformats.org/officeDocument/2006/relationships" xmlns:p1510="http://schemas.microsoft.com/office/powerpoint/2015/10/main">
   <p1510:revLst>
+    <p1510:client id="{3348CED0-EBBB-F1B4-FDBF-E725627FD1E9}" v="39" dt="2024-10-16T12:04:42.047"/>
     <p1510:client id="{A97B7DCA-5EC1-A75B-5F5A-7B5187D64DC2}" v="292" dt="2024-10-14T12:25:08.116"/>
-    <p1510:client id="{CC34AC1E-C651-DFBB-7921-F3E2A3B52033}" v="421" dt="2024-10-13T14:06:25.099"/>
-    <p1510:client id="{F93019F1-8F46-33CE-D6D0-56CC716353CB}" v="102" dt="2024-10-14T12:30:58.671"/>
+    <p1510:client id="{E1F4FF7D-2603-5F8A-7B96-7756079C0AEB}" v="6" dt="2024-10-16T05:11:28.669"/>
+    <p1510:client id="{F93019F1-8F46-33CE-D6D0-56CC716353CB}" v="103" dt="2024-10-14T14:13:40.939"/>
   </p1510:revLst>
 </p1510:revInfo>
+</file>
+
+<file path=ppt/notesMasters/notesMaster1.xml><?xml version="1.0" encoding="utf-8"?>
+<p:notesMaster xmlns:a="http://schemas.openxmlformats.org/drawingml/2006/main" xmlns:r="http://schemas.openxmlformats.org/officeDocument/2006/relationships" xmlns:p="http://schemas.openxmlformats.org/presentationml/2006/main">
+  <p:cSld>
+    <p:bg>
+      <p:bgRef idx="1001">
+        <a:schemeClr val="bg1"/>
+      </p:bgRef>
+    </p:bg>
+    <p:spTree>
+      <p:nvGrpSpPr>
+        <p:cNvPr id="1" name=""/>
+        <p:cNvGrpSpPr/>
+        <p:nvPr/>
+      </p:nvGrpSpPr>
+      <p:grpSpPr>
+        <a:xfrm>
+          <a:off x="0" y="0"/>
+          <a:ext cx="0" cy="0"/>
+          <a:chOff x="0" y="0"/>
+          <a:chExt cx="0" cy="0"/>
+        </a:xfrm>
+      </p:grpSpPr>
+      <p:sp>
+        <p:nvSpPr>
+          <p:cNvPr id="2" name="頁首版面配置區 1"/>
+          <p:cNvSpPr>
+            <a:spLocks noGrp="1"/>
+          </p:cNvSpPr>
+          <p:nvPr>
+            <p:ph type="hdr" sz="quarter"/>
+          </p:nvPr>
+        </p:nvSpPr>
+        <p:spPr>
+          <a:xfrm>
+            <a:off x="0" y="0"/>
+            <a:ext cx="2971800" cy="458788"/>
+          </a:xfrm>
+          <a:prstGeom prst="rect">
+            <a:avLst/>
+          </a:prstGeom>
+        </p:spPr>
+        <p:txBody>
+          <a:bodyPr vert="horz" lIns="91440" tIns="45720" rIns="91440" bIns="45720" rtlCol="0"/>
+          <a:lstStyle>
+            <a:lvl1pPr algn="l">
+              <a:defRPr sz="1200"/>
+            </a:lvl1pPr>
+          </a:lstStyle>
+          <a:p>
+            <a:endParaRPr lang="zh-TW" altLang="en-US"/>
+          </a:p>
+        </p:txBody>
+      </p:sp>
+      <p:sp>
+        <p:nvSpPr>
+          <p:cNvPr id="3" name="日期版面配置區 2"/>
+          <p:cNvSpPr>
+            <a:spLocks noGrp="1"/>
+          </p:cNvSpPr>
+          <p:nvPr>
+            <p:ph type="dt" idx="1"/>
+          </p:nvPr>
+        </p:nvSpPr>
+        <p:spPr>
+          <a:xfrm>
+            <a:off x="3884613" y="0"/>
+            <a:ext cx="2971800" cy="458788"/>
+          </a:xfrm>
+          <a:prstGeom prst="rect">
+            <a:avLst/>
+          </a:prstGeom>
+        </p:spPr>
+        <p:txBody>
+          <a:bodyPr vert="horz" lIns="91440" tIns="45720" rIns="91440" bIns="45720" rtlCol="0"/>
+          <a:lstStyle>
+            <a:lvl1pPr algn="r">
+              <a:defRPr sz="1200"/>
+            </a:lvl1pPr>
+          </a:lstStyle>
+          <a:p>
+            <a:fld id="{336FA0F6-602F-4154-B66E-01CA1D5749DC}" type="datetimeFigureOut">
+              <a:t>2024/10/16</a:t>
+            </a:fld>
+            <a:endParaRPr lang="zh-TW" altLang="en-US"/>
+          </a:p>
+        </p:txBody>
+      </p:sp>
+      <p:sp>
+        <p:nvSpPr>
+          <p:cNvPr id="4" name="投影片影像版面配置區 3"/>
+          <p:cNvSpPr>
+            <a:spLocks noGrp="1" noRot="1" noChangeAspect="1"/>
+          </p:cNvSpPr>
+          <p:nvPr>
+            <p:ph type="sldImg" idx="2"/>
+          </p:nvPr>
+        </p:nvSpPr>
+        <p:spPr>
+          <a:xfrm>
+            <a:off x="685800" y="1143000"/>
+            <a:ext cx="5486400" cy="3086100"/>
+          </a:xfrm>
+          <a:prstGeom prst="rect">
+            <a:avLst/>
+          </a:prstGeom>
+          <a:noFill/>
+          <a:ln w="12700">
+            <a:solidFill>
+              <a:prstClr val="black"/>
+            </a:solidFill>
+          </a:ln>
+        </p:spPr>
+        <p:txBody>
+          <a:bodyPr vert="horz" lIns="91440" tIns="45720" rIns="91440" bIns="45720" rtlCol="0" anchor="ctr"/>
+          <a:lstStyle/>
+          <a:p>
+            <a:endParaRPr lang="zh-TW" altLang="en-US"/>
+          </a:p>
+        </p:txBody>
+      </p:sp>
+      <p:sp>
+        <p:nvSpPr>
+          <p:cNvPr id="5" name="備忘稿版面配置區 4"/>
+          <p:cNvSpPr>
+            <a:spLocks noGrp="1"/>
+          </p:cNvSpPr>
+          <p:nvPr>
+            <p:ph type="body" sz="quarter" idx="3"/>
+          </p:nvPr>
+        </p:nvSpPr>
+        <p:spPr>
+          <a:xfrm>
+            <a:off x="685800" y="4400550"/>
+            <a:ext cx="5486400" cy="3600450"/>
+          </a:xfrm>
+          <a:prstGeom prst="rect">
+            <a:avLst/>
+          </a:prstGeom>
+        </p:spPr>
+        <p:txBody>
+          <a:bodyPr vert="horz" lIns="91440" tIns="45720" rIns="91440" bIns="45720" rtlCol="0"/>
+          <a:lstStyle/>
+          <a:p>
+            <a:pPr lvl="0"/>
+            <a:r>
+              <a:rPr lang="zh-TW" altLang="en-US"/>
+              <a:t>按一下以編輯母片文字樣式</a:t>
+            </a:r>
+          </a:p>
+          <a:p>
+            <a:pPr lvl="1"/>
+            <a:r>
+              <a:rPr lang="zh-TW" altLang="en-US"/>
+              <a:t>第二層</a:t>
+            </a:r>
+          </a:p>
+          <a:p>
+            <a:pPr lvl="2"/>
+            <a:r>
+              <a:rPr lang="zh-TW" altLang="en-US"/>
+              <a:t>第三層</a:t>
+            </a:r>
+          </a:p>
+          <a:p>
+            <a:pPr lvl="3"/>
+            <a:r>
+              <a:rPr lang="zh-TW" altLang="en-US"/>
+              <a:t>第四層</a:t>
+            </a:r>
+          </a:p>
+          <a:p>
+            <a:pPr lvl="4"/>
+            <a:r>
+              <a:rPr lang="zh-TW" altLang="en-US"/>
+              <a:t>第五層</a:t>
+            </a:r>
+          </a:p>
+        </p:txBody>
+      </p:sp>
+      <p:sp>
+        <p:nvSpPr>
+          <p:cNvPr id="6" name="頁尾版面配置區 5"/>
+          <p:cNvSpPr>
+            <a:spLocks noGrp="1"/>
+          </p:cNvSpPr>
+          <p:nvPr>
+            <p:ph type="ftr" sz="quarter" idx="4"/>
+          </p:nvPr>
+        </p:nvSpPr>
+        <p:spPr>
+          <a:xfrm>
+            <a:off x="0" y="8685213"/>
+            <a:ext cx="2971800" cy="458787"/>
+          </a:xfrm>
+          <a:prstGeom prst="rect">
+            <a:avLst/>
+          </a:prstGeom>
+        </p:spPr>
+        <p:txBody>
+          <a:bodyPr vert="horz" lIns="91440" tIns="45720" rIns="91440" bIns="45720" rtlCol="0" anchor="b"/>
+          <a:lstStyle>
+            <a:lvl1pPr algn="l">
+              <a:defRPr sz="1200"/>
+            </a:lvl1pPr>
+          </a:lstStyle>
+          <a:p>
+            <a:endParaRPr lang="zh-TW" altLang="en-US"/>
+          </a:p>
+        </p:txBody>
+      </p:sp>
+      <p:sp>
+        <p:nvSpPr>
+          <p:cNvPr id="7" name="投影片編號版面配置區 6"/>
+          <p:cNvSpPr>
+            <a:spLocks noGrp="1"/>
+          </p:cNvSpPr>
+          <p:nvPr>
+            <p:ph type="sldNum" sz="quarter" idx="5"/>
+          </p:nvPr>
+        </p:nvSpPr>
+        <p:spPr>
+          <a:xfrm>
+            <a:off x="3884613" y="8685213"/>
+            <a:ext cx="2971800" cy="458787"/>
+          </a:xfrm>
+          <a:prstGeom prst="rect">
+            <a:avLst/>
+          </a:prstGeom>
+        </p:spPr>
+        <p:txBody>
+          <a:bodyPr vert="horz" lIns="91440" tIns="45720" rIns="91440" bIns="45720" rtlCol="0" anchor="b"/>
+          <a:lstStyle>
+            <a:lvl1pPr algn="r">
+              <a:defRPr sz="1200"/>
+            </a:lvl1pPr>
+          </a:lstStyle>
+          <a:p>
+            <a:fld id="{B7806821-4B91-4696-907A-BB1610ED242D}" type="slidenum">
+              <a:t>‹#›</a:t>
+            </a:fld>
+            <a:endParaRPr lang="zh-TW" altLang="en-US"/>
+          </a:p>
+        </p:txBody>
+      </p:sp>
+    </p:spTree>
+    <p:extLst>
+      <p:ext uri="{BB962C8B-B14F-4D97-AF65-F5344CB8AC3E}">
+        <p14:creationId xmlns:p14="http://schemas.microsoft.com/office/powerpoint/2010/main" val="188697954"/>
+      </p:ext>
+    </p:extLst>
+  </p:cSld>
+  <p:clrMap bg1="lt1" tx1="dk1" bg2="lt2" tx2="dk2" accent1="accent1" accent2="accent2" accent3="accent3" accent4="accent4" accent5="accent5" accent6="accent6" hlink="hlink" folHlink="folHlink"/>
+  <p:notesStyle>
+    <a:lvl1pPr marL="0" algn="l" defTabSz="914400" rtl="0" eaLnBrk="1" latinLnBrk="0" hangingPunct="1">
+      <a:defRPr sz="1200" kern="1200">
+        <a:solidFill>
+          <a:schemeClr val="tx1"/>
+        </a:solidFill>
+        <a:latin typeface="+mn-lt"/>
+        <a:ea typeface="+mn-ea"/>
+        <a:cs typeface="+mn-cs"/>
+      </a:defRPr>
+    </a:lvl1pPr>
+    <a:lvl2pPr marL="457200" algn="l" defTabSz="914400" rtl="0" eaLnBrk="1" latinLnBrk="0" hangingPunct="1">
+      <a:defRPr sz="1200" kern="1200">
+        <a:solidFill>
+          <a:schemeClr val="tx1"/>
+        </a:solidFill>
+        <a:latin typeface="+mn-lt"/>
+        <a:ea typeface="+mn-ea"/>
+        <a:cs typeface="+mn-cs"/>
+      </a:defRPr>
+    </a:lvl2pPr>
+    <a:lvl3pPr marL="914400" algn="l" defTabSz="914400" rtl="0" eaLnBrk="1" latinLnBrk="0" hangingPunct="1">
+      <a:defRPr sz="1200" kern="1200">
+        <a:solidFill>
+          <a:schemeClr val="tx1"/>
+        </a:solidFill>
+        <a:latin typeface="+mn-lt"/>
+        <a:ea typeface="+mn-ea"/>
+        <a:cs typeface="+mn-cs"/>
+      </a:defRPr>
+    </a:lvl3pPr>
+    <a:lvl4pPr marL="1371600" algn="l" defTabSz="914400" rtl="0" eaLnBrk="1" latinLnBrk="0" hangingPunct="1">
+      <a:defRPr sz="1200" kern="1200">
+        <a:solidFill>
+          <a:schemeClr val="tx1"/>
+        </a:solidFill>
+        <a:latin typeface="+mn-lt"/>
+        <a:ea typeface="+mn-ea"/>
+        <a:cs typeface="+mn-cs"/>
+      </a:defRPr>
+    </a:lvl4pPr>
+    <a:lvl5pPr marL="1828800" algn="l" defTabSz="914400" rtl="0" eaLnBrk="1" latinLnBrk="0" hangingPunct="1">
+      <a:defRPr sz="1200" kern="1200">
+        <a:solidFill>
+          <a:schemeClr val="tx1"/>
+        </a:solidFill>
+        <a:latin typeface="+mn-lt"/>
+        <a:ea typeface="+mn-ea"/>
+        <a:cs typeface="+mn-cs"/>
+      </a:defRPr>
+    </a:lvl5pPr>
+    <a:lvl6pPr marL="2286000" algn="l" defTabSz="914400" rtl="0" eaLnBrk="1" latinLnBrk="0" hangingPunct="1">
+      <a:defRPr sz="1200" kern="1200">
+        <a:solidFill>
+          <a:schemeClr val="tx1"/>
+        </a:solidFill>
+        <a:latin typeface="+mn-lt"/>
+        <a:ea typeface="+mn-ea"/>
+        <a:cs typeface="+mn-cs"/>
+      </a:defRPr>
+    </a:lvl6pPr>
+    <a:lvl7pPr marL="2743200" algn="l" defTabSz="914400" rtl="0" eaLnBrk="1" latinLnBrk="0" hangingPunct="1">
+      <a:defRPr sz="1200" kern="1200">
+        <a:solidFill>
+          <a:schemeClr val="tx1"/>
+        </a:solidFill>
+        <a:latin typeface="+mn-lt"/>
+        <a:ea typeface="+mn-ea"/>
+        <a:cs typeface="+mn-cs"/>
+      </a:defRPr>
+    </a:lvl7pPr>
+    <a:lvl8pPr marL="3200400" algn="l" defTabSz="914400" rtl="0" eaLnBrk="1" latinLnBrk="0" hangingPunct="1">
+      <a:defRPr sz="1200" kern="1200">
+        <a:solidFill>
+          <a:schemeClr val="tx1"/>
+        </a:solidFill>
+        <a:latin typeface="+mn-lt"/>
+        <a:ea typeface="+mn-ea"/>
+        <a:cs typeface="+mn-cs"/>
+      </a:defRPr>
+    </a:lvl8pPr>
+    <a:lvl9pPr marL="3657600" algn="l" defTabSz="914400" rtl="0" eaLnBrk="1" latinLnBrk="0" hangingPunct="1">
+      <a:defRPr sz="1200" kern="1200">
+        <a:solidFill>
+          <a:schemeClr val="tx1"/>
+        </a:solidFill>
+        <a:latin typeface="+mn-lt"/>
+        <a:ea typeface="+mn-ea"/>
+        <a:cs typeface="+mn-cs"/>
+      </a:defRPr>
+    </a:lvl9pPr>
+  </p:notesStyle>
+</p:notesMaster>
+</file>
+
+<file path=ppt/notesSlides/notesSlide1.xml><?xml version="1.0" encoding="utf-8"?>
+<p:notes xmlns:a="http://schemas.openxmlformats.org/drawingml/2006/main" xmlns:r="http://schemas.openxmlformats.org/officeDocument/2006/relationships" xmlns:p="http://schemas.openxmlformats.org/presentationml/2006/main">
+  <p:cSld>
+    <p:spTree>
+      <p:nvGrpSpPr>
+        <p:cNvPr id="1" name=""/>
+        <p:cNvGrpSpPr/>
+        <p:nvPr/>
+      </p:nvGrpSpPr>
+      <p:grpSpPr>
+        <a:xfrm>
+          <a:off x="0" y="0"/>
+          <a:ext cx="0" cy="0"/>
+          <a:chOff x="0" y="0"/>
+          <a:chExt cx="0" cy="0"/>
+        </a:xfrm>
+      </p:grpSpPr>
+      <p:sp>
+        <p:nvSpPr>
+          <p:cNvPr id="2" name="投影片影像版面配置區 1"/>
+          <p:cNvSpPr>
+            <a:spLocks noGrp="1" noRot="1" noChangeAspect="1"/>
+          </p:cNvSpPr>
+          <p:nvPr>
+            <p:ph type="sldImg"/>
+          </p:nvPr>
+        </p:nvSpPr>
+        <p:spPr/>
+      </p:sp>
+      <p:sp>
+        <p:nvSpPr>
+          <p:cNvPr id="3" name="備忘稿版面配置區 2"/>
+          <p:cNvSpPr>
+            <a:spLocks noGrp="1"/>
+          </p:cNvSpPr>
+          <p:nvPr>
+            <p:ph type="body" idx="1"/>
+          </p:nvPr>
+        </p:nvSpPr>
+        <p:spPr/>
+        <p:txBody>
+          <a:bodyPr/>
+          <a:lstStyle/>
+          <a:p>
+            <a:r>
+              <a:rPr lang="en-US" dirty="0"/>
+              <a:t>[Prompt]</a:t>
+            </a:r>
+            <a:endParaRPr lang="zh-TW" altLang="en-US" dirty="0"/>
+          </a:p>
+          <a:p>
+            <a:r>
+              <a:rPr lang="en-US" altLang="zh-TW" dirty="0">
+                <a:ea typeface="新細明體"/>
+              </a:rPr>
+              <a:t>An anime-style female character with horns, cat ears, and black, white, and gray short hair, wearing black coat with  teal tie.</a:t>
+            </a:r>
+            <a:endParaRPr lang="en-US" dirty="0"/>
+          </a:p>
+          <a:p>
+            <a:r>
+              <a:rPr lang="en-US" dirty="0"/>
+              <a:t>Standing in the virtual world she designed, behind her are the complex buildings she designed</a:t>
+            </a:r>
+            <a:endParaRPr lang="en-US" dirty="0">
+              <a:cs typeface="Calibri" panose="020F0502020204030204"/>
+            </a:endParaRPr>
+          </a:p>
+        </p:txBody>
+      </p:sp>
+      <p:sp>
+        <p:nvSpPr>
+          <p:cNvPr id="4" name="投影片編號版面配置區 3"/>
+          <p:cNvSpPr>
+            <a:spLocks noGrp="1"/>
+          </p:cNvSpPr>
+          <p:nvPr>
+            <p:ph type="sldNum" sz="quarter" idx="5"/>
+          </p:nvPr>
+        </p:nvSpPr>
+        <p:spPr/>
+        <p:txBody>
+          <a:bodyPr/>
+          <a:lstStyle/>
+          <a:p>
+            <a:fld id="{B7806821-4B91-4696-907A-BB1610ED242D}" type="slidenum">
+              <a:t>2</a:t>
+            </a:fld>
+            <a:endParaRPr lang="zh-TW" altLang="en-US"/>
+          </a:p>
+        </p:txBody>
+      </p:sp>
+    </p:spTree>
+    <p:extLst>
+      <p:ext uri="{BB962C8B-B14F-4D97-AF65-F5344CB8AC3E}">
+        <p14:creationId xmlns:p14="http://schemas.microsoft.com/office/powerpoint/2010/main" val="768544849"/>
+      </p:ext>
+    </p:extLst>
+  </p:cSld>
+  <p:clrMapOvr>
+    <a:masterClrMapping/>
+  </p:clrMapOvr>
+</p:notes>
+</file>
+
+<file path=ppt/notesSlides/notesSlide2.xml><?xml version="1.0" encoding="utf-8"?>
+<p:notes xmlns:a="http://schemas.openxmlformats.org/drawingml/2006/main" xmlns:r="http://schemas.openxmlformats.org/officeDocument/2006/relationships" xmlns:p="http://schemas.openxmlformats.org/presentationml/2006/main">
+  <p:cSld>
+    <p:spTree>
+      <p:nvGrpSpPr>
+        <p:cNvPr id="1" name=""/>
+        <p:cNvGrpSpPr/>
+        <p:nvPr/>
+      </p:nvGrpSpPr>
+      <p:grpSpPr>
+        <a:xfrm>
+          <a:off x="0" y="0"/>
+          <a:ext cx="0" cy="0"/>
+          <a:chOff x="0" y="0"/>
+          <a:chExt cx="0" cy="0"/>
+        </a:xfrm>
+      </p:grpSpPr>
+      <p:sp>
+        <p:nvSpPr>
+          <p:cNvPr id="2" name="投影片影像版面配置區 1"/>
+          <p:cNvSpPr>
+            <a:spLocks noGrp="1" noRot="1" noChangeAspect="1"/>
+          </p:cNvSpPr>
+          <p:nvPr>
+            <p:ph type="sldImg"/>
+          </p:nvPr>
+        </p:nvSpPr>
+        <p:spPr/>
+      </p:sp>
+      <p:sp>
+        <p:nvSpPr>
+          <p:cNvPr id="3" name="備忘稿版面配置區 2"/>
+          <p:cNvSpPr>
+            <a:spLocks noGrp="1"/>
+          </p:cNvSpPr>
+          <p:nvPr>
+            <p:ph type="body" idx="1"/>
+          </p:nvPr>
+        </p:nvSpPr>
+        <p:spPr/>
+        <p:txBody>
+          <a:bodyPr/>
+          <a:lstStyle/>
+          <a:p>
+            <a:r>
+              <a:rPr lang="en-US" dirty="0"/>
+              <a:t>[Prompt]</a:t>
+            </a:r>
+            <a:endParaRPr lang="zh-TW" altLang="en-US" dirty="0"/>
+          </a:p>
+          <a:p>
+            <a:r>
+              <a:rPr lang="en-US" dirty="0"/>
+              <a:t>An anime-style female character with horns, cat ears, and black, white, and gray short hair, wearing black coat with  teal tie. </a:t>
+            </a:r>
+            <a:endParaRPr lang="zh-TW" altLang="en-US">
+              <a:ea typeface="新細明體"/>
+              <a:cs typeface="Calibri"/>
+            </a:endParaRPr>
+          </a:p>
+          <a:p>
+            <a:r>
+              <a:rPr lang="en-US" altLang="zh-TW" dirty="0">
+                <a:ea typeface="新細明體"/>
+              </a:rPr>
+              <a:t>Facing the entrance to the real world, the expression is full of expectation and uneasiness.</a:t>
+            </a:r>
+            <a:endParaRPr lang="zh-TW" dirty="0">
+              <a:ea typeface="新細明體"/>
+              <a:cs typeface="Calibri"/>
+            </a:endParaRPr>
+          </a:p>
+        </p:txBody>
+      </p:sp>
+      <p:sp>
+        <p:nvSpPr>
+          <p:cNvPr id="4" name="投影片編號版面配置區 3"/>
+          <p:cNvSpPr>
+            <a:spLocks noGrp="1"/>
+          </p:cNvSpPr>
+          <p:nvPr>
+            <p:ph type="sldNum" sz="quarter" idx="5"/>
+          </p:nvPr>
+        </p:nvSpPr>
+        <p:spPr/>
+        <p:txBody>
+          <a:bodyPr/>
+          <a:lstStyle/>
+          <a:p>
+            <a:fld id="{B7806821-4B91-4696-907A-BB1610ED242D}" type="slidenum">
+              <a:t>3</a:t>
+            </a:fld>
+            <a:endParaRPr lang="zh-TW" altLang="en-US"/>
+          </a:p>
+        </p:txBody>
+      </p:sp>
+    </p:spTree>
+    <p:extLst>
+      <p:ext uri="{BB962C8B-B14F-4D97-AF65-F5344CB8AC3E}">
+        <p14:creationId xmlns:p14="http://schemas.microsoft.com/office/powerpoint/2010/main" val="916927672"/>
+      </p:ext>
+    </p:extLst>
+  </p:cSld>
+  <p:clrMapOvr>
+    <a:masterClrMapping/>
+  </p:clrMapOvr>
+</p:notes>
+</file>
+
+<file path=ppt/notesSlides/notesSlide3.xml><?xml version="1.0" encoding="utf-8"?>
+<p:notes xmlns:a="http://schemas.openxmlformats.org/drawingml/2006/main" xmlns:r="http://schemas.openxmlformats.org/officeDocument/2006/relationships" xmlns:p="http://schemas.openxmlformats.org/presentationml/2006/main">
+  <p:cSld>
+    <p:spTree>
+      <p:nvGrpSpPr>
+        <p:cNvPr id="1" name=""/>
+        <p:cNvGrpSpPr/>
+        <p:nvPr/>
+      </p:nvGrpSpPr>
+      <p:grpSpPr>
+        <a:xfrm>
+          <a:off x="0" y="0"/>
+          <a:ext cx="0" cy="0"/>
+          <a:chOff x="0" y="0"/>
+          <a:chExt cx="0" cy="0"/>
+        </a:xfrm>
+      </p:grpSpPr>
+      <p:sp>
+        <p:nvSpPr>
+          <p:cNvPr id="2" name="投影片影像版面配置區 1"/>
+          <p:cNvSpPr>
+            <a:spLocks noGrp="1" noRot="1" noChangeAspect="1"/>
+          </p:cNvSpPr>
+          <p:nvPr>
+            <p:ph type="sldImg"/>
+          </p:nvPr>
+        </p:nvSpPr>
+        <p:spPr/>
+      </p:sp>
+      <p:sp>
+        <p:nvSpPr>
+          <p:cNvPr id="3" name="備忘稿版面配置區 2"/>
+          <p:cNvSpPr>
+            <a:spLocks noGrp="1"/>
+          </p:cNvSpPr>
+          <p:nvPr>
+            <p:ph type="body" idx="1"/>
+          </p:nvPr>
+        </p:nvSpPr>
+        <p:spPr/>
+        <p:txBody>
+          <a:bodyPr/>
+          <a:lstStyle/>
+          <a:p>
+            <a:r>
+              <a:rPr lang="en-US" dirty="0"/>
+              <a:t>[Prompt]</a:t>
+            </a:r>
+            <a:endParaRPr lang="zh-TW" altLang="en-US" dirty="0"/>
+          </a:p>
+          <a:p>
+            <a:r>
+              <a:rPr lang="en-US" altLang="zh-TW" dirty="0">
+                <a:ea typeface="新細明體"/>
+              </a:rPr>
+              <a:t>An anime-style female character with horns, cat ears, and black, white, and gray short hair, wearing black coat with  teal tie. </a:t>
+            </a:r>
+            <a:endParaRPr lang="zh-TW" altLang="en-US" dirty="0">
+              <a:ea typeface="新細明體"/>
+              <a:cs typeface="Calibri" panose="020F0502020204030204"/>
+            </a:endParaRPr>
+          </a:p>
+          <a:p>
+            <a:r>
+              <a:rPr lang="en-US" altLang="zh-TW" dirty="0">
+                <a:ea typeface="新細明體"/>
+                <a:cs typeface="Calibri"/>
+              </a:rPr>
+              <a:t>Working Sadly in the office.</a:t>
+            </a:r>
+          </a:p>
+        </p:txBody>
+      </p:sp>
+      <p:sp>
+        <p:nvSpPr>
+          <p:cNvPr id="4" name="投影片編號版面配置區 3"/>
+          <p:cNvSpPr>
+            <a:spLocks noGrp="1"/>
+          </p:cNvSpPr>
+          <p:nvPr>
+            <p:ph type="sldNum" sz="quarter" idx="5"/>
+          </p:nvPr>
+        </p:nvSpPr>
+        <p:spPr/>
+        <p:txBody>
+          <a:bodyPr/>
+          <a:lstStyle/>
+          <a:p>
+            <a:fld id="{B7806821-4B91-4696-907A-BB1610ED242D}" type="slidenum">
+              <a:t>4</a:t>
+            </a:fld>
+            <a:endParaRPr lang="zh-TW" altLang="en-US"/>
+          </a:p>
+        </p:txBody>
+      </p:sp>
+    </p:spTree>
+    <p:extLst>
+      <p:ext uri="{BB962C8B-B14F-4D97-AF65-F5344CB8AC3E}">
+        <p14:creationId xmlns:p14="http://schemas.microsoft.com/office/powerpoint/2010/main" val="743281008"/>
+      </p:ext>
+    </p:extLst>
+  </p:cSld>
+  <p:clrMapOvr>
+    <a:masterClrMapping/>
+  </p:clrMapOvr>
+</p:notes>
+</file>
+
+<file path=ppt/notesSlides/notesSlide4.xml><?xml version="1.0" encoding="utf-8"?>
+<p:notes xmlns:a="http://schemas.openxmlformats.org/drawingml/2006/main" xmlns:r="http://schemas.openxmlformats.org/officeDocument/2006/relationships" xmlns:p="http://schemas.openxmlformats.org/presentationml/2006/main">
+  <p:cSld>
+    <p:spTree>
+      <p:nvGrpSpPr>
+        <p:cNvPr id="1" name=""/>
+        <p:cNvGrpSpPr/>
+        <p:nvPr/>
+      </p:nvGrpSpPr>
+      <p:grpSpPr>
+        <a:xfrm>
+          <a:off x="0" y="0"/>
+          <a:ext cx="0" cy="0"/>
+          <a:chOff x="0" y="0"/>
+          <a:chExt cx="0" cy="0"/>
+        </a:xfrm>
+      </p:grpSpPr>
+      <p:sp>
+        <p:nvSpPr>
+          <p:cNvPr id="2" name="投影片影像版面配置區 1"/>
+          <p:cNvSpPr>
+            <a:spLocks noGrp="1" noRot="1" noChangeAspect="1"/>
+          </p:cNvSpPr>
+          <p:nvPr>
+            <p:ph type="sldImg"/>
+          </p:nvPr>
+        </p:nvSpPr>
+        <p:spPr/>
+      </p:sp>
+      <p:sp>
+        <p:nvSpPr>
+          <p:cNvPr id="3" name="備忘稿版面配置區 2"/>
+          <p:cNvSpPr>
+            <a:spLocks noGrp="1"/>
+          </p:cNvSpPr>
+          <p:nvPr>
+            <p:ph type="body" idx="1"/>
+          </p:nvPr>
+        </p:nvSpPr>
+        <p:spPr/>
+        <p:txBody>
+          <a:bodyPr/>
+          <a:lstStyle/>
+          <a:p>
+            <a:r>
+              <a:rPr lang="en-US" dirty="0"/>
+              <a:t>[Prompt]</a:t>
+            </a:r>
+            <a:endParaRPr lang="zh-TW" altLang="en-US" dirty="0"/>
+          </a:p>
+          <a:p>
+            <a:r>
+              <a:rPr lang="en-US" altLang="zh-TW" dirty="0">
+                <a:ea typeface="新細明體"/>
+              </a:rPr>
+              <a:t>An anime-style female character with horns, cat ears, and black, white, and gray short hair, wearing black coat with  teal tie. </a:t>
+            </a:r>
+            <a:endParaRPr lang="zh-TW" dirty="0">
+              <a:ea typeface="新細明體"/>
+              <a:cs typeface="Calibri"/>
+            </a:endParaRPr>
+          </a:p>
+          <a:p>
+            <a:r>
+              <a:rPr lang="en-US" altLang="zh-TW" dirty="0">
+                <a:ea typeface="新細明體"/>
+                <a:cs typeface="Calibri"/>
+              </a:rPr>
+              <a:t>Programing in her cute room.</a:t>
+            </a:r>
+          </a:p>
+        </p:txBody>
+      </p:sp>
+      <p:sp>
+        <p:nvSpPr>
+          <p:cNvPr id="4" name="投影片編號版面配置區 3"/>
+          <p:cNvSpPr>
+            <a:spLocks noGrp="1"/>
+          </p:cNvSpPr>
+          <p:nvPr>
+            <p:ph type="sldNum" sz="quarter" idx="5"/>
+          </p:nvPr>
+        </p:nvSpPr>
+        <p:spPr/>
+        <p:txBody>
+          <a:bodyPr/>
+          <a:lstStyle/>
+          <a:p>
+            <a:fld id="{B7806821-4B91-4696-907A-BB1610ED242D}" type="slidenum">
+              <a:t>5</a:t>
+            </a:fld>
+            <a:endParaRPr lang="zh-TW" altLang="en-US"/>
+          </a:p>
+        </p:txBody>
+      </p:sp>
+    </p:spTree>
+    <p:extLst>
+      <p:ext uri="{BB962C8B-B14F-4D97-AF65-F5344CB8AC3E}">
+        <p14:creationId xmlns:p14="http://schemas.microsoft.com/office/powerpoint/2010/main" val="1581347842"/>
+      </p:ext>
+    </p:extLst>
+  </p:cSld>
+  <p:clrMapOvr>
+    <a:masterClrMapping/>
+  </p:clrMapOvr>
+</p:notes>
+</file>
+
+<file path=ppt/notesSlides/notesSlide5.xml><?xml version="1.0" encoding="utf-8"?>
+<p:notes xmlns:a="http://schemas.openxmlformats.org/drawingml/2006/main" xmlns:r="http://schemas.openxmlformats.org/officeDocument/2006/relationships" xmlns:p="http://schemas.openxmlformats.org/presentationml/2006/main">
+  <p:cSld>
+    <p:spTree>
+      <p:nvGrpSpPr>
+        <p:cNvPr id="1" name=""/>
+        <p:cNvGrpSpPr/>
+        <p:nvPr/>
+      </p:nvGrpSpPr>
+      <p:grpSpPr>
+        <a:xfrm>
+          <a:off x="0" y="0"/>
+          <a:ext cx="0" cy="0"/>
+          <a:chOff x="0" y="0"/>
+          <a:chExt cx="0" cy="0"/>
+        </a:xfrm>
+      </p:grpSpPr>
+      <p:sp>
+        <p:nvSpPr>
+          <p:cNvPr id="2" name="投影片影像版面配置區 1"/>
+          <p:cNvSpPr>
+            <a:spLocks noGrp="1" noRot="1" noChangeAspect="1"/>
+          </p:cNvSpPr>
+          <p:nvPr>
+            <p:ph type="sldImg"/>
+          </p:nvPr>
+        </p:nvSpPr>
+        <p:spPr/>
+      </p:sp>
+      <p:sp>
+        <p:nvSpPr>
+          <p:cNvPr id="3" name="備忘稿版面配置區 2"/>
+          <p:cNvSpPr>
+            <a:spLocks noGrp="1"/>
+          </p:cNvSpPr>
+          <p:nvPr>
+            <p:ph type="body" idx="1"/>
+          </p:nvPr>
+        </p:nvSpPr>
+        <p:spPr/>
+        <p:txBody>
+          <a:bodyPr/>
+          <a:lstStyle/>
+          <a:p>
+            <a:r>
+              <a:rPr lang="en-US" dirty="0">
+                <a:cs typeface="Calibri"/>
+              </a:rPr>
+              <a:t>[Prompt]</a:t>
+            </a:r>
+            <a:endParaRPr lang="en-US" dirty="0"/>
+          </a:p>
+          <a:p>
+            <a:r>
+              <a:rPr lang="en-US" dirty="0"/>
+              <a:t>An anime-style female character with horns, cat ears, and black, white, and gray short hair, wearing black coat with  teal tie. </a:t>
+            </a:r>
+            <a:endParaRPr lang="zh-TW" altLang="en-US" dirty="0">
+              <a:ea typeface="新細明體"/>
+              <a:cs typeface="Calibri"/>
+            </a:endParaRPr>
+          </a:p>
+          <a:p>
+            <a:r>
+              <a:rPr lang="en-US" altLang="zh-TW" dirty="0">
+                <a:ea typeface="新細明體"/>
+              </a:rPr>
+              <a:t>Lots of shadow of the recall order appeared behind.</a:t>
+            </a:r>
+            <a:endParaRPr lang="zh-TW" dirty="0">
+              <a:ea typeface="新細明體"/>
+              <a:cs typeface="Calibri"/>
+            </a:endParaRPr>
+          </a:p>
+        </p:txBody>
+      </p:sp>
+      <p:sp>
+        <p:nvSpPr>
+          <p:cNvPr id="4" name="投影片編號版面配置區 3"/>
+          <p:cNvSpPr>
+            <a:spLocks noGrp="1"/>
+          </p:cNvSpPr>
+          <p:nvPr>
+            <p:ph type="sldNum" sz="quarter" idx="5"/>
+          </p:nvPr>
+        </p:nvSpPr>
+        <p:spPr/>
+        <p:txBody>
+          <a:bodyPr/>
+          <a:lstStyle/>
+          <a:p>
+            <a:fld id="{B7806821-4B91-4696-907A-BB1610ED242D}" type="slidenum">
+              <a:rPr lang="en-US" altLang="zh-TW"/>
+              <a:t>6</a:t>
+            </a:fld>
+            <a:endParaRPr lang="zh-TW" altLang="en-US"/>
+          </a:p>
+        </p:txBody>
+      </p:sp>
+    </p:spTree>
+    <p:extLst>
+      <p:ext uri="{BB962C8B-B14F-4D97-AF65-F5344CB8AC3E}">
+        <p14:creationId xmlns:p14="http://schemas.microsoft.com/office/powerpoint/2010/main" val="509434709"/>
+      </p:ext>
+    </p:extLst>
+  </p:cSld>
+  <p:clrMapOvr>
+    <a:masterClrMapping/>
+  </p:clrMapOvr>
+</p:notes>
+</file>
+
+<file path=ppt/notesSlides/notesSlide6.xml><?xml version="1.0" encoding="utf-8"?>
+<p:notes xmlns:a="http://schemas.openxmlformats.org/drawingml/2006/main" xmlns:r="http://schemas.openxmlformats.org/officeDocument/2006/relationships" xmlns:p="http://schemas.openxmlformats.org/presentationml/2006/main">
+  <p:cSld>
+    <p:spTree>
+      <p:nvGrpSpPr>
+        <p:cNvPr id="1" name=""/>
+        <p:cNvGrpSpPr/>
+        <p:nvPr/>
+      </p:nvGrpSpPr>
+      <p:grpSpPr>
+        <a:xfrm>
+          <a:off x="0" y="0"/>
+          <a:ext cx="0" cy="0"/>
+          <a:chOff x="0" y="0"/>
+          <a:chExt cx="0" cy="0"/>
+        </a:xfrm>
+      </p:grpSpPr>
+      <p:sp>
+        <p:nvSpPr>
+          <p:cNvPr id="2" name="投影片影像版面配置區 1"/>
+          <p:cNvSpPr>
+            <a:spLocks noGrp="1" noRot="1" noChangeAspect="1"/>
+          </p:cNvSpPr>
+          <p:nvPr>
+            <p:ph type="sldImg"/>
+          </p:nvPr>
+        </p:nvSpPr>
+        <p:spPr/>
+      </p:sp>
+      <p:sp>
+        <p:nvSpPr>
+          <p:cNvPr id="3" name="備忘稿版面配置區 2"/>
+          <p:cNvSpPr>
+            <a:spLocks noGrp="1"/>
+          </p:cNvSpPr>
+          <p:nvPr>
+            <p:ph type="body" idx="1"/>
+          </p:nvPr>
+        </p:nvSpPr>
+        <p:spPr/>
+        <p:txBody>
+          <a:bodyPr/>
+          <a:lstStyle/>
+          <a:p>
+            <a:r>
+              <a:rPr lang="en-US" dirty="0"/>
+              <a:t>[Prompt]</a:t>
+            </a:r>
+            <a:endParaRPr lang="zh-TW" altLang="en-US" dirty="0"/>
+          </a:p>
+          <a:p>
+            <a:r>
+              <a:rPr lang="en-US" altLang="zh-TW" dirty="0">
+                <a:ea typeface="新細明體"/>
+              </a:rPr>
+              <a:t>An anime-style female character with horns, cat ears, and black, white, and gray short hair, wearing black coat with  teal tie. </a:t>
+            </a:r>
+            <a:endParaRPr lang="en-US" dirty="0"/>
+          </a:p>
+          <a:p>
+            <a:r>
+              <a:rPr lang="en-US" dirty="0"/>
+              <a:t>Standing on the border between the real world and the virtual dimension, holding a puzzle symbolizing connection in his hands and smiling.</a:t>
+            </a:r>
+          </a:p>
+        </p:txBody>
+      </p:sp>
+      <p:sp>
+        <p:nvSpPr>
+          <p:cNvPr id="4" name="投影片編號版面配置區 3"/>
+          <p:cNvSpPr>
+            <a:spLocks noGrp="1"/>
+          </p:cNvSpPr>
+          <p:nvPr>
+            <p:ph type="sldNum" sz="quarter" idx="5"/>
+          </p:nvPr>
+        </p:nvSpPr>
+        <p:spPr/>
+        <p:txBody>
+          <a:bodyPr/>
+          <a:lstStyle/>
+          <a:p>
+            <a:fld id="{B7806821-4B91-4696-907A-BB1610ED242D}" type="slidenum">
+              <a:rPr lang="en-US" altLang="zh-TW"/>
+              <a:t>7</a:t>
+            </a:fld>
+            <a:endParaRPr lang="zh-TW" altLang="en-US"/>
+          </a:p>
+        </p:txBody>
+      </p:sp>
+    </p:spTree>
+    <p:extLst>
+      <p:ext uri="{BB962C8B-B14F-4D97-AF65-F5344CB8AC3E}">
+        <p14:creationId xmlns:p14="http://schemas.microsoft.com/office/powerpoint/2010/main" val="1200669409"/>
+      </p:ext>
+    </p:extLst>
+  </p:cSld>
+  <p:clrMapOvr>
+    <a:masterClrMapping/>
+  </p:clrMapOvr>
+</p:notes>
+</file>
+
+<file path=ppt/notesSlides/notesSlide7.xml><?xml version="1.0" encoding="utf-8"?>
+<p:notes xmlns:a="http://schemas.openxmlformats.org/drawingml/2006/main" xmlns:r="http://schemas.openxmlformats.org/officeDocument/2006/relationships" xmlns:p="http://schemas.openxmlformats.org/presentationml/2006/main">
+  <p:cSld>
+    <p:spTree>
+      <p:nvGrpSpPr>
+        <p:cNvPr id="1" name=""/>
+        <p:cNvGrpSpPr/>
+        <p:nvPr/>
+      </p:nvGrpSpPr>
+      <p:grpSpPr>
+        <a:xfrm>
+          <a:off x="0" y="0"/>
+          <a:ext cx="0" cy="0"/>
+          <a:chOff x="0" y="0"/>
+          <a:chExt cx="0" cy="0"/>
+        </a:xfrm>
+      </p:grpSpPr>
+      <p:sp>
+        <p:nvSpPr>
+          <p:cNvPr id="2" name="投影片影像版面配置區 1"/>
+          <p:cNvSpPr>
+            <a:spLocks noGrp="1" noRot="1" noChangeAspect="1"/>
+          </p:cNvSpPr>
+          <p:nvPr>
+            <p:ph type="sldImg"/>
+          </p:nvPr>
+        </p:nvSpPr>
+        <p:spPr/>
+      </p:sp>
+      <p:sp>
+        <p:nvSpPr>
+          <p:cNvPr id="3" name="備忘稿版面配置區 2"/>
+          <p:cNvSpPr>
+            <a:spLocks noGrp="1"/>
+          </p:cNvSpPr>
+          <p:nvPr>
+            <p:ph type="body" idx="1"/>
+          </p:nvPr>
+        </p:nvSpPr>
+        <p:spPr/>
+        <p:txBody>
+          <a:bodyPr/>
+          <a:lstStyle/>
+          <a:p>
+            <a:r>
+              <a:rPr lang="en-US" dirty="0"/>
+              <a:t>An anime-style female character with horns, cat ears, and black, white, and gray short hair, wearing black coat with  teal tie. </a:t>
+            </a:r>
+            <a:endParaRPr lang="zh-TW" altLang="en-US" dirty="0"/>
+          </a:p>
+          <a:p>
+            <a:r>
+              <a:rPr lang="en-US" altLang="zh-TW" dirty="0">
+                <a:ea typeface="新細明體"/>
+              </a:rPr>
+              <a:t>She invites everyone to join her on her creative journey with a smile, showing behind him a world where virtuality and reality blend.</a:t>
+            </a:r>
+            <a:endParaRPr lang="zh-TW" dirty="0">
+              <a:ea typeface="新細明體"/>
+              <a:cs typeface="Calibri"/>
+            </a:endParaRPr>
+          </a:p>
+        </p:txBody>
+      </p:sp>
+      <p:sp>
+        <p:nvSpPr>
+          <p:cNvPr id="4" name="投影片編號版面配置區 3"/>
+          <p:cNvSpPr>
+            <a:spLocks noGrp="1"/>
+          </p:cNvSpPr>
+          <p:nvPr>
+            <p:ph type="sldNum" sz="quarter" idx="5"/>
+          </p:nvPr>
+        </p:nvSpPr>
+        <p:spPr/>
+        <p:txBody>
+          <a:bodyPr/>
+          <a:lstStyle/>
+          <a:p>
+            <a:fld id="{B7806821-4B91-4696-907A-BB1610ED242D}" type="slidenum">
+              <a:rPr lang="en-US" altLang="zh-TW"/>
+              <a:t>8</a:t>
+            </a:fld>
+            <a:endParaRPr lang="zh-TW" altLang="en-US"/>
+          </a:p>
+        </p:txBody>
+      </p:sp>
+    </p:spTree>
+    <p:extLst>
+      <p:ext uri="{BB962C8B-B14F-4D97-AF65-F5344CB8AC3E}">
+        <p14:creationId xmlns:p14="http://schemas.microsoft.com/office/powerpoint/2010/main" val="892219302"/>
+      </p:ext>
+    </p:extLst>
+  </p:cSld>
+  <p:clrMapOvr>
+    <a:masterClrMapping/>
+  </p:clrMapOvr>
+</p:notes>
 </file>
 
 <file path=ppt/slideLayouts/slideLayout1.xml><?xml version="1.0" encoding="utf-8"?>
@@ -279,7 +1375,7 @@
           <a:p>
             <a:fld id="{C4270120-CDFC-48DE-A6EA-6DEEDD0E436A}" type="datetimeFigureOut">
               <a:rPr lang="en-US" dirty="0"/>
-              <a:t>10/14/2024</a:t>
+              <a:t>10/16/2024</a:t>
             </a:fld>
             <a:endParaRPr lang="en-US" dirty="0"/>
           </a:p>
@@ -576,7 +1672,7 @@
           <a:p>
             <a:fld id="{2A1F5BA7-0A17-4D30-9B66-E29324151C73}" type="datetimeFigureOut">
               <a:rPr lang="en-US" dirty="0"/>
-              <a:t>10/14/2024</a:t>
+              <a:t>10/16/2024</a:t>
             </a:fld>
             <a:endParaRPr lang="en-US" dirty="0"/>
           </a:p>
@@ -835,7 +1931,7 @@
           <a:p>
             <a:fld id="{76BEBB1B-D40A-4DB9-B3DE-BAAE675B83CD}" type="datetimeFigureOut">
               <a:rPr lang="en-US" dirty="0"/>
-              <a:t>10/14/2024</a:t>
+              <a:t>10/16/2024</a:t>
             </a:fld>
             <a:endParaRPr lang="en-US" dirty="0"/>
           </a:p>
@@ -1094,7 +2190,7 @@
           <a:p>
             <a:fld id="{A3C9FAAF-C467-4C93-8ECD-39AF5A14D498}" type="datetimeFigureOut">
               <a:rPr lang="en-US" dirty="0"/>
-              <a:t>10/14/2024</a:t>
+              <a:t>10/16/2024</a:t>
             </a:fld>
             <a:endParaRPr lang="en-US" dirty="0"/>
           </a:p>
@@ -1422,7 +2518,7 @@
           <a:p>
             <a:fld id="{3E37E480-B2BA-4553-A144-61E7F75833ED}" type="datetimeFigureOut">
               <a:rPr lang="en-US" dirty="0"/>
-              <a:t>10/14/2024</a:t>
+              <a:t>10/16/2024</a:t>
             </a:fld>
             <a:endParaRPr lang="en-US" dirty="0"/>
           </a:p>
@@ -1779,7 +2875,7 @@
           <a:p>
             <a:fld id="{390E682A-6B53-4B08-AE4D-4C5E659103CC}" type="datetimeFigureOut">
               <a:rPr lang="en-US" dirty="0"/>
-              <a:t>10/14/2024</a:t>
+              <a:t>10/16/2024</a:t>
             </a:fld>
             <a:endParaRPr lang="en-US" dirty="0"/>
           </a:p>
@@ -2298,7 +3394,7 @@
           <a:p>
             <a:fld id="{7C69F0F6-BEBB-4894-ABB2-75C5CBE0DDB9}" type="datetimeFigureOut">
               <a:rPr lang="en-US" dirty="0"/>
-              <a:t>10/14/2024</a:t>
+              <a:t>10/16/2024</a:t>
             </a:fld>
             <a:endParaRPr lang="en-US" dirty="0"/>
           </a:p>
@@ -2617,7 +3713,7 @@
           <a:p>
             <a:fld id="{8B3E9E5F-17D9-4A30-9DA3-64E46A6DF111}" type="datetimeFigureOut">
               <a:rPr lang="en-US" dirty="0"/>
-              <a:t>10/14/2024</a:t>
+              <a:t>10/16/2024</a:t>
             </a:fld>
             <a:endParaRPr lang="en-US" dirty="0"/>
           </a:p>
@@ -2737,7 +3833,7 @@
           <a:p>
             <a:fld id="{033AC5F0-3BC3-4718-BCCA-24B5655EC864}" type="datetimeFigureOut">
               <a:rPr lang="en-US" dirty="0"/>
-              <a:t>10/14/2024</a:t>
+              <a:t>10/16/2024</a:t>
             </a:fld>
             <a:endParaRPr lang="en-US" dirty="0"/>
           </a:p>
@@ -3085,7 +4181,7 @@
           <a:p>
             <a:fld id="{9EB8BD81-465B-40F2-9A54-9DF3B12AF598}" type="datetimeFigureOut">
               <a:rPr lang="en-US" dirty="0"/>
-              <a:t>10/14/2024</a:t>
+              <a:t>10/16/2024</a:t>
             </a:fld>
             <a:endParaRPr lang="en-US" dirty="0"/>
           </a:p>
@@ -3392,7 +4488,7 @@
           <a:p>
             <a:fld id="{F04B3CEF-64EF-4C43-9530-8E9CBFD2CAD1}" type="datetimeFigureOut">
               <a:rPr lang="en-US" dirty="0"/>
-              <a:t>10/14/2024</a:t>
+              <a:t>10/16/2024</a:t>
             </a:fld>
             <a:endParaRPr lang="en-US" dirty="0"/>
           </a:p>
@@ -3638,7 +4734,7 @@
           <a:p>
             <a:fld id="{B70A3DFD-A535-46B2-84C1-61DC8B16A904}" type="datetimeFigureOut">
               <a:rPr lang="en-US" dirty="0"/>
-              <a:t>10/14/2024</a:t>
+              <a:t>10/16/2024</a:t>
             </a:fld>
             <a:endParaRPr lang="en-US" dirty="0"/>
           </a:p>
@@ -4283,7 +5379,7 @@
           <p:nvPr/>
         </p:nvPicPr>
         <p:blipFill>
-          <a:blip r:embed="rId2"/>
+          <a:blip r:embed="rId3"/>
           <a:stretch>
             <a:fillRect/>
           </a:stretch>
@@ -4394,94 +5490,56 @@
           <a:lstStyle/>
           <a:p>
             <a:r>
-              <a:rPr lang="zh-TW" altLang="en-US" sz="2000" dirty="0">
-                <a:latin typeface="Arial" panose="020B0604020202020204" pitchFamily="34" charset="0"/>
-                <a:cs typeface="Arial" panose="020B0604020202020204" pitchFamily="34" charset="0"/>
-              </a:rPr>
+              <a:rPr lang="zh-TW" altLang="en-US" sz="2000"/>
               <a:t>嗨，大家好！</a:t>
             </a:r>
-            <a:endParaRPr lang="en-US" altLang="zh-TW" sz="2000" dirty="0">
-              <a:latin typeface="Arial" panose="020B0604020202020204" pitchFamily="34" charset="0"/>
-              <a:cs typeface="Arial" panose="020B0604020202020204" pitchFamily="34" charset="0"/>
-            </a:endParaRPr>
-          </a:p>
-          <a:p>
-            <a:r>
-              <a:rPr lang="zh-TW" altLang="en-US" sz="2000" dirty="0">
-                <a:latin typeface="Arial" panose="020B0604020202020204" pitchFamily="34" charset="0"/>
-                <a:cs typeface="Arial" panose="020B0604020202020204" pitchFamily="34" charset="0"/>
-              </a:rPr>
+            <a:endParaRPr lang="en-US" altLang="zh-TW" sz="2000"/>
+          </a:p>
+          <a:p>
+            <a:r>
+              <a:rPr lang="zh-TW" altLang="en-US" sz="2000"/>
               <a:t>我是</a:t>
             </a:r>
             <a:r>
-              <a:rPr lang="en-US" altLang="zh-TW" sz="2000" dirty="0">
-                <a:latin typeface="Arial" panose="020B0604020202020204" pitchFamily="34" charset="0"/>
-                <a:cs typeface="Arial" panose="020B0604020202020204" pitchFamily="34" charset="0"/>
-              </a:rPr>
+              <a:rPr lang="en-US" altLang="zh-TW" sz="2000" dirty="0"/>
               <a:t> Cornu Dev.</a:t>
             </a:r>
             <a:r>
-              <a:rPr lang="zh-TW" altLang="en-US" sz="2000" dirty="0">
-                <a:latin typeface="Arial" panose="020B0604020202020204" pitchFamily="34" charset="0"/>
-                <a:cs typeface="Arial" panose="020B0604020202020204" pitchFamily="34" charset="0"/>
-              </a:rPr>
-              <a:t>，你們可以叫我科努。我來自另一个次元的世界，在那裡，我是一名虛擬空間的構築施。</a:t>
-            </a:r>
-            <a:endParaRPr lang="en-US" altLang="zh-TW" sz="2000" dirty="0">
-              <a:latin typeface="Arial" panose="020B0604020202020204" pitchFamily="34" charset="0"/>
-              <a:cs typeface="Arial" panose="020B0604020202020204" pitchFamily="34" charset="0"/>
-            </a:endParaRPr>
-          </a:p>
-          <a:p>
-            <a:endParaRPr lang="zh-TW" altLang="en-US" sz="2000" dirty="0">
-              <a:latin typeface="Arial" panose="020B0604020202020204" pitchFamily="34" charset="0"/>
-              <a:cs typeface="Arial" panose="020B0604020202020204" pitchFamily="34" charset="0"/>
-            </a:endParaRPr>
-          </a:p>
-          <a:p>
-            <a:r>
-              <a:rPr lang="zh-TW" altLang="en-US" sz="2000" dirty="0">
-                <a:latin typeface="Arial" panose="020B0604020202020204" pitchFamily="34" charset="0"/>
-                <a:cs typeface="Arial" panose="020B0604020202020204" pitchFamily="34" charset="0"/>
-              </a:rPr>
+              <a:rPr lang="zh-TW" altLang="en-US" sz="2000"/>
+              <a:t>，你們可以叫我科弩。我來自另一个次元的世界，在那裡，我是一名虛擬空間的構築師。</a:t>
+            </a:r>
+            <a:endParaRPr lang="en-US" altLang="zh-TW" sz="2000"/>
+          </a:p>
+          <a:p>
+            <a:endParaRPr lang="zh-TW" altLang="en-US" sz="2000"/>
+          </a:p>
+          <a:p>
+            <a:r>
+              <a:rPr lang="zh-TW" altLang="en-US" sz="2000"/>
               <a:t>我對人類的實體空間充滿好奇，想知道你們是如何用創造力塑造自己周圍的環境。</a:t>
             </a:r>
-            <a:endParaRPr lang="en-US" altLang="zh-TW" sz="2000" dirty="0">
-              <a:latin typeface="Arial" panose="020B0604020202020204" pitchFamily="34" charset="0"/>
-              <a:cs typeface="Arial" panose="020B0604020202020204" pitchFamily="34" charset="0"/>
-            </a:endParaRPr>
-          </a:p>
-          <a:p>
-            <a:endParaRPr lang="zh-TW" altLang="en-US" sz="2000" dirty="0">
-              <a:latin typeface="Arial" panose="020B0604020202020204" pitchFamily="34" charset="0"/>
-              <a:cs typeface="Arial" panose="020B0604020202020204" pitchFamily="34" charset="0"/>
-            </a:endParaRPr>
-          </a:p>
-          <a:p>
-            <a:r>
-              <a:rPr lang="en-US" altLang="zh-TW" sz="2000" dirty="0">
-                <a:latin typeface="Arial" panose="020B0604020202020204" pitchFamily="34" charset="0"/>
-                <a:cs typeface="Arial" panose="020B0604020202020204" pitchFamily="34" charset="0"/>
-              </a:rPr>
+            <a:endParaRPr lang="en-US" altLang="zh-TW" sz="2000"/>
+          </a:p>
+          <a:p>
+            <a:endParaRPr lang="zh-TW" altLang="en-US" sz="2000"/>
+          </a:p>
+          <a:p>
+            <a:r>
+              <a:rPr lang="en-US" altLang="zh-TW" sz="2000" dirty="0"/>
               <a:t>(E7</a:t>
             </a:r>
             <a:r>
-              <a:rPr lang="zh-TW" altLang="en-US" sz="2000" dirty="0">
-                <a:latin typeface="Arial" panose="020B0604020202020204" pitchFamily="34" charset="0"/>
-                <a:cs typeface="Arial" panose="020B0604020202020204" pitchFamily="34" charset="0"/>
-              </a:rPr>
+              <a:rPr lang="zh-TW" altLang="en-US" sz="2000"/>
               <a:t>星光眼表情</a:t>
             </a:r>
             <a:r>
-              <a:rPr lang="en-US" altLang="zh-TW" sz="2000" dirty="0">
-                <a:latin typeface="Arial" panose="020B0604020202020204" pitchFamily="34" charset="0"/>
-                <a:cs typeface="Arial" panose="020B0604020202020204" pitchFamily="34" charset="0"/>
-              </a:rPr>
+              <a:rPr lang="en-US" altLang="zh-TW" sz="2000" dirty="0"/>
               <a:t>)</a:t>
             </a:r>
-          </a:p>
-          <a:p>
-            <a:endParaRPr lang="en-US" altLang="zh-TW" dirty="0"/>
+            <a:endParaRPr lang="en-US" altLang="zh-TW" sz="2000"/>
+          </a:p>
+          <a:p>
+            <a:endParaRPr lang="en-US" altLang="zh-TW"/>
           </a:p>
         </p:txBody>
       </p:sp>
@@ -4558,114 +5616,66 @@
               <a:buNone/>
             </a:pPr>
             <a:r>
-              <a:rPr lang="zh-TW" sz="2000" dirty="0">
-                <a:latin typeface="Arial" panose="020B0604020202020204" pitchFamily="34" charset="0"/>
-                <a:cs typeface="Arial" panose="020B0604020202020204" pitchFamily="34" charset="0"/>
-              </a:rPr>
+              <a:rPr lang="zh-TW" sz="2000"/>
               <a:t>因</a:t>
             </a:r>
             <a:r>
-              <a:rPr lang="zh-TW" altLang="en-US" sz="2000" dirty="0">
-                <a:latin typeface="Arial" panose="020B0604020202020204" pitchFamily="34" charset="0"/>
-                <a:cs typeface="Arial" panose="020B0604020202020204" pitchFamily="34" charset="0"/>
-              </a:rPr>
+              <a:rPr lang="zh-TW" altLang="en-US" sz="2000"/>
               <a:t>此</a:t>
             </a:r>
             <a:r>
-              <a:rPr lang="zh-TW" sz="2000" dirty="0">
-                <a:latin typeface="Arial" panose="020B0604020202020204" pitchFamily="34" charset="0"/>
-                <a:cs typeface="Arial" panose="020B0604020202020204" pitchFamily="34" charset="0"/>
-              </a:rPr>
+              <a:rPr lang="zh-TW" sz="2000"/>
               <a:t>，我使用</a:t>
             </a:r>
             <a:r>
-              <a:rPr lang="zh-TW" altLang="en-US" sz="2000" dirty="0">
-                <a:latin typeface="Arial" panose="020B0604020202020204" pitchFamily="34" charset="0"/>
-                <a:cs typeface="Arial" panose="020B0604020202020204" pitchFamily="34" charset="0"/>
-              </a:rPr>
+              <a:rPr lang="zh-TW" altLang="en-US" sz="2000"/>
               <a:t>傳送裝</a:t>
             </a:r>
             <a:r>
-              <a:rPr lang="zh-TW" sz="2000" dirty="0">
-                <a:latin typeface="Arial" panose="020B0604020202020204" pitchFamily="34" charset="0"/>
-                <a:cs typeface="Arial" panose="020B0604020202020204" pitchFamily="34" charset="0"/>
-              </a:rPr>
+              <a:rPr lang="zh-TW" sz="2000"/>
               <a:t>置来</a:t>
             </a:r>
             <a:r>
-              <a:rPr lang="zh-TW" altLang="en-US" sz="2000" dirty="0">
-                <a:latin typeface="Arial" panose="020B0604020202020204" pitchFamily="34" charset="0"/>
-                <a:cs typeface="Arial" panose="020B0604020202020204" pitchFamily="34" charset="0"/>
-              </a:rPr>
+              <a:rPr lang="zh-TW" altLang="en-US" sz="2000"/>
               <a:t>到</a:t>
             </a:r>
             <a:r>
-              <a:rPr lang="zh-TW" sz="2000" dirty="0">
-                <a:latin typeface="Arial" panose="020B0604020202020204" pitchFamily="34" charset="0"/>
-                <a:cs typeface="Arial" panose="020B0604020202020204" pitchFamily="34" charset="0"/>
-              </a:rPr>
+              <a:rPr lang="zh-TW" sz="2000"/>
               <a:t>你們的</a:t>
             </a:r>
             <a:r>
-              <a:rPr lang="zh-TW" altLang="en-US" sz="2000" dirty="0">
-                <a:latin typeface="Arial" panose="020B0604020202020204" pitchFamily="34" charset="0"/>
-                <a:cs typeface="Arial" panose="020B0604020202020204" pitchFamily="34" charset="0"/>
-              </a:rPr>
+              <a:rPr lang="zh-TW" altLang="en-US" sz="2000"/>
               <a:t>次元</a:t>
             </a:r>
             <a:r>
-              <a:rPr lang="zh-TW" sz="2000" dirty="0">
-                <a:latin typeface="Arial" panose="020B0604020202020204" pitchFamily="34" charset="0"/>
-                <a:cs typeface="Arial" panose="020B0604020202020204" pitchFamily="34" charset="0"/>
-              </a:rPr>
+              <a:rPr lang="zh-TW" sz="2000"/>
               <a:t>。然而，我發現自己與</a:t>
             </a:r>
             <a:r>
-              <a:rPr lang="zh-TW" altLang="en-US" sz="2000" dirty="0">
-                <a:latin typeface="Arial" panose="020B0604020202020204" pitchFamily="34" charset="0"/>
-                <a:cs typeface="Arial" panose="020B0604020202020204" pitchFamily="34" charset="0"/>
-              </a:rPr>
+              <a:rPr lang="zh-TW" altLang="en-US" sz="2000"/>
               <a:t>這個</a:t>
             </a:r>
             <a:r>
-              <a:rPr lang="zh-TW" sz="2000" dirty="0">
-                <a:latin typeface="Arial" panose="020B0604020202020204" pitchFamily="34" charset="0"/>
-                <a:cs typeface="Arial" panose="020B0604020202020204" pitchFamily="34" charset="0"/>
-              </a:rPr>
+              <a:rPr lang="zh-TW" sz="2000"/>
               <a:t>世界格格不入，</a:t>
             </a:r>
             <a:r>
-              <a:rPr lang="zh-TW" altLang="en-US" sz="2000" dirty="0">
-                <a:latin typeface="Arial" panose="020B0604020202020204" pitchFamily="34" charset="0"/>
-                <a:cs typeface="Arial" panose="020B0604020202020204" pitchFamily="34" charset="0"/>
-              </a:rPr>
+              <a:rPr lang="zh-TW" altLang="en-US" sz="2000"/>
               <a:t>語言</a:t>
             </a:r>
             <a:r>
-              <a:rPr lang="zh-TW" sz="2000" dirty="0">
-                <a:latin typeface="Arial" panose="020B0604020202020204" pitchFamily="34" charset="0"/>
-                <a:cs typeface="Arial" panose="020B0604020202020204" pitchFamily="34" charset="0"/>
-              </a:rPr>
+              <a:rPr lang="zh-TW" sz="2000"/>
               <a:t>和文化的差</a:t>
             </a:r>
             <a:r>
-              <a:rPr lang="zh-TW" altLang="en-US" sz="2000" dirty="0">
-                <a:latin typeface="Arial" panose="020B0604020202020204" pitchFamily="34" charset="0"/>
-                <a:cs typeface="Arial" panose="020B0604020202020204" pitchFamily="34" charset="0"/>
-              </a:rPr>
+              <a:rPr lang="zh-TW" altLang="en-US" sz="2000"/>
               <a:t>異讓我感到孤立</a:t>
             </a:r>
             <a:r>
-              <a:rPr lang="zh-TW" sz="2000" dirty="0">
-                <a:latin typeface="Arial" panose="020B0604020202020204" pitchFamily="34" charset="0"/>
-                <a:cs typeface="Arial" panose="020B0604020202020204" pitchFamily="34" charset="0"/>
-              </a:rPr>
+              <a:rPr lang="zh-TW" sz="2000"/>
               <a:t>。</a:t>
             </a:r>
-            <a:endParaRPr lang="zh-TW" dirty="0">
-              <a:latin typeface="Arial" panose="020B0604020202020204" pitchFamily="34" charset="0"/>
-              <a:cs typeface="Arial" panose="020B0604020202020204" pitchFamily="34" charset="0"/>
-            </a:endParaRPr>
+            <a:endParaRPr lang="zh-TW"/>
           </a:p>
         </p:txBody>
       </p:sp>
@@ -4684,7 +5694,7 @@
           <p:nvPr/>
         </p:nvPicPr>
         <p:blipFill>
-          <a:blip r:embed="rId2"/>
+          <a:blip r:embed="rId3"/>
           <a:stretch/>
         </p:blipFill>
         <p:spPr>
@@ -4830,10 +5840,7 @@
               <a:buNone/>
             </a:pPr>
             <a:r>
-              <a:rPr lang="zh-TW" altLang="en-US" sz="2000" dirty="0">
-                <a:latin typeface="Arial" panose="020B0604020202020204" pitchFamily="34" charset="0"/>
-                <a:cs typeface="Arial" panose="020B0604020202020204" pitchFamily="34" charset="0"/>
-              </a:rPr>
+              <a:rPr lang="zh-TW" altLang="en-US" sz="2000"/>
               <a:t>為了更好的融入與學習，我首先嘗試在人類社會中找了一份工作，但我身心俱疲。</a:t>
             </a:r>
           </a:p>
@@ -4842,12 +5849,10 @@
               <a:buNone/>
             </a:pPr>
             <a:r>
-              <a:rPr lang="zh-TW" altLang="en-US" sz="2000" dirty="0">
-                <a:latin typeface="Arial" panose="020B0604020202020204" pitchFamily="34" charset="0"/>
-                <a:cs typeface="Arial" panose="020B0604020202020204" pitchFamily="34" charset="0"/>
-              </a:rPr>
+              <a:rPr lang="zh-TW" altLang="en-US" sz="2000"/>
               <a:t>(E0 哭泣表情)</a:t>
             </a:r>
+            <a:endParaRPr lang="zh-TW" altLang="en-US" sz="2000" dirty="0"/>
           </a:p>
         </p:txBody>
       </p:sp>
@@ -4866,7 +5871,7 @@
           <p:nvPr/>
         </p:nvPicPr>
         <p:blipFill>
-          <a:blip r:embed="rId2"/>
+          <a:blip r:embed="rId3"/>
           <a:srcRect l="647" r="-42"/>
           <a:stretch/>
         </p:blipFill>
@@ -4977,6 +5982,186 @@
           <a:chExt cx="0" cy="0"/>
         </a:xfrm>
       </p:grpSpPr>
+      <p:sp>
+        <p:nvSpPr>
+          <p:cNvPr id="3" name="內容版面配置區 2">
+            <a:extLst>
+              <a:ext uri="{FF2B5EF4-FFF2-40B4-BE49-F238E27FC236}">
+                <a16:creationId xmlns:a16="http://schemas.microsoft.com/office/drawing/2014/main" id="{ADAE0F34-0220-ED76-D80F-F40E7D82E575}"/>
+              </a:ext>
+            </a:extLst>
+          </p:cNvPr>
+          <p:cNvSpPr>
+            <a:spLocks noGrp="1"/>
+          </p:cNvSpPr>
+          <p:nvPr>
+            <p:ph idx="1"/>
+          </p:nvPr>
+        </p:nvSpPr>
+        <p:spPr>
+          <a:xfrm>
+            <a:off x="7577352" y="2286000"/>
+            <a:ext cx="3852647" cy="3810000"/>
+          </a:xfrm>
+        </p:spPr>
+        <p:txBody>
+          <a:bodyPr vert="horz" lIns="91440" tIns="45720" rIns="91440" bIns="45720" rtlCol="0" anchor="t">
+            <a:normAutofit/>
+          </a:bodyPr>
+          <a:lstStyle/>
+          <a:p>
+            <a:pPr>
+              <a:buNone/>
+            </a:pPr>
+            <a:r>
+              <a:rPr lang="zh-TW" altLang="en-US" sz="2000">
+                <a:ea typeface="+mn-lt"/>
+                <a:cs typeface="+mn-lt"/>
+              </a:rPr>
+              <a:t> </a:t>
+            </a:r>
+            <a:r>
+              <a:rPr lang="zh-TW" sz="2000">
+                <a:ea typeface="+mn-lt"/>
+                <a:cs typeface="+mn-lt"/>
+              </a:rPr>
+              <a:t>辭去了工作，我</a:t>
+            </a:r>
+            <a:r>
+              <a:rPr lang="zh-TW" altLang="en-US" sz="2000">
+                <a:ea typeface="+mn-lt"/>
+                <a:cs typeface="+mn-lt"/>
+              </a:rPr>
+              <a:t>開始</a:t>
+            </a:r>
+            <a:r>
+              <a:rPr lang="zh-TW" sz="2000">
+                <a:ea typeface="+mn-lt"/>
+                <a:cs typeface="+mn-lt"/>
+              </a:rPr>
+              <a:t>直播，</a:t>
+            </a:r>
+            <a:r>
+              <a:rPr lang="zh-TW" altLang="en-US" sz="2000">
+                <a:ea typeface="+mn-lt"/>
+                <a:cs typeface="+mn-lt"/>
+              </a:rPr>
+              <a:t>分</a:t>
+            </a:r>
+            <a:r>
+              <a:rPr lang="zh-TW" sz="2000">
+                <a:ea typeface="+mn-lt"/>
+                <a:cs typeface="+mn-lt"/>
+              </a:rPr>
+              <a:t>享我的</a:t>
+            </a:r>
+            <a:r>
+              <a:rPr lang="zh-TW" altLang="en-US" sz="2000">
+                <a:ea typeface="+mn-lt"/>
+                <a:cs typeface="+mn-lt"/>
+              </a:rPr>
+              <a:t>設計</a:t>
+            </a:r>
+            <a:r>
+              <a:rPr lang="zh-TW" sz="2000">
+                <a:ea typeface="+mn-lt"/>
+                <a:cs typeface="+mn-lt"/>
+              </a:rPr>
+              <a:t>和想法。</a:t>
+            </a:r>
+            <a:r>
+              <a:rPr lang="zh-TW" altLang="en-US" sz="2000">
+                <a:ea typeface="+mn-lt"/>
+                <a:cs typeface="+mn-lt"/>
+              </a:rPr>
+              <a:t>觀眾們</a:t>
+            </a:r>
+            <a:r>
+              <a:rPr lang="zh-TW" sz="2000">
+                <a:ea typeface="+mn-lt"/>
+                <a:cs typeface="+mn-lt"/>
+              </a:rPr>
+              <a:t>的回饋</a:t>
+            </a:r>
+            <a:r>
+              <a:rPr lang="zh-TW" altLang="en-US" sz="2000">
+                <a:ea typeface="+mn-lt"/>
+                <a:cs typeface="+mn-lt"/>
+              </a:rPr>
+              <a:t>讓</a:t>
+            </a:r>
+            <a:r>
+              <a:rPr lang="zh-TW" sz="2000">
+                <a:ea typeface="+mn-lt"/>
+                <a:cs typeface="+mn-lt"/>
+              </a:rPr>
+              <a:t>我</a:t>
+            </a:r>
+            <a:r>
+              <a:rPr lang="zh-TW" altLang="en-US" sz="2000">
+                <a:ea typeface="+mn-lt"/>
+                <a:cs typeface="+mn-lt"/>
+              </a:rPr>
+              <a:t>收穫</a:t>
+            </a:r>
+            <a:r>
+              <a:rPr lang="zh-TW" sz="2000">
+                <a:ea typeface="+mn-lt"/>
+                <a:cs typeface="+mn-lt"/>
+              </a:rPr>
+              <a:t>豐富，他</a:t>
+            </a:r>
+            <a:r>
+              <a:rPr lang="zh-TW" altLang="en-US" sz="2000">
+                <a:ea typeface="+mn-lt"/>
+                <a:cs typeface="+mn-lt"/>
+              </a:rPr>
+              <a:t>們對</a:t>
+            </a:r>
+            <a:r>
+              <a:rPr lang="zh-TW" sz="2000">
+                <a:ea typeface="+mn-lt"/>
+                <a:cs typeface="+mn-lt"/>
+              </a:rPr>
+              <a:t>我的創作充</a:t>
+            </a:r>
+            <a:r>
+              <a:rPr lang="zh-TW" altLang="en-US" sz="2000">
+                <a:ea typeface="+mn-lt"/>
+                <a:cs typeface="+mn-lt"/>
+              </a:rPr>
+              <a:t>滿</a:t>
+            </a:r>
+            <a:r>
+              <a:rPr lang="zh-TW" sz="2000">
+                <a:ea typeface="+mn-lt"/>
+                <a:cs typeface="+mn-lt"/>
+              </a:rPr>
+              <a:t>好奇，</a:t>
+            </a:r>
+            <a:r>
+              <a:rPr lang="zh-TW" altLang="en-US" sz="2000">
+                <a:ea typeface="+mn-lt"/>
+                <a:cs typeface="+mn-lt"/>
+              </a:rPr>
+              <a:t>幫</a:t>
+            </a:r>
+            <a:r>
+              <a:rPr lang="zh-TW" sz="2000">
+                <a:ea typeface="+mn-lt"/>
+                <a:cs typeface="+mn-lt"/>
+              </a:rPr>
+              <a:t>助我理解更多可能性。</a:t>
+            </a:r>
+            <a:endParaRPr lang="zh-TW" sz="2000"/>
+          </a:p>
+          <a:p>
+            <a:endParaRPr lang="zh-TW" altLang="en-US" dirty="0">
+              <a:ea typeface="新細明體"/>
+            </a:endParaRPr>
+          </a:p>
+        </p:txBody>
+      </p:sp>
       <p:pic>
         <p:nvPicPr>
           <p:cNvPr id="6" name="圖片 5" descr="一張含有 文字, 日本動畫, 卡通, 電腦鍵盤 的圖片&#10;&#10;自動產生的描述">
@@ -4992,7 +6177,7 @@
           <p:nvPr/>
         </p:nvPicPr>
         <p:blipFill>
-          <a:blip r:embed="rId2"/>
+          <a:blip r:embed="rId3"/>
           <a:stretch>
             <a:fillRect/>
           </a:stretch>
@@ -5068,55 +6253,6 @@
               <a:latin typeface="Arial"/>
               <a:cs typeface="Arial"/>
             </a:endParaRPr>
-          </a:p>
-        </p:txBody>
-      </p:sp>
-      <p:sp>
-        <p:nvSpPr>
-          <p:cNvPr id="5" name="文字方塊 4">
-            <a:extLst>
-              <a:ext uri="{FF2B5EF4-FFF2-40B4-BE49-F238E27FC236}">
-                <a16:creationId xmlns:a16="http://schemas.microsoft.com/office/drawing/2014/main" id="{CA4EBAF2-4A45-D7CB-E1E4-12BC60843961}"/>
-              </a:ext>
-            </a:extLst>
-          </p:cNvPr>
-          <p:cNvSpPr txBox="1"/>
-          <p:nvPr/>
-        </p:nvSpPr>
-        <p:spPr>
-          <a:xfrm>
-            <a:off x="7813989" y="2447619"/>
-            <a:ext cx="3542190" cy="2677656"/>
-          </a:xfrm>
-          <a:prstGeom prst="rect">
-            <a:avLst/>
-          </a:prstGeom>
-          <a:noFill/>
-        </p:spPr>
-        <p:txBody>
-          <a:bodyPr rot="0" spcFirstLastPara="0" vertOverflow="overflow" horzOverflow="overflow" vert="horz" wrap="square" lIns="91440" tIns="45720" rIns="91440" bIns="45720" numCol="1" spcCol="0" rtlCol="0" fromWordArt="0" anchor="t" anchorCtr="0" forceAA="0" compatLnSpc="1">
-            <a:prstTxWarp prst="textNoShape">
-              <a:avLst/>
-            </a:prstTxWarp>
-            <a:spAutoFit/>
-          </a:bodyPr>
-          <a:lstStyle/>
-          <a:p>
-            <a:pPr>
-              <a:lnSpc>
-                <a:spcPct val="150000"/>
-              </a:lnSpc>
-            </a:pPr>
-            <a:r>
-              <a:rPr lang="zh-TW" altLang="en-US" sz="2000" dirty="0">
-                <a:latin typeface="Arial" panose="020B0604020202020204" pitchFamily="34" charset="0"/>
-                <a:cs typeface="Arial" panose="020B0604020202020204" pitchFamily="34" charset="0"/>
-              </a:rPr>
-              <a:t>辭去了工作，我開始直播，分享我的設計和想法。觀眾們的回饋讓我收穫豐富，他們對我的創作充滿好奇，幫助我理解更多可能性。</a:t>
-            </a:r>
-          </a:p>
-          <a:p>
-            <a:endParaRPr lang="en-US" altLang="zh-TW" dirty="0"/>
           </a:p>
         </p:txBody>
       </p:sp>
@@ -5161,6 +6297,139 @@
           <a:chExt cx="0" cy="0"/>
         </a:xfrm>
       </p:grpSpPr>
+      <p:sp>
+        <p:nvSpPr>
+          <p:cNvPr id="3" name="內容版面配置區 2">
+            <a:extLst>
+              <a:ext uri="{FF2B5EF4-FFF2-40B4-BE49-F238E27FC236}">
+                <a16:creationId xmlns:a16="http://schemas.microsoft.com/office/drawing/2014/main" id="{98ED81AA-63B3-EB70-5DBE-96DC5CA24F9D}"/>
+              </a:ext>
+            </a:extLst>
+          </p:cNvPr>
+          <p:cNvSpPr>
+            <a:spLocks noGrp="1"/>
+          </p:cNvSpPr>
+          <p:nvPr>
+            <p:ph idx="1"/>
+          </p:nvPr>
+        </p:nvSpPr>
+        <p:spPr>
+          <a:xfrm>
+            <a:off x="7309657" y="2514778"/>
+            <a:ext cx="4243589" cy="3320668"/>
+          </a:xfrm>
+        </p:spPr>
+        <p:txBody>
+          <a:bodyPr vert="horz" lIns="91440" tIns="45720" rIns="91440" bIns="45720" rtlCol="0" anchor="t">
+            <a:normAutofit/>
+          </a:bodyPr>
+          <a:lstStyle/>
+          <a:p>
+            <a:pPr>
+              <a:buNone/>
+            </a:pPr>
+            <a:r>
+              <a:rPr lang="zh-TW" altLang="en-US" sz="2200">
+                <a:ea typeface="+mn-lt"/>
+                <a:cs typeface="+mn-lt"/>
+              </a:rPr>
+              <a:t> </a:t>
+            </a:r>
+            <a:r>
+              <a:rPr lang="zh-TW" sz="2200">
+                <a:ea typeface="+mn-lt"/>
+                <a:cs typeface="+mn-lt"/>
+              </a:rPr>
+              <a:t>我本想持續學習人</a:t>
+            </a:r>
+            <a:r>
+              <a:rPr lang="zh-TW" altLang="en-US" sz="2200">
+                <a:ea typeface="+mn-lt"/>
+                <a:cs typeface="+mn-lt"/>
+              </a:rPr>
+              <a:t>類</a:t>
+            </a:r>
+            <a:r>
+              <a:rPr lang="zh-TW" sz="2200">
+                <a:ea typeface="+mn-lt"/>
+                <a:cs typeface="+mn-lt"/>
+              </a:rPr>
+              <a:t>文化，但</a:t>
+            </a:r>
+            <a:r>
+              <a:rPr lang="zh-TW" altLang="en-US" sz="2200">
+                <a:ea typeface="+mn-lt"/>
+                <a:cs typeface="+mn-lt"/>
+              </a:rPr>
+              <a:t>是</a:t>
+            </a:r>
+            <a:r>
+              <a:rPr lang="zh-TW" sz="2200">
+                <a:ea typeface="+mn-lt"/>
+                <a:cs typeface="+mn-lt"/>
+              </a:rPr>
+              <a:t>我的族人希望我回到</a:t>
+            </a:r>
+            <a:r>
+              <a:rPr lang="zh-TW" altLang="en-US" sz="2200">
+                <a:ea typeface="+mn-lt"/>
+                <a:cs typeface="+mn-lt"/>
+              </a:rPr>
+              <a:t>虛擬</a:t>
+            </a:r>
+            <a:r>
+              <a:rPr lang="zh-TW" sz="2200">
+                <a:ea typeface="+mn-lt"/>
+                <a:cs typeface="+mn-lt"/>
+              </a:rPr>
+              <a:t>次元，我可能得道別。</a:t>
+            </a:r>
+            <a:endParaRPr lang="zh-TW" altLang="en-US">
+              <a:ea typeface="+mn-lt"/>
+              <a:cs typeface="+mn-lt"/>
+            </a:endParaRPr>
+          </a:p>
+          <a:p>
+            <a:pPr>
+              <a:buNone/>
+            </a:pPr>
+            <a:r>
+              <a:rPr lang="zh-TW" altLang="en-US" sz="2200">
+                <a:ea typeface="+mn-lt"/>
+                <a:cs typeface="+mn-lt"/>
+              </a:rPr>
+              <a:t> </a:t>
+            </a:r>
+            <a:r>
+              <a:rPr lang="zh-TW" sz="2200">
+                <a:ea typeface="+mn-lt"/>
+                <a:cs typeface="+mn-lt"/>
+              </a:rPr>
+              <a:t>(E8淚眼汪汪</a:t>
+            </a:r>
+            <a:r>
+              <a:rPr lang="zh-TW" altLang="en-US" sz="2200">
+                <a:ea typeface="+mn-lt"/>
+                <a:cs typeface="+mn-lt"/>
+              </a:rPr>
+              <a:t>表情</a:t>
+            </a:r>
+            <a:r>
+              <a:rPr lang="zh-TW" sz="2200">
+                <a:ea typeface="+mn-lt"/>
+                <a:cs typeface="+mn-lt"/>
+              </a:rPr>
+              <a:t>)</a:t>
+            </a:r>
+            <a:endParaRPr lang="zh-TW"/>
+          </a:p>
+          <a:p>
+            <a:endParaRPr lang="zh-TW" altLang="en-US" sz="2200">
+              <a:ea typeface="新細明體"/>
+            </a:endParaRPr>
+          </a:p>
+        </p:txBody>
+      </p:sp>
       <p:pic>
         <p:nvPicPr>
           <p:cNvPr id="4" name="圖片 3" descr="一張含有 日本動畫, 卡通, 虛構角色, 電腦繪圖藝術品 的圖片&#10;&#10;自動產生的描述">
@@ -5176,7 +6445,7 @@
           <p:nvPr/>
         </p:nvPicPr>
         <p:blipFill>
-          <a:blip r:embed="rId2"/>
+          <a:blip r:embed="rId3"/>
           <a:stretch/>
         </p:blipFill>
         <p:spPr>
@@ -5250,107 +6519,6 @@
               <a:latin typeface="Arial"/>
               <a:cs typeface="Arial"/>
             </a:endParaRPr>
-          </a:p>
-        </p:txBody>
-      </p:sp>
-      <p:sp>
-        <p:nvSpPr>
-          <p:cNvPr id="5" name="文字方塊 4">
-            <a:extLst>
-              <a:ext uri="{FF2B5EF4-FFF2-40B4-BE49-F238E27FC236}">
-                <a16:creationId xmlns:a16="http://schemas.microsoft.com/office/drawing/2014/main" id="{CA4EBAF2-4A45-D7CB-E1E4-12BC60843961}"/>
-              </a:ext>
-            </a:extLst>
-          </p:cNvPr>
-          <p:cNvSpPr txBox="1"/>
-          <p:nvPr/>
-        </p:nvSpPr>
-        <p:spPr>
-          <a:xfrm>
-            <a:off x="7877489" y="2714319"/>
-            <a:ext cx="3542190" cy="2523768"/>
-          </a:xfrm>
-          <a:prstGeom prst="rect">
-            <a:avLst/>
-          </a:prstGeom>
-          <a:noFill/>
-        </p:spPr>
-        <p:txBody>
-          <a:bodyPr rot="0" spcFirstLastPara="0" vertOverflow="overflow" horzOverflow="overflow" vert="horz" wrap="square" lIns="91440" tIns="45720" rIns="91440" bIns="45720" numCol="1" spcCol="0" rtlCol="0" fromWordArt="0" anchor="t" anchorCtr="0" forceAA="0" compatLnSpc="1">
-            <a:prstTxWarp prst="textNoShape">
-              <a:avLst/>
-            </a:prstTxWarp>
-            <a:spAutoFit/>
-          </a:bodyPr>
-          <a:lstStyle/>
-          <a:p>
-            <a:pPr>
-              <a:lnSpc>
-                <a:spcPct val="150000"/>
-              </a:lnSpc>
-            </a:pPr>
-            <a:r>
-              <a:rPr lang="zh-TW" altLang="en-US" sz="2000" dirty="0">
-                <a:latin typeface="Arial" panose="020B0604020202020204" pitchFamily="34" charset="0"/>
-                <a:cs typeface="Arial" panose="020B0604020202020204" pitchFamily="34" charset="0"/>
-              </a:rPr>
-              <a:t>我本想持續學習人類文化，但是我的族人希望我回到虛擬次元，我可能得道別</a:t>
-            </a:r>
-            <a:r>
-              <a:rPr lang="zh-TW" altLang="en-US" sz="2000" dirty="0" smtClean="0">
-                <a:latin typeface="Arial" panose="020B0604020202020204" pitchFamily="34" charset="0"/>
-                <a:cs typeface="Arial" panose="020B0604020202020204" pitchFamily="34" charset="0"/>
-              </a:rPr>
-              <a:t>。</a:t>
-            </a:r>
-            <a:endParaRPr lang="en-US" altLang="zh-TW" sz="2000" dirty="0" smtClean="0">
-              <a:latin typeface="Arial" panose="020B0604020202020204" pitchFamily="34" charset="0"/>
-              <a:cs typeface="Arial" panose="020B0604020202020204" pitchFamily="34" charset="0"/>
-            </a:endParaRPr>
-          </a:p>
-          <a:p>
-            <a:pPr>
-              <a:lnSpc>
-                <a:spcPct val="150000"/>
-              </a:lnSpc>
-            </a:pPr>
-            <a:endParaRPr lang="zh-TW" altLang="en-US" sz="2000" dirty="0">
-              <a:latin typeface="Arial" panose="020B0604020202020204" pitchFamily="34" charset="0"/>
-              <a:cs typeface="Arial" panose="020B0604020202020204" pitchFamily="34" charset="0"/>
-            </a:endParaRPr>
-          </a:p>
-          <a:p>
-            <a:r>
-              <a:rPr lang="en-US" altLang="zh-TW" sz="2000" dirty="0" smtClean="0">
-                <a:latin typeface="Arial" panose="020B0604020202020204" pitchFamily="34" charset="0"/>
-                <a:cs typeface="Arial" panose="020B0604020202020204" pitchFamily="34" charset="0"/>
-              </a:rPr>
-              <a:t>(</a:t>
-            </a:r>
-            <a:r>
-              <a:rPr lang="en-US" altLang="zh-TW" sz="2000" dirty="0">
-                <a:latin typeface="Arial" panose="020B0604020202020204" pitchFamily="34" charset="0"/>
-                <a:cs typeface="Arial" panose="020B0604020202020204" pitchFamily="34" charset="0"/>
-              </a:rPr>
-              <a:t>E8</a:t>
-            </a:r>
-            <a:r>
-              <a:rPr lang="zh-TW" altLang="en-US" sz="2000" dirty="0">
-                <a:latin typeface="Arial" panose="020B0604020202020204" pitchFamily="34" charset="0"/>
-                <a:cs typeface="Arial" panose="020B0604020202020204" pitchFamily="34" charset="0"/>
-              </a:rPr>
-              <a:t>淚眼汪汪表情</a:t>
-            </a:r>
-            <a:r>
-              <a:rPr lang="en-US" altLang="zh-TW" sz="2000" dirty="0">
-                <a:latin typeface="Arial" panose="020B0604020202020204" pitchFamily="34" charset="0"/>
-                <a:cs typeface="Arial" panose="020B0604020202020204" pitchFamily="34" charset="0"/>
-              </a:rPr>
-              <a:t>)</a:t>
-            </a:r>
-          </a:p>
-          <a:p>
-            <a:endParaRPr lang="en-US" altLang="zh-TW" dirty="0"/>
           </a:p>
         </p:txBody>
       </p:sp>
@@ -5395,6 +6563,186 @@
           <a:chExt cx="0" cy="0"/>
         </a:xfrm>
       </p:grpSpPr>
+      <p:sp>
+        <p:nvSpPr>
+          <p:cNvPr id="3" name="內容版面配置區 2">
+            <a:extLst>
+              <a:ext uri="{FF2B5EF4-FFF2-40B4-BE49-F238E27FC236}">
+                <a16:creationId xmlns:a16="http://schemas.microsoft.com/office/drawing/2014/main" id="{60C1DDCD-7905-F1C1-8AF1-E7C811000E92}"/>
+              </a:ext>
+            </a:extLst>
+          </p:cNvPr>
+          <p:cNvSpPr>
+            <a:spLocks noGrp="1"/>
+          </p:cNvSpPr>
+          <p:nvPr>
+            <p:ph idx="1"/>
+          </p:nvPr>
+        </p:nvSpPr>
+        <p:spPr>
+          <a:xfrm>
+            <a:off x="7452048" y="2498429"/>
+            <a:ext cx="4243589" cy="3320668"/>
+          </a:xfrm>
+        </p:spPr>
+        <p:txBody>
+          <a:bodyPr vert="horz" lIns="91440" tIns="45720" rIns="91440" bIns="45720" rtlCol="0" anchor="t">
+            <a:normAutofit/>
+          </a:bodyPr>
+          <a:lstStyle/>
+          <a:p>
+            <a:pPr marL="0" indent="0">
+              <a:buNone/>
+            </a:pPr>
+            <a:r>
+              <a:rPr lang="zh-TW" altLang="en-US" sz="2000">
+                <a:ea typeface="+mn-lt"/>
+                <a:cs typeface="+mn-lt"/>
+              </a:rPr>
+              <a:t>然而，</a:t>
+            </a:r>
+            <a:r>
+              <a:rPr lang="zh-TW" sz="2000">
+                <a:ea typeface="+mn-lt"/>
+                <a:cs typeface="+mn-lt"/>
+              </a:rPr>
+              <a:t>我發現就算回到原本的</a:t>
+            </a:r>
+            <a:r>
+              <a:rPr lang="zh-TW" altLang="en-US" sz="2000">
+                <a:ea typeface="+mn-lt"/>
+                <a:cs typeface="+mn-lt"/>
+              </a:rPr>
+              <a:t>次</a:t>
+            </a:r>
+            <a:r>
+              <a:rPr lang="zh-TW" sz="2000">
+                <a:ea typeface="+mn-lt"/>
+                <a:cs typeface="+mn-lt"/>
+              </a:rPr>
+              <a:t>元</a:t>
+            </a:r>
+            <a:r>
+              <a:rPr lang="en-US" altLang="zh-TW" sz="2000" dirty="0">
+                <a:ea typeface="+mn-lt"/>
+                <a:cs typeface="+mn-lt"/>
+              </a:rPr>
+              <a:t>(shift8</a:t>
+            </a:r>
+            <a:r>
+              <a:rPr lang="zh-TW" sz="2000">
+                <a:ea typeface="+mn-lt"/>
+                <a:cs typeface="+mn-lt"/>
+              </a:rPr>
+              <a:t> 燈泡表情</a:t>
+            </a:r>
+            <a:r>
+              <a:rPr lang="en-US" altLang="zh-TW" sz="2000" dirty="0">
+                <a:ea typeface="+mn-lt"/>
+                <a:cs typeface="+mn-lt"/>
+              </a:rPr>
+              <a:t>)</a:t>
+            </a:r>
+            <a:r>
+              <a:rPr lang="zh-TW" sz="2000">
+                <a:ea typeface="+mn-lt"/>
+                <a:cs typeface="+mn-lt"/>
+              </a:rPr>
+              <a:t>，也能通</a:t>
+            </a:r>
+            <a:r>
+              <a:rPr lang="zh-TW" altLang="en-US" sz="2000">
+                <a:ea typeface="+mn-lt"/>
+                <a:cs typeface="+mn-lt"/>
+              </a:rPr>
+              <a:t>過</a:t>
+            </a:r>
+            <a:r>
+              <a:rPr lang="zh-TW" sz="2000">
+                <a:ea typeface="+mn-lt"/>
+                <a:cs typeface="+mn-lt"/>
+              </a:rPr>
+              <a:t>直播，將人類的</a:t>
+            </a:r>
+            <a:r>
+              <a:rPr lang="zh-TW" altLang="en-US" sz="2000">
+                <a:ea typeface="+mn-lt"/>
+                <a:cs typeface="+mn-lt"/>
+              </a:rPr>
+              <a:t>創造</a:t>
+            </a:r>
+            <a:r>
+              <a:rPr lang="zh-TW" sz="2000">
+                <a:ea typeface="+mn-lt"/>
+                <a:cs typeface="+mn-lt"/>
+              </a:rPr>
+              <a:t>力带回我的世界，讓</a:t>
+            </a:r>
+            <a:r>
+              <a:rPr lang="zh-TW" altLang="en-US" sz="2000">
+                <a:ea typeface="+mn-lt"/>
+                <a:cs typeface="+mn-lt"/>
+              </a:rPr>
+              <a:t>兩個</a:t>
+            </a:r>
+            <a:r>
+              <a:rPr lang="zh-TW" sz="2000">
+                <a:ea typeface="+mn-lt"/>
+                <a:cs typeface="+mn-lt"/>
+              </a:rPr>
+              <a:t>次元相互</a:t>
+            </a:r>
+            <a:r>
+              <a:rPr lang="zh-TW" altLang="en-US" sz="2000">
+                <a:ea typeface="+mn-lt"/>
+                <a:cs typeface="+mn-lt"/>
+              </a:rPr>
+              <a:t>啟發</a:t>
+            </a:r>
+            <a:r>
+              <a:rPr lang="zh-TW" sz="2000">
+                <a:ea typeface="+mn-lt"/>
+                <a:cs typeface="+mn-lt"/>
+              </a:rPr>
+              <a:t>，共同</a:t>
+            </a:r>
+            <a:r>
+              <a:rPr lang="zh-TW" altLang="en-US" sz="2000">
+                <a:ea typeface="+mn-lt"/>
+                <a:cs typeface="+mn-lt"/>
+              </a:rPr>
+              <a:t>創造</a:t>
+            </a:r>
+            <a:r>
+              <a:rPr lang="zh-TW" sz="2000">
+                <a:ea typeface="+mn-lt"/>
+                <a:cs typeface="+mn-lt"/>
+              </a:rPr>
+              <a:t>出新的可</a:t>
+            </a:r>
+            <a:r>
+              <a:rPr lang="zh-TW" altLang="en-US" sz="2000">
+                <a:ea typeface="+mn-lt"/>
+                <a:cs typeface="+mn-lt"/>
+              </a:rPr>
+              <a:t>能</a:t>
+            </a:r>
+            <a:r>
+              <a:rPr lang="zh-TW" sz="2000">
+                <a:ea typeface="+mn-lt"/>
+                <a:cs typeface="+mn-lt"/>
+              </a:rPr>
+              <a:t>性。</a:t>
+            </a:r>
+            <a:endParaRPr lang="zh-TW" altLang="en-US" sz="2000"/>
+          </a:p>
+          <a:p>
+            <a:endParaRPr lang="zh-TW" altLang="en-US" sz="2200">
+              <a:ea typeface="新細明體"/>
+            </a:endParaRPr>
+          </a:p>
+        </p:txBody>
+      </p:sp>
       <p:pic>
         <p:nvPicPr>
           <p:cNvPr id="6" name="圖片 5" descr="一張含有 日本動畫, 卡通, 漫畫, 虛構小說 的圖片&#10;&#10;自動產生的描述">
@@ -5410,7 +6758,7 @@
           <p:nvPr/>
         </p:nvPicPr>
         <p:blipFill>
-          <a:blip r:embed="rId2"/>
+          <a:blip r:embed="rId3"/>
           <a:stretch>
             <a:fillRect/>
           </a:stretch>
@@ -5486,83 +6834,6 @@
               <a:latin typeface="Arial"/>
               <a:cs typeface="Arial"/>
             </a:endParaRPr>
-          </a:p>
-        </p:txBody>
-      </p:sp>
-      <p:sp>
-        <p:nvSpPr>
-          <p:cNvPr id="5" name="文字方塊 4">
-            <a:extLst>
-              <a:ext uri="{FF2B5EF4-FFF2-40B4-BE49-F238E27FC236}">
-                <a16:creationId xmlns:a16="http://schemas.microsoft.com/office/drawing/2014/main" id="{CA4EBAF2-4A45-D7CB-E1E4-12BC60843961}"/>
-              </a:ext>
-            </a:extLst>
-          </p:cNvPr>
-          <p:cNvSpPr txBox="1"/>
-          <p:nvPr/>
-        </p:nvSpPr>
-        <p:spPr>
-          <a:xfrm>
-            <a:off x="7877489" y="2295219"/>
-            <a:ext cx="3542190" cy="3139321"/>
-          </a:xfrm>
-          <a:prstGeom prst="rect">
-            <a:avLst/>
-          </a:prstGeom>
-          <a:noFill/>
-        </p:spPr>
-        <p:txBody>
-          <a:bodyPr rot="0" spcFirstLastPara="0" vertOverflow="overflow" horzOverflow="overflow" vert="horz" wrap="square" lIns="91440" tIns="45720" rIns="91440" bIns="45720" numCol="1" spcCol="0" rtlCol="0" fromWordArt="0" anchor="t" anchorCtr="0" forceAA="0" compatLnSpc="1">
-            <a:prstTxWarp prst="textNoShape">
-              <a:avLst/>
-            </a:prstTxWarp>
-            <a:spAutoFit/>
-          </a:bodyPr>
-          <a:lstStyle/>
-          <a:p>
-            <a:pPr>
-              <a:lnSpc>
-                <a:spcPct val="150000"/>
-              </a:lnSpc>
-            </a:pPr>
-            <a:r>
-              <a:rPr lang="zh-TW" altLang="en-US" sz="2000" dirty="0">
-                <a:latin typeface="Arial" panose="020B0604020202020204" pitchFamily="34" charset="0"/>
-                <a:cs typeface="Arial" panose="020B0604020202020204" pitchFamily="34" charset="0"/>
-              </a:rPr>
-              <a:t>然而，我發現就算回到原本的次元</a:t>
-            </a:r>
-            <a:r>
-              <a:rPr lang="en-US" altLang="zh-TW" sz="2000" dirty="0">
-                <a:latin typeface="Arial" panose="020B0604020202020204" pitchFamily="34" charset="0"/>
-                <a:cs typeface="Arial" panose="020B0604020202020204" pitchFamily="34" charset="0"/>
-              </a:rPr>
-              <a:t>(shift8 </a:t>
-            </a:r>
-            <a:r>
-              <a:rPr lang="zh-TW" altLang="en-US" sz="2000" dirty="0">
-                <a:latin typeface="Arial" panose="020B0604020202020204" pitchFamily="34" charset="0"/>
-                <a:cs typeface="Arial" panose="020B0604020202020204" pitchFamily="34" charset="0"/>
-              </a:rPr>
-              <a:t>燈泡表情</a:t>
-            </a:r>
-            <a:r>
-              <a:rPr lang="en-US" altLang="zh-TW" sz="2000" dirty="0">
-                <a:latin typeface="Arial" panose="020B0604020202020204" pitchFamily="34" charset="0"/>
-                <a:cs typeface="Arial" panose="020B0604020202020204" pitchFamily="34" charset="0"/>
-              </a:rPr>
-              <a:t>)</a:t>
-            </a:r>
-            <a:r>
-              <a:rPr lang="zh-TW" altLang="en-US" sz="2000" dirty="0">
-                <a:latin typeface="Arial" panose="020B0604020202020204" pitchFamily="34" charset="0"/>
-                <a:cs typeface="Arial" panose="020B0604020202020204" pitchFamily="34" charset="0"/>
-              </a:rPr>
-              <a:t>，也能通過直播，將人類的創造力带回我的世界，讓兩個次元相互啟發，共同創造出新的可能性。</a:t>
-            </a:r>
-          </a:p>
-          <a:p>
-            <a:endParaRPr lang="en-US" altLang="zh-TW" dirty="0"/>
           </a:p>
         </p:txBody>
       </p:sp>
@@ -5607,6 +6878,209 @@
           <a:chExt cx="0" cy="0"/>
         </a:xfrm>
       </p:grpSpPr>
+      <p:sp>
+        <p:nvSpPr>
+          <p:cNvPr id="3" name="內容版面配置區 2">
+            <a:extLst>
+              <a:ext uri="{FF2B5EF4-FFF2-40B4-BE49-F238E27FC236}">
+                <a16:creationId xmlns:a16="http://schemas.microsoft.com/office/drawing/2014/main" id="{C3CC72A2-91F5-444C-5E80-B5BDAB94EF6F}"/>
+              </a:ext>
+            </a:extLst>
+          </p:cNvPr>
+          <p:cNvSpPr>
+            <a:spLocks noGrp="1"/>
+          </p:cNvSpPr>
+          <p:nvPr>
+            <p:ph idx="1"/>
+          </p:nvPr>
+        </p:nvSpPr>
+        <p:spPr>
+          <a:xfrm>
+            <a:off x="7718122" y="2105383"/>
+            <a:ext cx="3799425" cy="3143241"/>
+          </a:xfrm>
+        </p:spPr>
+        <p:txBody>
+          <a:bodyPr vert="horz" lIns="91440" tIns="45720" rIns="91440" bIns="45720" rtlCol="0" anchor="t">
+            <a:normAutofit/>
+          </a:bodyPr>
+          <a:lstStyle/>
+          <a:p>
+            <a:pPr marL="0" indent="0">
+              <a:buNone/>
+            </a:pPr>
+            <a:r>
+              <a:rPr lang="zh-TW" sz="2000">
+                <a:ea typeface="+mn-lt"/>
+                <a:cs typeface="+mn-lt"/>
+              </a:rPr>
+              <a:t>現在，我不</a:t>
+            </a:r>
+            <a:r>
+              <a:rPr lang="zh-TW" altLang="en-US" sz="2000">
+                <a:ea typeface="+mn-lt"/>
+                <a:cs typeface="+mn-lt"/>
+              </a:rPr>
+              <a:t>僅</a:t>
+            </a:r>
+            <a:r>
+              <a:rPr lang="zh-TW" sz="2000">
+                <a:ea typeface="+mn-lt"/>
+                <a:cs typeface="+mn-lt"/>
+              </a:rPr>
+              <a:t>是一名</a:t>
+            </a:r>
+            <a:r>
+              <a:rPr lang="zh-TW" altLang="en-US" sz="2000">
+                <a:ea typeface="+mn-lt"/>
+                <a:cs typeface="+mn-lt"/>
+              </a:rPr>
+              <a:t>虛擬空間構築師</a:t>
+            </a:r>
+            <a:r>
+              <a:rPr lang="zh-TW" sz="2000">
+                <a:ea typeface="+mn-lt"/>
+                <a:cs typeface="+mn-lt"/>
+              </a:rPr>
+              <a:t>，也成</a:t>
+            </a:r>
+            <a:r>
+              <a:rPr lang="zh-TW" altLang="en-US" sz="2000">
+                <a:ea typeface="+mn-lt"/>
+                <a:cs typeface="+mn-lt"/>
+              </a:rPr>
+              <a:t>為連</a:t>
+            </a:r>
+            <a:r>
+              <a:rPr lang="zh-TW" sz="2000">
+                <a:ea typeface="+mn-lt"/>
+                <a:cs typeface="+mn-lt"/>
+              </a:rPr>
+              <a:t>接</a:t>
+            </a:r>
+            <a:r>
+              <a:rPr lang="zh-TW" altLang="en-US" sz="2000">
+                <a:ea typeface="+mn-lt"/>
+                <a:cs typeface="+mn-lt"/>
+              </a:rPr>
+              <a:t>兩個</a:t>
+            </a:r>
+            <a:r>
+              <a:rPr lang="zh-TW" sz="2000">
+                <a:ea typeface="+mn-lt"/>
+                <a:cs typeface="+mn-lt"/>
+              </a:rPr>
+              <a:t>世界的</a:t>
+            </a:r>
+            <a:r>
+              <a:rPr lang="zh-TW" altLang="en-US" sz="2000">
+                <a:ea typeface="+mn-lt"/>
+                <a:cs typeface="+mn-lt"/>
+              </a:rPr>
+              <a:t>橋梁</a:t>
+            </a:r>
+            <a:r>
+              <a:rPr lang="zh-TW" sz="2000">
+                <a:ea typeface="+mn-lt"/>
+                <a:cs typeface="+mn-lt"/>
+              </a:rPr>
+              <a:t>。每次直播都是新的</a:t>
+            </a:r>
+            <a:r>
+              <a:rPr lang="zh-TW" altLang="en-US" sz="2000">
+                <a:ea typeface="+mn-lt"/>
+                <a:cs typeface="+mn-lt"/>
+              </a:rPr>
+              <a:t>冒險</a:t>
+            </a:r>
+            <a:r>
+              <a:rPr lang="zh-TW" sz="2000">
+                <a:ea typeface="+mn-lt"/>
+                <a:cs typeface="+mn-lt"/>
+              </a:rPr>
+              <a:t>，我期待</a:t>
+            </a:r>
+            <a:r>
+              <a:rPr lang="zh-TW" altLang="en-US" sz="2000">
+                <a:ea typeface="+mn-lt"/>
+                <a:cs typeface="+mn-lt"/>
+              </a:rPr>
+              <a:t>與</a:t>
+            </a:r>
+            <a:r>
+              <a:rPr lang="zh-TW" sz="2000">
+                <a:ea typeface="+mn-lt"/>
+                <a:cs typeface="+mn-lt"/>
+              </a:rPr>
+              <a:t>大家一起探索</a:t>
+            </a:r>
+            <a:r>
+              <a:rPr lang="zh-TW" altLang="en-US" sz="2000">
+                <a:ea typeface="+mn-lt"/>
+                <a:cs typeface="+mn-lt"/>
+              </a:rPr>
+              <a:t>無限</a:t>
+            </a:r>
+            <a:r>
+              <a:rPr lang="zh-TW" sz="2000">
+                <a:ea typeface="+mn-lt"/>
+                <a:cs typeface="+mn-lt"/>
+              </a:rPr>
+              <a:t>的可能。</a:t>
+            </a:r>
+            <a:r>
+              <a:rPr lang="zh-TW" altLang="en-US" sz="2000">
+                <a:ea typeface="+mn-lt"/>
+                <a:cs typeface="+mn-lt"/>
+              </a:rPr>
+              <a:t>歡迎</a:t>
+            </a:r>
+            <a:r>
+              <a:rPr lang="zh-TW" sz="2000">
+                <a:ea typeface="+mn-lt"/>
+                <a:cs typeface="+mn-lt"/>
+              </a:rPr>
+              <a:t>你</a:t>
+            </a:r>
+            <a:r>
+              <a:rPr lang="zh-TW" altLang="en-US" sz="2000">
+                <a:ea typeface="+mn-lt"/>
+                <a:cs typeface="+mn-lt"/>
+              </a:rPr>
+              <a:t>們隨時與</a:t>
+            </a:r>
+            <a:r>
+              <a:rPr lang="zh-TW" sz="2000">
+                <a:ea typeface="+mn-lt"/>
+                <a:cs typeface="+mn-lt"/>
+              </a:rPr>
+              <a:t>我分享想法！</a:t>
+            </a:r>
+            <a:endParaRPr lang="zh-TW"/>
+          </a:p>
+          <a:p>
+            <a:pPr marL="0" indent="0">
+              <a:buNone/>
+            </a:pPr>
+            <a:r>
+              <a:rPr lang="en-US" altLang="zh-TW" sz="2000" dirty="0"/>
+              <a:t>(</a:t>
+            </a:r>
+            <a:r>
+              <a:rPr lang="en-US" altLang="zh-TW" sz="2000" dirty="0" err="1"/>
+              <a:t>瞇眼笑</a:t>
+            </a:r>
+            <a:r>
+              <a:rPr lang="en-US" altLang="zh-TW" sz="2000" dirty="0"/>
+              <a:t>)</a:t>
+            </a:r>
+            <a:endParaRPr lang="zh-TW" sz="2000" dirty="0"/>
+          </a:p>
+          <a:p>
+            <a:endParaRPr lang="zh-TW" sz="2000"/>
+          </a:p>
+        </p:txBody>
+      </p:sp>
       <p:pic>
         <p:nvPicPr>
           <p:cNvPr id="6" name="圖片 5" descr="一張含有 日本動畫, 卡通, 虛構角色, 電腦繪圖藝術品 的圖片&#10;&#10;自動產生的描述">
@@ -5622,7 +7096,7 @@
           <p:nvPr/>
         </p:nvPicPr>
         <p:blipFill>
-          <a:blip r:embed="rId2"/>
+          <a:blip r:embed="rId3"/>
           <a:stretch>
             <a:fillRect/>
           </a:stretch>
@@ -5701,78 +7175,6 @@
           </a:p>
         </p:txBody>
       </p:sp>
-      <p:sp>
-        <p:nvSpPr>
-          <p:cNvPr id="5" name="文字方塊 4">
-            <a:extLst>
-              <a:ext uri="{FF2B5EF4-FFF2-40B4-BE49-F238E27FC236}">
-                <a16:creationId xmlns:a16="http://schemas.microsoft.com/office/drawing/2014/main" id="{CA4EBAF2-4A45-D7CB-E1E4-12BC60843961}"/>
-              </a:ext>
-            </a:extLst>
-          </p:cNvPr>
-          <p:cNvSpPr txBox="1"/>
-          <p:nvPr/>
-        </p:nvSpPr>
-        <p:spPr>
-          <a:xfrm>
-            <a:off x="7877489" y="2199969"/>
-            <a:ext cx="3542190" cy="3447098"/>
-          </a:xfrm>
-          <a:prstGeom prst="rect">
-            <a:avLst/>
-          </a:prstGeom>
-          <a:noFill/>
-        </p:spPr>
-        <p:txBody>
-          <a:bodyPr rot="0" spcFirstLastPara="0" vertOverflow="overflow" horzOverflow="overflow" vert="horz" wrap="square" lIns="91440" tIns="45720" rIns="91440" bIns="45720" numCol="1" spcCol="0" rtlCol="0" fromWordArt="0" anchor="t" anchorCtr="0" forceAA="0" compatLnSpc="1">
-            <a:prstTxWarp prst="textNoShape">
-              <a:avLst/>
-            </a:prstTxWarp>
-            <a:spAutoFit/>
-          </a:bodyPr>
-          <a:lstStyle/>
-          <a:p>
-            <a:pPr>
-              <a:lnSpc>
-                <a:spcPct val="150000"/>
-              </a:lnSpc>
-            </a:pPr>
-            <a:r>
-              <a:rPr lang="zh-TW" altLang="en-US" sz="2000" dirty="0">
-                <a:latin typeface="Arial" panose="020B0604020202020204" pitchFamily="34" charset="0"/>
-                <a:cs typeface="Arial" panose="020B0604020202020204" pitchFamily="34" charset="0"/>
-              </a:rPr>
-              <a:t>現在，我不僅是一名虛擬空間構築，也成為連接兩個世界的橋梁。每次直播都是新的冒險，我期待與大家一起探索無限的可能。歡迎你們隨時與我分享想法！</a:t>
-            </a:r>
-          </a:p>
-          <a:p>
-            <a:r>
-              <a:rPr lang="en-US" altLang="zh-TW" sz="2000" dirty="0">
-                <a:latin typeface="Arial" panose="020B0604020202020204" pitchFamily="34" charset="0"/>
-                <a:cs typeface="Arial" panose="020B0604020202020204" pitchFamily="34" charset="0"/>
-              </a:rPr>
-              <a:t>(</a:t>
-            </a:r>
-            <a:r>
-              <a:rPr lang="zh-TW" altLang="en-US" sz="2000" dirty="0">
-                <a:latin typeface="Arial" panose="020B0604020202020204" pitchFamily="34" charset="0"/>
-                <a:cs typeface="Arial" panose="020B0604020202020204" pitchFamily="34" charset="0"/>
-              </a:rPr>
-              <a:t>瞇眼笑</a:t>
-            </a:r>
-            <a:r>
-              <a:rPr lang="en-US" altLang="zh-TW" sz="2000" dirty="0">
-                <a:latin typeface="Arial" panose="020B0604020202020204" pitchFamily="34" charset="0"/>
-                <a:cs typeface="Arial" panose="020B0604020202020204" pitchFamily="34" charset="0"/>
-              </a:rPr>
-              <a:t>)</a:t>
-            </a:r>
-          </a:p>
-          <a:p>
-            <a:endParaRPr lang="en-US" altLang="zh-TW" dirty="0"/>
-          </a:p>
-        </p:txBody>
-      </p:sp>
     </p:spTree>
     <p:extLst>
       <p:ext uri="{BB962C8B-B14F-4D97-AF65-F5344CB8AC3E}">
@@ -5863,134 +7265,399 @@
       </p:sp>
       <p:sp>
         <p:nvSpPr>
-          <p:cNvPr id="5" name="文字方塊 4">
-            <a:extLst>
-              <a:ext uri="{FF2B5EF4-FFF2-40B4-BE49-F238E27FC236}">
-                <a16:creationId xmlns:a16="http://schemas.microsoft.com/office/drawing/2014/main" id="{CA4EBAF2-4A45-D7CB-E1E4-12BC60843961}"/>
-              </a:ext>
-            </a:extLst>
-          </p:cNvPr>
-          <p:cNvSpPr txBox="1"/>
-          <p:nvPr/>
-        </p:nvSpPr>
-        <p:spPr>
-          <a:xfrm>
-            <a:off x="1429566" y="2286000"/>
-            <a:ext cx="9456713" cy="3600986"/>
-          </a:xfrm>
-          <a:prstGeom prst="rect">
-            <a:avLst/>
-          </a:prstGeom>
-          <a:noFill/>
-        </p:spPr>
-        <p:txBody>
-          <a:bodyPr rot="0" spcFirstLastPara="0" vertOverflow="overflow" horzOverflow="overflow" vert="horz" wrap="square" lIns="91440" tIns="45720" rIns="91440" bIns="45720" numCol="1" spcCol="0" rtlCol="0" fromWordArt="0" anchor="t" anchorCtr="0" forceAA="0" compatLnSpc="1">
-            <a:prstTxWarp prst="textNoShape">
-              <a:avLst/>
-            </a:prstTxWarp>
-            <a:spAutoFit/>
+          <p:cNvPr id="3" name="內容版面配置區 2">
+            <a:extLst>
+              <a:ext uri="{FF2B5EF4-FFF2-40B4-BE49-F238E27FC236}">
+                <a16:creationId xmlns:a16="http://schemas.microsoft.com/office/drawing/2014/main" id="{D3C8B782-BA86-0E7D-ED60-50EB8D95008F}"/>
+              </a:ext>
+            </a:extLst>
+          </p:cNvPr>
+          <p:cNvSpPr>
+            <a:spLocks noGrp="1"/>
+          </p:cNvSpPr>
+          <p:nvPr>
+            <p:ph idx="1"/>
+          </p:nvPr>
+        </p:nvSpPr>
+        <p:spPr/>
+        <p:txBody>
+          <a:bodyPr vert="horz" lIns="91440" tIns="45720" rIns="91440" bIns="45720" rtlCol="0" anchor="t">
+            <a:normAutofit lnSpcReduction="10000"/>
           </a:bodyPr>
           <a:lstStyle/>
           <a:p>
-            <a:pPr>
-              <a:lnSpc>
-                <a:spcPct val="150000"/>
-              </a:lnSpc>
-            </a:pPr>
-            <a:r>
-              <a:rPr lang="zh-TW" altLang="en-US" sz="2000" dirty="0">
-                <a:latin typeface="Arial" panose="020B0604020202020204" pitchFamily="34" charset="0"/>
-                <a:cs typeface="Arial" panose="020B0604020202020204" pitchFamily="34" charset="0"/>
-              </a:rPr>
-              <a:t>目標（來自虛擬次元，渴望探索人類的實體空間）</a:t>
-            </a:r>
-          </a:p>
-          <a:p>
-            <a:pPr>
-              <a:lnSpc>
-                <a:spcPct val="150000"/>
-              </a:lnSpc>
-            </a:pPr>
-            <a:r>
-              <a:rPr lang="zh-TW" altLang="en-US" sz="2000" dirty="0">
-                <a:latin typeface="Arial" panose="020B0604020202020204" pitchFamily="34" charset="0"/>
-                <a:cs typeface="Arial" panose="020B0604020202020204" pitchFamily="34" charset="0"/>
-              </a:rPr>
-              <a:t>阻礙（進入人類世界後發現文化差異）</a:t>
-            </a:r>
-          </a:p>
-          <a:p>
-            <a:pPr>
-              <a:lnSpc>
-                <a:spcPct val="150000"/>
-              </a:lnSpc>
-            </a:pPr>
-            <a:r>
-              <a:rPr lang="zh-TW" altLang="en-US" sz="2000" dirty="0">
-                <a:latin typeface="Arial" panose="020B0604020202020204" pitchFamily="34" charset="0"/>
-                <a:cs typeface="Arial" panose="020B0604020202020204" pitchFamily="34" charset="0"/>
-              </a:rPr>
-              <a:t>努力（在人類社會中找了份工作）</a:t>
-            </a:r>
-          </a:p>
-          <a:p>
-            <a:pPr>
-              <a:lnSpc>
-                <a:spcPct val="150000"/>
-              </a:lnSpc>
-            </a:pPr>
-            <a:r>
-              <a:rPr lang="zh-TW" altLang="en-US" sz="2000" dirty="0">
-                <a:latin typeface="Arial" panose="020B0604020202020204" pitchFamily="34" charset="0"/>
-                <a:cs typeface="Arial" panose="020B0604020202020204" pitchFamily="34" charset="0"/>
-              </a:rPr>
-              <a:t>结果（開始直播，與觀眾建立關係）</a:t>
-            </a:r>
-          </a:p>
-          <a:p>
-            <a:pPr>
-              <a:lnSpc>
-                <a:spcPct val="150000"/>
-              </a:lnSpc>
-            </a:pPr>
-            <a:r>
-              <a:rPr lang="zh-TW" altLang="en-US" sz="2000" dirty="0">
-                <a:latin typeface="Arial" panose="020B0604020202020204" pitchFamily="34" charset="0"/>
-                <a:cs typeface="Arial" panose="020B0604020202020204" pitchFamily="34" charset="0"/>
-              </a:rPr>
-              <a:t>意外（面臨族人的意見）</a:t>
-            </a:r>
-          </a:p>
-          <a:p>
-            <a:pPr>
-              <a:lnSpc>
-                <a:spcPct val="150000"/>
-              </a:lnSpc>
-            </a:pPr>
-            <a:r>
-              <a:rPr lang="zh-TW" altLang="en-US" sz="2000" dirty="0">
-                <a:latin typeface="Arial" panose="020B0604020202020204" pitchFamily="34" charset="0"/>
-                <a:cs typeface="Arial" panose="020B0604020202020204" pitchFamily="34" charset="0"/>
-              </a:rPr>
-              <a:t>轉折（结合虛擬和實體世界的創造力）</a:t>
-            </a:r>
-          </a:p>
-          <a:p>
-            <a:pPr>
-              <a:lnSpc>
-                <a:spcPct val="150000"/>
-              </a:lnSpc>
-            </a:pPr>
-            <a:r>
-              <a:rPr lang="zh-TW" altLang="en-US" sz="2000" dirty="0">
-                <a:latin typeface="Arial" panose="020B0604020202020204" pitchFamily="34" charset="0"/>
-                <a:cs typeface="Arial" panose="020B0604020202020204" pitchFamily="34" charset="0"/>
-              </a:rPr>
-              <a:t>结局（作为橋梁繼續探索兩者的無限可能）</a:t>
-            </a:r>
-          </a:p>
-          <a:p>
-            <a:endParaRPr lang="en-US" altLang="zh-TW" dirty="0"/>
+            <a:endParaRPr lang="zh-TW" dirty="0">
+              <a:ea typeface="新細明體"/>
+            </a:endParaRPr>
+          </a:p>
+          <a:p>
+            <a:r>
+              <a:rPr lang="zh-TW" b="1">
+                <a:ea typeface="+mn-lt"/>
+                <a:cs typeface="+mn-lt"/>
+              </a:rPr>
+              <a:t>目</a:t>
+            </a:r>
+            <a:r>
+              <a:rPr lang="zh-TW" altLang="en-US" b="1">
+                <a:ea typeface="+mn-lt"/>
+                <a:cs typeface="+mn-lt"/>
+              </a:rPr>
+              <a:t>標</a:t>
+            </a:r>
+            <a:r>
+              <a:rPr lang="zh-TW">
+                <a:ea typeface="+mn-lt"/>
+                <a:cs typeface="+mn-lt"/>
+              </a:rPr>
+              <a:t>（</a:t>
+            </a:r>
+            <a:r>
+              <a:rPr lang="zh-TW" altLang="en-US">
+                <a:ea typeface="+mn-lt"/>
+                <a:cs typeface="+mn-lt"/>
+              </a:rPr>
+              <a:t>來自</a:t>
+            </a:r>
+            <a:r>
+              <a:rPr lang="zh-TW">
+                <a:ea typeface="+mn-lt"/>
+                <a:cs typeface="+mn-lt"/>
+              </a:rPr>
+              <a:t>虛擬次元，渴望探索人</a:t>
+            </a:r>
+            <a:r>
+              <a:rPr lang="zh-TW" altLang="en-US">
+                <a:ea typeface="+mn-lt"/>
+                <a:cs typeface="+mn-lt"/>
+              </a:rPr>
+              <a:t>類</a:t>
+            </a:r>
+            <a:r>
+              <a:rPr lang="zh-TW">
+                <a:ea typeface="+mn-lt"/>
+                <a:cs typeface="+mn-lt"/>
+              </a:rPr>
+              <a:t>的</a:t>
+            </a:r>
+            <a:r>
+              <a:rPr lang="zh-TW" altLang="en-US">
+                <a:ea typeface="+mn-lt"/>
+                <a:cs typeface="+mn-lt"/>
+              </a:rPr>
+              <a:t>實體空間</a:t>
+            </a:r>
+            <a:r>
+              <a:rPr lang="zh-TW">
+                <a:ea typeface="+mn-lt"/>
+                <a:cs typeface="+mn-lt"/>
+              </a:rPr>
+              <a:t>）</a:t>
+            </a:r>
+            <a:endParaRPr lang="zh-TW" dirty="0"/>
+          </a:p>
+          <a:p>
+            <a:r>
+              <a:rPr lang="zh-TW" altLang="en-US">
+                <a:ea typeface="+mn-lt"/>
+                <a:cs typeface="+mn-lt"/>
+              </a:rPr>
+              <a:t>阻礙</a:t>
+            </a:r>
+            <a:r>
+              <a:rPr lang="zh-TW">
+                <a:ea typeface="+mn-lt"/>
+                <a:cs typeface="+mn-lt"/>
+              </a:rPr>
+              <a:t>（</a:t>
+            </a:r>
+            <a:r>
+              <a:rPr lang="zh-TW" altLang="en-US">
+                <a:ea typeface="+mn-lt"/>
+                <a:cs typeface="+mn-lt"/>
+              </a:rPr>
+              <a:t>進</a:t>
+            </a:r>
+            <a:r>
+              <a:rPr lang="zh-TW">
+                <a:ea typeface="+mn-lt"/>
+                <a:cs typeface="+mn-lt"/>
+              </a:rPr>
+              <a:t>入</a:t>
+            </a:r>
+            <a:r>
+              <a:rPr lang="zh-TW" altLang="en-US">
+                <a:ea typeface="+mn-lt"/>
+                <a:cs typeface="+mn-lt"/>
+              </a:rPr>
+              <a:t>人類</a:t>
+            </a:r>
+            <a:r>
+              <a:rPr lang="zh-TW">
+                <a:ea typeface="+mn-lt"/>
+                <a:cs typeface="+mn-lt"/>
+              </a:rPr>
+              <a:t>世界後發</a:t>
+            </a:r>
+            <a:r>
+              <a:rPr lang="zh-TW" altLang="en-US">
+                <a:ea typeface="+mn-lt"/>
+                <a:cs typeface="+mn-lt"/>
+              </a:rPr>
+              <a:t>現</a:t>
+            </a:r>
+            <a:r>
+              <a:rPr lang="zh-TW">
+                <a:ea typeface="+mn-lt"/>
+                <a:cs typeface="+mn-lt"/>
+              </a:rPr>
+              <a:t>文</a:t>
+            </a:r>
+            <a:r>
+              <a:rPr lang="zh-TW" altLang="en-US">
+                <a:ea typeface="+mn-lt"/>
+                <a:cs typeface="+mn-lt"/>
+              </a:rPr>
+              <a:t>化差異</a:t>
+            </a:r>
+            <a:r>
+              <a:rPr lang="zh-TW">
+                <a:ea typeface="+mn-lt"/>
+                <a:cs typeface="+mn-lt"/>
+              </a:rPr>
+              <a:t>）</a:t>
+            </a:r>
+            <a:endParaRPr lang="zh-TW" dirty="0"/>
+          </a:p>
+          <a:p>
+            <a:r>
+              <a:rPr lang="zh-TW" b="1">
+                <a:ea typeface="+mn-lt"/>
+                <a:cs typeface="+mn-lt"/>
+              </a:rPr>
+              <a:t>努力</a:t>
+            </a:r>
+            <a:r>
+              <a:rPr lang="zh-TW">
+                <a:ea typeface="+mn-lt"/>
+                <a:cs typeface="+mn-lt"/>
+              </a:rPr>
+              <a:t>（</a:t>
+            </a:r>
+            <a:r>
+              <a:rPr lang="zh-TW" altLang="en-US">
+                <a:ea typeface="+mn-lt"/>
+                <a:cs typeface="+mn-lt"/>
+              </a:rPr>
+              <a:t>在人類社會中找了份工作</a:t>
+            </a:r>
+            <a:r>
+              <a:rPr lang="zh-TW">
+                <a:ea typeface="+mn-lt"/>
+                <a:cs typeface="+mn-lt"/>
+              </a:rPr>
+              <a:t>）</a:t>
+            </a:r>
+            <a:endParaRPr lang="zh-TW"/>
+          </a:p>
+          <a:p>
+            <a:r>
+              <a:rPr lang="zh-TW" b="1">
+                <a:ea typeface="+mn-lt"/>
+                <a:cs typeface="+mn-lt"/>
+              </a:rPr>
+              <a:t>结果</a:t>
+            </a:r>
+            <a:r>
+              <a:rPr lang="zh-TW">
+                <a:ea typeface="+mn-lt"/>
+                <a:cs typeface="+mn-lt"/>
+              </a:rPr>
+              <a:t>（</a:t>
+            </a:r>
+            <a:r>
+              <a:rPr lang="zh-TW" altLang="en-US">
+                <a:ea typeface="+mn-lt"/>
+                <a:cs typeface="+mn-lt"/>
+              </a:rPr>
+              <a:t>開始</a:t>
+            </a:r>
+            <a:r>
+              <a:rPr lang="zh-TW">
+                <a:ea typeface="+mn-lt"/>
+                <a:cs typeface="+mn-lt"/>
+              </a:rPr>
+              <a:t>直播，</a:t>
+            </a:r>
+            <a:r>
+              <a:rPr lang="zh-TW" altLang="en-US">
+                <a:ea typeface="+mn-lt"/>
+                <a:cs typeface="+mn-lt"/>
+              </a:rPr>
+              <a:t>與觀眾建立關係</a:t>
+            </a:r>
+            <a:r>
+              <a:rPr lang="zh-TW">
+                <a:ea typeface="+mn-lt"/>
+                <a:cs typeface="+mn-lt"/>
+              </a:rPr>
+              <a:t>）</a:t>
+            </a:r>
+            <a:endParaRPr lang="zh-TW"/>
+          </a:p>
+          <a:p>
+            <a:r>
+              <a:rPr lang="zh-TW" b="1">
+                <a:ea typeface="+mn-lt"/>
+                <a:cs typeface="+mn-lt"/>
+              </a:rPr>
+              <a:t>意外</a:t>
+            </a:r>
+            <a:r>
+              <a:rPr lang="zh-TW">
+                <a:ea typeface="+mn-lt"/>
+                <a:cs typeface="+mn-lt"/>
+              </a:rPr>
+              <a:t>（面臨族人的</a:t>
+            </a:r>
+            <a:r>
+              <a:rPr lang="zh-TW" altLang="en-US">
+                <a:ea typeface="+mn-lt"/>
+                <a:cs typeface="+mn-lt"/>
+              </a:rPr>
+              <a:t>意見</a:t>
+            </a:r>
+            <a:r>
+              <a:rPr lang="zh-TW">
+                <a:ea typeface="+mn-lt"/>
+                <a:cs typeface="+mn-lt"/>
+              </a:rPr>
+              <a:t>）</a:t>
+            </a:r>
+            <a:endParaRPr lang="zh-TW"/>
+          </a:p>
+          <a:p>
+            <a:r>
+              <a:rPr lang="zh-TW" altLang="en-US">
+                <a:ea typeface="+mn-lt"/>
+                <a:cs typeface="+mn-lt"/>
+              </a:rPr>
+              <a:t>轉折</a:t>
+            </a:r>
+            <a:r>
+              <a:rPr lang="zh-TW">
+                <a:ea typeface="+mn-lt"/>
+                <a:cs typeface="+mn-lt"/>
+              </a:rPr>
+              <a:t>（结合</a:t>
+            </a:r>
+            <a:r>
+              <a:rPr lang="zh-TW" altLang="en-US">
+                <a:ea typeface="+mn-lt"/>
+                <a:cs typeface="+mn-lt"/>
+              </a:rPr>
+              <a:t>虛擬</a:t>
+            </a:r>
+            <a:r>
+              <a:rPr lang="zh-TW">
+                <a:ea typeface="+mn-lt"/>
+                <a:cs typeface="+mn-lt"/>
+              </a:rPr>
+              <a:t>和實體世界的</a:t>
+            </a:r>
+            <a:r>
+              <a:rPr lang="zh-TW" altLang="en-US">
+                <a:ea typeface="+mn-lt"/>
+                <a:cs typeface="+mn-lt"/>
+              </a:rPr>
+              <a:t>創造</a:t>
+            </a:r>
+            <a:r>
+              <a:rPr lang="zh-TW">
+                <a:ea typeface="+mn-lt"/>
+                <a:cs typeface="+mn-lt"/>
+              </a:rPr>
+              <a:t>力）</a:t>
+            </a:r>
+            <a:endParaRPr lang="zh-TW"/>
+          </a:p>
+          <a:p>
+            <a:r>
+              <a:rPr lang="zh-TW" b="1">
+                <a:ea typeface="+mn-lt"/>
+                <a:cs typeface="+mn-lt"/>
+              </a:rPr>
+              <a:t>结局</a:t>
+            </a:r>
+            <a:r>
+              <a:rPr lang="zh-TW">
+                <a:ea typeface="+mn-lt"/>
+                <a:cs typeface="+mn-lt"/>
+              </a:rPr>
+              <a:t>（作</a:t>
+            </a:r>
+            <a:r>
+              <a:rPr lang="zh-TW" altLang="en-US">
+                <a:ea typeface="+mn-lt"/>
+                <a:cs typeface="+mn-lt"/>
+              </a:rPr>
+              <a:t>為</a:t>
+            </a:r>
+            <a:r>
+              <a:rPr lang="zh-TW">
+                <a:ea typeface="+mn-lt"/>
+                <a:cs typeface="+mn-lt"/>
+              </a:rPr>
+              <a:t>橋梁</a:t>
+            </a:r>
+            <a:r>
+              <a:rPr lang="zh-TW" altLang="en-US">
+                <a:ea typeface="+mn-lt"/>
+                <a:cs typeface="+mn-lt"/>
+              </a:rPr>
+              <a:t>繼續</a:t>
+            </a:r>
+            <a:r>
+              <a:rPr lang="zh-TW">
+                <a:ea typeface="+mn-lt"/>
+                <a:cs typeface="+mn-lt"/>
+              </a:rPr>
+              <a:t>探索</a:t>
+            </a:r>
+            <a:r>
+              <a:rPr lang="zh-TW" altLang="en-US">
+                <a:ea typeface="+mn-lt"/>
+                <a:cs typeface="+mn-lt"/>
+              </a:rPr>
+              <a:t>兩</a:t>
+            </a:r>
+            <a:r>
+              <a:rPr lang="zh-TW">
+                <a:ea typeface="+mn-lt"/>
+                <a:cs typeface="+mn-lt"/>
+              </a:rPr>
+              <a:t>者的</a:t>
+            </a:r>
+            <a:r>
+              <a:rPr lang="zh-TW" altLang="en-US">
+                <a:ea typeface="+mn-lt"/>
+                <a:cs typeface="+mn-lt"/>
+              </a:rPr>
+              <a:t>無</a:t>
+            </a:r>
+            <a:r>
+              <a:rPr lang="zh-TW">
+                <a:ea typeface="+mn-lt"/>
+                <a:cs typeface="+mn-lt"/>
+              </a:rPr>
+              <a:t>限可能）</a:t>
+            </a:r>
+            <a:endParaRPr lang="zh-TW"/>
+          </a:p>
+          <a:p>
+            <a:endParaRPr lang="zh-TW" altLang="en-US" dirty="0">
+              <a:ea typeface="新細明體"/>
+            </a:endParaRPr>
           </a:p>
         </p:txBody>
       </p:sp>
@@ -6209,4 +7876,299 @@
     </a:ext>
   </a:extLst>
 </a:theme>
+</file>
+
+<file path=ppt/theme/theme2.xml><?xml version="1.0" encoding="utf-8"?>
+<a:theme xmlns:a="http://schemas.openxmlformats.org/drawingml/2006/main" name="Office 佈景主題">
+  <a:themeElements>
+    <a:clrScheme name="Office">
+      <a:dk1>
+        <a:sysClr val="windowText" lastClr="000000"/>
+      </a:dk1>
+      <a:lt1>
+        <a:sysClr val="window" lastClr="FFFFFF"/>
+      </a:lt1>
+      <a:dk2>
+        <a:srgbClr val="44546A"/>
+      </a:dk2>
+      <a:lt2>
+        <a:srgbClr val="E7E6E6"/>
+      </a:lt2>
+      <a:accent1>
+        <a:srgbClr val="4472C4"/>
+      </a:accent1>
+      <a:accent2>
+        <a:srgbClr val="ED7D31"/>
+      </a:accent2>
+      <a:accent3>
+        <a:srgbClr val="A5A5A5"/>
+      </a:accent3>
+      <a:accent4>
+        <a:srgbClr val="FFC000"/>
+      </a:accent4>
+      <a:accent5>
+        <a:srgbClr val="5B9BD5"/>
+      </a:accent5>
+      <a:accent6>
+        <a:srgbClr val="70AD47"/>
+      </a:accent6>
+      <a:hlink>
+        <a:srgbClr val="0563C1"/>
+      </a:hlink>
+      <a:folHlink>
+        <a:srgbClr val="954F72"/>
+      </a:folHlink>
+    </a:clrScheme>
+    <a:fontScheme name="Office">
+      <a:majorFont>
+        <a:latin typeface="Calibri Light" panose="020F0302020204030204"/>
+        <a:ea typeface=""/>
+        <a:cs typeface=""/>
+        <a:font script="Jpan" typeface="游ゴシック Light"/>
+        <a:font script="Hang" typeface="맑은 고딕"/>
+        <a:font script="Hans" typeface="等线 Light"/>
+        <a:font script="Hant" typeface="新細明體"/>
+        <a:font script="Arab" typeface="Times New Roman"/>
+        <a:font script="Hebr" typeface="Times New Roman"/>
+        <a:font script="Thai" typeface="Angsana New"/>
+        <a:font script="Ethi" typeface="Nyala"/>
+        <a:font script="Beng" typeface="Vrinda"/>
+        <a:font script="Gujr" typeface="Shruti"/>
+        <a:font script="Khmr" typeface="MoolBoran"/>
+        <a:font script="Knda" typeface="Tunga"/>
+        <a:font script="Guru" typeface="Raavi"/>
+        <a:font script="Cans" typeface="Euphemia"/>
+        <a:font script="Cher" typeface="Plantagenet Cherokee"/>
+        <a:font script="Yiii" typeface="Microsoft Yi Baiti"/>
+        <a:font script="Tibt" typeface="Microsoft Himalaya"/>
+        <a:font script="Thaa" typeface="MV Boli"/>
+        <a:font script="Deva" typeface="Mangal"/>
+        <a:font script="Telu" typeface="Gautami"/>
+        <a:font script="Taml" typeface="Latha"/>
+        <a:font script="Syrc" typeface="Estrangelo Edessa"/>
+        <a:font script="Orya" typeface="Kalinga"/>
+        <a:font script="Mlym" typeface="Kartika"/>
+        <a:font script="Laoo" typeface="DokChampa"/>
+        <a:font script="Sinh" typeface="Iskoola Pota"/>
+        <a:font script="Mong" typeface="Mongolian Baiti"/>
+        <a:font script="Viet" typeface="Times New Roman"/>
+        <a:font script="Uigh" typeface="Microsoft Uighur"/>
+        <a:font script="Geor" typeface="Sylfaen"/>
+        <a:font script="Armn" typeface="Arial"/>
+        <a:font script="Bugi" typeface="Leelawadee UI"/>
+        <a:font script="Bopo" typeface="Microsoft JhengHei"/>
+        <a:font script="Java" typeface="Javanese Text"/>
+        <a:font script="Lisu" typeface="Segoe UI"/>
+        <a:font script="Mymr" typeface="Myanmar Text"/>
+        <a:font script="Nkoo" typeface="Ebrima"/>
+        <a:font script="Olck" typeface="Nirmala UI"/>
+        <a:font script="Osma" typeface="Ebrima"/>
+        <a:font script="Phag" typeface="Phagspa"/>
+        <a:font script="Syrn" typeface="Estrangelo Edessa"/>
+        <a:font script="Syrj" typeface="Estrangelo Edessa"/>
+        <a:font script="Syre" typeface="Estrangelo Edessa"/>
+        <a:font script="Sora" typeface="Nirmala UI"/>
+        <a:font script="Tale" typeface="Microsoft Tai Le"/>
+        <a:font script="Talu" typeface="Microsoft New Tai Lue"/>
+        <a:font script="Tfng" typeface="Ebrima"/>
+      </a:majorFont>
+      <a:minorFont>
+        <a:latin typeface="Calibri" panose="020F0502020204030204"/>
+        <a:ea typeface=""/>
+        <a:cs typeface=""/>
+        <a:font script="Jpan" typeface="游ゴシック"/>
+        <a:font script="Hang" typeface="맑은 고딕"/>
+        <a:font script="Hans" typeface="等线"/>
+        <a:font script="Hant" typeface="新細明體"/>
+        <a:font script="Arab" typeface="Arial"/>
+        <a:font script="Hebr" typeface="Arial"/>
+        <a:font script="Thai" typeface="Cordia New"/>
+        <a:font script="Ethi" typeface="Nyala"/>
+        <a:font script="Beng" typeface="Vrinda"/>
+        <a:font script="Gujr" typeface="Shruti"/>
+        <a:font script="Khmr" typeface="DaunPenh"/>
+        <a:font script="Knda" typeface="Tunga"/>
+        <a:font script="Guru" typeface="Raavi"/>
+        <a:font script="Cans" typeface="Euphemia"/>
+        <a:font script="Cher" typeface="Plantagenet Cherokee"/>
+        <a:font script="Yiii" typeface="Microsoft Yi Baiti"/>
+        <a:font script="Tibt" typeface="Microsoft Himalaya"/>
+        <a:font script="Thaa" typeface="MV Boli"/>
+        <a:font script="Deva" typeface="Mangal"/>
+        <a:font script="Telu" typeface="Gautami"/>
+        <a:font script="Taml" typeface="Latha"/>
+        <a:font script="Syrc" typeface="Estrangelo Edessa"/>
+        <a:font script="Orya" typeface="Kalinga"/>
+        <a:font script="Mlym" typeface="Kartika"/>
+        <a:font script="Laoo" typeface="DokChampa"/>
+        <a:font script="Sinh" typeface="Iskoola Pota"/>
+        <a:font script="Mong" typeface="Mongolian Baiti"/>
+        <a:font script="Viet" typeface="Arial"/>
+        <a:font script="Uigh" typeface="Microsoft Uighur"/>
+        <a:font script="Geor" typeface="Sylfaen"/>
+        <a:font script="Armn" typeface="Arial"/>
+        <a:font script="Bugi" typeface="Leelawadee UI"/>
+        <a:font script="Bopo" typeface="Microsoft JhengHei"/>
+        <a:font script="Java" typeface="Javanese Text"/>
+        <a:font script="Lisu" typeface="Segoe UI"/>
+        <a:font script="Mymr" typeface="Myanmar Text"/>
+        <a:font script="Nkoo" typeface="Ebrima"/>
+        <a:font script="Olck" typeface="Nirmala UI"/>
+        <a:font script="Osma" typeface="Ebrima"/>
+        <a:font script="Phag" typeface="Phagspa"/>
+        <a:font script="Syrn" typeface="Estrangelo Edessa"/>
+        <a:font script="Syrj" typeface="Estrangelo Edessa"/>
+        <a:font script="Syre" typeface="Estrangelo Edessa"/>
+        <a:font script="Sora" typeface="Nirmala UI"/>
+        <a:font script="Tale" typeface="Microsoft Tai Le"/>
+        <a:font script="Talu" typeface="Microsoft New Tai Lue"/>
+        <a:font script="Tfng" typeface="Ebrima"/>
+      </a:minorFont>
+    </a:fontScheme>
+    <a:fmtScheme name="Office">
+      <a:fillStyleLst>
+        <a:solidFill>
+          <a:schemeClr val="phClr"/>
+        </a:solidFill>
+        <a:gradFill rotWithShape="1">
+          <a:gsLst>
+            <a:gs pos="0">
+              <a:schemeClr val="phClr">
+                <a:lumMod val="110000"/>
+                <a:satMod val="105000"/>
+                <a:tint val="67000"/>
+              </a:schemeClr>
+            </a:gs>
+            <a:gs pos="50000">
+              <a:schemeClr val="phClr">
+                <a:lumMod val="105000"/>
+                <a:satMod val="103000"/>
+                <a:tint val="73000"/>
+              </a:schemeClr>
+            </a:gs>
+            <a:gs pos="100000">
+              <a:schemeClr val="phClr">
+                <a:lumMod val="105000"/>
+                <a:satMod val="109000"/>
+                <a:tint val="81000"/>
+              </a:schemeClr>
+            </a:gs>
+          </a:gsLst>
+          <a:lin ang="5400000" scaled="0"/>
+        </a:gradFill>
+        <a:gradFill rotWithShape="1">
+          <a:gsLst>
+            <a:gs pos="0">
+              <a:schemeClr val="phClr">
+                <a:satMod val="103000"/>
+                <a:lumMod val="102000"/>
+                <a:tint val="94000"/>
+              </a:schemeClr>
+            </a:gs>
+            <a:gs pos="50000">
+              <a:schemeClr val="phClr">
+                <a:satMod val="110000"/>
+                <a:lumMod val="100000"/>
+                <a:shade val="100000"/>
+              </a:schemeClr>
+            </a:gs>
+            <a:gs pos="100000">
+              <a:schemeClr val="phClr">
+                <a:lumMod val="99000"/>
+                <a:satMod val="120000"/>
+                <a:shade val="78000"/>
+              </a:schemeClr>
+            </a:gs>
+          </a:gsLst>
+          <a:lin ang="5400000" scaled="0"/>
+        </a:gradFill>
+      </a:fillStyleLst>
+      <a:lnStyleLst>
+        <a:ln w="6350" cap="flat" cmpd="sng" algn="ctr">
+          <a:solidFill>
+            <a:schemeClr val="phClr"/>
+          </a:solidFill>
+          <a:prstDash val="solid"/>
+          <a:miter lim="800000"/>
+        </a:ln>
+        <a:ln w="12700" cap="flat" cmpd="sng" algn="ctr">
+          <a:solidFill>
+            <a:schemeClr val="phClr"/>
+          </a:solidFill>
+          <a:prstDash val="solid"/>
+          <a:miter lim="800000"/>
+        </a:ln>
+        <a:ln w="19050" cap="flat" cmpd="sng" algn="ctr">
+          <a:solidFill>
+            <a:schemeClr val="phClr"/>
+          </a:solidFill>
+          <a:prstDash val="solid"/>
+          <a:miter lim="800000"/>
+        </a:ln>
+      </a:lnStyleLst>
+      <a:effectStyleLst>
+        <a:effectStyle>
+          <a:effectLst/>
+        </a:effectStyle>
+        <a:effectStyle>
+          <a:effectLst/>
+        </a:effectStyle>
+        <a:effectStyle>
+          <a:effectLst>
+            <a:outerShdw blurRad="57150" dist="19050" dir="5400000" algn="ctr" rotWithShape="0">
+              <a:srgbClr val="000000">
+                <a:alpha val="63000"/>
+              </a:srgbClr>
+            </a:outerShdw>
+          </a:effectLst>
+        </a:effectStyle>
+      </a:effectStyleLst>
+      <a:bgFillStyleLst>
+        <a:solidFill>
+          <a:schemeClr val="phClr"/>
+        </a:solidFill>
+        <a:solidFill>
+          <a:schemeClr val="phClr">
+            <a:tint val="95000"/>
+            <a:satMod val="170000"/>
+          </a:schemeClr>
+        </a:solidFill>
+        <a:gradFill rotWithShape="1">
+          <a:gsLst>
+            <a:gs pos="0">
+              <a:schemeClr val="phClr">
+                <a:tint val="93000"/>
+                <a:satMod val="150000"/>
+                <a:shade val="98000"/>
+                <a:lumMod val="102000"/>
+              </a:schemeClr>
+            </a:gs>
+            <a:gs pos="50000">
+              <a:schemeClr val="phClr">
+                <a:tint val="98000"/>
+                <a:satMod val="130000"/>
+                <a:shade val="90000"/>
+                <a:lumMod val="103000"/>
+              </a:schemeClr>
+            </a:gs>
+            <a:gs pos="100000">
+              <a:schemeClr val="phClr">
+                <a:shade val="63000"/>
+                <a:satMod val="120000"/>
+              </a:schemeClr>
+            </a:gs>
+          </a:gsLst>
+          <a:lin ang="5400000" scaled="0"/>
+        </a:gradFill>
+      </a:bgFillStyleLst>
+    </a:fmtScheme>
+  </a:themeElements>
+  <a:objectDefaults/>
+  <a:extraClrSchemeLst/>
+  <a:extLst>
+    <a:ext uri="{05A4C25C-085E-4340-85A3-A5531E510DB2}">
+      <thm15:themeFamily xmlns:thm15="http://schemas.microsoft.com/office/thememl/2012/main" name="Office Theme" id="{62F939B6-93AF-4DB8-9C6B-D6C7DFDC589F}" vid="{4A3C46E8-61CC-4603-A589-7422A47A8E4A}"/>
+    </a:ext>
+  </a:extLst>
+</a:theme>
 </file>